--- a/Presentation.pptx
+++ b/Presentation.pptx
@@ -5,7 +5,7 @@
     <p:sldMasterId id="2147483648" r:id="rId1"/>
   </p:sldMasterIdLst>
   <p:notesMasterIdLst>
-    <p:notesMasterId r:id="rId19"/>
+    <p:notesMasterId r:id="rId20"/>
   </p:notesMasterIdLst>
   <p:sldIdLst>
     <p:sldId id="256" r:id="rId3"/>
@@ -18,27 +18,28 @@
     <p:sldId id="259" r:id="rId10"/>
     <p:sldId id="268" r:id="rId11"/>
     <p:sldId id="282" r:id="rId12"/>
-    <p:sldId id="287" r:id="rId13"/>
-    <p:sldId id="274" r:id="rId14"/>
-    <p:sldId id="277" r:id="rId15"/>
-    <p:sldId id="278" r:id="rId16"/>
-    <p:sldId id="291" r:id="rId17"/>
-    <p:sldId id="293" r:id="rId18"/>
-    <p:sldId id="275" r:id="rId20"/>
-    <p:sldId id="276" r:id="rId21"/>
-    <p:sldId id="288" r:id="rId22"/>
-    <p:sldId id="290" r:id="rId23"/>
-    <p:sldId id="272" r:id="rId24"/>
-    <p:sldId id="271" r:id="rId25"/>
-    <p:sldId id="283" r:id="rId26"/>
-    <p:sldId id="286" r:id="rId27"/>
-    <p:sldId id="262" r:id="rId28"/>
-    <p:sldId id="295" r:id="rId29"/>
-    <p:sldId id="296" r:id="rId30"/>
-    <p:sldId id="263" r:id="rId31"/>
-    <p:sldId id="297" r:id="rId32"/>
-    <p:sldId id="298" r:id="rId33"/>
-    <p:sldId id="264" r:id="rId34"/>
+    <p:sldId id="320" r:id="rId13"/>
+    <p:sldId id="287" r:id="rId14"/>
+    <p:sldId id="274" r:id="rId15"/>
+    <p:sldId id="277" r:id="rId16"/>
+    <p:sldId id="278" r:id="rId17"/>
+    <p:sldId id="291" r:id="rId18"/>
+    <p:sldId id="293" r:id="rId19"/>
+    <p:sldId id="275" r:id="rId21"/>
+    <p:sldId id="276" r:id="rId22"/>
+    <p:sldId id="288" r:id="rId23"/>
+    <p:sldId id="290" r:id="rId24"/>
+    <p:sldId id="272" r:id="rId25"/>
+    <p:sldId id="271" r:id="rId26"/>
+    <p:sldId id="283" r:id="rId27"/>
+    <p:sldId id="286" r:id="rId28"/>
+    <p:sldId id="262" r:id="rId29"/>
+    <p:sldId id="295" r:id="rId30"/>
+    <p:sldId id="296" r:id="rId31"/>
+    <p:sldId id="263" r:id="rId32"/>
+    <p:sldId id="297" r:id="rId33"/>
+    <p:sldId id="298" r:id="rId34"/>
+    <p:sldId id="264" r:id="rId35"/>
   </p:sldIdLst>
   <p:sldSz cx="12192000" cy="6858000"/>
   <p:notesSz cx="6858000" cy="9144000"/>
@@ -8274,10 +8275,16 @@
           <a:lstStyle/>
           <a:p>
             <a:r>
-              <a:rPr lang="en-US" b="1" dirty="0"/>
-              <a:t>Exploratory Data Analysis</a:t>
-            </a:r>
-            <a:endParaRPr lang="en-US" b="1" dirty="0"/>
+              <a:rPr lang="en-GB" altLang="en-US" b="1" dirty="0">
+                <a:latin typeface="Times New Roman" panose="02020603050405020304" charset="0"/>
+                <a:cs typeface="Times New Roman" panose="02020603050405020304" charset="0"/>
+              </a:rPr>
+              <a:t>Model Evaluation</a:t>
+            </a:r>
+            <a:endParaRPr lang="en-GB" altLang="en-US" b="1" dirty="0">
+              <a:latin typeface="Times New Roman" panose="02020603050405020304" charset="0"/>
+              <a:cs typeface="Times New Roman" panose="02020603050405020304" charset="0"/>
+            </a:endParaRPr>
           </a:p>
         </p:txBody>
       </p:sp>
@@ -8293,8 +8300,8 @@
         </p:nvSpPr>
         <p:spPr>
           <a:xfrm>
-            <a:off x="2482165" y="1461190"/>
-            <a:ext cx="8307755" cy="4983480"/>
+            <a:off x="2482215" y="1336040"/>
+            <a:ext cx="8307705" cy="5108575"/>
           </a:xfrm>
         </p:spPr>
         <p:txBody>
@@ -8303,63 +8310,110 @@
           </a:bodyPr>
           <a:lstStyle/>
           <a:p>
-            <a:pPr>
+            <a:pPr marL="0" indent="0">
               <a:lnSpc>
                 <a:spcPct val="150000"/>
               </a:lnSpc>
+              <a:buNone/>
             </a:pPr>
             <a:r>
-              <a:rPr lang="en-US" sz="2200" i="0" dirty="0">
+              <a:rPr lang="en-GB" altLang="en-US" sz="2000" i="0" dirty="0">
                 <a:effectLst/>
-                <a:latin typeface="Arial" panose="020B0604020202020204" pitchFamily="34" charset="0"/>
-                <a:cs typeface="Arial" panose="020B0604020202020204" pitchFamily="34" charset="0"/>
-              </a:rPr>
-              <a:t>Summary statistics, correlation analysis, and standard deviation were used in an analysis to understand the distribution of movie information, budgets, and revenues across different genres. </a:t>
-            </a:r>
-            <a:endParaRPr lang="en-US" sz="2200" i="0" dirty="0">
+                <a:latin typeface="Times New Roman" panose="02020603050405020304" charset="0"/>
+                <a:cs typeface="Times New Roman" panose="02020603050405020304" charset="0"/>
+              </a:rPr>
+              <a:t>The following Metrics were used to evaluate the Models developed:</a:t>
+            </a:r>
+            <a:endParaRPr lang="en-GB" altLang="en-US" sz="2000" i="0" dirty="0">
               <a:effectLst/>
-              <a:latin typeface="Arial" panose="020B0604020202020204" pitchFamily="34" charset="0"/>
-              <a:cs typeface="Arial" panose="020B0604020202020204" pitchFamily="34" charset="0"/>
+              <a:latin typeface="Times New Roman" panose="02020603050405020304" charset="0"/>
+              <a:cs typeface="Times New Roman" panose="02020603050405020304" charset="0"/>
             </a:endParaRPr>
           </a:p>
           <a:p>
-            <a:pPr>
+            <a:pPr marL="0" indent="0">
               <a:lnSpc>
                 <a:spcPct val="150000"/>
               </a:lnSpc>
+              <a:buNone/>
             </a:pPr>
             <a:r>
-              <a:rPr lang="en-US" sz="2200" i="0" dirty="0">
+              <a:rPr lang="en-GB" altLang="en-US" sz="2000" i="0" dirty="0">
                 <a:effectLst/>
-                <a:latin typeface="Arial" panose="020B0604020202020204" pitchFamily="34" charset="0"/>
-                <a:cs typeface="Arial" panose="020B0604020202020204" pitchFamily="34" charset="0"/>
-              </a:rPr>
-              <a:t>Trend analysis revealed seasonal patterns, while genre analysis revealed common and rare trends. </a:t>
-            </a:r>
-            <a:endParaRPr lang="en-US" sz="2200" i="0" dirty="0">
-              <a:effectLst/>
-              <a:latin typeface="Arial" panose="020B0604020202020204" pitchFamily="34" charset="0"/>
-              <a:cs typeface="Arial" panose="020B0604020202020204" pitchFamily="34" charset="0"/>
+                <a:latin typeface="Times New Roman" panose="02020603050405020304" charset="0"/>
+                <a:cs typeface="Times New Roman" panose="02020603050405020304" charset="0"/>
+              </a:rPr>
+              <a:t>1. </a:t>
+            </a:r>
+            <a:r>
+              <a:rPr lang="en-GB" altLang="en-US" sz="2000" b="1" i="0" dirty="0">
+                <a:effectLst/>
+                <a:latin typeface="Times New Roman" panose="02020603050405020304" charset="0"/>
+                <a:cs typeface="Times New Roman" panose="02020603050405020304" charset="0"/>
+              </a:rPr>
+              <a:t>Accuracy Score</a:t>
+            </a:r>
+            <a:r>
+              <a:rPr lang="en-GB" altLang="en-US" sz="2000" i="0" dirty="0">
+                <a:effectLst/>
+                <a:latin typeface="Times New Roman" panose="02020603050405020304" charset="0"/>
+                <a:cs typeface="Times New Roman" panose="02020603050405020304" charset="0"/>
+              </a:rPr>
+              <a:t>:</a:t>
+            </a:r>
+            <a:r>
+              <a:rPr lang="en-US" altLang="en-GB" sz="2000">
+                <a:latin typeface="Times New Roman" panose="02020603050405020304" charset="0"/>
+                <a:cs typeface="Times New Roman" panose="02020603050405020304" charset="0"/>
+              </a:rPr>
+              <a:t> It represents the proportion of correct predictions made by the model out of all predictions made.</a:t>
+            </a:r>
+            <a:endParaRPr lang="en-US" altLang="en-GB" sz="2000">
+              <a:latin typeface="Times New Roman" panose="02020603050405020304" charset="0"/>
+              <a:cs typeface="Times New Roman" panose="02020603050405020304" charset="0"/>
             </a:endParaRPr>
           </a:p>
           <a:p>
-            <a:pPr>
+            <a:pPr marL="0" indent="0">
               <a:lnSpc>
                 <a:spcPct val="150000"/>
               </a:lnSpc>
+              <a:buNone/>
             </a:pPr>
             <a:r>
-              <a:rPr lang="en-US" sz="2200" i="0" dirty="0">
+              <a:rPr lang="en-GB" altLang="en-US" sz="2000" i="0" dirty="0">
                 <a:effectLst/>
-                <a:latin typeface="Arial" panose="020B0604020202020204" pitchFamily="34" charset="0"/>
-                <a:cs typeface="Arial" panose="020B0604020202020204" pitchFamily="34" charset="0"/>
-              </a:rPr>
-              <a:t>Correlation analysis revealed relationships between variables, and heatmaps visualized movie performance by release date.</a:t>
-            </a:r>
-            <a:endParaRPr lang="en-US" sz="2200" i="0" dirty="0">
-              <a:effectLst/>
-              <a:latin typeface="Arial" panose="020B0604020202020204" pitchFamily="34" charset="0"/>
-              <a:cs typeface="Arial" panose="020B0604020202020204" pitchFamily="34" charset="0"/>
+                <a:latin typeface="Times New Roman" panose="02020603050405020304" charset="0"/>
+                <a:cs typeface="Times New Roman" panose="02020603050405020304" charset="0"/>
+              </a:rPr>
+              <a:t>2. </a:t>
+            </a:r>
+            <a:r>
+              <a:rPr lang="en-GB" altLang="en-US" sz="2000" b="1" i="0" dirty="0">
+                <a:effectLst/>
+                <a:latin typeface="Times New Roman" panose="02020603050405020304" charset="0"/>
+                <a:cs typeface="Times New Roman" panose="02020603050405020304" charset="0"/>
+              </a:rPr>
+              <a:t>AUC </a:t>
+            </a:r>
+            <a:r>
+              <a:rPr lang="en-GB" altLang="en-US" sz="2000" i="0" dirty="0">
+                <a:effectLst/>
+                <a:latin typeface="Times New Roman" panose="02020603050405020304" charset="0"/>
+                <a:cs typeface="Times New Roman" panose="02020603050405020304" charset="0"/>
+              </a:rPr>
+              <a:t>: Refers to Area </a:t>
+            </a:r>
+            <a:r>
+              <a:rPr lang="en-US" altLang="en-GB" sz="2000">
+                <a:latin typeface="Times New Roman" panose="02020603050405020304" charset="0"/>
+                <a:cs typeface="Times New Roman" panose="02020603050405020304" charset="0"/>
+              </a:rPr>
+              <a:t>under the ROC curve (Receiver Operating Characteristic curve), which plots the True Positive Rate (TPR) against the False Positive Rate (FPR)</a:t>
+            </a:r>
+            <a:endParaRPr lang="en-US" altLang="en-GB" sz="2000">
+              <a:latin typeface="Times New Roman" panose="02020603050405020304" charset="0"/>
+              <a:cs typeface="Times New Roman" panose="02020603050405020304" charset="0"/>
             </a:endParaRPr>
           </a:p>
         </p:txBody>
@@ -8373,6 +8427,80 @@
 </file>
 
 <file path=ppt/slides/slide11.xml><?xml version="1.0" encoding="utf-8"?>
+<p:sld xmlns:a="http://schemas.openxmlformats.org/drawingml/2006/main" xmlns:r="http://schemas.openxmlformats.org/officeDocument/2006/relationships" xmlns:p="http://schemas.openxmlformats.org/presentationml/2006/main">
+  <p:cSld>
+    <p:spTree>
+      <p:nvGrpSpPr>
+        <p:cNvPr id="1" name=""/>
+        <p:cNvGrpSpPr/>
+        <p:nvPr/>
+      </p:nvGrpSpPr>
+      <p:grpSpPr/>
+      <p:sp>
+        <p:nvSpPr>
+          <p:cNvPr id="2" name="Title 1"/>
+          <p:cNvSpPr>
+            <a:spLocks noGrp="1"/>
+          </p:cNvSpPr>
+          <p:nvPr>
+            <p:ph type="title"/>
+          </p:nvPr>
+        </p:nvSpPr>
+        <p:spPr>
+          <a:xfrm>
+            <a:off x="2592705" y="624205"/>
+            <a:ext cx="8911590" cy="863600"/>
+          </a:xfrm>
+        </p:spPr>
+        <p:txBody>
+          <a:bodyPr/>
+          <a:p>
+            <a:r>
+              <a:rPr lang="en-GB" altLang="en-US" b="1">
+                <a:latin typeface="Times New Roman" panose="02020603050405020304" charset="0"/>
+                <a:cs typeface="Times New Roman" panose="02020603050405020304" charset="0"/>
+              </a:rPr>
+              <a:t>Logistic Regression Model</a:t>
+            </a:r>
+            <a:endParaRPr lang="en-GB" altLang="en-US" b="1">
+              <a:latin typeface="Times New Roman" panose="02020603050405020304" charset="0"/>
+              <a:cs typeface="Times New Roman" panose="02020603050405020304" charset="0"/>
+            </a:endParaRPr>
+          </a:p>
+        </p:txBody>
+      </p:sp>
+      <p:sp>
+        <p:nvSpPr>
+          <p:cNvPr id="3" name="Content Placeholder 2"/>
+          <p:cNvSpPr>
+            <a:spLocks noGrp="1"/>
+          </p:cNvSpPr>
+          <p:nvPr>
+            <p:ph idx="1"/>
+          </p:nvPr>
+        </p:nvSpPr>
+        <p:spPr>
+          <a:xfrm>
+            <a:off x="2588895" y="1323975"/>
+            <a:ext cx="8915400" cy="4754245"/>
+          </a:xfrm>
+        </p:spPr>
+        <p:txBody>
+          <a:bodyPr/>
+          <a:p>
+            <a:endParaRPr lang="en-GB" altLang="en-US"/>
+          </a:p>
+        </p:txBody>
+      </p:sp>
+    </p:spTree>
+  </p:cSld>
+  <p:clrMapOvr>
+    <a:masterClrMapping/>
+  </p:clrMapOvr>
+</p:sld>
+</file>
+
+<file path=ppt/slides/slide12.xml><?xml version="1.0" encoding="utf-8"?>
 <p:sld xmlns:a="http://schemas.openxmlformats.org/drawingml/2006/main" xmlns:r="http://schemas.openxmlformats.org/officeDocument/2006/relationships" xmlns:p="http://schemas.openxmlformats.org/presentationml/2006/main">
   <p:cSld>
     <p:spTree>
@@ -8493,7 +8621,7 @@
 </p:sld>
 </file>
 
-<file path=ppt/slides/slide12.xml><?xml version="1.0" encoding="utf-8"?>
+<file path=ppt/slides/slide13.xml><?xml version="1.0" encoding="utf-8"?>
 <p:sld xmlns:a="http://schemas.openxmlformats.org/drawingml/2006/main" xmlns:r="http://schemas.openxmlformats.org/officeDocument/2006/relationships" xmlns:p="http://schemas.openxmlformats.org/presentationml/2006/main">
   <p:cSld>
     <p:bg>
@@ -8652,7 +8780,7 @@
 </p:sld>
 </file>
 
-<file path=ppt/slides/slide13.xml><?xml version="1.0" encoding="utf-8"?>
+<file path=ppt/slides/slide14.xml><?xml version="1.0" encoding="utf-8"?>
 <p:sld xmlns:a="http://schemas.openxmlformats.org/drawingml/2006/main" xmlns:r="http://schemas.openxmlformats.org/officeDocument/2006/relationships" xmlns:p="http://schemas.openxmlformats.org/presentationml/2006/main">
   <p:cSld>
     <p:spTree>
@@ -8771,7 +8899,7 @@
 </p:sld>
 </file>
 
-<file path=ppt/slides/slide14.xml><?xml version="1.0" encoding="utf-8"?>
+<file path=ppt/slides/slide15.xml><?xml version="1.0" encoding="utf-8"?>
 <p:sld xmlns:a="http://schemas.openxmlformats.org/drawingml/2006/main" xmlns:r="http://schemas.openxmlformats.org/officeDocument/2006/relationships" xmlns:p="http://schemas.openxmlformats.org/presentationml/2006/main">
   <p:cSld>
     <p:spTree>
@@ -9190,7 +9318,7 @@
 </p:sld>
 </file>
 
-<file path=ppt/slides/slide15.xml><?xml version="1.0" encoding="utf-8"?>
+<file path=ppt/slides/slide16.xml><?xml version="1.0" encoding="utf-8"?>
 <p:sld xmlns:a="http://schemas.openxmlformats.org/drawingml/2006/main" xmlns:r="http://schemas.openxmlformats.org/officeDocument/2006/relationships" xmlns:p="http://schemas.openxmlformats.org/presentationml/2006/main">
   <p:cSld>
     <p:spTree>
@@ -9314,151 +9442,6 @@
           <a:xfrm>
             <a:off x="1967865" y="1081806"/>
             <a:ext cx="9084945" cy="3828576"/>
-          </a:xfrm>
-          <a:prstGeom prst="rect">
-            <a:avLst/>
-          </a:prstGeom>
-        </p:spPr>
-      </p:pic>
-    </p:spTree>
-  </p:cSld>
-  <p:clrMapOvr>
-    <a:masterClrMapping/>
-  </p:clrMapOvr>
-</p:sld>
-</file>
-
-<file path=ppt/slides/slide16.xml><?xml version="1.0" encoding="utf-8"?>
-<p:sld xmlns:a="http://schemas.openxmlformats.org/drawingml/2006/main" xmlns:r="http://schemas.openxmlformats.org/officeDocument/2006/relationships" xmlns:p="http://schemas.openxmlformats.org/presentationml/2006/main">
-  <p:cSld>
-    <p:spTree>
-      <p:nvGrpSpPr>
-        <p:cNvPr id="1" name=""/>
-        <p:cNvGrpSpPr/>
-        <p:nvPr/>
-      </p:nvGrpSpPr>
-      <p:grpSpPr>
-        <a:xfrm>
-          <a:off x="0" y="0"/>
-          <a:ext cx="0" cy="0"/>
-          <a:chOff x="0" y="0"/>
-          <a:chExt cx="0" cy="0"/>
-        </a:xfrm>
-      </p:grpSpPr>
-      <p:sp>
-        <p:nvSpPr>
-          <p:cNvPr id="2" name="Title 1"/>
-          <p:cNvSpPr>
-            <a:spLocks noGrp="1"/>
-          </p:cNvSpPr>
-          <p:nvPr>
-            <p:ph type="title"/>
-          </p:nvPr>
-        </p:nvSpPr>
-        <p:spPr>
-          <a:xfrm>
-            <a:off x="2176051" y="434340"/>
-            <a:ext cx="8911687" cy="543875"/>
-          </a:xfrm>
-        </p:spPr>
-        <p:txBody>
-          <a:bodyPr>
-            <a:noAutofit/>
-          </a:bodyPr>
-          <a:lstStyle/>
-          <a:p>
-            <a:r>
-              <a:rPr lang="en-US" sz="2800" b="1" dirty="0"/>
-              <a:t>Genre performance by revenue</a:t>
-            </a:r>
-            <a:endParaRPr lang="en-US" sz="2800" b="1" dirty="0"/>
-          </a:p>
-        </p:txBody>
-      </p:sp>
-      <p:sp>
-        <p:nvSpPr>
-          <p:cNvPr id="3" name="Content Placeholder 2"/>
-          <p:cNvSpPr>
-            <a:spLocks noGrp="1"/>
-          </p:cNvSpPr>
-          <p:nvPr>
-            <p:ph idx="1"/>
-          </p:nvPr>
-        </p:nvSpPr>
-        <p:spPr>
-          <a:xfrm>
-            <a:off x="1863090" y="5280660"/>
-            <a:ext cx="9818370" cy="1353280"/>
-          </a:xfrm>
-        </p:spPr>
-        <p:txBody>
-          <a:bodyPr>
-            <a:normAutofit lnSpcReduction="10000"/>
-          </a:bodyPr>
-          <a:lstStyle/>
-          <a:p>
-            <a:pPr marL="0" indent="0">
-              <a:lnSpc>
-                <a:spcPct val="150000"/>
-              </a:lnSpc>
-              <a:buNone/>
-            </a:pPr>
-            <a:r>
-              <a:rPr lang="en-US" sz="2000" dirty="0">
-                <a:latin typeface="Arial" panose="020B0604020202020204" pitchFamily="34" charset="0"/>
-                <a:cs typeface="Arial" panose="020B0604020202020204" pitchFamily="34" charset="0"/>
-              </a:rPr>
-              <a:t>Musical and Performing Arts consistently outperform other genres in domestic and worldwide gross revenue, while Horror, Science Fiction, and Fantasy show strong performance.</a:t>
-            </a:r>
-            <a:endParaRPr lang="en-US" sz="2000" dirty="0">
-              <a:latin typeface="Arial" panose="020B0604020202020204" pitchFamily="34" charset="0"/>
-              <a:cs typeface="Arial" panose="020B0604020202020204" pitchFamily="34" charset="0"/>
-            </a:endParaRPr>
-          </a:p>
-        </p:txBody>
-      </p:sp>
-      <p:pic>
-        <p:nvPicPr>
-          <p:cNvPr id="5" name="Picture 4"/>
-          <p:cNvPicPr>
-            <a:picLocks noChangeAspect="1"/>
-          </p:cNvPicPr>
-          <p:nvPr/>
-        </p:nvPicPr>
-        <p:blipFill>
-          <a:blip r:embed="rId1"/>
-          <a:stretch>
-            <a:fillRect/>
-          </a:stretch>
-        </p:blipFill>
-        <p:spPr>
-          <a:xfrm>
-            <a:off x="1469683" y="1103945"/>
-            <a:ext cx="5162212" cy="4050985"/>
-          </a:xfrm>
-          <a:prstGeom prst="rect">
-            <a:avLst/>
-          </a:prstGeom>
-        </p:spPr>
-      </p:pic>
-      <p:pic>
-        <p:nvPicPr>
-          <p:cNvPr id="7" name="Picture 6"/>
-          <p:cNvPicPr>
-            <a:picLocks noChangeAspect="1"/>
-          </p:cNvPicPr>
-          <p:nvPr/>
-        </p:nvPicPr>
-        <p:blipFill>
-          <a:blip r:embed="rId2"/>
-          <a:stretch>
-            <a:fillRect/>
-          </a:stretch>
-        </p:blipFill>
-        <p:spPr>
-          <a:xfrm>
-            <a:off x="6772276" y="1103945"/>
-            <a:ext cx="5162212" cy="4050985"/>
           </a:xfrm>
           <a:prstGeom prst="rect">
             <a:avLst/>
@@ -9502,21 +9485,21 @@
         </p:nvSpPr>
         <p:spPr>
           <a:xfrm>
-            <a:off x="2478625" y="182880"/>
-            <a:ext cx="8757065" cy="582930"/>
+            <a:off x="2176051" y="434340"/>
+            <a:ext cx="8911687" cy="543875"/>
           </a:xfrm>
         </p:spPr>
         <p:txBody>
           <a:bodyPr>
-            <a:normAutofit fontScale="90000"/>
+            <a:noAutofit/>
           </a:bodyPr>
           <a:lstStyle/>
           <a:p>
             <a:r>
-              <a:rPr lang="en-US" b="1" dirty="0"/>
-              <a:t>Statistical Analysis – Revenue</a:t>
-            </a:r>
-            <a:endParaRPr lang="en-US" b="1" dirty="0"/>
+              <a:rPr lang="en-US" sz="2800" b="1" dirty="0"/>
+              <a:t>Genre performance by revenue</a:t>
+            </a:r>
+            <a:endParaRPr lang="en-US" sz="2800" b="1" dirty="0"/>
           </a:p>
         </p:txBody>
       </p:sp>
@@ -9532,80 +9515,39 @@
         </p:nvSpPr>
         <p:spPr>
           <a:xfrm>
-            <a:off x="6926580" y="1177290"/>
-            <a:ext cx="5265420" cy="5497830"/>
+            <a:off x="1863090" y="5280660"/>
+            <a:ext cx="9818370" cy="1353280"/>
           </a:xfrm>
         </p:spPr>
         <p:txBody>
           <a:bodyPr>
-            <a:normAutofit/>
+            <a:normAutofit lnSpcReduction="10000"/>
           </a:bodyPr>
           <a:lstStyle/>
           <a:p>
-            <a:r>
-              <a:rPr lang="en-US" sz="2200" dirty="0">
-                <a:latin typeface="Arial" panose="020B0604020202020204" pitchFamily="34" charset="0"/>
-                <a:cs typeface="Arial" panose="020B0604020202020204" pitchFamily="34" charset="0"/>
-              </a:rPr>
-              <a:t>Strong Relationship Between Domestic and Foreign Earnings</a:t>
-            </a:r>
-            <a:endParaRPr lang="en-US" sz="2200" dirty="0">
-              <a:latin typeface="Arial" panose="020B0604020202020204" pitchFamily="34" charset="0"/>
-              <a:cs typeface="Arial" panose="020B0604020202020204" pitchFamily="34" charset="0"/>
-            </a:endParaRPr>
-          </a:p>
-          <a:p>
-            <a:pPr lvl="1">
-              <a:buFont typeface="Arial" panose="020B0604020202020204" pitchFamily="34" charset="0"/>
-              <a:buChar char="•"/>
+            <a:pPr marL="0" indent="0">
+              <a:lnSpc>
+                <a:spcPct val="150000"/>
+              </a:lnSpc>
+              <a:buNone/>
             </a:pPr>
             <a:r>
               <a:rPr lang="en-US" sz="2000" dirty="0">
                 <a:latin typeface="Arial" panose="020B0604020202020204" pitchFamily="34" charset="0"/>
                 <a:cs typeface="Arial" panose="020B0604020202020204" pitchFamily="34" charset="0"/>
               </a:rPr>
-              <a:t>Domestically successful movies generally may perform well internationally, but the year of release doesn't significantly impact their earnings.</a:t>
+              <a:t>Musical and Performing Arts consistently outperform other genres in domestic and worldwide gross revenue, while Horror, Science Fiction, and Fantasy show strong performance.</a:t>
             </a:r>
             <a:endParaRPr lang="en-US" sz="2000" dirty="0">
               <a:latin typeface="Arial" panose="020B0604020202020204" pitchFamily="34" charset="0"/>
               <a:cs typeface="Arial" panose="020B0604020202020204" pitchFamily="34" charset="0"/>
             </a:endParaRPr>
           </a:p>
-          <a:p>
-            <a:r>
-              <a:rPr lang="en-US" sz="2200" dirty="0">
-                <a:latin typeface="Arial" panose="020B0604020202020204" pitchFamily="34" charset="0"/>
-                <a:cs typeface="Arial" panose="020B0604020202020204" pitchFamily="34" charset="0"/>
-              </a:rPr>
-              <a:t>Conclusion</a:t>
-            </a:r>
-            <a:endParaRPr lang="en-US" sz="2200" dirty="0">
-              <a:latin typeface="Arial" panose="020B0604020202020204" pitchFamily="34" charset="0"/>
-              <a:cs typeface="Arial" panose="020B0604020202020204" pitchFamily="34" charset="0"/>
-            </a:endParaRPr>
-          </a:p>
-          <a:p>
-            <a:pPr lvl="1">
-              <a:buFont typeface="Arial" panose="020B0604020202020204" pitchFamily="34" charset="0"/>
-              <a:buChar char="•"/>
-            </a:pPr>
-            <a:r>
-              <a:rPr lang="en-US" sz="2000" dirty="0">
-                <a:latin typeface="Arial" panose="020B0604020202020204" pitchFamily="34" charset="0"/>
-                <a:cs typeface="Arial" panose="020B0604020202020204" pitchFamily="34" charset="0"/>
-              </a:rPr>
-              <a:t>The strong correlation between domestic and international movie earnings is crucial for predicting its global success</a:t>
-            </a:r>
-            <a:endParaRPr lang="en-US" sz="2000" dirty="0">
-              <a:latin typeface="Arial" panose="020B0604020202020204" pitchFamily="34" charset="0"/>
-              <a:cs typeface="Arial" panose="020B0604020202020204" pitchFamily="34" charset="0"/>
-            </a:endParaRPr>
-          </a:p>
         </p:txBody>
       </p:sp>
       <p:pic>
         <p:nvPicPr>
-          <p:cNvPr id="9" name="Picture 8"/>
+          <p:cNvPr id="5" name="Picture 4"/>
           <p:cNvPicPr>
             <a:picLocks noChangeAspect="1"/>
           </p:cNvPicPr>
@@ -9619,8 +9561,32 @@
         </p:blipFill>
         <p:spPr>
           <a:xfrm>
-            <a:off x="1473802" y="1430654"/>
-            <a:ext cx="5265420" cy="4524376"/>
+            <a:off x="1469683" y="1103945"/>
+            <a:ext cx="5162212" cy="4050985"/>
+          </a:xfrm>
+          <a:prstGeom prst="rect">
+            <a:avLst/>
+          </a:prstGeom>
+        </p:spPr>
+      </p:pic>
+      <p:pic>
+        <p:nvPicPr>
+          <p:cNvPr id="7" name="Picture 6"/>
+          <p:cNvPicPr>
+            <a:picLocks noChangeAspect="1"/>
+          </p:cNvPicPr>
+          <p:nvPr/>
+        </p:nvPicPr>
+        <p:blipFill>
+          <a:blip r:embed="rId2"/>
+          <a:stretch>
+            <a:fillRect/>
+          </a:stretch>
+        </p:blipFill>
+        <p:spPr>
+          <a:xfrm>
+            <a:off x="6772276" y="1103945"/>
+            <a:ext cx="5162212" cy="4050985"/>
           </a:xfrm>
           <a:prstGeom prst="rect">
             <a:avLst/>
@@ -9664,6 +9630,168 @@
         </p:nvSpPr>
         <p:spPr>
           <a:xfrm>
+            <a:off x="2478625" y="182880"/>
+            <a:ext cx="8757065" cy="582930"/>
+          </a:xfrm>
+        </p:spPr>
+        <p:txBody>
+          <a:bodyPr>
+            <a:normAutofit fontScale="90000"/>
+          </a:bodyPr>
+          <a:lstStyle/>
+          <a:p>
+            <a:r>
+              <a:rPr lang="en-US" b="1" dirty="0"/>
+              <a:t>Statistical Analysis – Revenue</a:t>
+            </a:r>
+            <a:endParaRPr lang="en-US" b="1" dirty="0"/>
+          </a:p>
+        </p:txBody>
+      </p:sp>
+      <p:sp>
+        <p:nvSpPr>
+          <p:cNvPr id="3" name="Content Placeholder 2"/>
+          <p:cNvSpPr>
+            <a:spLocks noGrp="1"/>
+          </p:cNvSpPr>
+          <p:nvPr>
+            <p:ph idx="1"/>
+          </p:nvPr>
+        </p:nvSpPr>
+        <p:spPr>
+          <a:xfrm>
+            <a:off x="6926580" y="1177290"/>
+            <a:ext cx="5265420" cy="5497830"/>
+          </a:xfrm>
+        </p:spPr>
+        <p:txBody>
+          <a:bodyPr>
+            <a:normAutofit/>
+          </a:bodyPr>
+          <a:lstStyle/>
+          <a:p>
+            <a:r>
+              <a:rPr lang="en-US" sz="2200" dirty="0">
+                <a:latin typeface="Arial" panose="020B0604020202020204" pitchFamily="34" charset="0"/>
+                <a:cs typeface="Arial" panose="020B0604020202020204" pitchFamily="34" charset="0"/>
+              </a:rPr>
+              <a:t>Strong Relationship Between Domestic and Foreign Earnings</a:t>
+            </a:r>
+            <a:endParaRPr lang="en-US" sz="2200" dirty="0">
+              <a:latin typeface="Arial" panose="020B0604020202020204" pitchFamily="34" charset="0"/>
+              <a:cs typeface="Arial" panose="020B0604020202020204" pitchFamily="34" charset="0"/>
+            </a:endParaRPr>
+          </a:p>
+          <a:p>
+            <a:pPr lvl="1">
+              <a:buFont typeface="Arial" panose="020B0604020202020204" pitchFamily="34" charset="0"/>
+              <a:buChar char="•"/>
+            </a:pPr>
+            <a:r>
+              <a:rPr lang="en-US" sz="2000" dirty="0">
+                <a:latin typeface="Arial" panose="020B0604020202020204" pitchFamily="34" charset="0"/>
+                <a:cs typeface="Arial" panose="020B0604020202020204" pitchFamily="34" charset="0"/>
+              </a:rPr>
+              <a:t>Domestically successful movies generally may perform well internationally, but the year of release doesn't significantly impact their earnings.</a:t>
+            </a:r>
+            <a:endParaRPr lang="en-US" sz="2000" dirty="0">
+              <a:latin typeface="Arial" panose="020B0604020202020204" pitchFamily="34" charset="0"/>
+              <a:cs typeface="Arial" panose="020B0604020202020204" pitchFamily="34" charset="0"/>
+            </a:endParaRPr>
+          </a:p>
+          <a:p>
+            <a:r>
+              <a:rPr lang="en-US" sz="2200" dirty="0">
+                <a:latin typeface="Arial" panose="020B0604020202020204" pitchFamily="34" charset="0"/>
+                <a:cs typeface="Arial" panose="020B0604020202020204" pitchFamily="34" charset="0"/>
+              </a:rPr>
+              <a:t>Conclusion</a:t>
+            </a:r>
+            <a:endParaRPr lang="en-US" sz="2200" dirty="0">
+              <a:latin typeface="Arial" panose="020B0604020202020204" pitchFamily="34" charset="0"/>
+              <a:cs typeface="Arial" panose="020B0604020202020204" pitchFamily="34" charset="0"/>
+            </a:endParaRPr>
+          </a:p>
+          <a:p>
+            <a:pPr lvl="1">
+              <a:buFont typeface="Arial" panose="020B0604020202020204" pitchFamily="34" charset="0"/>
+              <a:buChar char="•"/>
+            </a:pPr>
+            <a:r>
+              <a:rPr lang="en-US" sz="2000" dirty="0">
+                <a:latin typeface="Arial" panose="020B0604020202020204" pitchFamily="34" charset="0"/>
+                <a:cs typeface="Arial" panose="020B0604020202020204" pitchFamily="34" charset="0"/>
+              </a:rPr>
+              <a:t>The strong correlation between domestic and international movie earnings is crucial for predicting its global success</a:t>
+            </a:r>
+            <a:endParaRPr lang="en-US" sz="2000" dirty="0">
+              <a:latin typeface="Arial" panose="020B0604020202020204" pitchFamily="34" charset="0"/>
+              <a:cs typeface="Arial" panose="020B0604020202020204" pitchFamily="34" charset="0"/>
+            </a:endParaRPr>
+          </a:p>
+        </p:txBody>
+      </p:sp>
+      <p:pic>
+        <p:nvPicPr>
+          <p:cNvPr id="9" name="Picture 8"/>
+          <p:cNvPicPr>
+            <a:picLocks noChangeAspect="1"/>
+          </p:cNvPicPr>
+          <p:nvPr/>
+        </p:nvPicPr>
+        <p:blipFill>
+          <a:blip r:embed="rId1"/>
+          <a:stretch>
+            <a:fillRect/>
+          </a:stretch>
+        </p:blipFill>
+        <p:spPr>
+          <a:xfrm>
+            <a:off x="1473802" y="1430654"/>
+            <a:ext cx="5265420" cy="4524376"/>
+          </a:xfrm>
+          <a:prstGeom prst="rect">
+            <a:avLst/>
+          </a:prstGeom>
+        </p:spPr>
+      </p:pic>
+    </p:spTree>
+  </p:cSld>
+  <p:clrMapOvr>
+    <a:masterClrMapping/>
+  </p:clrMapOvr>
+</p:sld>
+</file>
+
+<file path=ppt/slides/slide19.xml><?xml version="1.0" encoding="utf-8"?>
+<p:sld xmlns:a="http://schemas.openxmlformats.org/drawingml/2006/main" xmlns:r="http://schemas.openxmlformats.org/officeDocument/2006/relationships" xmlns:p="http://schemas.openxmlformats.org/presentationml/2006/main">
+  <p:cSld>
+    <p:spTree>
+      <p:nvGrpSpPr>
+        <p:cNvPr id="1" name=""/>
+        <p:cNvGrpSpPr/>
+        <p:nvPr/>
+      </p:nvGrpSpPr>
+      <p:grpSpPr>
+        <a:xfrm>
+          <a:off x="0" y="0"/>
+          <a:ext cx="0" cy="0"/>
+          <a:chOff x="0" y="0"/>
+          <a:chExt cx="0" cy="0"/>
+        </a:xfrm>
+      </p:grpSpPr>
+      <p:sp>
+        <p:nvSpPr>
+          <p:cNvPr id="2" name="Title 1"/>
+          <p:cNvSpPr>
+            <a:spLocks noGrp="1"/>
+          </p:cNvSpPr>
+          <p:nvPr>
+            <p:ph type="title"/>
+          </p:nvPr>
+        </p:nvSpPr>
+        <p:spPr>
+          <a:xfrm>
             <a:off x="2083557" y="492891"/>
             <a:ext cx="8911687" cy="703668"/>
           </a:xfrm>
@@ -9755,7 +9883,417 @@
 </p:sld>
 </file>
 
-<file path=ppt/slides/slide19.xml><?xml version="1.0" encoding="utf-8"?>
+<file path=ppt/slides/slide2.xml><?xml version="1.0" encoding="utf-8"?>
+<p:sld xmlns:a="http://schemas.openxmlformats.org/drawingml/2006/main" xmlns:r="http://schemas.openxmlformats.org/officeDocument/2006/relationships" xmlns:p="http://schemas.openxmlformats.org/presentationml/2006/main">
+  <p:cSld>
+    <p:spTree>
+      <p:nvGrpSpPr>
+        <p:cNvPr id="1" name=""/>
+        <p:cNvGrpSpPr/>
+        <p:nvPr/>
+      </p:nvGrpSpPr>
+      <p:grpSpPr>
+        <a:xfrm>
+          <a:off x="0" y="0"/>
+          <a:ext cx="0" cy="0"/>
+          <a:chOff x="0" y="0"/>
+          <a:chExt cx="0" cy="0"/>
+        </a:xfrm>
+      </p:grpSpPr>
+      <p:sp>
+        <p:nvSpPr>
+          <p:cNvPr id="2" name="Title 1"/>
+          <p:cNvSpPr>
+            <a:spLocks noGrp="1"/>
+          </p:cNvSpPr>
+          <p:nvPr>
+            <p:ph type="title"/>
+          </p:nvPr>
+        </p:nvSpPr>
+        <p:spPr>
+          <a:xfrm>
+            <a:off x="2592705" y="346075"/>
+            <a:ext cx="8911590" cy="742950"/>
+          </a:xfrm>
+        </p:spPr>
+        <p:txBody>
+          <a:bodyPr>
+            <a:normAutofit/>
+          </a:bodyPr>
+          <a:lstStyle/>
+          <a:p>
+            <a:r>
+              <a:rPr lang="en-GB" altLang="en-US" b="1" dirty="0"/>
+              <a:t>Content</a:t>
+            </a:r>
+            <a:endParaRPr lang="en-GB" altLang="en-US" b="1" dirty="0"/>
+          </a:p>
+        </p:txBody>
+      </p:sp>
+      <p:sp>
+        <p:nvSpPr>
+          <p:cNvPr id="3" name="Content Placeholder 2"/>
+          <p:cNvSpPr>
+            <a:spLocks noGrp="1"/>
+          </p:cNvSpPr>
+          <p:nvPr>
+            <p:ph idx="1"/>
+          </p:nvPr>
+        </p:nvSpPr>
+        <p:spPr>
+          <a:xfrm>
+            <a:off x="2411730" y="1004570"/>
+            <a:ext cx="9096375" cy="4952365"/>
+          </a:xfrm>
+        </p:spPr>
+        <p:txBody>
+          <a:bodyPr>
+            <a:normAutofit fontScale="70000"/>
+          </a:bodyPr>
+          <a:lstStyle/>
+          <a:p>
+            <a:pPr>
+              <a:spcAft>
+                <a:spcPts val="450"/>
+              </a:spcAft>
+              <a:buFont typeface="Arial" panose="020B0604020202020204" pitchFamily="34" charset="0"/>
+              <a:buChar char="•"/>
+            </a:pPr>
+            <a:endParaRPr lang="en-US" sz="2400" b="0" i="0" dirty="0">
+              <a:solidFill>
+                <a:srgbClr val="2D3B45"/>
+              </a:solidFill>
+              <a:effectLst/>
+              <a:latin typeface="Times New Roman" panose="02020603050405020304" charset="0"/>
+              <a:cs typeface="Times New Roman" panose="02020603050405020304" charset="0"/>
+            </a:endParaRPr>
+          </a:p>
+          <a:p>
+            <a:pPr>
+              <a:spcAft>
+                <a:spcPts val="450"/>
+              </a:spcAft>
+              <a:buFont typeface="Arial" panose="020B0604020202020204" pitchFamily="34" charset="0"/>
+              <a:buChar char="•"/>
+            </a:pPr>
+            <a:r>
+              <a:rPr lang="en-US" sz="2400" b="0" i="0" dirty="0">
+                <a:solidFill>
+                  <a:srgbClr val="2D3B45"/>
+                </a:solidFill>
+                <a:effectLst/>
+                <a:latin typeface="Times New Roman" panose="02020603050405020304" charset="0"/>
+                <a:cs typeface="Times New Roman" panose="02020603050405020304" charset="0"/>
+              </a:rPr>
+              <a:t>Business Problem Definition</a:t>
+            </a:r>
+            <a:endParaRPr lang="en-US" sz="2400" b="0" i="0" dirty="0">
+              <a:solidFill>
+                <a:srgbClr val="2D3B45"/>
+              </a:solidFill>
+              <a:effectLst/>
+              <a:latin typeface="Times New Roman" panose="02020603050405020304" charset="0"/>
+              <a:cs typeface="Times New Roman" panose="02020603050405020304" charset="0"/>
+            </a:endParaRPr>
+          </a:p>
+          <a:p>
+            <a:pPr>
+              <a:spcAft>
+                <a:spcPts val="450"/>
+              </a:spcAft>
+              <a:buFont typeface="Arial" panose="020B0604020202020204" pitchFamily="34" charset="0"/>
+              <a:buChar char="•"/>
+            </a:pPr>
+            <a:r>
+              <a:rPr lang="en-US" sz="2400" b="0" i="0" dirty="0">
+                <a:solidFill>
+                  <a:srgbClr val="2D3B45"/>
+                </a:solidFill>
+                <a:effectLst/>
+                <a:latin typeface="Times New Roman" panose="02020603050405020304" charset="0"/>
+                <a:cs typeface="Times New Roman" panose="02020603050405020304" charset="0"/>
+              </a:rPr>
+              <a:t>Business Understanding</a:t>
+            </a:r>
+            <a:endParaRPr lang="en-US" sz="2400" b="0" i="0" dirty="0">
+              <a:solidFill>
+                <a:srgbClr val="2D3B45"/>
+              </a:solidFill>
+              <a:effectLst/>
+              <a:latin typeface="Times New Roman" panose="02020603050405020304" charset="0"/>
+              <a:cs typeface="Times New Roman" panose="02020603050405020304" charset="0"/>
+            </a:endParaRPr>
+          </a:p>
+          <a:p>
+            <a:pPr>
+              <a:spcAft>
+                <a:spcPts val="450"/>
+              </a:spcAft>
+              <a:buFont typeface="Arial" panose="020B0604020202020204" pitchFamily="34" charset="0"/>
+              <a:buChar char="•"/>
+            </a:pPr>
+            <a:r>
+              <a:rPr lang="en-GB" altLang="en-US" sz="2400" dirty="0">
+                <a:solidFill>
+                  <a:srgbClr val="2D3B45"/>
+                </a:solidFill>
+                <a:effectLst/>
+                <a:latin typeface="Times New Roman" panose="02020603050405020304" charset="0"/>
+                <a:cs typeface="Times New Roman" panose="02020603050405020304" charset="0"/>
+                <a:sym typeface="+mn-ea"/>
+              </a:rPr>
+              <a:t>Data</a:t>
+            </a:r>
+            <a:endParaRPr lang="en-US" sz="2400" b="0" i="0" dirty="0">
+              <a:solidFill>
+                <a:srgbClr val="2D3B45"/>
+              </a:solidFill>
+              <a:effectLst/>
+              <a:latin typeface="Times New Roman" panose="02020603050405020304" charset="0"/>
+              <a:cs typeface="Times New Roman" panose="02020603050405020304" charset="0"/>
+            </a:endParaRPr>
+          </a:p>
+          <a:p>
+            <a:pPr>
+              <a:spcAft>
+                <a:spcPts val="450"/>
+              </a:spcAft>
+              <a:buFont typeface="Arial" panose="020B0604020202020204" pitchFamily="34" charset="0"/>
+              <a:buChar char="•"/>
+            </a:pPr>
+            <a:r>
+              <a:rPr lang="en-GB" altLang="en-US" sz="2400" b="0" i="0" dirty="0">
+                <a:solidFill>
+                  <a:srgbClr val="2D3B45"/>
+                </a:solidFill>
+                <a:effectLst/>
+                <a:latin typeface="Times New Roman" panose="02020603050405020304" charset="0"/>
+                <a:cs typeface="Times New Roman" panose="02020603050405020304" charset="0"/>
+              </a:rPr>
+              <a:t>Modelling Tools used</a:t>
+            </a:r>
+            <a:endParaRPr lang="en-GB" altLang="en-US" sz="2400" b="0" i="0" dirty="0">
+              <a:solidFill>
+                <a:srgbClr val="2D3B45"/>
+              </a:solidFill>
+              <a:effectLst/>
+              <a:latin typeface="Times New Roman" panose="02020603050405020304" charset="0"/>
+              <a:cs typeface="Times New Roman" panose="02020603050405020304" charset="0"/>
+            </a:endParaRPr>
+          </a:p>
+          <a:p>
+            <a:pPr>
+              <a:spcAft>
+                <a:spcPts val="450"/>
+              </a:spcAft>
+              <a:buFont typeface="Arial" panose="020B0604020202020204" pitchFamily="34" charset="0"/>
+              <a:buChar char="•"/>
+            </a:pPr>
+            <a:r>
+              <a:rPr lang="en-US" sz="2400" b="0" i="0" dirty="0">
+                <a:solidFill>
+                  <a:srgbClr val="2D3B45"/>
+                </a:solidFill>
+                <a:effectLst/>
+                <a:latin typeface="Times New Roman" panose="02020603050405020304" charset="0"/>
+                <a:cs typeface="Times New Roman" panose="02020603050405020304" charset="0"/>
+              </a:rPr>
+              <a:t>Data Understan</a:t>
+            </a:r>
+            <a:r>
+              <a:rPr lang="en-GB" altLang="en-US" sz="2400" b="0" i="0" dirty="0">
+                <a:solidFill>
+                  <a:srgbClr val="2D3B45"/>
+                </a:solidFill>
+                <a:effectLst/>
+                <a:latin typeface="Times New Roman" panose="02020603050405020304" charset="0"/>
+                <a:cs typeface="Times New Roman" panose="02020603050405020304" charset="0"/>
+              </a:rPr>
+              <a:t>ding</a:t>
+            </a:r>
+            <a:endParaRPr lang="en-GB" altLang="en-US" sz="2400" b="0" i="0" dirty="0">
+              <a:solidFill>
+                <a:srgbClr val="2D3B45"/>
+              </a:solidFill>
+              <a:effectLst/>
+              <a:latin typeface="Times New Roman" panose="02020603050405020304" charset="0"/>
+              <a:cs typeface="Times New Roman" panose="02020603050405020304" charset="0"/>
+            </a:endParaRPr>
+          </a:p>
+          <a:p>
+            <a:pPr>
+              <a:spcAft>
+                <a:spcPts val="450"/>
+              </a:spcAft>
+              <a:buFont typeface="Arial" panose="020B0604020202020204" pitchFamily="34" charset="0"/>
+              <a:buChar char="•"/>
+            </a:pPr>
+            <a:r>
+              <a:rPr lang="en-GB" altLang="en-US" sz="2400" b="0" i="0" dirty="0">
+                <a:solidFill>
+                  <a:srgbClr val="2D3B45"/>
+                </a:solidFill>
+                <a:effectLst/>
+                <a:latin typeface="Times New Roman" panose="02020603050405020304" charset="0"/>
+                <a:cs typeface="Times New Roman" panose="02020603050405020304" charset="0"/>
+              </a:rPr>
+              <a:t>Data Preprocessing</a:t>
+            </a:r>
+            <a:endParaRPr lang="en-GB" altLang="en-US" sz="2400" b="0" i="0" dirty="0">
+              <a:solidFill>
+                <a:srgbClr val="2D3B45"/>
+              </a:solidFill>
+              <a:effectLst/>
+              <a:latin typeface="Times New Roman" panose="02020603050405020304" charset="0"/>
+              <a:cs typeface="Times New Roman" panose="02020603050405020304" charset="0"/>
+            </a:endParaRPr>
+          </a:p>
+          <a:p>
+            <a:pPr>
+              <a:spcAft>
+                <a:spcPts val="450"/>
+              </a:spcAft>
+              <a:buFont typeface="Arial" panose="020B0604020202020204" pitchFamily="34" charset="0"/>
+              <a:buChar char="•"/>
+            </a:pPr>
+            <a:r>
+              <a:rPr lang="en-GB" altLang="en-US" sz="2400" b="0" i="0" dirty="0">
+                <a:solidFill>
+                  <a:srgbClr val="2D3B45"/>
+                </a:solidFill>
+                <a:effectLst/>
+                <a:latin typeface="Times New Roman" panose="02020603050405020304" charset="0"/>
+                <a:cs typeface="Times New Roman" panose="02020603050405020304" charset="0"/>
+              </a:rPr>
+              <a:t>Modelling</a:t>
+            </a:r>
+            <a:endParaRPr lang="en-GB" altLang="en-US" sz="2400" b="0" i="0" dirty="0">
+              <a:solidFill>
+                <a:srgbClr val="2D3B45"/>
+              </a:solidFill>
+              <a:effectLst/>
+              <a:latin typeface="Times New Roman" panose="02020603050405020304" charset="0"/>
+              <a:cs typeface="Times New Roman" panose="02020603050405020304" charset="0"/>
+            </a:endParaRPr>
+          </a:p>
+          <a:p>
+            <a:pPr>
+              <a:spcAft>
+                <a:spcPts val="450"/>
+              </a:spcAft>
+              <a:buFont typeface="Arial" panose="020B0604020202020204" pitchFamily="34" charset="0"/>
+              <a:buChar char="•"/>
+            </a:pPr>
+            <a:r>
+              <a:rPr lang="en-GB" altLang="en-US" sz="2400" b="0" i="0" dirty="0">
+                <a:solidFill>
+                  <a:srgbClr val="2D3B45"/>
+                </a:solidFill>
+                <a:effectLst/>
+                <a:latin typeface="Times New Roman" panose="02020603050405020304" charset="0"/>
+                <a:cs typeface="Times New Roman" panose="02020603050405020304" charset="0"/>
+              </a:rPr>
+              <a:t>Visualizations</a:t>
+            </a:r>
+            <a:endParaRPr lang="en-GB" altLang="en-US" sz="2400" b="0" i="0" dirty="0">
+              <a:solidFill>
+                <a:srgbClr val="2D3B45"/>
+              </a:solidFill>
+              <a:effectLst/>
+              <a:latin typeface="Times New Roman" panose="02020603050405020304" charset="0"/>
+              <a:cs typeface="Times New Roman" panose="02020603050405020304" charset="0"/>
+            </a:endParaRPr>
+          </a:p>
+          <a:p>
+            <a:pPr>
+              <a:spcAft>
+                <a:spcPts val="450"/>
+              </a:spcAft>
+              <a:buFont typeface="Arial" panose="020B0604020202020204" pitchFamily="34" charset="0"/>
+              <a:buChar char="•"/>
+            </a:pPr>
+            <a:r>
+              <a:rPr lang="en-GB" altLang="en-US" sz="2400" b="0" i="0" dirty="0">
+                <a:solidFill>
+                  <a:srgbClr val="2D3B45"/>
+                </a:solidFill>
+                <a:effectLst/>
+                <a:latin typeface="Times New Roman" panose="02020603050405020304" charset="0"/>
+                <a:cs typeface="Times New Roman" panose="02020603050405020304" charset="0"/>
+              </a:rPr>
+              <a:t>Evaluation</a:t>
+            </a:r>
+            <a:endParaRPr lang="en-GB" altLang="en-US" sz="2400" b="0" i="0" dirty="0">
+              <a:solidFill>
+                <a:srgbClr val="2D3B45"/>
+              </a:solidFill>
+              <a:effectLst/>
+              <a:latin typeface="Times New Roman" panose="02020603050405020304" charset="0"/>
+              <a:cs typeface="Times New Roman" panose="02020603050405020304" charset="0"/>
+            </a:endParaRPr>
+          </a:p>
+          <a:p>
+            <a:pPr>
+              <a:spcAft>
+                <a:spcPts val="450"/>
+              </a:spcAft>
+              <a:buFont typeface="Arial" panose="020B0604020202020204" pitchFamily="34" charset="0"/>
+              <a:buChar char="•"/>
+            </a:pPr>
+            <a:r>
+              <a:rPr lang="en-GB" altLang="en-US" sz="2400" b="0" i="0" dirty="0">
+                <a:solidFill>
+                  <a:srgbClr val="2D3B45"/>
+                </a:solidFill>
+                <a:effectLst/>
+                <a:latin typeface="Times New Roman" panose="02020603050405020304" charset="0"/>
+                <a:cs typeface="Times New Roman" panose="02020603050405020304" charset="0"/>
+              </a:rPr>
+              <a:t>Conclusion</a:t>
+            </a:r>
+            <a:endParaRPr lang="en-GB" altLang="en-US" sz="2400" b="0" i="0" dirty="0">
+              <a:solidFill>
+                <a:srgbClr val="2D3B45"/>
+              </a:solidFill>
+              <a:effectLst/>
+              <a:latin typeface="Times New Roman" panose="02020603050405020304" charset="0"/>
+              <a:cs typeface="Times New Roman" panose="02020603050405020304" charset="0"/>
+            </a:endParaRPr>
+          </a:p>
+          <a:p>
+            <a:pPr>
+              <a:spcAft>
+                <a:spcPts val="450"/>
+              </a:spcAft>
+            </a:pPr>
+            <a:endParaRPr lang="en-US" sz="2400" b="0" i="0" dirty="0">
+              <a:solidFill>
+                <a:srgbClr val="2D3B45"/>
+              </a:solidFill>
+              <a:effectLst/>
+              <a:latin typeface="Times New Roman" panose="02020603050405020304" charset="0"/>
+              <a:cs typeface="Times New Roman" panose="02020603050405020304" charset="0"/>
+            </a:endParaRPr>
+          </a:p>
+          <a:p>
+            <a:pPr>
+              <a:spcAft>
+                <a:spcPts val="450"/>
+              </a:spcAft>
+            </a:pPr>
+            <a:endParaRPr lang="en-US" sz="2400" dirty="0"/>
+          </a:p>
+        </p:txBody>
+      </p:sp>
+    </p:spTree>
+  </p:cSld>
+  <p:clrMapOvr>
+    <a:masterClrMapping/>
+  </p:clrMapOvr>
+</p:sld>
+</file>
+
+<file path=ppt/slides/slide20.xml><?xml version="1.0" encoding="utf-8"?>
 <p:sld xmlns:a="http://schemas.openxmlformats.org/drawingml/2006/main" xmlns:r="http://schemas.openxmlformats.org/officeDocument/2006/relationships" xmlns:p="http://schemas.openxmlformats.org/presentationml/2006/main">
   <p:cSld>
     <p:spTree>
@@ -10147,417 +10685,7 @@
 </p:sld>
 </file>
 
-<file path=ppt/slides/slide2.xml><?xml version="1.0" encoding="utf-8"?>
-<p:sld xmlns:a="http://schemas.openxmlformats.org/drawingml/2006/main" xmlns:r="http://schemas.openxmlformats.org/officeDocument/2006/relationships" xmlns:p="http://schemas.openxmlformats.org/presentationml/2006/main">
-  <p:cSld>
-    <p:spTree>
-      <p:nvGrpSpPr>
-        <p:cNvPr id="1" name=""/>
-        <p:cNvGrpSpPr/>
-        <p:nvPr/>
-      </p:nvGrpSpPr>
-      <p:grpSpPr>
-        <a:xfrm>
-          <a:off x="0" y="0"/>
-          <a:ext cx="0" cy="0"/>
-          <a:chOff x="0" y="0"/>
-          <a:chExt cx="0" cy="0"/>
-        </a:xfrm>
-      </p:grpSpPr>
-      <p:sp>
-        <p:nvSpPr>
-          <p:cNvPr id="2" name="Title 1"/>
-          <p:cNvSpPr>
-            <a:spLocks noGrp="1"/>
-          </p:cNvSpPr>
-          <p:nvPr>
-            <p:ph type="title"/>
-          </p:nvPr>
-        </p:nvSpPr>
-        <p:spPr>
-          <a:xfrm>
-            <a:off x="2592705" y="346075"/>
-            <a:ext cx="8911590" cy="742950"/>
-          </a:xfrm>
-        </p:spPr>
-        <p:txBody>
-          <a:bodyPr>
-            <a:normAutofit/>
-          </a:bodyPr>
-          <a:lstStyle/>
-          <a:p>
-            <a:r>
-              <a:rPr lang="en-GB" altLang="en-US" b="1" dirty="0"/>
-              <a:t>Content</a:t>
-            </a:r>
-            <a:endParaRPr lang="en-GB" altLang="en-US" b="1" dirty="0"/>
-          </a:p>
-        </p:txBody>
-      </p:sp>
-      <p:sp>
-        <p:nvSpPr>
-          <p:cNvPr id="3" name="Content Placeholder 2"/>
-          <p:cNvSpPr>
-            <a:spLocks noGrp="1"/>
-          </p:cNvSpPr>
-          <p:nvPr>
-            <p:ph idx="1"/>
-          </p:nvPr>
-        </p:nvSpPr>
-        <p:spPr>
-          <a:xfrm>
-            <a:off x="2411730" y="1004570"/>
-            <a:ext cx="9096375" cy="4952365"/>
-          </a:xfrm>
-        </p:spPr>
-        <p:txBody>
-          <a:bodyPr>
-            <a:normAutofit fontScale="70000"/>
-          </a:bodyPr>
-          <a:lstStyle/>
-          <a:p>
-            <a:pPr>
-              <a:spcAft>
-                <a:spcPts val="450"/>
-              </a:spcAft>
-              <a:buFont typeface="Arial" panose="020B0604020202020204" pitchFamily="34" charset="0"/>
-              <a:buChar char="•"/>
-            </a:pPr>
-            <a:endParaRPr lang="en-US" sz="2400" b="0" i="0" dirty="0">
-              <a:solidFill>
-                <a:srgbClr val="2D3B45"/>
-              </a:solidFill>
-              <a:effectLst/>
-              <a:latin typeface="Times New Roman" panose="02020603050405020304" charset="0"/>
-              <a:cs typeface="Times New Roman" panose="02020603050405020304" charset="0"/>
-            </a:endParaRPr>
-          </a:p>
-          <a:p>
-            <a:pPr>
-              <a:spcAft>
-                <a:spcPts val="450"/>
-              </a:spcAft>
-              <a:buFont typeface="Arial" panose="020B0604020202020204" pitchFamily="34" charset="0"/>
-              <a:buChar char="•"/>
-            </a:pPr>
-            <a:r>
-              <a:rPr lang="en-US" sz="2400" b="0" i="0" dirty="0">
-                <a:solidFill>
-                  <a:srgbClr val="2D3B45"/>
-                </a:solidFill>
-                <a:effectLst/>
-                <a:latin typeface="Times New Roman" panose="02020603050405020304" charset="0"/>
-                <a:cs typeface="Times New Roman" panose="02020603050405020304" charset="0"/>
-              </a:rPr>
-              <a:t>Business Problem Definition</a:t>
-            </a:r>
-            <a:endParaRPr lang="en-US" sz="2400" b="0" i="0" dirty="0">
-              <a:solidFill>
-                <a:srgbClr val="2D3B45"/>
-              </a:solidFill>
-              <a:effectLst/>
-              <a:latin typeface="Times New Roman" panose="02020603050405020304" charset="0"/>
-              <a:cs typeface="Times New Roman" panose="02020603050405020304" charset="0"/>
-            </a:endParaRPr>
-          </a:p>
-          <a:p>
-            <a:pPr>
-              <a:spcAft>
-                <a:spcPts val="450"/>
-              </a:spcAft>
-              <a:buFont typeface="Arial" panose="020B0604020202020204" pitchFamily="34" charset="0"/>
-              <a:buChar char="•"/>
-            </a:pPr>
-            <a:r>
-              <a:rPr lang="en-US" sz="2400" b="0" i="0" dirty="0">
-                <a:solidFill>
-                  <a:srgbClr val="2D3B45"/>
-                </a:solidFill>
-                <a:effectLst/>
-                <a:latin typeface="Times New Roman" panose="02020603050405020304" charset="0"/>
-                <a:cs typeface="Times New Roman" panose="02020603050405020304" charset="0"/>
-              </a:rPr>
-              <a:t>Business Understanding</a:t>
-            </a:r>
-            <a:endParaRPr lang="en-US" sz="2400" b="0" i="0" dirty="0">
-              <a:solidFill>
-                <a:srgbClr val="2D3B45"/>
-              </a:solidFill>
-              <a:effectLst/>
-              <a:latin typeface="Times New Roman" panose="02020603050405020304" charset="0"/>
-              <a:cs typeface="Times New Roman" panose="02020603050405020304" charset="0"/>
-            </a:endParaRPr>
-          </a:p>
-          <a:p>
-            <a:pPr>
-              <a:spcAft>
-                <a:spcPts val="450"/>
-              </a:spcAft>
-              <a:buFont typeface="Arial" panose="020B0604020202020204" pitchFamily="34" charset="0"/>
-              <a:buChar char="•"/>
-            </a:pPr>
-            <a:r>
-              <a:rPr lang="en-GB" altLang="en-US" sz="2400" dirty="0">
-                <a:solidFill>
-                  <a:srgbClr val="2D3B45"/>
-                </a:solidFill>
-                <a:effectLst/>
-                <a:latin typeface="Times New Roman" panose="02020603050405020304" charset="0"/>
-                <a:cs typeface="Times New Roman" panose="02020603050405020304" charset="0"/>
-                <a:sym typeface="+mn-ea"/>
-              </a:rPr>
-              <a:t>Data</a:t>
-            </a:r>
-            <a:endParaRPr lang="en-US" sz="2400" b="0" i="0" dirty="0">
-              <a:solidFill>
-                <a:srgbClr val="2D3B45"/>
-              </a:solidFill>
-              <a:effectLst/>
-              <a:latin typeface="Times New Roman" panose="02020603050405020304" charset="0"/>
-              <a:cs typeface="Times New Roman" panose="02020603050405020304" charset="0"/>
-            </a:endParaRPr>
-          </a:p>
-          <a:p>
-            <a:pPr>
-              <a:spcAft>
-                <a:spcPts val="450"/>
-              </a:spcAft>
-              <a:buFont typeface="Arial" panose="020B0604020202020204" pitchFamily="34" charset="0"/>
-              <a:buChar char="•"/>
-            </a:pPr>
-            <a:r>
-              <a:rPr lang="en-GB" altLang="en-US" sz="2400" b="0" i="0" dirty="0">
-                <a:solidFill>
-                  <a:srgbClr val="2D3B45"/>
-                </a:solidFill>
-                <a:effectLst/>
-                <a:latin typeface="Times New Roman" panose="02020603050405020304" charset="0"/>
-                <a:cs typeface="Times New Roman" panose="02020603050405020304" charset="0"/>
-              </a:rPr>
-              <a:t>Modelling Tools used</a:t>
-            </a:r>
-            <a:endParaRPr lang="en-GB" altLang="en-US" sz="2400" b="0" i="0" dirty="0">
-              <a:solidFill>
-                <a:srgbClr val="2D3B45"/>
-              </a:solidFill>
-              <a:effectLst/>
-              <a:latin typeface="Times New Roman" panose="02020603050405020304" charset="0"/>
-              <a:cs typeface="Times New Roman" panose="02020603050405020304" charset="0"/>
-            </a:endParaRPr>
-          </a:p>
-          <a:p>
-            <a:pPr>
-              <a:spcAft>
-                <a:spcPts val="450"/>
-              </a:spcAft>
-              <a:buFont typeface="Arial" panose="020B0604020202020204" pitchFamily="34" charset="0"/>
-              <a:buChar char="•"/>
-            </a:pPr>
-            <a:r>
-              <a:rPr lang="en-US" sz="2400" b="0" i="0" dirty="0">
-                <a:solidFill>
-                  <a:srgbClr val="2D3B45"/>
-                </a:solidFill>
-                <a:effectLst/>
-                <a:latin typeface="Times New Roman" panose="02020603050405020304" charset="0"/>
-                <a:cs typeface="Times New Roman" panose="02020603050405020304" charset="0"/>
-              </a:rPr>
-              <a:t>Data Understan</a:t>
-            </a:r>
-            <a:r>
-              <a:rPr lang="en-GB" altLang="en-US" sz="2400" b="0" i="0" dirty="0">
-                <a:solidFill>
-                  <a:srgbClr val="2D3B45"/>
-                </a:solidFill>
-                <a:effectLst/>
-                <a:latin typeface="Times New Roman" panose="02020603050405020304" charset="0"/>
-                <a:cs typeface="Times New Roman" panose="02020603050405020304" charset="0"/>
-              </a:rPr>
-              <a:t>ding</a:t>
-            </a:r>
-            <a:endParaRPr lang="en-GB" altLang="en-US" sz="2400" b="0" i="0" dirty="0">
-              <a:solidFill>
-                <a:srgbClr val="2D3B45"/>
-              </a:solidFill>
-              <a:effectLst/>
-              <a:latin typeface="Times New Roman" panose="02020603050405020304" charset="0"/>
-              <a:cs typeface="Times New Roman" panose="02020603050405020304" charset="0"/>
-            </a:endParaRPr>
-          </a:p>
-          <a:p>
-            <a:pPr>
-              <a:spcAft>
-                <a:spcPts val="450"/>
-              </a:spcAft>
-              <a:buFont typeface="Arial" panose="020B0604020202020204" pitchFamily="34" charset="0"/>
-              <a:buChar char="•"/>
-            </a:pPr>
-            <a:r>
-              <a:rPr lang="en-GB" altLang="en-US" sz="2400" b="0" i="0" dirty="0">
-                <a:solidFill>
-                  <a:srgbClr val="2D3B45"/>
-                </a:solidFill>
-                <a:effectLst/>
-                <a:latin typeface="Times New Roman" panose="02020603050405020304" charset="0"/>
-                <a:cs typeface="Times New Roman" panose="02020603050405020304" charset="0"/>
-              </a:rPr>
-              <a:t>Data Preprocessing</a:t>
-            </a:r>
-            <a:endParaRPr lang="en-GB" altLang="en-US" sz="2400" b="0" i="0" dirty="0">
-              <a:solidFill>
-                <a:srgbClr val="2D3B45"/>
-              </a:solidFill>
-              <a:effectLst/>
-              <a:latin typeface="Times New Roman" panose="02020603050405020304" charset="0"/>
-              <a:cs typeface="Times New Roman" panose="02020603050405020304" charset="0"/>
-            </a:endParaRPr>
-          </a:p>
-          <a:p>
-            <a:pPr>
-              <a:spcAft>
-                <a:spcPts val="450"/>
-              </a:spcAft>
-              <a:buFont typeface="Arial" panose="020B0604020202020204" pitchFamily="34" charset="0"/>
-              <a:buChar char="•"/>
-            </a:pPr>
-            <a:r>
-              <a:rPr lang="en-GB" altLang="en-US" sz="2400" b="0" i="0" dirty="0">
-                <a:solidFill>
-                  <a:srgbClr val="2D3B45"/>
-                </a:solidFill>
-                <a:effectLst/>
-                <a:latin typeface="Times New Roman" panose="02020603050405020304" charset="0"/>
-                <a:cs typeface="Times New Roman" panose="02020603050405020304" charset="0"/>
-              </a:rPr>
-              <a:t>Modelling</a:t>
-            </a:r>
-            <a:endParaRPr lang="en-GB" altLang="en-US" sz="2400" b="0" i="0" dirty="0">
-              <a:solidFill>
-                <a:srgbClr val="2D3B45"/>
-              </a:solidFill>
-              <a:effectLst/>
-              <a:latin typeface="Times New Roman" panose="02020603050405020304" charset="0"/>
-              <a:cs typeface="Times New Roman" panose="02020603050405020304" charset="0"/>
-            </a:endParaRPr>
-          </a:p>
-          <a:p>
-            <a:pPr>
-              <a:spcAft>
-                <a:spcPts val="450"/>
-              </a:spcAft>
-              <a:buFont typeface="Arial" panose="020B0604020202020204" pitchFamily="34" charset="0"/>
-              <a:buChar char="•"/>
-            </a:pPr>
-            <a:r>
-              <a:rPr lang="en-GB" altLang="en-US" sz="2400" b="0" i="0" dirty="0">
-                <a:solidFill>
-                  <a:srgbClr val="2D3B45"/>
-                </a:solidFill>
-                <a:effectLst/>
-                <a:latin typeface="Times New Roman" panose="02020603050405020304" charset="0"/>
-                <a:cs typeface="Times New Roman" panose="02020603050405020304" charset="0"/>
-              </a:rPr>
-              <a:t>Visualizations</a:t>
-            </a:r>
-            <a:endParaRPr lang="en-GB" altLang="en-US" sz="2400" b="0" i="0" dirty="0">
-              <a:solidFill>
-                <a:srgbClr val="2D3B45"/>
-              </a:solidFill>
-              <a:effectLst/>
-              <a:latin typeface="Times New Roman" panose="02020603050405020304" charset="0"/>
-              <a:cs typeface="Times New Roman" panose="02020603050405020304" charset="0"/>
-            </a:endParaRPr>
-          </a:p>
-          <a:p>
-            <a:pPr>
-              <a:spcAft>
-                <a:spcPts val="450"/>
-              </a:spcAft>
-              <a:buFont typeface="Arial" panose="020B0604020202020204" pitchFamily="34" charset="0"/>
-              <a:buChar char="•"/>
-            </a:pPr>
-            <a:r>
-              <a:rPr lang="en-GB" altLang="en-US" sz="2400" b="0" i="0" dirty="0">
-                <a:solidFill>
-                  <a:srgbClr val="2D3B45"/>
-                </a:solidFill>
-                <a:effectLst/>
-                <a:latin typeface="Times New Roman" panose="02020603050405020304" charset="0"/>
-                <a:cs typeface="Times New Roman" panose="02020603050405020304" charset="0"/>
-              </a:rPr>
-              <a:t>Evaluation</a:t>
-            </a:r>
-            <a:endParaRPr lang="en-GB" altLang="en-US" sz="2400" b="0" i="0" dirty="0">
-              <a:solidFill>
-                <a:srgbClr val="2D3B45"/>
-              </a:solidFill>
-              <a:effectLst/>
-              <a:latin typeface="Times New Roman" panose="02020603050405020304" charset="0"/>
-              <a:cs typeface="Times New Roman" panose="02020603050405020304" charset="0"/>
-            </a:endParaRPr>
-          </a:p>
-          <a:p>
-            <a:pPr>
-              <a:spcAft>
-                <a:spcPts val="450"/>
-              </a:spcAft>
-              <a:buFont typeface="Arial" panose="020B0604020202020204" pitchFamily="34" charset="0"/>
-              <a:buChar char="•"/>
-            </a:pPr>
-            <a:r>
-              <a:rPr lang="en-GB" altLang="en-US" sz="2400" b="0" i="0" dirty="0">
-                <a:solidFill>
-                  <a:srgbClr val="2D3B45"/>
-                </a:solidFill>
-                <a:effectLst/>
-                <a:latin typeface="Times New Roman" panose="02020603050405020304" charset="0"/>
-                <a:cs typeface="Times New Roman" panose="02020603050405020304" charset="0"/>
-              </a:rPr>
-              <a:t>Conclusion</a:t>
-            </a:r>
-            <a:endParaRPr lang="en-GB" altLang="en-US" sz="2400" b="0" i="0" dirty="0">
-              <a:solidFill>
-                <a:srgbClr val="2D3B45"/>
-              </a:solidFill>
-              <a:effectLst/>
-              <a:latin typeface="Times New Roman" panose="02020603050405020304" charset="0"/>
-              <a:cs typeface="Times New Roman" panose="02020603050405020304" charset="0"/>
-            </a:endParaRPr>
-          </a:p>
-          <a:p>
-            <a:pPr>
-              <a:spcAft>
-                <a:spcPts val="450"/>
-              </a:spcAft>
-            </a:pPr>
-            <a:endParaRPr lang="en-US" sz="2400" b="0" i="0" dirty="0">
-              <a:solidFill>
-                <a:srgbClr val="2D3B45"/>
-              </a:solidFill>
-              <a:effectLst/>
-              <a:latin typeface="Times New Roman" panose="02020603050405020304" charset="0"/>
-              <a:cs typeface="Times New Roman" panose="02020603050405020304" charset="0"/>
-            </a:endParaRPr>
-          </a:p>
-          <a:p>
-            <a:pPr>
-              <a:spcAft>
-                <a:spcPts val="450"/>
-              </a:spcAft>
-            </a:pPr>
-            <a:endParaRPr lang="en-US" sz="2400" dirty="0"/>
-          </a:p>
-        </p:txBody>
-      </p:sp>
-    </p:spTree>
-  </p:cSld>
-  <p:clrMapOvr>
-    <a:masterClrMapping/>
-  </p:clrMapOvr>
-</p:sld>
-</file>
-
-<file path=ppt/slides/slide20.xml><?xml version="1.0" encoding="utf-8"?>
+<file path=ppt/slides/slide21.xml><?xml version="1.0" encoding="utf-8"?>
 <p:sld xmlns:a="http://schemas.openxmlformats.org/drawingml/2006/main" xmlns:r="http://schemas.openxmlformats.org/officeDocument/2006/relationships" xmlns:p="http://schemas.openxmlformats.org/presentationml/2006/main">
   <p:cSld>
     <p:spTree>
@@ -10699,155 +10827,6 @@
           <a:xfrm>
             <a:off x="1565894" y="1394460"/>
             <a:ext cx="4795201" cy="4652010"/>
-          </a:xfrm>
-          <a:prstGeom prst="rect">
-            <a:avLst/>
-          </a:prstGeom>
-        </p:spPr>
-      </p:pic>
-    </p:spTree>
-  </p:cSld>
-  <p:clrMapOvr>
-    <a:masterClrMapping/>
-  </p:clrMapOvr>
-</p:sld>
-</file>
-
-<file path=ppt/slides/slide21.xml><?xml version="1.0" encoding="utf-8"?>
-<p:sld xmlns:a="http://schemas.openxmlformats.org/drawingml/2006/main" xmlns:r="http://schemas.openxmlformats.org/officeDocument/2006/relationships" xmlns:p="http://schemas.openxmlformats.org/presentationml/2006/main">
-  <p:cSld>
-    <p:spTree>
-      <p:nvGrpSpPr>
-        <p:cNvPr id="1" name=""/>
-        <p:cNvGrpSpPr/>
-        <p:nvPr/>
-      </p:nvGrpSpPr>
-      <p:grpSpPr>
-        <a:xfrm>
-          <a:off x="0" y="0"/>
-          <a:ext cx="0" cy="0"/>
-          <a:chOff x="0" y="0"/>
-          <a:chExt cx="0" cy="0"/>
-        </a:xfrm>
-      </p:grpSpPr>
-      <p:sp>
-        <p:nvSpPr>
-          <p:cNvPr id="2" name="Title 1"/>
-          <p:cNvSpPr>
-            <a:spLocks noGrp="1"/>
-          </p:cNvSpPr>
-          <p:nvPr>
-            <p:ph type="title"/>
-          </p:nvPr>
-        </p:nvSpPr>
-        <p:spPr>
-          <a:xfrm>
-            <a:off x="1884265" y="199288"/>
-            <a:ext cx="8911687" cy="747490"/>
-          </a:xfrm>
-        </p:spPr>
-        <p:txBody>
-          <a:bodyPr>
-            <a:normAutofit/>
-          </a:bodyPr>
-          <a:lstStyle/>
-          <a:p>
-            <a:r>
-              <a:rPr lang="en-US" sz="3600" b="1" dirty="0"/>
-              <a:t>Relationships for the budget data</a:t>
-            </a:r>
-            <a:endParaRPr lang="en-US" b="1" dirty="0"/>
-          </a:p>
-        </p:txBody>
-      </p:sp>
-      <p:sp>
-        <p:nvSpPr>
-          <p:cNvPr id="3" name="Content Placeholder 2"/>
-          <p:cNvSpPr>
-            <a:spLocks noGrp="1"/>
-          </p:cNvSpPr>
-          <p:nvPr>
-            <p:ph idx="1"/>
-          </p:nvPr>
-        </p:nvSpPr>
-        <p:spPr>
-          <a:xfrm>
-            <a:off x="8458200" y="1052623"/>
-            <a:ext cx="3469322" cy="5428186"/>
-          </a:xfrm>
-        </p:spPr>
-        <p:txBody>
-          <a:bodyPr>
-            <a:normAutofit/>
-          </a:bodyPr>
-          <a:lstStyle/>
-          <a:p>
-            <a:pPr>
-              <a:lnSpc>
-                <a:spcPct val="150000"/>
-              </a:lnSpc>
-            </a:pPr>
-            <a:r>
-              <a:rPr lang="en-US" sz="2000" dirty="0">
-                <a:latin typeface="Arial" panose="020B0604020202020204" pitchFamily="34" charset="0"/>
-                <a:cs typeface="Arial" panose="020B0604020202020204" pitchFamily="34" charset="0"/>
-              </a:rPr>
-              <a:t>There is a positive linear relationship between domestic gross and foreign gross.</a:t>
-            </a:r>
-            <a:endParaRPr lang="en-US" sz="2000" dirty="0">
-              <a:latin typeface="Arial" panose="020B0604020202020204" pitchFamily="34" charset="0"/>
-              <a:cs typeface="Arial" panose="020B0604020202020204" pitchFamily="34" charset="0"/>
-            </a:endParaRPr>
-          </a:p>
-          <a:p>
-            <a:pPr>
-              <a:lnSpc>
-                <a:spcPct val="150000"/>
-              </a:lnSpc>
-            </a:pPr>
-            <a:r>
-              <a:rPr lang="en-US" sz="2000" dirty="0">
-                <a:latin typeface="Arial" panose="020B0604020202020204" pitchFamily="34" charset="0"/>
-                <a:cs typeface="Arial" panose="020B0604020202020204" pitchFamily="34" charset="0"/>
-              </a:rPr>
-              <a:t>An increase in domestic gross may lead to a corresponding increase in foreign gross</a:t>
-            </a:r>
-            <a:endParaRPr lang="en-US" sz="2000" dirty="0">
-              <a:latin typeface="Arial" panose="020B0604020202020204" pitchFamily="34" charset="0"/>
-              <a:cs typeface="Arial" panose="020B0604020202020204" pitchFamily="34" charset="0"/>
-            </a:endParaRPr>
-          </a:p>
-          <a:p>
-            <a:pPr>
-              <a:lnSpc>
-                <a:spcPct val="150000"/>
-              </a:lnSpc>
-            </a:pPr>
-            <a:endParaRPr lang="en-US" sz="2000" dirty="0">
-              <a:latin typeface="Arial" panose="020B0604020202020204" pitchFamily="34" charset="0"/>
-              <a:cs typeface="Arial" panose="020B0604020202020204" pitchFamily="34" charset="0"/>
-            </a:endParaRPr>
-          </a:p>
-        </p:txBody>
-      </p:sp>
-      <p:pic>
-        <p:nvPicPr>
-          <p:cNvPr id="5" name="Picture 4"/>
-          <p:cNvPicPr>
-            <a:picLocks noChangeAspect="1"/>
-          </p:cNvPicPr>
-          <p:nvPr/>
-        </p:nvPicPr>
-        <p:blipFill>
-          <a:blip r:embed="rId1"/>
-          <a:stretch>
-            <a:fillRect/>
-          </a:stretch>
-        </p:blipFill>
-        <p:spPr>
-          <a:xfrm>
-            <a:off x="1707950" y="1052623"/>
-            <a:ext cx="6487360" cy="5452521"/>
           </a:xfrm>
           <a:prstGeom prst="rect">
             <a:avLst/>
@@ -10889,7 +10868,12 @@
             <p:ph type="title"/>
           </p:nvPr>
         </p:nvSpPr>
-        <p:spPr/>
+        <p:spPr>
+          <a:xfrm>
+            <a:off x="1884265" y="199288"/>
+            <a:ext cx="8911687" cy="747490"/>
+          </a:xfrm>
+        </p:spPr>
         <p:txBody>
           <a:bodyPr>
             <a:normAutofit/>
@@ -10897,8 +10881,8 @@
           <a:lstStyle/>
           <a:p>
             <a:r>
-              <a:rPr lang="en-US" b="1" dirty="0"/>
-              <a:t>Data Modelling – Simple Linear Regression</a:t>
+              <a:rPr lang="en-US" sz="3600" b="1" dirty="0"/>
+              <a:t>Relationships for the budget data</a:t>
             </a:r>
             <a:endParaRPr lang="en-US" b="1" dirty="0"/>
           </a:p>
@@ -10914,7 +10898,12 @@
             <p:ph idx="1"/>
           </p:nvPr>
         </p:nvSpPr>
-        <p:spPr/>
+        <p:spPr>
+          <a:xfrm>
+            <a:off x="8458200" y="1052623"/>
+            <a:ext cx="3469322" cy="5428186"/>
+          </a:xfrm>
+        </p:spPr>
         <p:txBody>
           <a:bodyPr>
             <a:normAutofit/>
@@ -10927,13 +10916,13 @@
               </a:lnSpc>
             </a:pPr>
             <a:r>
-              <a:rPr lang="en-US" sz="2400" dirty="0">
+              <a:rPr lang="en-US" sz="2000" dirty="0">
                 <a:latin typeface="Arial" panose="020B0604020202020204" pitchFamily="34" charset="0"/>
                 <a:cs typeface="Arial" panose="020B0604020202020204" pitchFamily="34" charset="0"/>
               </a:rPr>
-              <a:t>The Ordinary Least Squares(OLS) model was used to determine the relationships between different variables: domestic gross, production budget and worldwide gross, foreign gross.</a:t>
-            </a:r>
-            <a:endParaRPr lang="en-US" sz="2400" dirty="0">
+              <a:t>There is a positive linear relationship between domestic gross and foreign gross.</a:t>
+            </a:r>
+            <a:endParaRPr lang="en-US" sz="2000" dirty="0">
               <a:latin typeface="Arial" panose="020B0604020202020204" pitchFamily="34" charset="0"/>
               <a:cs typeface="Arial" panose="020B0604020202020204" pitchFamily="34" charset="0"/>
             </a:endParaRPr>
@@ -10945,19 +10934,54 @@
               </a:lnSpc>
             </a:pPr>
             <a:r>
-              <a:rPr lang="en-US" sz="2400" dirty="0">
+              <a:rPr lang="en-US" sz="2000" dirty="0">
                 <a:latin typeface="Arial" panose="020B0604020202020204" pitchFamily="34" charset="0"/>
                 <a:cs typeface="Arial" panose="020B0604020202020204" pitchFamily="34" charset="0"/>
               </a:rPr>
-              <a:t>The model was used to predict various variables on the data.</a:t>
-            </a:r>
-            <a:endParaRPr lang="en-US" sz="2400" dirty="0">
+              <a:t>An increase in domestic gross may lead to a corresponding increase in foreign gross</a:t>
+            </a:r>
+            <a:endParaRPr lang="en-US" sz="2000" dirty="0">
               <a:latin typeface="Arial" panose="020B0604020202020204" pitchFamily="34" charset="0"/>
               <a:cs typeface="Arial" panose="020B0604020202020204" pitchFamily="34" charset="0"/>
             </a:endParaRPr>
           </a:p>
-        </p:txBody>
-      </p:sp>
+          <a:p>
+            <a:pPr>
+              <a:lnSpc>
+                <a:spcPct val="150000"/>
+              </a:lnSpc>
+            </a:pPr>
+            <a:endParaRPr lang="en-US" sz="2000" dirty="0">
+              <a:latin typeface="Arial" panose="020B0604020202020204" pitchFamily="34" charset="0"/>
+              <a:cs typeface="Arial" panose="020B0604020202020204" pitchFamily="34" charset="0"/>
+            </a:endParaRPr>
+          </a:p>
+        </p:txBody>
+      </p:sp>
+      <p:pic>
+        <p:nvPicPr>
+          <p:cNvPr id="5" name="Picture 4"/>
+          <p:cNvPicPr>
+            <a:picLocks noChangeAspect="1"/>
+          </p:cNvPicPr>
+          <p:nvPr/>
+        </p:nvPicPr>
+        <p:blipFill>
+          <a:blip r:embed="rId1"/>
+          <a:stretch>
+            <a:fillRect/>
+          </a:stretch>
+        </p:blipFill>
+        <p:spPr>
+          <a:xfrm>
+            <a:off x="1707950" y="1052623"/>
+            <a:ext cx="6487360" cy="5452521"/>
+          </a:xfrm>
+          <a:prstGeom prst="rect">
+            <a:avLst/>
+          </a:prstGeom>
+        </p:spPr>
+      </p:pic>
     </p:spTree>
   </p:cSld>
   <p:clrMapOvr>
@@ -10967,6 +10991,110 @@
 </file>
 
 <file path=ppt/slides/slide23.xml><?xml version="1.0" encoding="utf-8"?>
+<p:sld xmlns:a="http://schemas.openxmlformats.org/drawingml/2006/main" xmlns:r="http://schemas.openxmlformats.org/officeDocument/2006/relationships" xmlns:p="http://schemas.openxmlformats.org/presentationml/2006/main">
+  <p:cSld>
+    <p:spTree>
+      <p:nvGrpSpPr>
+        <p:cNvPr id="1" name=""/>
+        <p:cNvGrpSpPr/>
+        <p:nvPr/>
+      </p:nvGrpSpPr>
+      <p:grpSpPr>
+        <a:xfrm>
+          <a:off x="0" y="0"/>
+          <a:ext cx="0" cy="0"/>
+          <a:chOff x="0" y="0"/>
+          <a:chExt cx="0" cy="0"/>
+        </a:xfrm>
+      </p:grpSpPr>
+      <p:sp>
+        <p:nvSpPr>
+          <p:cNvPr id="2" name="Title 1"/>
+          <p:cNvSpPr>
+            <a:spLocks noGrp="1"/>
+          </p:cNvSpPr>
+          <p:nvPr>
+            <p:ph type="title"/>
+          </p:nvPr>
+        </p:nvSpPr>
+        <p:spPr/>
+        <p:txBody>
+          <a:bodyPr>
+            <a:normAutofit/>
+          </a:bodyPr>
+          <a:lstStyle/>
+          <a:p>
+            <a:r>
+              <a:rPr lang="en-US" b="1" dirty="0"/>
+              <a:t>Data Modelling – Simple Linear Regression</a:t>
+            </a:r>
+            <a:endParaRPr lang="en-US" b="1" dirty="0"/>
+          </a:p>
+        </p:txBody>
+      </p:sp>
+      <p:sp>
+        <p:nvSpPr>
+          <p:cNvPr id="3" name="Content Placeholder 2"/>
+          <p:cNvSpPr>
+            <a:spLocks noGrp="1"/>
+          </p:cNvSpPr>
+          <p:nvPr>
+            <p:ph idx="1"/>
+          </p:nvPr>
+        </p:nvSpPr>
+        <p:spPr/>
+        <p:txBody>
+          <a:bodyPr>
+            <a:normAutofit/>
+          </a:bodyPr>
+          <a:lstStyle/>
+          <a:p>
+            <a:pPr>
+              <a:lnSpc>
+                <a:spcPct val="150000"/>
+              </a:lnSpc>
+            </a:pPr>
+            <a:r>
+              <a:rPr lang="en-US" sz="2400" dirty="0">
+                <a:latin typeface="Arial" panose="020B0604020202020204" pitchFamily="34" charset="0"/>
+                <a:cs typeface="Arial" panose="020B0604020202020204" pitchFamily="34" charset="0"/>
+              </a:rPr>
+              <a:t>The Ordinary Least Squares(OLS) model was used to determine the relationships between different variables: domestic gross, production budget and worldwide gross, foreign gross.</a:t>
+            </a:r>
+            <a:endParaRPr lang="en-US" sz="2400" dirty="0">
+              <a:latin typeface="Arial" panose="020B0604020202020204" pitchFamily="34" charset="0"/>
+              <a:cs typeface="Arial" panose="020B0604020202020204" pitchFamily="34" charset="0"/>
+            </a:endParaRPr>
+          </a:p>
+          <a:p>
+            <a:pPr>
+              <a:lnSpc>
+                <a:spcPct val="150000"/>
+              </a:lnSpc>
+            </a:pPr>
+            <a:r>
+              <a:rPr lang="en-US" sz="2400" dirty="0">
+                <a:latin typeface="Arial" panose="020B0604020202020204" pitchFamily="34" charset="0"/>
+                <a:cs typeface="Arial" panose="020B0604020202020204" pitchFamily="34" charset="0"/>
+              </a:rPr>
+              <a:t>The model was used to predict various variables on the data.</a:t>
+            </a:r>
+            <a:endParaRPr lang="en-US" sz="2400" dirty="0">
+              <a:latin typeface="Arial" panose="020B0604020202020204" pitchFamily="34" charset="0"/>
+              <a:cs typeface="Arial" panose="020B0604020202020204" pitchFamily="34" charset="0"/>
+            </a:endParaRPr>
+          </a:p>
+        </p:txBody>
+      </p:sp>
+    </p:spTree>
+  </p:cSld>
+  <p:clrMapOvr>
+    <a:masterClrMapping/>
+  </p:clrMapOvr>
+</p:sld>
+</file>
+
+<file path=ppt/slides/slide24.xml><?xml version="1.0" encoding="utf-8"?>
 <p:sld xmlns:a="http://schemas.openxmlformats.org/drawingml/2006/main" xmlns:r="http://schemas.openxmlformats.org/officeDocument/2006/relationships" xmlns:p="http://schemas.openxmlformats.org/presentationml/2006/main">
   <p:cSld>
     <p:spTree>
@@ -11397,7 +11525,7 @@
 </p:sld>
 </file>
 
-<file path=ppt/slides/slide24.xml><?xml version="1.0" encoding="utf-8"?>
+<file path=ppt/slides/slide25.xml><?xml version="1.0" encoding="utf-8"?>
 <p:sld xmlns:a="http://schemas.openxmlformats.org/drawingml/2006/main" xmlns:r="http://schemas.openxmlformats.org/officeDocument/2006/relationships" xmlns:p="http://schemas.openxmlformats.org/presentationml/2006/main">
   <p:cSld>
     <p:spTree>
@@ -11580,162 +11708,6 @@
           </a:prstGeom>
         </p:spPr>
       </p:pic>
-    </p:spTree>
-  </p:cSld>
-  <p:clrMapOvr>
-    <a:masterClrMapping/>
-  </p:clrMapOvr>
-</p:sld>
-</file>
-
-<file path=ppt/slides/slide25.xml><?xml version="1.0" encoding="utf-8"?>
-<p:sld xmlns:a="http://schemas.openxmlformats.org/drawingml/2006/main" xmlns:r="http://schemas.openxmlformats.org/officeDocument/2006/relationships" xmlns:p="http://schemas.openxmlformats.org/presentationml/2006/main">
-  <p:cSld>
-    <p:spTree>
-      <p:nvGrpSpPr>
-        <p:cNvPr id="1" name=""/>
-        <p:cNvGrpSpPr/>
-        <p:nvPr/>
-      </p:nvGrpSpPr>
-      <p:grpSpPr>
-        <a:xfrm>
-          <a:off x="0" y="0"/>
-          <a:ext cx="0" cy="0"/>
-          <a:chOff x="0" y="0"/>
-          <a:chExt cx="0" cy="0"/>
-        </a:xfrm>
-      </p:grpSpPr>
-      <p:sp>
-        <p:nvSpPr>
-          <p:cNvPr id="2" name="Title 1"/>
-          <p:cNvSpPr>
-            <a:spLocks noGrp="1"/>
-          </p:cNvSpPr>
-          <p:nvPr>
-            <p:ph type="title"/>
-          </p:nvPr>
-        </p:nvSpPr>
-        <p:spPr>
-          <a:xfrm>
-            <a:off x="2592925" y="406940"/>
-            <a:ext cx="8911687" cy="816070"/>
-          </a:xfrm>
-        </p:spPr>
-        <p:txBody>
-          <a:bodyPr>
-            <a:normAutofit/>
-          </a:bodyPr>
-          <a:lstStyle/>
-          <a:p>
-            <a:r>
-              <a:rPr lang="en-US" b="1" i="0" dirty="0">
-                <a:solidFill>
-                  <a:srgbClr val="2D3B45"/>
-                </a:solidFill>
-                <a:effectLst/>
-                <a:latin typeface="Lato Extended"/>
-              </a:rPr>
-              <a:t>Recommendations</a:t>
-            </a:r>
-            <a:endParaRPr lang="en-US" b="1" dirty="0"/>
-          </a:p>
-        </p:txBody>
-      </p:sp>
-      <p:sp>
-        <p:nvSpPr>
-          <p:cNvPr id="3" name="Content Placeholder 2"/>
-          <p:cNvSpPr>
-            <a:spLocks noGrp="1"/>
-          </p:cNvSpPr>
-          <p:nvPr>
-            <p:ph idx="1"/>
-          </p:nvPr>
-        </p:nvSpPr>
-        <p:spPr>
-          <a:xfrm>
-            <a:off x="1965960" y="1350335"/>
-            <a:ext cx="9381744" cy="4876730"/>
-          </a:xfrm>
-        </p:spPr>
-        <p:txBody>
-          <a:bodyPr>
-            <a:normAutofit/>
-          </a:bodyPr>
-          <a:lstStyle/>
-          <a:p>
-            <a:pPr>
-              <a:lnSpc>
-                <a:spcPct val="150000"/>
-              </a:lnSpc>
-            </a:pPr>
-            <a:r>
-              <a:rPr lang="en-US" sz="2000" dirty="0">
-                <a:latin typeface="Arial" panose="020B0604020202020204" pitchFamily="34" charset="0"/>
-                <a:cs typeface="Arial" panose="020B0604020202020204" pitchFamily="34" charset="0"/>
-              </a:rPr>
-              <a:t>To maximize revenue, the movie studio should focus on releasing their films in the months with the highest revenue, such as December, June, and July.</a:t>
-            </a:r>
-            <a:endParaRPr lang="en-US" sz="2000" dirty="0">
-              <a:latin typeface="Arial" panose="020B0604020202020204" pitchFamily="34" charset="0"/>
-              <a:cs typeface="Arial" panose="020B0604020202020204" pitchFamily="34" charset="0"/>
-            </a:endParaRPr>
-          </a:p>
-          <a:p>
-            <a:pPr>
-              <a:lnSpc>
-                <a:spcPct val="150000"/>
-              </a:lnSpc>
-            </a:pPr>
-            <a:r>
-              <a:rPr lang="en-US" sz="2000" dirty="0">
-                <a:latin typeface="Arial" panose="020B0604020202020204" pitchFamily="34" charset="0"/>
-                <a:cs typeface="Arial" panose="020B0604020202020204" pitchFamily="34" charset="0"/>
-              </a:rPr>
-              <a:t>They should prioritize releasing high-budget films with a high return on investment (ROI) to ensure their production budgets are not wasted. </a:t>
-            </a:r>
-            <a:endParaRPr lang="en-US" sz="2000" dirty="0">
-              <a:latin typeface="Arial" panose="020B0604020202020204" pitchFamily="34" charset="0"/>
-              <a:cs typeface="Arial" panose="020B0604020202020204" pitchFamily="34" charset="0"/>
-            </a:endParaRPr>
-          </a:p>
-          <a:p>
-            <a:pPr>
-              <a:lnSpc>
-                <a:spcPct val="150000"/>
-              </a:lnSpc>
-            </a:pPr>
-            <a:r>
-              <a:rPr lang="en-US" sz="2000" dirty="0">
-                <a:latin typeface="Arial" panose="020B0604020202020204" pitchFamily="34" charset="0"/>
-                <a:cs typeface="Arial" panose="020B0604020202020204" pitchFamily="34" charset="0"/>
-              </a:rPr>
-              <a:t>They should prioritize releasing their films in the top performing genres, such as Musical, Performing Arts, Horror, Science Fiction, and Fantasy. This will help maximize their box office revenue and attract more viewers.</a:t>
-            </a:r>
-            <a:endParaRPr lang="en-US" sz="2000" dirty="0">
-              <a:latin typeface="Arial" panose="020B0604020202020204" pitchFamily="34" charset="0"/>
-              <a:cs typeface="Arial" panose="020B0604020202020204" pitchFamily="34" charset="0"/>
-            </a:endParaRPr>
-          </a:p>
-          <a:p>
-            <a:pPr>
-              <a:lnSpc>
-                <a:spcPct val="150000"/>
-              </a:lnSpc>
-            </a:pPr>
-            <a:r>
-              <a:rPr lang="en-US" sz="2000" dirty="0">
-                <a:latin typeface="Arial" panose="020B0604020202020204" pitchFamily="34" charset="0"/>
-                <a:cs typeface="Arial" panose="020B0604020202020204" pitchFamily="34" charset="0"/>
-              </a:rPr>
-              <a:t>Months with Lower Revenue: utilize lower budget or experimental films in months like January and September.</a:t>
-            </a:r>
-            <a:endParaRPr lang="en-US" sz="2000" dirty="0">
-              <a:latin typeface="Arial" panose="020B0604020202020204" pitchFamily="34" charset="0"/>
-              <a:cs typeface="Arial" panose="020B0604020202020204" pitchFamily="34" charset="0"/>
-            </a:endParaRPr>
-          </a:p>
-        </p:txBody>
-      </p:sp>
     </p:spTree>
   </p:cSld>
   <p:clrMapOvr>
@@ -11773,12 +11745,14 @@
         </p:nvSpPr>
         <p:spPr>
           <a:xfrm>
-            <a:off x="2352895" y="228600"/>
-            <a:ext cx="8911687" cy="811530"/>
-          </a:xfrm>
-        </p:spPr>
-        <p:txBody>
-          <a:bodyPr/>
+            <a:off x="2592925" y="406940"/>
+            <a:ext cx="8911687" cy="816070"/>
+          </a:xfrm>
+        </p:spPr>
+        <p:txBody>
+          <a:bodyPr>
+            <a:normAutofit/>
+          </a:bodyPr>
           <a:lstStyle/>
           <a:p>
             <a:r>
@@ -11789,9 +11763,9 @@
                 <a:effectLst/>
                 <a:latin typeface="Lato Extended"/>
               </a:rPr>
-              <a:t>Recommendations cont.</a:t>
-            </a:r>
-            <a:endParaRPr lang="en-US" dirty="0"/>
+              <a:t>Recommendations</a:t>
+            </a:r>
+            <a:endParaRPr lang="en-US" b="1" dirty="0"/>
           </a:p>
         </p:txBody>
       </p:sp>
@@ -11807,8 +11781,8 @@
         </p:nvSpPr>
         <p:spPr>
           <a:xfrm>
-            <a:off x="2349182" y="1276350"/>
-            <a:ext cx="8915400" cy="4694682"/>
+            <a:off x="1965960" y="1350335"/>
+            <a:ext cx="9381744" cy="4876730"/>
           </a:xfrm>
         </p:spPr>
         <p:txBody>
@@ -11819,7 +11793,7 @@
           <a:p>
             <a:pPr>
               <a:lnSpc>
-                <a:spcPct val="160000"/>
+                <a:spcPct val="150000"/>
               </a:lnSpc>
             </a:pPr>
             <a:r>
@@ -11827,7 +11801,7 @@
                 <a:latin typeface="Arial" panose="020B0604020202020204" pitchFamily="34" charset="0"/>
                 <a:cs typeface="Arial" panose="020B0604020202020204" pitchFamily="34" charset="0"/>
               </a:rPr>
-              <a:t>Increase marketing efforts leading up to and during January and September to maximize on overall revenue.</a:t>
+              <a:t>To maximize revenue, the movie studio should focus on releasing their films in the months with the highest revenue, such as December, June, and July.</a:t>
             </a:r>
             <a:endParaRPr lang="en-US" sz="2000" dirty="0">
               <a:latin typeface="Arial" panose="020B0604020202020204" pitchFamily="34" charset="0"/>
@@ -11837,25 +11811,17 @@
           <a:p>
             <a:pPr>
               <a:lnSpc>
-                <a:spcPct val="160000"/>
+                <a:spcPct val="150000"/>
               </a:lnSpc>
             </a:pPr>
             <a:r>
-              <a:rPr lang="en-US" sz="2000" b="0" i="0" dirty="0">
-                <a:solidFill>
-                  <a:srgbClr val="1F2328"/>
-                </a:solidFill>
-                <a:effectLst/>
+              <a:rPr lang="en-US" sz="2000" dirty="0">
                 <a:latin typeface="Arial" panose="020B0604020202020204" pitchFamily="34" charset="0"/>
                 <a:cs typeface="Arial" panose="020B0604020202020204" pitchFamily="34" charset="0"/>
               </a:rPr>
-              <a:t>Release High-Potential Films in June, July, and December as it shows strong performance in revenue. </a:t>
-            </a:r>
-            <a:endParaRPr lang="en-US" sz="2000" b="0" i="0" dirty="0">
-              <a:solidFill>
-                <a:srgbClr val="1F2328"/>
-              </a:solidFill>
-              <a:effectLst/>
+              <a:t>They should prioritize releasing high-budget films with a high return on investment (ROI) to ensure their production budgets are not wasted. </a:t>
+            </a:r>
+            <a:endParaRPr lang="en-US" sz="2000" dirty="0">
               <a:latin typeface="Arial" panose="020B0604020202020204" pitchFamily="34" charset="0"/>
               <a:cs typeface="Arial" panose="020B0604020202020204" pitchFamily="34" charset="0"/>
             </a:endParaRPr>
@@ -11863,36 +11829,35 @@
           <a:p>
             <a:pPr>
               <a:lnSpc>
-                <a:spcPct val="160000"/>
+                <a:spcPct val="150000"/>
               </a:lnSpc>
             </a:pPr>
             <a:r>
-              <a:rPr lang="en-US" sz="2000" b="0" i="0" dirty="0">
-                <a:solidFill>
-                  <a:srgbClr val="1F2328"/>
-                </a:solidFill>
-                <a:effectLst/>
+              <a:rPr lang="en-US" sz="2000" dirty="0">
                 <a:latin typeface="Arial" panose="020B0604020202020204" pitchFamily="34" charset="0"/>
                 <a:cs typeface="Arial" panose="020B0604020202020204" pitchFamily="34" charset="0"/>
               </a:rPr>
-              <a:t>Diversify the film portfolio by including more investments in lower-budget projects to enhance overall profitability and mitigate financial risk.</a:t>
-            </a:r>
-            <a:endParaRPr lang="en-US" sz="2000" b="0" i="0" dirty="0">
-              <a:solidFill>
-                <a:srgbClr val="1F2328"/>
-              </a:solidFill>
-              <a:effectLst/>
+              <a:t>They should prioritize releasing their films in the top performing genres, such as Musical, Performing Arts, Horror, Science Fiction, and Fantasy. This will help maximize their box office revenue and attract more viewers.</a:t>
+            </a:r>
+            <a:endParaRPr lang="en-US" sz="2000" dirty="0">
               <a:latin typeface="Arial" panose="020B0604020202020204" pitchFamily="34" charset="0"/>
               <a:cs typeface="Arial" panose="020B0604020202020204" pitchFamily="34" charset="0"/>
             </a:endParaRPr>
           </a:p>
           <a:p>
-            <a:pPr lvl="1">
+            <a:pPr>
               <a:lnSpc>
-                <a:spcPct val="160000"/>
+                <a:spcPct val="150000"/>
               </a:lnSpc>
             </a:pPr>
-            <a:endParaRPr lang="en-US" sz="1800" dirty="0">
+            <a:r>
+              <a:rPr lang="en-US" sz="2000" dirty="0">
+                <a:latin typeface="Arial" panose="020B0604020202020204" pitchFamily="34" charset="0"/>
+                <a:cs typeface="Arial" panose="020B0604020202020204" pitchFamily="34" charset="0"/>
+              </a:rPr>
+              <a:t>Months with Lower Revenue: utilize lower budget or experimental films in months like January and September.</a:t>
+            </a:r>
+            <a:endParaRPr lang="en-US" sz="2000" dirty="0">
               <a:latin typeface="Arial" panose="020B0604020202020204" pitchFamily="34" charset="0"/>
               <a:cs typeface="Arial" panose="020B0604020202020204" pitchFamily="34" charset="0"/>
             </a:endParaRPr>
@@ -11936,8 +11901,8 @@
         </p:nvSpPr>
         <p:spPr>
           <a:xfrm>
-            <a:off x="2592925" y="624110"/>
-            <a:ext cx="8911687" cy="811498"/>
+            <a:off x="2352895" y="228600"/>
+            <a:ext cx="8911687" cy="811530"/>
           </a:xfrm>
         </p:spPr>
         <p:txBody>
@@ -11970,8 +11935,8 @@
         </p:nvSpPr>
         <p:spPr>
           <a:xfrm>
-            <a:off x="2585499" y="1612392"/>
-            <a:ext cx="8915400" cy="4203192"/>
+            <a:off x="2349182" y="1276350"/>
+            <a:ext cx="8915400" cy="4694682"/>
           </a:xfrm>
         </p:spPr>
         <p:txBody>
@@ -11979,6 +11944,24 @@
             <a:normAutofit/>
           </a:bodyPr>
           <a:lstStyle/>
+          <a:p>
+            <a:pPr>
+              <a:lnSpc>
+                <a:spcPct val="160000"/>
+              </a:lnSpc>
+            </a:pPr>
+            <a:r>
+              <a:rPr lang="en-US" sz="2000" dirty="0">
+                <a:latin typeface="Arial" panose="020B0604020202020204" pitchFamily="34" charset="0"/>
+                <a:cs typeface="Arial" panose="020B0604020202020204" pitchFamily="34" charset="0"/>
+              </a:rPr>
+              <a:t>Increase marketing efforts leading up to and during January and September to maximize on overall revenue.</a:t>
+            </a:r>
+            <a:endParaRPr lang="en-US" sz="2000" dirty="0">
+              <a:latin typeface="Arial" panose="020B0604020202020204" pitchFamily="34" charset="0"/>
+              <a:cs typeface="Arial" panose="020B0604020202020204" pitchFamily="34" charset="0"/>
+            </a:endParaRPr>
+          </a:p>
           <a:p>
             <a:pPr>
               <a:lnSpc>
@@ -11994,7 +11977,7 @@
                 <a:latin typeface="Arial" panose="020B0604020202020204" pitchFamily="34" charset="0"/>
                 <a:cs typeface="Arial" panose="020B0604020202020204" pitchFamily="34" charset="0"/>
               </a:rPr>
-              <a:t>Develop tailored marketing campaigns for lower-budget films, utilizing cost-effective promotional strategies to enhance revenue potential</a:t>
+              <a:t>Release High-Potential Films in June, July, and December as it shows strong performance in revenue. </a:t>
             </a:r>
             <a:endParaRPr lang="en-US" sz="2000" b="0" i="0" dirty="0">
               <a:solidFill>
@@ -12020,7 +12003,7 @@
                 <a:latin typeface="Arial" panose="020B0604020202020204" pitchFamily="34" charset="0"/>
                 <a:cs typeface="Arial" panose="020B0604020202020204" pitchFamily="34" charset="0"/>
               </a:rPr>
-              <a:t>Consider producing shorter films for wider audience appeal while also investing in select, high-quality longer films that can captivate audiences and drive engagement.</a:t>
+              <a:t>Diversify the film portfolio by including more investments in lower-budget projects to enhance overall profitability and mitigate financial risk.</a:t>
             </a:r>
             <a:endParaRPr lang="en-US" sz="2000" b="0" i="0" dirty="0">
               <a:solidFill>
@@ -12032,27 +12015,12 @@
             </a:endParaRPr>
           </a:p>
           <a:p>
-            <a:pPr>
+            <a:pPr lvl="1">
               <a:lnSpc>
                 <a:spcPct val="160000"/>
               </a:lnSpc>
             </a:pPr>
-            <a:r>
-              <a:rPr lang="en-US" sz="2000" b="0" i="0" dirty="0">
-                <a:solidFill>
-                  <a:srgbClr val="1F2328"/>
-                </a:solidFill>
-                <a:effectLst/>
-                <a:latin typeface="Arial" panose="020B0604020202020204" pitchFamily="34" charset="0"/>
-                <a:cs typeface="Arial" panose="020B0604020202020204" pitchFamily="34" charset="0"/>
-              </a:rPr>
-              <a:t>Allocation of more resources to produce a mix of shorter, high-rating-friendly films and select longer, high-quality projects that will meet the expectations of more targeted audiences</a:t>
-            </a:r>
-            <a:endParaRPr lang="en-US" sz="2000" b="0" i="0" dirty="0">
-              <a:solidFill>
-                <a:srgbClr val="1F2328"/>
-              </a:solidFill>
-              <a:effectLst/>
+            <a:endParaRPr lang="en-US" sz="1800" dirty="0">
               <a:latin typeface="Arial" panose="020B0604020202020204" pitchFamily="34" charset="0"/>
               <a:cs typeface="Arial" panose="020B0604020202020204" pitchFamily="34" charset="0"/>
             </a:endParaRPr>
@@ -12094,20 +12062,25 @@
             <p:ph type="title"/>
           </p:nvPr>
         </p:nvSpPr>
-        <p:spPr/>
+        <p:spPr>
+          <a:xfrm>
+            <a:off x="2592925" y="624110"/>
+            <a:ext cx="8911687" cy="811498"/>
+          </a:xfrm>
+        </p:spPr>
         <p:txBody>
           <a:bodyPr/>
           <a:lstStyle/>
           <a:p>
             <a:r>
-              <a:rPr lang="en-US" b="0" i="0" dirty="0">
+              <a:rPr lang="en-US" b="1" i="0" dirty="0">
                 <a:solidFill>
                   <a:srgbClr val="2D3B45"/>
                 </a:solidFill>
                 <a:effectLst/>
                 <a:latin typeface="Lato Extended"/>
               </a:rPr>
-              <a:t>Next Steps</a:t>
+              <a:t>Recommendations cont.</a:t>
             </a:r>
             <a:endParaRPr lang="en-US" dirty="0"/>
           </a:p>
@@ -12125,8 +12098,8 @@
         </p:nvSpPr>
         <p:spPr>
           <a:xfrm>
-            <a:off x="2589212" y="1499616"/>
-            <a:ext cx="8915400" cy="4411606"/>
+            <a:off x="2585499" y="1612392"/>
+            <a:ext cx="8915400" cy="4203192"/>
           </a:xfrm>
         </p:spPr>
         <p:txBody>
@@ -12137,17 +12110,25 @@
           <a:p>
             <a:pPr>
               <a:lnSpc>
-                <a:spcPct val="150000"/>
+                <a:spcPct val="160000"/>
               </a:lnSpc>
             </a:pPr>
             <a:r>
-              <a:rPr lang="en-US" sz="2000" dirty="0">
+              <a:rPr lang="en-US" sz="2000" b="0" i="0" dirty="0">
+                <a:solidFill>
+                  <a:srgbClr val="1F2328"/>
+                </a:solidFill>
+                <a:effectLst/>
                 <a:latin typeface="Arial" panose="020B0604020202020204" pitchFamily="34" charset="0"/>
                 <a:cs typeface="Arial" panose="020B0604020202020204" pitchFamily="34" charset="0"/>
               </a:rPr>
-              <a:t>Further research to find other factors that will influence the production costs. This will help in prediction on production cost.</a:t>
-            </a:r>
-            <a:endParaRPr lang="en-US" sz="2000" dirty="0">
+              <a:t>Develop tailored marketing campaigns for lower-budget films, utilizing cost-effective promotional strategies to enhance revenue potential</a:t>
+            </a:r>
+            <a:endParaRPr lang="en-US" sz="2000" b="0" i="0" dirty="0">
+              <a:solidFill>
+                <a:srgbClr val="1F2328"/>
+              </a:solidFill>
+              <a:effectLst/>
               <a:latin typeface="Arial" panose="020B0604020202020204" pitchFamily="34" charset="0"/>
               <a:cs typeface="Arial" panose="020B0604020202020204" pitchFamily="34" charset="0"/>
             </a:endParaRPr>
@@ -12155,17 +12136,25 @@
           <a:p>
             <a:pPr>
               <a:lnSpc>
-                <a:spcPct val="150000"/>
+                <a:spcPct val="160000"/>
               </a:lnSpc>
             </a:pPr>
             <a:r>
-              <a:rPr lang="en-US" sz="2000" dirty="0">
+              <a:rPr lang="en-US" sz="2000" b="0" i="0" dirty="0">
+                <a:solidFill>
+                  <a:srgbClr val="1F2328"/>
+                </a:solidFill>
+                <a:effectLst/>
                 <a:latin typeface="Arial" panose="020B0604020202020204" pitchFamily="34" charset="0"/>
                 <a:cs typeface="Arial" panose="020B0604020202020204" pitchFamily="34" charset="0"/>
               </a:rPr>
-              <a:t>Research to be done on an event may have happened in the year 2020 as there was a plunge on gross revenue</a:t>
-            </a:r>
-            <a:endParaRPr lang="en-US" sz="2000" dirty="0">
+              <a:t>Consider producing shorter films for wider audience appeal while also investing in select, high-quality longer films that can captivate audiences and drive engagement.</a:t>
+            </a:r>
+            <a:endParaRPr lang="en-US" sz="2000" b="0" i="0" dirty="0">
+              <a:solidFill>
+                <a:srgbClr val="1F2328"/>
+              </a:solidFill>
+              <a:effectLst/>
               <a:latin typeface="Arial" panose="020B0604020202020204" pitchFamily="34" charset="0"/>
               <a:cs typeface="Arial" panose="020B0604020202020204" pitchFamily="34" charset="0"/>
             </a:endParaRPr>
@@ -12173,29 +12162,25 @@
           <a:p>
             <a:pPr>
               <a:lnSpc>
-                <a:spcPct val="150000"/>
+                <a:spcPct val="160000"/>
               </a:lnSpc>
             </a:pPr>
             <a:r>
-              <a:rPr lang="en-US" sz="2000" dirty="0">
+              <a:rPr lang="en-US" sz="2000" b="0" i="0" dirty="0">
+                <a:solidFill>
+                  <a:srgbClr val="1F2328"/>
+                </a:solidFill>
+                <a:effectLst/>
                 <a:latin typeface="Arial" panose="020B0604020202020204" pitchFamily="34" charset="0"/>
                 <a:cs typeface="Arial" panose="020B0604020202020204" pitchFamily="34" charset="0"/>
               </a:rPr>
-              <a:t>Given the higher production budget indicated more gross revenue, the company needs to diversify its funding to sustain the production budget </a:t>
-            </a:r>
-            <a:endParaRPr lang="en-US" sz="2000" dirty="0">
-              <a:latin typeface="Arial" panose="020B0604020202020204" pitchFamily="34" charset="0"/>
-              <a:cs typeface="Arial" panose="020B0604020202020204" pitchFamily="34" charset="0"/>
-            </a:endParaRPr>
-          </a:p>
-          <a:p>
-            <a:pPr marL="0" indent="0">
-              <a:lnSpc>
-                <a:spcPct val="150000"/>
-              </a:lnSpc>
-              <a:buNone/>
-            </a:pPr>
-            <a:endParaRPr lang="en-US" sz="2000" dirty="0">
+              <a:t>Allocation of more resources to produce a mix of shorter, high-rating-friendly films and select longer, high-quality projects that will meet the expectations of more targeted audiences</a:t>
+            </a:r>
+            <a:endParaRPr lang="en-US" sz="2000" b="0" i="0" dirty="0">
+              <a:solidFill>
+                <a:srgbClr val="1F2328"/>
+              </a:solidFill>
+              <a:effectLst/>
               <a:latin typeface="Arial" panose="020B0604020202020204" pitchFamily="34" charset="0"/>
               <a:cs typeface="Arial" panose="020B0604020202020204" pitchFamily="34" charset="0"/>
             </a:endParaRPr>
@@ -12229,55 +12214,118 @@
       </p:grpSpPr>
       <p:sp>
         <p:nvSpPr>
-          <p:cNvPr id="4" name="Rectangle 3"/>
-          <p:cNvSpPr/>
-          <p:nvPr/>
+          <p:cNvPr id="2" name="Title 1"/>
+          <p:cNvSpPr>
+            <a:spLocks noGrp="1"/>
+          </p:cNvSpPr>
+          <p:nvPr>
+            <p:ph type="title"/>
+          </p:nvPr>
+        </p:nvSpPr>
+        <p:spPr/>
+        <p:txBody>
+          <a:bodyPr/>
+          <a:lstStyle/>
+          <a:p>
+            <a:r>
+              <a:rPr lang="en-US" b="0" i="0" dirty="0">
+                <a:solidFill>
+                  <a:srgbClr val="2D3B45"/>
+                </a:solidFill>
+                <a:effectLst/>
+                <a:latin typeface="Lato Extended"/>
+              </a:rPr>
+              <a:t>Next Steps</a:t>
+            </a:r>
+            <a:endParaRPr lang="en-US" dirty="0"/>
+          </a:p>
+        </p:txBody>
+      </p:sp>
+      <p:sp>
+        <p:nvSpPr>
+          <p:cNvPr id="3" name="Content Placeholder 2"/>
+          <p:cNvSpPr>
+            <a:spLocks noGrp="1"/>
+          </p:cNvSpPr>
+          <p:nvPr>
+            <p:ph idx="1"/>
+          </p:nvPr>
         </p:nvSpPr>
         <p:spPr>
           <a:xfrm>
-            <a:off x="5028282" y="2967335"/>
-            <a:ext cx="2853845" cy="923330"/>
-          </a:xfrm>
-          <a:prstGeom prst="rect">
-            <a:avLst/>
-          </a:prstGeom>
-          <a:noFill/>
-        </p:spPr>
-        <p:txBody>
-          <a:bodyPr wrap="square" lIns="91440" tIns="45720" rIns="91440" bIns="45720">
-            <a:spAutoFit/>
+            <a:off x="2589212" y="1499616"/>
+            <a:ext cx="8915400" cy="4411606"/>
+          </a:xfrm>
+        </p:spPr>
+        <p:txBody>
+          <a:bodyPr>
+            <a:normAutofit/>
           </a:bodyPr>
           <a:lstStyle/>
           <a:p>
-            <a:pPr algn="ctr"/>
-            <a:r>
-              <a:rPr lang="en-US" sz="5400" b="0" cap="none" spc="0" dirty="0">
-                <a:ln w="0"/>
-                <a:solidFill>
-                  <a:schemeClr val="tx1"/>
-                </a:solidFill>
-                <a:effectLst>
-                  <a:outerShdw blurRad="38100" dist="19050" dir="2700000" algn="tl" rotWithShape="0">
-                    <a:schemeClr val="dk1">
-                      <a:alpha val="40000"/>
-                    </a:schemeClr>
-                  </a:outerShdw>
-                </a:effectLst>
-              </a:rPr>
-              <a:t>Q&amp;A</a:t>
-            </a:r>
-            <a:endParaRPr lang="en-US" sz="5400" b="0" cap="none" spc="0" dirty="0">
-              <a:ln w="0"/>
-              <a:solidFill>
-                <a:schemeClr val="tx1"/>
-              </a:solidFill>
-              <a:effectLst>
-                <a:outerShdw blurRad="38100" dist="19050" dir="2700000" algn="tl" rotWithShape="0">
-                  <a:schemeClr val="dk1">
-                    <a:alpha val="40000"/>
-                  </a:schemeClr>
-                </a:outerShdw>
-              </a:effectLst>
+            <a:pPr>
+              <a:lnSpc>
+                <a:spcPct val="150000"/>
+              </a:lnSpc>
+            </a:pPr>
+            <a:r>
+              <a:rPr lang="en-US" sz="2000" dirty="0">
+                <a:latin typeface="Arial" panose="020B0604020202020204" pitchFamily="34" charset="0"/>
+                <a:cs typeface="Arial" panose="020B0604020202020204" pitchFamily="34" charset="0"/>
+              </a:rPr>
+              <a:t>Further research to find other factors that will influence the production costs. This will help in prediction on production cost.</a:t>
+            </a:r>
+            <a:endParaRPr lang="en-US" sz="2000" dirty="0">
+              <a:latin typeface="Arial" panose="020B0604020202020204" pitchFamily="34" charset="0"/>
+              <a:cs typeface="Arial" panose="020B0604020202020204" pitchFamily="34" charset="0"/>
+            </a:endParaRPr>
+          </a:p>
+          <a:p>
+            <a:pPr>
+              <a:lnSpc>
+                <a:spcPct val="150000"/>
+              </a:lnSpc>
+            </a:pPr>
+            <a:r>
+              <a:rPr lang="en-US" sz="2000" dirty="0">
+                <a:latin typeface="Arial" panose="020B0604020202020204" pitchFamily="34" charset="0"/>
+                <a:cs typeface="Arial" panose="020B0604020202020204" pitchFamily="34" charset="0"/>
+              </a:rPr>
+              <a:t>Research to be done on an event may have happened in the year 2020 as there was a plunge on gross revenue</a:t>
+            </a:r>
+            <a:endParaRPr lang="en-US" sz="2000" dirty="0">
+              <a:latin typeface="Arial" panose="020B0604020202020204" pitchFamily="34" charset="0"/>
+              <a:cs typeface="Arial" panose="020B0604020202020204" pitchFamily="34" charset="0"/>
+            </a:endParaRPr>
+          </a:p>
+          <a:p>
+            <a:pPr>
+              <a:lnSpc>
+                <a:spcPct val="150000"/>
+              </a:lnSpc>
+            </a:pPr>
+            <a:r>
+              <a:rPr lang="en-US" sz="2000" dirty="0">
+                <a:latin typeface="Arial" panose="020B0604020202020204" pitchFamily="34" charset="0"/>
+                <a:cs typeface="Arial" panose="020B0604020202020204" pitchFamily="34" charset="0"/>
+              </a:rPr>
+              <a:t>Given the higher production budget indicated more gross revenue, the company needs to diversify its funding to sustain the production budget </a:t>
+            </a:r>
+            <a:endParaRPr lang="en-US" sz="2000" dirty="0">
+              <a:latin typeface="Arial" panose="020B0604020202020204" pitchFamily="34" charset="0"/>
+              <a:cs typeface="Arial" panose="020B0604020202020204" pitchFamily="34" charset="0"/>
+            </a:endParaRPr>
+          </a:p>
+          <a:p>
+            <a:pPr marL="0" indent="0">
+              <a:lnSpc>
+                <a:spcPct val="150000"/>
+              </a:lnSpc>
+              <a:buNone/>
+            </a:pPr>
+            <a:endParaRPr lang="en-US" sz="2000" dirty="0">
+              <a:latin typeface="Arial" panose="020B0604020202020204" pitchFamily="34" charset="0"/>
+              <a:cs typeface="Arial" panose="020B0604020202020204" pitchFamily="34" charset="0"/>
             </a:endParaRPr>
           </a:p>
         </p:txBody>
@@ -12417,127 +12465,56 @@
       </p:grpSpPr>
       <p:sp>
         <p:nvSpPr>
-          <p:cNvPr id="2" name="Title 1"/>
-          <p:cNvSpPr>
-            <a:spLocks noGrp="1"/>
-          </p:cNvSpPr>
-          <p:nvPr>
-            <p:ph type="title"/>
-          </p:nvPr>
+          <p:cNvPr id="4" name="Rectangle 3"/>
+          <p:cNvSpPr/>
+          <p:nvPr/>
         </p:nvSpPr>
         <p:spPr>
           <a:xfrm>
-            <a:off x="2592925" y="624110"/>
-            <a:ext cx="8911687" cy="1003522"/>
-          </a:xfrm>
-        </p:spPr>
-        <p:txBody>
-          <a:bodyPr/>
-          <a:lstStyle/>
-          <a:p>
-            <a:r>
-              <a:rPr lang="en-US" dirty="0"/>
-              <a:t>Contact Info</a:t>
-            </a:r>
-            <a:endParaRPr lang="en-US" dirty="0"/>
-          </a:p>
-        </p:txBody>
-      </p:sp>
-      <p:sp>
-        <p:nvSpPr>
-          <p:cNvPr id="3" name="Content Placeholder 2"/>
-          <p:cNvSpPr>
-            <a:spLocks noGrp="1"/>
-          </p:cNvSpPr>
-          <p:nvPr>
-            <p:ph idx="1"/>
-          </p:nvPr>
-        </p:nvSpPr>
-        <p:spPr>
-          <a:xfrm>
-            <a:off x="2585499" y="2051304"/>
-            <a:ext cx="8222709" cy="2959608"/>
-          </a:xfrm>
-        </p:spPr>
-        <p:txBody>
-          <a:bodyPr>
-            <a:normAutofit fontScale="92500" lnSpcReduction="10000"/>
+            <a:off x="5028282" y="2967335"/>
+            <a:ext cx="2853845" cy="923330"/>
+          </a:xfrm>
+          <a:prstGeom prst="rect">
+            <a:avLst/>
+          </a:prstGeom>
+          <a:noFill/>
+        </p:spPr>
+        <p:txBody>
+          <a:bodyPr wrap="square" lIns="91440" tIns="45720" rIns="91440" bIns="45720">
+            <a:spAutoFit/>
           </a:bodyPr>
           <a:lstStyle/>
           <a:p>
-            <a:r>
-              <a:rPr lang="en-US" dirty="0">
-                <a:hlinkClick r:id="rId1"/>
-              </a:rPr>
-              <a:t>https://www.linkedin.com/in/gilbert-kipkirui-cheruiyot-82387425</a:t>
-            </a:r>
-            <a:endParaRPr lang="en-US" dirty="0"/>
-          </a:p>
-          <a:p>
-            <a:r>
-              <a:rPr lang="en-US" dirty="0">
-                <a:hlinkClick r:id="rId2"/>
-              </a:rPr>
-              <a:t>https://www.linkedin.com/in/daniel-muigai-358707292/</a:t>
-            </a:r>
-            <a:endParaRPr lang="en-US" dirty="0"/>
-          </a:p>
-          <a:p>
-            <a:r>
-              <a:rPr lang="en-US" dirty="0">
-                <a:hlinkClick r:id="rId3"/>
-              </a:rPr>
-              <a:t>https://www.linkedin.com/in/millicent-cheptoi-068235221/</a:t>
-            </a:r>
-            <a:endParaRPr lang="en-US" dirty="0"/>
-          </a:p>
-          <a:p>
-            <a:r>
-              <a:rPr lang="en-US" dirty="0">
-                <a:hlinkClick r:id="rId4"/>
-              </a:rPr>
-              <a:t>https://www.linkedin.com/in/angela-mwanzia-2b993b309</a:t>
-            </a:r>
-            <a:endParaRPr lang="en-US" dirty="0"/>
-          </a:p>
-          <a:p>
-            <a:r>
-              <a:rPr lang="en-US" dirty="0">
-                <a:hlinkClick r:id="rId5"/>
-              </a:rPr>
-              <a:t>https://www.linkedin.com/in/edwin-george-181b33171/</a:t>
-            </a:r>
-            <a:endParaRPr lang="en-US" dirty="0"/>
-          </a:p>
-          <a:p>
-            <a:r>
-              <a:rPr lang="en-US" dirty="0">
-                <a:hlinkClick r:id="rId6"/>
-              </a:rPr>
-              <a:t>http://www.linkedin.com/in/reagan-adajo-5a1803103</a:t>
-            </a:r>
-            <a:endParaRPr lang="en-US" dirty="0"/>
-          </a:p>
-          <a:p>
-            <a:r>
-              <a:rPr lang="en-US" dirty="0">
-                <a:hlinkClick r:id="rId7"/>
-              </a:rPr>
-              <a:t>https://www.linkedin.com/in/james-wachira-a7771644/</a:t>
-            </a:r>
-            <a:endParaRPr lang="en-US" dirty="0"/>
-          </a:p>
-          <a:p>
-            <a:r>
-              <a:rPr lang="en-US" dirty="0">
-                <a:hlinkClick r:id="rId8"/>
-              </a:rPr>
-              <a:t>https://www.linkedin.com/in/mercy-ayub-774a877b/</a:t>
-            </a:r>
-            <a:endParaRPr lang="en-US" dirty="0"/>
-          </a:p>
-          <a:p>
-            <a:endParaRPr lang="en-US" dirty="0"/>
+            <a:pPr algn="ctr"/>
+            <a:r>
+              <a:rPr lang="en-US" sz="5400" b="0" cap="none" spc="0" dirty="0">
+                <a:ln w="0"/>
+                <a:solidFill>
+                  <a:schemeClr val="tx1"/>
+                </a:solidFill>
+                <a:effectLst>
+                  <a:outerShdw blurRad="38100" dist="19050" dir="2700000" algn="tl" rotWithShape="0">
+                    <a:schemeClr val="dk1">
+                      <a:alpha val="40000"/>
+                    </a:schemeClr>
+                  </a:outerShdw>
+                </a:effectLst>
+              </a:rPr>
+              <a:t>Q&amp;A</a:t>
+            </a:r>
+            <a:endParaRPr lang="en-US" sz="5400" b="0" cap="none" spc="0" dirty="0">
+              <a:ln w="0"/>
+              <a:solidFill>
+                <a:schemeClr val="tx1"/>
+              </a:solidFill>
+              <a:effectLst>
+                <a:outerShdw blurRad="38100" dist="19050" dir="2700000" algn="tl" rotWithShape="0">
+                  <a:schemeClr val="dk1">
+                    <a:alpha val="40000"/>
+                  </a:schemeClr>
+                </a:outerShdw>
+              </a:effectLst>
+            </a:endParaRPr>
           </a:p>
         </p:txBody>
       </p:sp>
@@ -12568,6 +12545,157 @@
       </p:grpSpPr>
       <p:sp>
         <p:nvSpPr>
+          <p:cNvPr id="2" name="Title 1"/>
+          <p:cNvSpPr>
+            <a:spLocks noGrp="1"/>
+          </p:cNvSpPr>
+          <p:nvPr>
+            <p:ph type="title"/>
+          </p:nvPr>
+        </p:nvSpPr>
+        <p:spPr>
+          <a:xfrm>
+            <a:off x="2592925" y="624110"/>
+            <a:ext cx="8911687" cy="1003522"/>
+          </a:xfrm>
+        </p:spPr>
+        <p:txBody>
+          <a:bodyPr/>
+          <a:lstStyle/>
+          <a:p>
+            <a:r>
+              <a:rPr lang="en-US" dirty="0"/>
+              <a:t>Contact Info</a:t>
+            </a:r>
+            <a:endParaRPr lang="en-US" dirty="0"/>
+          </a:p>
+        </p:txBody>
+      </p:sp>
+      <p:sp>
+        <p:nvSpPr>
+          <p:cNvPr id="3" name="Content Placeholder 2"/>
+          <p:cNvSpPr>
+            <a:spLocks noGrp="1"/>
+          </p:cNvSpPr>
+          <p:nvPr>
+            <p:ph idx="1"/>
+          </p:nvPr>
+        </p:nvSpPr>
+        <p:spPr>
+          <a:xfrm>
+            <a:off x="2585499" y="2051304"/>
+            <a:ext cx="8222709" cy="2959608"/>
+          </a:xfrm>
+        </p:spPr>
+        <p:txBody>
+          <a:bodyPr>
+            <a:normAutofit fontScale="92500" lnSpcReduction="10000"/>
+          </a:bodyPr>
+          <a:lstStyle/>
+          <a:p>
+            <a:r>
+              <a:rPr lang="en-US" dirty="0">
+                <a:hlinkClick r:id="rId1"/>
+              </a:rPr>
+              <a:t>https://www.linkedin.com/in/gilbert-kipkirui-cheruiyot-82387425</a:t>
+            </a:r>
+            <a:endParaRPr lang="en-US" dirty="0"/>
+          </a:p>
+          <a:p>
+            <a:r>
+              <a:rPr lang="en-US" dirty="0">
+                <a:hlinkClick r:id="rId2"/>
+              </a:rPr>
+              <a:t>https://www.linkedin.com/in/daniel-muigai-358707292/</a:t>
+            </a:r>
+            <a:endParaRPr lang="en-US" dirty="0"/>
+          </a:p>
+          <a:p>
+            <a:r>
+              <a:rPr lang="en-US" dirty="0">
+                <a:hlinkClick r:id="rId3"/>
+              </a:rPr>
+              <a:t>https://www.linkedin.com/in/millicent-cheptoi-068235221/</a:t>
+            </a:r>
+            <a:endParaRPr lang="en-US" dirty="0"/>
+          </a:p>
+          <a:p>
+            <a:r>
+              <a:rPr lang="en-US" dirty="0">
+                <a:hlinkClick r:id="rId4"/>
+              </a:rPr>
+              <a:t>https://www.linkedin.com/in/angela-mwanzia-2b993b309</a:t>
+            </a:r>
+            <a:endParaRPr lang="en-US" dirty="0"/>
+          </a:p>
+          <a:p>
+            <a:r>
+              <a:rPr lang="en-US" dirty="0">
+                <a:hlinkClick r:id="rId5"/>
+              </a:rPr>
+              <a:t>https://www.linkedin.com/in/edwin-george-181b33171/</a:t>
+            </a:r>
+            <a:endParaRPr lang="en-US" dirty="0"/>
+          </a:p>
+          <a:p>
+            <a:r>
+              <a:rPr lang="en-US" dirty="0">
+                <a:hlinkClick r:id="rId6"/>
+              </a:rPr>
+              <a:t>http://www.linkedin.com/in/reagan-adajo-5a1803103</a:t>
+            </a:r>
+            <a:endParaRPr lang="en-US" dirty="0"/>
+          </a:p>
+          <a:p>
+            <a:r>
+              <a:rPr lang="en-US" dirty="0">
+                <a:hlinkClick r:id="rId7"/>
+              </a:rPr>
+              <a:t>https://www.linkedin.com/in/james-wachira-a7771644/</a:t>
+            </a:r>
+            <a:endParaRPr lang="en-US" dirty="0"/>
+          </a:p>
+          <a:p>
+            <a:r>
+              <a:rPr lang="en-US" dirty="0">
+                <a:hlinkClick r:id="rId8"/>
+              </a:rPr>
+              <a:t>https://www.linkedin.com/in/mercy-ayub-774a877b/</a:t>
+            </a:r>
+            <a:endParaRPr lang="en-US" dirty="0"/>
+          </a:p>
+          <a:p>
+            <a:endParaRPr lang="en-US" dirty="0"/>
+          </a:p>
+        </p:txBody>
+      </p:sp>
+    </p:spTree>
+  </p:cSld>
+  <p:clrMapOvr>
+    <a:masterClrMapping/>
+  </p:clrMapOvr>
+</p:sld>
+</file>
+
+<file path=ppt/slides/slide32.xml><?xml version="1.0" encoding="utf-8"?>
+<p:sld xmlns:a="http://schemas.openxmlformats.org/drawingml/2006/main" xmlns:r="http://schemas.openxmlformats.org/officeDocument/2006/relationships" xmlns:p="http://schemas.openxmlformats.org/presentationml/2006/main">
+  <p:cSld>
+    <p:spTree>
+      <p:nvGrpSpPr>
+        <p:cNvPr id="1" name=""/>
+        <p:cNvGrpSpPr/>
+        <p:nvPr/>
+      </p:nvGrpSpPr>
+      <p:grpSpPr>
+        <a:xfrm>
+          <a:off x="0" y="0"/>
+          <a:ext cx="0" cy="0"/>
+          <a:chOff x="0" y="0"/>
+          <a:chExt cx="0" cy="0"/>
+        </a:xfrm>
+      </p:grpSpPr>
+      <p:sp>
+        <p:nvSpPr>
           <p:cNvPr id="4" name="Rectangle 3"/>
           <p:cNvSpPr/>
           <p:nvPr/>
@@ -12687,7 +12815,7 @@
           <a:lstStyle/>
           <a:p>
             <a:r>
-              <a:rPr lang="en-US" dirty="0">
+              <a:rPr lang="en-US" b="1" dirty="0">
                 <a:solidFill>
                   <a:srgbClr val="2D3B45"/>
                 </a:solidFill>
@@ -12699,7 +12827,7 @@
               <a:t>Business </a:t>
             </a:r>
             <a:r>
-              <a:rPr lang="en-GB" altLang="en-US" dirty="0">
+              <a:rPr lang="en-GB" altLang="en-US" b="1" dirty="0">
                 <a:solidFill>
                   <a:srgbClr val="2D3B45"/>
                 </a:solidFill>
@@ -13005,18 +13133,25 @@
             <p:ph type="title"/>
           </p:nvPr>
         </p:nvSpPr>
-        <p:spPr/>
-        <p:txBody>
-          <a:bodyPr/>
-          <a:p>
-            <a:r>
-              <a:rPr lang="en-GB" altLang="en-US" sz="2400">
+        <p:spPr>
+          <a:xfrm>
+            <a:off x="2592705" y="471805"/>
+            <a:ext cx="8911590" cy="605155"/>
+          </a:xfrm>
+        </p:spPr>
+        <p:txBody>
+          <a:bodyPr>
+            <a:noAutofit/>
+          </a:bodyPr>
+          <a:p>
+            <a:r>
+              <a:rPr lang="en-GB" altLang="en-US" b="1">
                 <a:latin typeface="Times New Roman" panose="02020603050405020304" charset="0"/>
                 <a:cs typeface="Times New Roman" panose="02020603050405020304" charset="0"/>
               </a:rPr>
               <a:t>Tools used</a:t>
             </a:r>
-            <a:endParaRPr lang="en-GB" altLang="en-US" sz="2400">
+            <a:endParaRPr lang="en-GB" altLang="en-US" b="1">
               <a:latin typeface="Times New Roman" panose="02020603050405020304" charset="0"/>
               <a:cs typeface="Times New Roman" panose="02020603050405020304" charset="0"/>
             </a:endParaRPr>
@@ -13208,22 +13343,24 @@
         </p:nvSpPr>
         <p:spPr>
           <a:xfrm>
-            <a:off x="2592705" y="624205"/>
-            <a:ext cx="8911590" cy="626110"/>
-          </a:xfrm>
-        </p:spPr>
-        <p:txBody>
-          <a:bodyPr/>
+            <a:off x="2287270" y="624205"/>
+            <a:ext cx="9217025" cy="528955"/>
+          </a:xfrm>
+        </p:spPr>
+        <p:txBody>
+          <a:bodyPr>
+            <a:noAutofit/>
+          </a:bodyPr>
           <a:lstStyle/>
           <a:p>
             <a:r>
-              <a:rPr lang="en-GB" altLang="en-US" sz="2400" dirty="0">
+              <a:rPr lang="en-GB" altLang="en-US" b="1" dirty="0">
                 <a:latin typeface="Times New Roman" panose="02020603050405020304" charset="0"/>
                 <a:cs typeface="Times New Roman" panose="02020603050405020304" charset="0"/>
               </a:rPr>
               <a:t>Data Understanding</a:t>
             </a:r>
-            <a:endParaRPr lang="en-GB" altLang="en-US" sz="2400" dirty="0">
+            <a:endParaRPr lang="en-GB" altLang="en-US" b="1" dirty="0">
               <a:latin typeface="Times New Roman" panose="02020603050405020304" charset="0"/>
               <a:cs typeface="Times New Roman" panose="02020603050405020304" charset="0"/>
             </a:endParaRPr>
@@ -13459,8 +13596,8 @@
         </p:nvSpPr>
         <p:spPr>
           <a:xfrm>
-            <a:off x="2592925" y="624110"/>
-            <a:ext cx="8911687" cy="1033240"/>
+            <a:off x="2394585" y="624205"/>
+            <a:ext cx="9109710" cy="769620"/>
           </a:xfrm>
         </p:spPr>
         <p:txBody>
@@ -13468,10 +13605,16 @@
           <a:lstStyle/>
           <a:p>
             <a:r>
-              <a:rPr lang="en-GB" altLang="en-US" b="1" dirty="0"/>
+              <a:rPr lang="en-GB" altLang="en-US" b="1" dirty="0">
+                <a:latin typeface="Times New Roman" panose="02020603050405020304" charset="0"/>
+                <a:cs typeface="Times New Roman" panose="02020603050405020304" charset="0"/>
+              </a:rPr>
               <a:t>Data Preprocessing</a:t>
             </a:r>
-            <a:endParaRPr lang="en-GB" altLang="en-US" b="1" dirty="0"/>
+            <a:endParaRPr lang="en-GB" altLang="en-US" b="1" dirty="0">
+              <a:latin typeface="Times New Roman" panose="02020603050405020304" charset="0"/>
+              <a:cs typeface="Times New Roman" panose="02020603050405020304" charset="0"/>
+            </a:endParaRPr>
           </a:p>
         </p:txBody>
       </p:sp>
@@ -13588,7 +13731,29 @@
               </a:rPr>
               <a:t>3.  Adjusting some selected numerical features so that they are on a similar scale</a:t>
             </a:r>
-            <a:endParaRPr lang="en-US" altLang="en-GB"/>
+            <a:endParaRPr lang="en-GB" altLang="en-US" sz="2000">
+              <a:latin typeface="Times New Roman" panose="02020603050405020304" charset="0"/>
+              <a:cs typeface="Times New Roman" panose="02020603050405020304" charset="0"/>
+            </a:endParaRPr>
+          </a:p>
+          <a:p>
+            <a:pPr marL="0" indent="0">
+              <a:lnSpc>
+                <a:spcPct val="150000"/>
+              </a:lnSpc>
+              <a:buNone/>
+            </a:pPr>
+            <a:r>
+              <a:rPr lang="en-GB" altLang="en-US" sz="2000">
+                <a:latin typeface="Times New Roman" panose="02020603050405020304" charset="0"/>
+                <a:cs typeface="Times New Roman" panose="02020603050405020304" charset="0"/>
+              </a:rPr>
+              <a:t>4. Converting the target variable from categorical to Numerical</a:t>
+            </a:r>
+            <a:endParaRPr lang="en-GB" altLang="en-US" sz="2000">
+              <a:latin typeface="Times New Roman" panose="02020603050405020304" charset="0"/>
+              <a:cs typeface="Times New Roman" panose="02020603050405020304" charset="0"/>
+            </a:endParaRPr>
           </a:p>
         </p:txBody>
       </p:sp>
@@ -13638,10 +13803,16 @@
           <a:lstStyle/>
           <a:p>
             <a:r>
-              <a:rPr lang="en-US" b="1" dirty="0"/>
-              <a:t>Data Preparation</a:t>
-            </a:r>
-            <a:endParaRPr lang="en-US" b="1" dirty="0"/>
+              <a:rPr lang="en-GB" altLang="en-US" b="1" dirty="0">
+                <a:latin typeface="Times New Roman" panose="02020603050405020304" charset="0"/>
+                <a:cs typeface="Times New Roman" panose="02020603050405020304" charset="0"/>
+              </a:rPr>
+              <a:t>Modelling</a:t>
+            </a:r>
+            <a:endParaRPr lang="en-GB" altLang="en-US" b="1" dirty="0">
+              <a:latin typeface="Times New Roman" panose="02020603050405020304" charset="0"/>
+              <a:cs typeface="Times New Roman" panose="02020603050405020304" charset="0"/>
+            </a:endParaRPr>
           </a:p>
         </p:txBody>
       </p:sp>
@@ -13667,89 +13838,112 @@
           </a:bodyPr>
           <a:lstStyle/>
           <a:p>
-            <a:pPr>
+            <a:pPr marL="0" indent="0" algn="l">
               <a:lnSpc>
                 <a:spcPct val="150000"/>
               </a:lnSpc>
+              <a:buNone/>
             </a:pPr>
             <a:r>
-              <a:rPr lang="en-US" sz="2400" dirty="0">
-                <a:latin typeface="Arial" panose="020B0604020202020204" pitchFamily="34" charset="0"/>
-                <a:cs typeface="Arial" panose="020B0604020202020204" pitchFamily="34" charset="0"/>
-              </a:rPr>
-              <a:t>The analysis involved understanding data spread, identifying inconsistencies, and missing values. </a:t>
-            </a:r>
-            <a:endParaRPr lang="en-US" sz="2400" dirty="0">
-              <a:latin typeface="Arial" panose="020B0604020202020204" pitchFamily="34" charset="0"/>
-              <a:cs typeface="Arial" panose="020B0604020202020204" pitchFamily="34" charset="0"/>
+              <a:rPr lang="en-GB" altLang="en-US" sz="2000">
+                <a:latin typeface="Times New Roman" panose="02020603050405020304" charset="0"/>
+                <a:cs typeface="Times New Roman" panose="02020603050405020304" charset="0"/>
+              </a:rPr>
+              <a:t>Process of </a:t>
+            </a:r>
+            <a:r>
+              <a:rPr lang="en-US" altLang="en-GB" sz="2000">
+                <a:latin typeface="Times New Roman" panose="02020603050405020304" charset="0"/>
+                <a:cs typeface="Times New Roman" panose="02020603050405020304" charset="0"/>
+              </a:rPr>
+              <a:t>creating models to analyze and interpret data, identify patterns, and make prediction</a:t>
+            </a:r>
+            <a:r>
+              <a:rPr lang="en-GB" altLang="en-US" sz="2000">
+                <a:latin typeface="Times New Roman" panose="02020603050405020304" charset="0"/>
+                <a:cs typeface="Times New Roman" panose="02020603050405020304" charset="0"/>
+              </a:rPr>
+              <a:t>s. For this project, 4 models were developed, namely:</a:t>
+            </a:r>
+            <a:endParaRPr lang="en-GB" altLang="en-US" sz="2000">
+              <a:latin typeface="Times New Roman" panose="02020603050405020304" charset="0"/>
+              <a:cs typeface="Times New Roman" panose="02020603050405020304" charset="0"/>
             </a:endParaRPr>
           </a:p>
           <a:p>
-            <a:pPr>
+            <a:pPr marL="0" indent="0" algn="l">
               <a:lnSpc>
                 <a:spcPct val="150000"/>
               </a:lnSpc>
+              <a:buNone/>
             </a:pPr>
             <a:r>
-              <a:rPr lang="en-US" sz="2400" dirty="0">
-                <a:latin typeface="Arial" panose="020B0604020202020204" pitchFamily="34" charset="0"/>
-                <a:cs typeface="Arial" panose="020B0604020202020204" pitchFamily="34" charset="0"/>
-              </a:rPr>
-              <a:t>Key statistics determined dataset completeness and reliability. </a:t>
-            </a:r>
-            <a:endParaRPr lang="en-US" sz="2400" dirty="0">
-              <a:latin typeface="Arial" panose="020B0604020202020204" pitchFamily="34" charset="0"/>
-              <a:cs typeface="Arial" panose="020B0604020202020204" pitchFamily="34" charset="0"/>
+              <a:rPr lang="en-GB" altLang="en-US" sz="2000">
+                <a:latin typeface="Times New Roman" panose="02020603050405020304" charset="0"/>
+                <a:cs typeface="Times New Roman" panose="02020603050405020304" charset="0"/>
+              </a:rPr>
+              <a:t>1. Logistic Regression Model(Baseline Model)</a:t>
+            </a:r>
+            <a:endParaRPr lang="en-GB" altLang="en-US" sz="2000">
+              <a:latin typeface="Times New Roman" panose="02020603050405020304" charset="0"/>
+              <a:cs typeface="Times New Roman" panose="02020603050405020304" charset="0"/>
             </a:endParaRPr>
           </a:p>
           <a:p>
-            <a:pPr>
+            <a:pPr marL="0" indent="0" algn="l">
               <a:lnSpc>
                 <a:spcPct val="150000"/>
               </a:lnSpc>
+              <a:buNone/>
             </a:pPr>
             <a:r>
-              <a:rPr lang="en-US" sz="2400" dirty="0">
-                <a:latin typeface="Arial" panose="020B0604020202020204" pitchFamily="34" charset="0"/>
-                <a:cs typeface="Arial" panose="020B0604020202020204" pitchFamily="34" charset="0"/>
-              </a:rPr>
-              <a:t>Libraries and movie datasets were loaded on </a:t>
-            </a:r>
-            <a:r>
-              <a:rPr lang="en-US" sz="2400" dirty="0" err="1">
-                <a:latin typeface="Arial" panose="020B0604020202020204" pitchFamily="34" charset="0"/>
-                <a:cs typeface="Arial" panose="020B0604020202020204" pitchFamily="34" charset="0"/>
-              </a:rPr>
-              <a:t>Jupyter</a:t>
-            </a:r>
-            <a:r>
-              <a:rPr lang="en-US" sz="2400" dirty="0">
-                <a:latin typeface="Arial" panose="020B0604020202020204" pitchFamily="34" charset="0"/>
-                <a:cs typeface="Arial" panose="020B0604020202020204" pitchFamily="34" charset="0"/>
-              </a:rPr>
-              <a:t> Notebook and missing values were fixed. </a:t>
-            </a:r>
-            <a:endParaRPr lang="en-US" sz="2400" dirty="0">
-              <a:latin typeface="Arial" panose="020B0604020202020204" pitchFamily="34" charset="0"/>
-              <a:cs typeface="Arial" panose="020B0604020202020204" pitchFamily="34" charset="0"/>
+              <a:rPr lang="en-GB" altLang="en-US" sz="2000">
+                <a:latin typeface="Times New Roman" panose="02020603050405020304" charset="0"/>
+                <a:cs typeface="Times New Roman" panose="02020603050405020304" charset="0"/>
+              </a:rPr>
+              <a:t>2. Decision Tree Model(Tuned)</a:t>
+            </a:r>
+            <a:endParaRPr lang="en-GB" altLang="en-US" sz="2000">
+              <a:latin typeface="Times New Roman" panose="02020603050405020304" charset="0"/>
+              <a:cs typeface="Times New Roman" panose="02020603050405020304" charset="0"/>
             </a:endParaRPr>
           </a:p>
           <a:p>
-            <a:pPr>
+            <a:pPr marL="0" indent="0" algn="l">
               <a:lnSpc>
                 <a:spcPct val="150000"/>
               </a:lnSpc>
+              <a:buNone/>
             </a:pPr>
             <a:r>
-              <a:rPr lang="en-US" sz="2400" dirty="0">
-                <a:latin typeface="Arial" panose="020B0604020202020204" pitchFamily="34" charset="0"/>
-                <a:cs typeface="Arial" panose="020B0604020202020204" pitchFamily="34" charset="0"/>
-              </a:rPr>
-              <a:t>Feature engineering was performed, merging important data frames.</a:t>
-            </a:r>
-            <a:endParaRPr lang="en-US" sz="2400" dirty="0">
-              <a:latin typeface="Arial" panose="020B0604020202020204" pitchFamily="34" charset="0"/>
-              <a:cs typeface="Arial" panose="020B0604020202020204" pitchFamily="34" charset="0"/>
+              <a:rPr lang="en-GB" altLang="en-US" sz="2000">
+                <a:latin typeface="Times New Roman" panose="02020603050405020304" charset="0"/>
+                <a:cs typeface="Times New Roman" panose="02020603050405020304" charset="0"/>
+              </a:rPr>
+              <a:t>3. Random Forest Model(Untuned)</a:t>
+            </a:r>
+            <a:endParaRPr lang="en-GB" altLang="en-US" sz="2000">
+              <a:latin typeface="Times New Roman" panose="02020603050405020304" charset="0"/>
+              <a:cs typeface="Times New Roman" panose="02020603050405020304" charset="0"/>
+            </a:endParaRPr>
+          </a:p>
+          <a:p>
+            <a:pPr marL="0" indent="0" algn="l">
+              <a:lnSpc>
+                <a:spcPct val="150000"/>
+              </a:lnSpc>
+              <a:buNone/>
+            </a:pPr>
+            <a:r>
+              <a:rPr lang="en-GB" altLang="en-US" sz="2000">
+                <a:latin typeface="Times New Roman" panose="02020603050405020304" charset="0"/>
+                <a:cs typeface="Times New Roman" panose="02020603050405020304" charset="0"/>
+              </a:rPr>
+              <a:t>4. Random Forest Model(Tuned) </a:t>
+            </a:r>
+            <a:endParaRPr lang="en-GB" altLang="en-US" sz="2000">
+              <a:latin typeface="Times New Roman" panose="02020603050405020304" charset="0"/>
+              <a:cs typeface="Times New Roman" panose="02020603050405020304" charset="0"/>
             </a:endParaRPr>
           </a:p>
         </p:txBody>

--- a/Presentation.pptx
+++ b/Presentation.pptx
@@ -5,7 +5,7 @@
     <p:sldMasterId id="2147483648" r:id="rId1"/>
   </p:sldMasterIdLst>
   <p:notesMasterIdLst>
-    <p:notesMasterId r:id="rId20"/>
+    <p:notesMasterId r:id="rId23"/>
   </p:notesMasterIdLst>
   <p:sldIdLst>
     <p:sldId id="256" r:id="rId3"/>
@@ -20,26 +20,29 @@
     <p:sldId id="282" r:id="rId12"/>
     <p:sldId id="320" r:id="rId13"/>
     <p:sldId id="287" r:id="rId14"/>
-    <p:sldId id="274" r:id="rId15"/>
-    <p:sldId id="277" r:id="rId16"/>
-    <p:sldId id="278" r:id="rId17"/>
-    <p:sldId id="291" r:id="rId18"/>
-    <p:sldId id="293" r:id="rId19"/>
-    <p:sldId id="275" r:id="rId21"/>
-    <p:sldId id="276" r:id="rId22"/>
-    <p:sldId id="288" r:id="rId23"/>
-    <p:sldId id="290" r:id="rId24"/>
-    <p:sldId id="272" r:id="rId25"/>
-    <p:sldId id="271" r:id="rId26"/>
-    <p:sldId id="283" r:id="rId27"/>
-    <p:sldId id="286" r:id="rId28"/>
-    <p:sldId id="262" r:id="rId29"/>
-    <p:sldId id="295" r:id="rId30"/>
-    <p:sldId id="296" r:id="rId31"/>
-    <p:sldId id="263" r:id="rId32"/>
-    <p:sldId id="297" r:id="rId33"/>
-    <p:sldId id="298" r:id="rId34"/>
-    <p:sldId id="264" r:id="rId35"/>
+    <p:sldId id="321" r:id="rId15"/>
+    <p:sldId id="322" r:id="rId16"/>
+    <p:sldId id="325" r:id="rId17"/>
+    <p:sldId id="323" r:id="rId18"/>
+    <p:sldId id="324" r:id="rId19"/>
+    <p:sldId id="278" r:id="rId20"/>
+    <p:sldId id="291" r:id="rId21"/>
+    <p:sldId id="293" r:id="rId22"/>
+    <p:sldId id="275" r:id="rId24"/>
+    <p:sldId id="276" r:id="rId25"/>
+    <p:sldId id="288" r:id="rId26"/>
+    <p:sldId id="290" r:id="rId27"/>
+    <p:sldId id="272" r:id="rId28"/>
+    <p:sldId id="271" r:id="rId29"/>
+    <p:sldId id="283" r:id="rId30"/>
+    <p:sldId id="286" r:id="rId31"/>
+    <p:sldId id="262" r:id="rId32"/>
+    <p:sldId id="295" r:id="rId33"/>
+    <p:sldId id="296" r:id="rId34"/>
+    <p:sldId id="263" r:id="rId35"/>
+    <p:sldId id="297" r:id="rId36"/>
+    <p:sldId id="298" r:id="rId37"/>
+    <p:sldId id="264" r:id="rId38"/>
   </p:sldIdLst>
   <p:sldSz cx="12192000" cy="6858000"/>
   <p:notesSz cx="6858000" cy="9144000"/>
@@ -8275,13 +8278,13 @@
           <a:lstStyle/>
           <a:p>
             <a:r>
-              <a:rPr lang="en-GB" altLang="en-US" b="1" dirty="0">
+              <a:rPr lang="en-GB" altLang="en-US" sz="3200" b="1" dirty="0">
                 <a:latin typeface="Times New Roman" panose="02020603050405020304" charset="0"/>
                 <a:cs typeface="Times New Roman" panose="02020603050405020304" charset="0"/>
               </a:rPr>
               <a:t>Model Evaluation</a:t>
             </a:r>
-            <a:endParaRPr lang="en-GB" altLang="en-US" b="1" dirty="0">
+            <a:endParaRPr lang="en-GB" altLang="en-US" sz="3200" b="1" dirty="0">
               <a:latin typeface="Times New Roman" panose="02020603050405020304" charset="0"/>
               <a:cs typeface="Times New Roman" panose="02020603050405020304" charset="0"/>
             </a:endParaRPr>
@@ -8456,39 +8459,115 @@
           <a:bodyPr/>
           <a:p>
             <a:r>
-              <a:rPr lang="en-GB" altLang="en-US" b="1">
+              <a:rPr lang="en-GB" altLang="en-US" sz="3200" b="1">
                 <a:latin typeface="Times New Roman" panose="02020603050405020304" charset="0"/>
                 <a:cs typeface="Times New Roman" panose="02020603050405020304" charset="0"/>
               </a:rPr>
-              <a:t>Logistic Regression Model</a:t>
-            </a:r>
-            <a:endParaRPr lang="en-GB" altLang="en-US" b="1">
+              <a:t>Logistic Regression Model-ROC Curve</a:t>
+            </a:r>
+            <a:endParaRPr lang="en-GB" altLang="en-US" sz="3200" b="1">
               <a:latin typeface="Times New Roman" panose="02020603050405020304" charset="0"/>
               <a:cs typeface="Times New Roman" panose="02020603050405020304" charset="0"/>
             </a:endParaRPr>
           </a:p>
         </p:txBody>
       </p:sp>
-      <p:sp>
-        <p:nvSpPr>
-          <p:cNvPr id="3" name="Content Placeholder 2"/>
-          <p:cNvSpPr>
-            <a:spLocks noGrp="1"/>
-          </p:cNvSpPr>
+      <p:pic>
+        <p:nvPicPr>
+          <p:cNvPr id="4" name="Content Placeholder 3" descr="roc log reg"/>
+          <p:cNvPicPr>
+            <a:picLocks noChangeAspect="1"/>
+          </p:cNvPicPr>
           <p:nvPr>
             <p:ph idx="1"/>
           </p:nvPr>
-        </p:nvSpPr>
+        </p:nvPicPr>
+        <p:blipFill>
+          <a:blip r:embed="rId1"/>
+          <a:stretch>
+            <a:fillRect/>
+          </a:stretch>
+        </p:blipFill>
         <p:spPr>
           <a:xfrm>
-            <a:off x="2588895" y="1323975"/>
-            <a:ext cx="8915400" cy="4754245"/>
-          </a:xfrm>
-        </p:spPr>
-        <p:txBody>
-          <a:bodyPr/>
-          <a:p>
-            <a:endParaRPr lang="en-GB" altLang="en-US"/>
+            <a:off x="1539240" y="1274445"/>
+            <a:ext cx="7179945" cy="4906645"/>
+          </a:xfrm>
+          <a:prstGeom prst="rect">
+            <a:avLst/>
+          </a:prstGeom>
+        </p:spPr>
+      </p:pic>
+      <p:sp>
+        <p:nvSpPr>
+          <p:cNvPr id="5" name="Text Box 4"/>
+          <p:cNvSpPr txBox="1"/>
+          <p:nvPr/>
+        </p:nvSpPr>
+        <p:spPr>
+          <a:xfrm>
+            <a:off x="8900160" y="1779905"/>
+            <a:ext cx="3291840" cy="1648460"/>
+          </a:xfrm>
+          <a:prstGeom prst="rect">
+            <a:avLst/>
+          </a:prstGeom>
+          <a:noFill/>
+        </p:spPr>
+        <p:txBody>
+          <a:bodyPr wrap="square" rtlCol="0">
+            <a:noAutofit/>
+          </a:bodyPr>
+          <a:p>
+            <a:r>
+              <a:rPr lang="en-GB" altLang="en-US" sz="2000" b="1" u="sng">
+                <a:latin typeface="Times New Roman" panose="02020603050405020304" charset="0"/>
+                <a:cs typeface="Times New Roman" panose="02020603050405020304" charset="0"/>
+              </a:rPr>
+              <a:t>Overall Metric Score</a:t>
+            </a:r>
+            <a:endParaRPr lang="en-GB" altLang="en-US" sz="2000" b="1" u="sng">
+              <a:latin typeface="Times New Roman" panose="02020603050405020304" charset="0"/>
+              <a:cs typeface="Times New Roman" panose="02020603050405020304" charset="0"/>
+            </a:endParaRPr>
+          </a:p>
+          <a:p>
+            <a:endParaRPr lang="en-GB" altLang="en-US" sz="2000" b="1" u="sng">
+              <a:latin typeface="Times New Roman" panose="02020603050405020304" charset="0"/>
+              <a:cs typeface="Times New Roman" panose="02020603050405020304" charset="0"/>
+            </a:endParaRPr>
+          </a:p>
+          <a:p>
+            <a:r>
+              <a:rPr lang="en-GB" altLang="en-US" sz="2000">
+                <a:latin typeface="Times New Roman" panose="02020603050405020304" charset="0"/>
+                <a:cs typeface="Times New Roman" panose="02020603050405020304" charset="0"/>
+              </a:rPr>
+              <a:t>1.Accuracy Score = 80%</a:t>
+            </a:r>
+            <a:endParaRPr lang="en-GB" altLang="en-US" sz="2000">
+              <a:latin typeface="Times New Roman" panose="02020603050405020304" charset="0"/>
+              <a:cs typeface="Times New Roman" panose="02020603050405020304" charset="0"/>
+            </a:endParaRPr>
+          </a:p>
+          <a:p>
+            <a:endParaRPr lang="en-GB" altLang="en-US" sz="2000">
+              <a:latin typeface="Times New Roman" panose="02020603050405020304" charset="0"/>
+              <a:cs typeface="Times New Roman" panose="02020603050405020304" charset="0"/>
+            </a:endParaRPr>
+          </a:p>
+          <a:p>
+            <a:r>
+              <a:rPr lang="en-GB" altLang="en-US" sz="2000">
+                <a:latin typeface="Times New Roman" panose="02020603050405020304" charset="0"/>
+                <a:cs typeface="Times New Roman" panose="02020603050405020304" charset="0"/>
+              </a:rPr>
+              <a:t>2. AUC = 0.86</a:t>
+            </a:r>
+            <a:endParaRPr lang="en-GB" altLang="en-US" sz="2000">
+              <a:latin typeface="Times New Roman" panose="02020603050405020304" charset="0"/>
+              <a:cs typeface="Times New Roman" panose="02020603050405020304" charset="0"/>
+            </a:endParaRPr>
           </a:p>
         </p:txBody>
       </p:sp>
@@ -8529,7 +8608,7 @@
         </p:nvSpPr>
         <p:spPr>
           <a:xfrm>
-            <a:off x="2021425" y="555530"/>
+            <a:off x="1640425" y="388525"/>
             <a:ext cx="8911687" cy="770350"/>
           </a:xfrm>
         </p:spPr>
@@ -8540,62 +8619,28 @@
           <a:lstStyle/>
           <a:p>
             <a:r>
-              <a:rPr lang="en-US" b="1" dirty="0"/>
-              <a:t>Top 10 genres within the review period</a:t>
-            </a:r>
-            <a:endParaRPr lang="en-US" b="1" dirty="0"/>
-          </a:p>
-        </p:txBody>
-      </p:sp>
-      <p:sp>
-        <p:nvSpPr>
-          <p:cNvPr id="3" name="Content Placeholder 2"/>
-          <p:cNvSpPr>
-            <a:spLocks noGrp="1"/>
-          </p:cNvSpPr>
-          <p:nvPr>
-            <p:ph idx="1"/>
-          </p:nvPr>
-        </p:nvSpPr>
-        <p:spPr>
-          <a:xfrm>
-            <a:off x="9133366" y="2456267"/>
-            <a:ext cx="3058633" cy="3497965"/>
-          </a:xfrm>
-        </p:spPr>
-        <p:txBody>
-          <a:bodyPr>
-            <a:normAutofit/>
-          </a:bodyPr>
-          <a:lstStyle/>
-          <a:p>
-            <a:pPr marL="0" indent="0" algn="ctr">
-              <a:lnSpc>
-                <a:spcPct val="150000"/>
-              </a:lnSpc>
-              <a:buNone/>
-            </a:pPr>
-            <a:r>
-              <a:rPr lang="en-US" sz="2000" dirty="0">
-                <a:latin typeface="Arial" panose="020B0604020202020204" pitchFamily="34" charset="0"/>
-                <a:cs typeface="Arial" panose="020B0604020202020204" pitchFamily="34" charset="0"/>
-              </a:rPr>
-              <a:t>Drama was the most released genre during the review period followed by Comedy and Action &amp; Adventure genres, respectively.</a:t>
-            </a:r>
-            <a:endParaRPr lang="en-US" sz="2000" dirty="0">
-              <a:latin typeface="Arial" panose="020B0604020202020204" pitchFamily="34" charset="0"/>
-              <a:cs typeface="Arial" panose="020B0604020202020204" pitchFamily="34" charset="0"/>
+              <a:rPr lang="en-GB" altLang="en-US" sz="3200" b="1" dirty="0">
+                <a:latin typeface="Times New Roman" panose="02020603050405020304" charset="0"/>
+                <a:cs typeface="Times New Roman" panose="02020603050405020304" charset="0"/>
+              </a:rPr>
+              <a:t>Logistic Regression-Confusion Matrix</a:t>
+            </a:r>
+            <a:endParaRPr lang="en-GB" altLang="en-US" sz="3200" b="1" dirty="0">
+              <a:latin typeface="Times New Roman" panose="02020603050405020304" charset="0"/>
+              <a:cs typeface="Times New Roman" panose="02020603050405020304" charset="0"/>
             </a:endParaRPr>
           </a:p>
         </p:txBody>
       </p:sp>
       <p:pic>
         <p:nvPicPr>
-          <p:cNvPr id="7" name="Picture 6"/>
+          <p:cNvPr id="5" name="Content Placeholder 4" descr="Confusion matrix log reg"/>
           <p:cNvPicPr>
             <a:picLocks noChangeAspect="1"/>
           </p:cNvPicPr>
-          <p:nvPr/>
+          <p:nvPr>
+            <p:ph idx="1"/>
+          </p:nvPr>
         </p:nvPicPr>
         <p:blipFill>
           <a:blip r:embed="rId1"/>
@@ -8605,14 +8650,97 @@
         </p:blipFill>
         <p:spPr>
           <a:xfrm>
-            <a:off x="2442210" y="1531621"/>
-            <a:ext cx="6587489" cy="4503420"/>
+            <a:off x="1052195" y="1325880"/>
+            <a:ext cx="7325995" cy="4570095"/>
           </a:xfrm>
           <a:prstGeom prst="rect">
             <a:avLst/>
           </a:prstGeom>
         </p:spPr>
       </p:pic>
+      <p:sp>
+        <p:nvSpPr>
+          <p:cNvPr id="6" name="Text Box 5"/>
+          <p:cNvSpPr txBox="1"/>
+          <p:nvPr/>
+        </p:nvSpPr>
+        <p:spPr>
+          <a:xfrm>
+            <a:off x="8610600" y="1654810"/>
+            <a:ext cx="3582035" cy="2358390"/>
+          </a:xfrm>
+          <a:prstGeom prst="rect">
+            <a:avLst/>
+          </a:prstGeom>
+          <a:noFill/>
+        </p:spPr>
+        <p:txBody>
+          <a:bodyPr wrap="square" rtlCol="0">
+            <a:noAutofit/>
+          </a:bodyPr>
+          <a:p>
+            <a:r>
+              <a:rPr lang="en-GB" altLang="en-US"/>
+              <a:t>   </a:t>
+            </a:r>
+            <a:r>
+              <a:rPr lang="en-GB" altLang="en-US" sz="2000" b="1" u="sng">
+                <a:latin typeface="Times New Roman" panose="02020603050405020304" charset="0"/>
+                <a:cs typeface="Times New Roman" panose="02020603050405020304" charset="0"/>
+              </a:rPr>
+              <a:t> Interpretation</a:t>
+            </a:r>
+            <a:endParaRPr lang="en-GB" altLang="en-US" b="1" u="sng"/>
+          </a:p>
+          <a:p>
+            <a:endParaRPr lang="en-US" altLang="en-GB"/>
+          </a:p>
+          <a:p>
+            <a:pPr marL="285750" indent="-285750" algn="l">
+              <a:buFont typeface="Arial" panose="020B0604020202020204" pitchFamily="34" charset="0"/>
+              <a:buChar char="•"/>
+            </a:pPr>
+            <a:r>
+              <a:rPr lang="en-US" altLang="en-GB" sz="2000">
+                <a:latin typeface="Times New Roman" panose="02020603050405020304" charset="0"/>
+                <a:cs typeface="Times New Roman" panose="02020603050405020304" charset="0"/>
+              </a:rPr>
+              <a:t>4,328 bookings correctly predicted as non-cancellations</a:t>
+            </a:r>
+            <a:endParaRPr lang="en-US" altLang="en-GB" sz="2000">
+              <a:latin typeface="Times New Roman" panose="02020603050405020304" charset="0"/>
+              <a:cs typeface="Times New Roman" panose="02020603050405020304" charset="0"/>
+            </a:endParaRPr>
+          </a:p>
+          <a:p>
+            <a:pPr marL="285750" indent="-285750" algn="l">
+              <a:buFont typeface="Arial" panose="020B0604020202020204" pitchFamily="34" charset="0"/>
+              <a:buChar char="•"/>
+            </a:pPr>
+            <a:endParaRPr lang="en-US" altLang="en-GB" sz="2000">
+              <a:latin typeface="Times New Roman" panose="02020603050405020304" charset="0"/>
+              <a:cs typeface="Times New Roman" panose="02020603050405020304" charset="0"/>
+            </a:endParaRPr>
+          </a:p>
+          <a:p>
+            <a:pPr marL="285750" indent="-285750" algn="l">
+              <a:buFont typeface="Arial" panose="020B0604020202020204" pitchFamily="34" charset="0"/>
+              <a:buChar char="•"/>
+            </a:pPr>
+            <a:r>
+              <a:rPr lang="en-US" altLang="en-GB" sz="2000">
+                <a:latin typeface="Times New Roman" panose="02020603050405020304" charset="0"/>
+                <a:cs typeface="Times New Roman" panose="02020603050405020304" charset="0"/>
+              </a:rPr>
+              <a:t>1,455 bookings correctly predicted as cancellations</a:t>
+            </a:r>
+            <a:endParaRPr lang="en-US" altLang="en-GB" sz="2000">
+              <a:latin typeface="Times New Roman" panose="02020603050405020304" charset="0"/>
+              <a:cs typeface="Times New Roman" panose="02020603050405020304" charset="0"/>
+            </a:endParaRPr>
+          </a:p>
+        </p:txBody>
+      </p:sp>
     </p:spTree>
   </p:cSld>
   <p:clrMapOvr>
@@ -8624,46 +8752,13 @@
 <file path=ppt/slides/slide13.xml><?xml version="1.0" encoding="utf-8"?>
 <p:sld xmlns:a="http://schemas.openxmlformats.org/drawingml/2006/main" xmlns:r="http://schemas.openxmlformats.org/officeDocument/2006/relationships" xmlns:p="http://schemas.openxmlformats.org/presentationml/2006/main">
   <p:cSld>
-    <p:bg>
-      <p:bgPr>
-        <a:gradFill rotWithShape="1">
-          <a:gsLst>
-            <a:gs pos="0">
-              <a:schemeClr val="bg2">
-                <a:tint val="90000"/>
-                <a:satMod val="92000"/>
-                <a:lumMod val="120000"/>
-              </a:schemeClr>
-            </a:gs>
-            <a:gs pos="100000">
-              <a:schemeClr val="bg2">
-                <a:shade val="98000"/>
-                <a:satMod val="120000"/>
-                <a:lumMod val="98000"/>
-              </a:schemeClr>
-            </a:gs>
-          </a:gsLst>
-          <a:path path="circle">
-            <a:fillToRect l="50000" t="50000" r="100000" b="100000"/>
-          </a:path>
-        </a:gradFill>
-        <a:effectLst/>
-      </p:bgPr>
-    </p:bg>
     <p:spTree>
       <p:nvGrpSpPr>
         <p:cNvPr id="1" name=""/>
         <p:cNvGrpSpPr/>
         <p:nvPr/>
       </p:nvGrpSpPr>
-      <p:grpSpPr>
-        <a:xfrm>
-          <a:off x="0" y="0"/>
-          <a:ext cx="0" cy="0"/>
-          <a:chOff x="0" y="0"/>
-          <a:chExt cx="0" cy="0"/>
-        </a:xfrm>
-      </p:grpSpPr>
+      <p:grpSpPr/>
       <p:sp>
         <p:nvSpPr>
           <p:cNvPr id="2" name="Title 1"/>
@@ -8676,85 +8771,109 @@
         </p:nvSpPr>
         <p:spPr>
           <a:xfrm>
-            <a:off x="1965960" y="736225"/>
-            <a:ext cx="9258300" cy="657914"/>
-          </a:xfrm>
-        </p:spPr>
-        <p:txBody>
-          <a:bodyPr>
-            <a:normAutofit/>
-          </a:bodyPr>
-          <a:lstStyle/>
-          <a:p>
-            <a:pPr>
-              <a:lnSpc>
-                <a:spcPct val="90000"/>
-              </a:lnSpc>
-            </a:pPr>
-            <a:r>
-              <a:rPr lang="en-US" sz="3100" b="1" dirty="0"/>
-              <a:t>Production Numbers per Year</a:t>
-            </a:r>
-            <a:endParaRPr lang="en-US" sz="3100" b="1" dirty="0"/>
-          </a:p>
-        </p:txBody>
-      </p:sp>
-      <p:sp>
-        <p:nvSpPr>
-          <p:cNvPr id="13" name="Content Placeholder 12"/>
-          <p:cNvSpPr>
-            <a:spLocks noGrp="1"/>
-          </p:cNvSpPr>
-          <p:nvPr>
-            <p:ph idx="1"/>
-          </p:nvPr>
+            <a:off x="1940560" y="469900"/>
+            <a:ext cx="9258300" cy="780415"/>
+          </a:xfrm>
+        </p:spPr>
+        <p:txBody>
+          <a:bodyPr/>
+          <a:p>
+            <a:r>
+              <a:rPr lang="en-GB" altLang="en-US" sz="3200" b="1">
+                <a:latin typeface="Times New Roman" panose="02020603050405020304" charset="0"/>
+                <a:cs typeface="Times New Roman" panose="02020603050405020304" charset="0"/>
+              </a:rPr>
+              <a:t>Decision Tree Model-ROC Curve</a:t>
+            </a:r>
+            <a:endParaRPr lang="en-GB" altLang="en-US" sz="3200" b="1">
+              <a:latin typeface="Times New Roman" panose="02020603050405020304" charset="0"/>
+              <a:cs typeface="Times New Roman" panose="02020603050405020304" charset="0"/>
+            </a:endParaRPr>
+          </a:p>
+        </p:txBody>
+      </p:sp>
+      <p:sp>
+        <p:nvSpPr>
+          <p:cNvPr id="5" name="Text Box 4"/>
+          <p:cNvSpPr txBox="1"/>
+          <p:nvPr/>
         </p:nvSpPr>
         <p:spPr>
           <a:xfrm>
-            <a:off x="2059368" y="1882515"/>
-            <a:ext cx="3543990" cy="4204289"/>
-          </a:xfrm>
-        </p:spPr>
-        <p:txBody>
-          <a:bodyPr>
-            <a:normAutofit/>
+            <a:off x="8900160" y="1779905"/>
+            <a:ext cx="3291840" cy="1648460"/>
+          </a:xfrm>
+          <a:prstGeom prst="rect">
+            <a:avLst/>
+          </a:prstGeom>
+          <a:noFill/>
+        </p:spPr>
+        <p:txBody>
+          <a:bodyPr wrap="square" rtlCol="0">
+            <a:noAutofit/>
           </a:bodyPr>
-          <a:lstStyle/>
-          <a:p>
-            <a:r>
-              <a:rPr lang="en-US" sz="2000" dirty="0">
-                <a:latin typeface="Arial" panose="020B0604020202020204" pitchFamily="34" charset="0"/>
-                <a:cs typeface="Arial" panose="020B0604020202020204" pitchFamily="34" charset="0"/>
-              </a:rPr>
-              <a:t>The number of movies produced over the review years is cyclical with the peak periods during 2011and 2015. the troughs in 2010, 2013 and 2018.</a:t>
-            </a:r>
-            <a:endParaRPr lang="en-US" sz="2000" dirty="0">
-              <a:latin typeface="Arial" panose="020B0604020202020204" pitchFamily="34" charset="0"/>
-              <a:cs typeface="Arial" panose="020B0604020202020204" pitchFamily="34" charset="0"/>
+          <a:p>
+            <a:r>
+              <a:rPr lang="en-GB" altLang="en-US" sz="2000" b="1" u="sng">
+                <a:latin typeface="Times New Roman" panose="02020603050405020304" charset="0"/>
+                <a:cs typeface="Times New Roman" panose="02020603050405020304" charset="0"/>
+              </a:rPr>
+              <a:t>Decsion Tree Model</a:t>
+            </a:r>
+            <a:endParaRPr lang="en-GB" altLang="en-US" sz="2000" b="1" u="sng">
+              <a:latin typeface="Times New Roman" panose="02020603050405020304" charset="0"/>
+              <a:cs typeface="Times New Roman" panose="02020603050405020304" charset="0"/>
             </a:endParaRPr>
           </a:p>
           <a:p>
-            <a:r>
-              <a:rPr lang="en-US" sz="2000" dirty="0">
-                <a:latin typeface="Arial" panose="020B0604020202020204" pitchFamily="34" charset="0"/>
-                <a:cs typeface="Arial" panose="020B0604020202020204" pitchFamily="34" charset="0"/>
-              </a:rPr>
-              <a:t>In conclusion, peaks and troughs of the business cycle are collectively known as turning points, which provide valuable information about the state of the economy. </a:t>
-            </a:r>
-            <a:endParaRPr lang="en-US" sz="2000" dirty="0">
-              <a:latin typeface="Arial" panose="020B0604020202020204" pitchFamily="34" charset="0"/>
-              <a:cs typeface="Arial" panose="020B0604020202020204" pitchFamily="34" charset="0"/>
+            <a:endParaRPr lang="en-GB" altLang="en-US" sz="2000" b="1" u="sng">
+              <a:latin typeface="Times New Roman" panose="02020603050405020304" charset="0"/>
+              <a:cs typeface="Times New Roman" panose="02020603050405020304" charset="0"/>
+            </a:endParaRPr>
+          </a:p>
+          <a:p>
+            <a:r>
+              <a:rPr lang="en-GB" altLang="en-US" sz="2000">
+                <a:latin typeface="Times New Roman" panose="02020603050405020304" charset="0"/>
+                <a:cs typeface="Times New Roman" panose="02020603050405020304" charset="0"/>
+              </a:rPr>
+              <a:t>1.Accuracy Score = 84%</a:t>
+            </a:r>
+            <a:endParaRPr lang="en-GB" altLang="en-US" sz="2000">
+              <a:latin typeface="Times New Roman" panose="02020603050405020304" charset="0"/>
+              <a:cs typeface="Times New Roman" panose="02020603050405020304" charset="0"/>
+            </a:endParaRPr>
+          </a:p>
+          <a:p>
+            <a:endParaRPr lang="en-GB" altLang="en-US" sz="2000">
+              <a:latin typeface="Times New Roman" panose="02020603050405020304" charset="0"/>
+              <a:cs typeface="Times New Roman" panose="02020603050405020304" charset="0"/>
+            </a:endParaRPr>
+          </a:p>
+          <a:p>
+            <a:r>
+              <a:rPr lang="en-GB" altLang="en-US" sz="2000">
+                <a:latin typeface="Times New Roman" panose="02020603050405020304" charset="0"/>
+                <a:cs typeface="Times New Roman" panose="02020603050405020304" charset="0"/>
+              </a:rPr>
+              <a:t>2. AUC = 0.89</a:t>
+            </a:r>
+            <a:endParaRPr lang="en-GB" altLang="en-US" sz="2000">
+              <a:latin typeface="Times New Roman" panose="02020603050405020304" charset="0"/>
+              <a:cs typeface="Times New Roman" panose="02020603050405020304" charset="0"/>
             </a:endParaRPr>
           </a:p>
         </p:txBody>
       </p:sp>
       <p:pic>
         <p:nvPicPr>
-          <p:cNvPr id="6" name="Picture 5"/>
+          <p:cNvPr id="6" name="Content Placeholder 5" descr="roc decision tree"/>
           <p:cNvPicPr>
             <a:picLocks noChangeAspect="1"/>
           </p:cNvPicPr>
-          <p:nvPr/>
+          <p:nvPr>
+            <p:ph idx="1"/>
+          </p:nvPr>
         </p:nvPicPr>
         <p:blipFill>
           <a:blip r:embed="rId1"/>
@@ -8764,8 +8883,8 @@
         </p:blipFill>
         <p:spPr>
           <a:xfrm>
-            <a:off x="5730949" y="1612737"/>
-            <a:ext cx="5830503" cy="4743847"/>
+            <a:off x="1940560" y="1487805"/>
+            <a:ext cx="6958965" cy="4825365"/>
           </a:xfrm>
           <a:prstGeom prst="rect">
             <a:avLst/>
@@ -8809,71 +8928,150 @@
         </p:nvSpPr>
         <p:spPr>
           <a:xfrm>
-            <a:off x="2592925" y="624110"/>
-            <a:ext cx="8911687" cy="713200"/>
-          </a:xfrm>
-        </p:spPr>
-        <p:txBody>
-          <a:bodyPr/>
+            <a:off x="1640425" y="388525"/>
+            <a:ext cx="8911687" cy="770350"/>
+          </a:xfrm>
+        </p:spPr>
+        <p:txBody>
+          <a:bodyPr>
+            <a:normAutofit fontScale="90000"/>
+          </a:bodyPr>
           <a:lstStyle/>
           <a:p>
             <a:r>
-              <a:rPr lang="en-US" b="1" dirty="0"/>
-              <a:t>Movies released as per Ratings</a:t>
-            </a:r>
-            <a:endParaRPr lang="en-US" b="1" dirty="0"/>
-          </a:p>
-        </p:txBody>
-      </p:sp>
-      <p:sp>
-        <p:nvSpPr>
-          <p:cNvPr id="3" name="Content Placeholder 2"/>
-          <p:cNvSpPr>
-            <a:spLocks noGrp="1"/>
-          </p:cNvSpPr>
-          <p:nvPr>
-            <p:ph idx="1"/>
-          </p:nvPr>
+              <a:rPr lang="en-GB" altLang="en-US" sz="3555" b="1" dirty="0">
+                <a:latin typeface="Times New Roman" panose="02020603050405020304" charset="0"/>
+                <a:cs typeface="Times New Roman" panose="02020603050405020304" charset="0"/>
+              </a:rPr>
+              <a:t>Decision Tree Model(Tuned) - Confusion Matrix</a:t>
+            </a:r>
+            <a:endParaRPr lang="en-GB" altLang="en-US" sz="3555" b="1" dirty="0">
+              <a:latin typeface="Times New Roman" panose="02020603050405020304" charset="0"/>
+              <a:cs typeface="Times New Roman" panose="02020603050405020304" charset="0"/>
+            </a:endParaRPr>
+          </a:p>
+        </p:txBody>
+      </p:sp>
+      <p:sp>
+        <p:nvSpPr>
+          <p:cNvPr id="6" name="Text Box 5"/>
+          <p:cNvSpPr txBox="1"/>
+          <p:nvPr/>
         </p:nvSpPr>
         <p:spPr>
           <a:xfrm>
-            <a:off x="1885950" y="1486166"/>
-            <a:ext cx="9955530" cy="1234174"/>
-          </a:xfrm>
-        </p:spPr>
-        <p:txBody>
-          <a:bodyPr>
-            <a:normAutofit fontScale="92500" lnSpcReduction="20000"/>
+            <a:off x="8332470" y="1654810"/>
+            <a:ext cx="3735070" cy="2468245"/>
+          </a:xfrm>
+          <a:prstGeom prst="rect">
+            <a:avLst/>
+          </a:prstGeom>
+          <a:noFill/>
+        </p:spPr>
+        <p:txBody>
+          <a:bodyPr wrap="square" rtlCol="0">
+            <a:noAutofit/>
           </a:bodyPr>
-          <a:lstStyle/>
-          <a:p>
-            <a:pPr marL="0" indent="0">
-              <a:lnSpc>
-                <a:spcPct val="150000"/>
-              </a:lnSpc>
-              <a:buNone/>
+          <a:p>
+            <a:r>
+              <a:rPr lang="en-GB" altLang="en-US"/>
+              <a:t>   </a:t>
+            </a:r>
+            <a:r>
+              <a:rPr lang="en-GB" altLang="en-US" sz="2000" b="1" u="sng">
+                <a:latin typeface="Times New Roman" panose="02020603050405020304" charset="0"/>
+                <a:cs typeface="Times New Roman" panose="02020603050405020304" charset="0"/>
+              </a:rPr>
+              <a:t> Interpretation</a:t>
+            </a:r>
+            <a:endParaRPr lang="en-GB" altLang="en-US" b="1" u="sng"/>
+          </a:p>
+          <a:p>
+            <a:endParaRPr lang="en-US" altLang="en-GB"/>
+          </a:p>
+          <a:p>
+            <a:pPr marL="285750" indent="-285750" algn="l">
+              <a:buFont typeface="Arial" panose="020B0604020202020204" pitchFamily="34" charset="0"/>
+              <a:buChar char="•"/>
             </a:pPr>
             <a:r>
-              <a:rPr lang="en-US" sz="2000" dirty="0">
-                <a:latin typeface="Arial" panose="020B0604020202020204" pitchFamily="34" charset="0"/>
-                <a:cs typeface="Arial" panose="020B0604020202020204" pitchFamily="34" charset="0"/>
-              </a:rPr>
-              <a:t>According to the data reviewed, majority of the films fall into one of two categories: restricted (R) or nonrestricted (NR). The general guidance (G) is the lowest and the bulk of the films made are intended for adults. </a:t>
-            </a:r>
-            <a:endParaRPr lang="en-US" sz="2000" dirty="0">
-              <a:latin typeface="Arial" panose="020B0604020202020204" pitchFamily="34" charset="0"/>
-              <a:cs typeface="Arial" panose="020B0604020202020204" pitchFamily="34" charset="0"/>
+              <a:rPr lang="en-US" altLang="en-GB" sz="2000">
+                <a:latin typeface="Times New Roman" panose="02020603050405020304" charset="0"/>
+                <a:cs typeface="Times New Roman" panose="02020603050405020304" charset="0"/>
+              </a:rPr>
+              <a:t>4,</a:t>
+            </a:r>
+            <a:r>
+              <a:rPr lang="en-GB" altLang="en-US" sz="2000">
+                <a:latin typeface="Times New Roman" panose="02020603050405020304" charset="0"/>
+                <a:cs typeface="Times New Roman" panose="02020603050405020304" charset="0"/>
+              </a:rPr>
+              <a:t>199</a:t>
+            </a:r>
+            <a:r>
+              <a:rPr lang="en-US" altLang="en-GB" sz="2000">
+                <a:latin typeface="Times New Roman" panose="02020603050405020304" charset="0"/>
+                <a:cs typeface="Times New Roman" panose="02020603050405020304" charset="0"/>
+              </a:rPr>
+              <a:t> bookings correctly predicted as non-cancellations</a:t>
+            </a:r>
+            <a:endParaRPr lang="en-US" altLang="en-GB" sz="2000">
+              <a:latin typeface="Times New Roman" panose="02020603050405020304" charset="0"/>
+              <a:cs typeface="Times New Roman" panose="02020603050405020304" charset="0"/>
+            </a:endParaRPr>
+          </a:p>
+          <a:p>
+            <a:pPr marL="285750" indent="-285750" algn="l">
+              <a:buFont typeface="Arial" panose="020B0604020202020204" pitchFamily="34" charset="0"/>
+              <a:buChar char="•"/>
+            </a:pPr>
+            <a:endParaRPr lang="en-US" altLang="en-GB" sz="2000">
+              <a:latin typeface="Times New Roman" panose="02020603050405020304" charset="0"/>
+              <a:cs typeface="Times New Roman" panose="02020603050405020304" charset="0"/>
+            </a:endParaRPr>
+          </a:p>
+          <a:p>
+            <a:pPr marL="285750" indent="-285750" algn="l">
+              <a:buFont typeface="Arial" panose="020B0604020202020204" pitchFamily="34" charset="0"/>
+              <a:buChar char="•"/>
+            </a:pPr>
+            <a:r>
+              <a:rPr lang="en-US" altLang="en-GB" sz="2000">
+                <a:latin typeface="Times New Roman" panose="02020603050405020304" charset="0"/>
+                <a:cs typeface="Times New Roman" panose="02020603050405020304" charset="0"/>
+              </a:rPr>
+              <a:t>1,</a:t>
+            </a:r>
+            <a:r>
+              <a:rPr lang="en-GB" altLang="en-US" sz="2000">
+                <a:latin typeface="Times New Roman" panose="02020603050405020304" charset="0"/>
+                <a:cs typeface="Times New Roman" panose="02020603050405020304" charset="0"/>
+              </a:rPr>
+              <a:t>866</a:t>
+            </a:r>
+            <a:r>
+              <a:rPr lang="en-US" altLang="en-GB" sz="2000">
+                <a:latin typeface="Times New Roman" panose="02020603050405020304" charset="0"/>
+                <a:cs typeface="Times New Roman" panose="02020603050405020304" charset="0"/>
+              </a:rPr>
+              <a:t> bookings correctly predicted as cancellations</a:t>
+            </a:r>
+            <a:endParaRPr lang="en-US" altLang="en-GB" sz="2000">
+              <a:latin typeface="Times New Roman" panose="02020603050405020304" charset="0"/>
+              <a:cs typeface="Times New Roman" panose="02020603050405020304" charset="0"/>
             </a:endParaRPr>
           </a:p>
         </p:txBody>
       </p:sp>
       <p:pic>
         <p:nvPicPr>
-          <p:cNvPr id="7" name="Picture 6"/>
+          <p:cNvPr id="4" name="Content Placeholder 3" descr="Confusion matrix decision tree"/>
           <p:cNvPicPr>
             <a:picLocks noChangeAspect="1"/>
           </p:cNvPicPr>
-          <p:nvPr/>
+          <p:nvPr>
+            <p:ph idx="1"/>
+          </p:nvPr>
         </p:nvPicPr>
         <p:blipFill>
           <a:blip r:embed="rId1"/>
@@ -8883,8 +9081,8 @@
         </p:blipFill>
         <p:spPr>
           <a:xfrm>
-            <a:off x="2775805" y="2720340"/>
-            <a:ext cx="5968145" cy="4123007"/>
+            <a:off x="1640205" y="1053465"/>
+            <a:ext cx="6530975" cy="4763770"/>
           </a:xfrm>
           <a:prstGeom prst="rect">
             <a:avLst/>
@@ -8900,6 +9098,361 @@
 </file>
 
 <file path=ppt/slides/slide15.xml><?xml version="1.0" encoding="utf-8"?>
+<p:sld xmlns:a="http://schemas.openxmlformats.org/drawingml/2006/main" xmlns:r="http://schemas.openxmlformats.org/officeDocument/2006/relationships" xmlns:p="http://schemas.openxmlformats.org/presentationml/2006/main">
+  <p:cSld>
+    <p:spTree>
+      <p:nvGrpSpPr>
+        <p:cNvPr id="1" name=""/>
+        <p:cNvGrpSpPr/>
+        <p:nvPr/>
+      </p:nvGrpSpPr>
+      <p:grpSpPr/>
+      <p:sp>
+        <p:nvSpPr>
+          <p:cNvPr id="2" name="Title 1"/>
+          <p:cNvSpPr>
+            <a:spLocks noGrp="1"/>
+          </p:cNvSpPr>
+          <p:nvPr>
+            <p:ph type="title"/>
+          </p:nvPr>
+        </p:nvSpPr>
+        <p:spPr>
+          <a:xfrm>
+            <a:off x="1870710" y="469900"/>
+            <a:ext cx="9328150" cy="655320"/>
+          </a:xfrm>
+        </p:spPr>
+        <p:txBody>
+          <a:bodyPr/>
+          <a:p>
+            <a:r>
+              <a:rPr lang="en-GB" altLang="en-US" sz="3200" b="1">
+                <a:latin typeface="Times New Roman" panose="02020603050405020304" charset="0"/>
+                <a:cs typeface="Times New Roman" panose="02020603050405020304" charset="0"/>
+              </a:rPr>
+              <a:t>Random Forest(Untuned)-ROC Curve</a:t>
+            </a:r>
+            <a:endParaRPr lang="en-GB" altLang="en-US" sz="3200" b="1">
+              <a:latin typeface="Times New Roman" panose="02020603050405020304" charset="0"/>
+              <a:cs typeface="Times New Roman" panose="02020603050405020304" charset="0"/>
+            </a:endParaRPr>
+          </a:p>
+        </p:txBody>
+      </p:sp>
+      <p:sp>
+        <p:nvSpPr>
+          <p:cNvPr id="5" name="Text Box 4"/>
+          <p:cNvSpPr txBox="1"/>
+          <p:nvPr/>
+        </p:nvSpPr>
+        <p:spPr>
+          <a:xfrm>
+            <a:off x="8580120" y="1779905"/>
+            <a:ext cx="3611880" cy="1787525"/>
+          </a:xfrm>
+          <a:prstGeom prst="rect">
+            <a:avLst/>
+          </a:prstGeom>
+          <a:noFill/>
+        </p:spPr>
+        <p:txBody>
+          <a:bodyPr wrap="square" rtlCol="0">
+            <a:noAutofit/>
+          </a:bodyPr>
+          <a:p>
+            <a:r>
+              <a:rPr lang="en-GB" altLang="en-US" sz="2000" b="1" u="sng">
+                <a:latin typeface="Times New Roman" panose="02020603050405020304" charset="0"/>
+                <a:cs typeface="Times New Roman" panose="02020603050405020304" charset="0"/>
+              </a:rPr>
+              <a:t>Decision Tree Model</a:t>
+            </a:r>
+            <a:endParaRPr lang="en-GB" altLang="en-US" sz="2000" b="1" u="sng">
+              <a:latin typeface="Times New Roman" panose="02020603050405020304" charset="0"/>
+              <a:cs typeface="Times New Roman" panose="02020603050405020304" charset="0"/>
+            </a:endParaRPr>
+          </a:p>
+          <a:p>
+            <a:endParaRPr lang="en-GB" altLang="en-US" sz="2000" b="1" u="sng">
+              <a:latin typeface="Times New Roman" panose="02020603050405020304" charset="0"/>
+              <a:cs typeface="Times New Roman" panose="02020603050405020304" charset="0"/>
+            </a:endParaRPr>
+          </a:p>
+          <a:p>
+            <a:r>
+              <a:rPr lang="en-GB" altLang="en-US" sz="2000">
+                <a:latin typeface="Times New Roman" panose="02020603050405020304" charset="0"/>
+                <a:cs typeface="Times New Roman" panose="02020603050405020304" charset="0"/>
+              </a:rPr>
+              <a:t>1.Accuracy Score = 85%</a:t>
+            </a:r>
+            <a:endParaRPr lang="en-GB" altLang="en-US" sz="2000">
+              <a:latin typeface="Times New Roman" panose="02020603050405020304" charset="0"/>
+              <a:cs typeface="Times New Roman" panose="02020603050405020304" charset="0"/>
+            </a:endParaRPr>
+          </a:p>
+          <a:p>
+            <a:endParaRPr lang="en-GB" altLang="en-US" sz="2000">
+              <a:latin typeface="Times New Roman" panose="02020603050405020304" charset="0"/>
+              <a:cs typeface="Times New Roman" panose="02020603050405020304" charset="0"/>
+            </a:endParaRPr>
+          </a:p>
+          <a:p>
+            <a:r>
+              <a:rPr lang="en-GB" altLang="en-US" sz="2000">
+                <a:latin typeface="Times New Roman" panose="02020603050405020304" charset="0"/>
+                <a:cs typeface="Times New Roman" panose="02020603050405020304" charset="0"/>
+              </a:rPr>
+              <a:t>2. AUC = 0.91</a:t>
+            </a:r>
+            <a:endParaRPr lang="en-GB" altLang="en-US" sz="2000">
+              <a:latin typeface="Times New Roman" panose="02020603050405020304" charset="0"/>
+              <a:cs typeface="Times New Roman" panose="02020603050405020304" charset="0"/>
+            </a:endParaRPr>
+          </a:p>
+        </p:txBody>
+      </p:sp>
+      <p:pic>
+        <p:nvPicPr>
+          <p:cNvPr id="4" name="Content Placeholder 3" descr="Untuned RF ROC"/>
+          <p:cNvPicPr>
+            <a:picLocks noChangeAspect="1"/>
+          </p:cNvPicPr>
+          <p:nvPr>
+            <p:ph idx="1"/>
+          </p:nvPr>
+        </p:nvPicPr>
+        <p:blipFill>
+          <a:blip r:embed="rId1"/>
+          <a:stretch>
+            <a:fillRect/>
+          </a:stretch>
+        </p:blipFill>
+        <p:spPr>
+          <a:xfrm>
+            <a:off x="1470025" y="1250950"/>
+            <a:ext cx="6950710" cy="4993005"/>
+          </a:xfrm>
+          <a:prstGeom prst="rect">
+            <a:avLst/>
+          </a:prstGeom>
+        </p:spPr>
+      </p:pic>
+    </p:spTree>
+  </p:cSld>
+  <p:clrMapOvr>
+    <a:masterClrMapping/>
+  </p:clrMapOvr>
+</p:sld>
+</file>
+
+<file path=ppt/slides/slide16.xml><?xml version="1.0" encoding="utf-8"?>
+<p:sld xmlns:a="http://schemas.openxmlformats.org/drawingml/2006/main" xmlns:r="http://schemas.openxmlformats.org/officeDocument/2006/relationships" xmlns:p="http://schemas.openxmlformats.org/presentationml/2006/main">
+  <p:cSld>
+    <p:spTree>
+      <p:nvGrpSpPr>
+        <p:cNvPr id="1" name=""/>
+        <p:cNvGrpSpPr/>
+        <p:nvPr/>
+      </p:nvGrpSpPr>
+      <p:grpSpPr/>
+      <p:sp>
+        <p:nvSpPr>
+          <p:cNvPr id="2" name="Title 1"/>
+          <p:cNvSpPr>
+            <a:spLocks noGrp="1"/>
+          </p:cNvSpPr>
+          <p:nvPr>
+            <p:ph type="title"/>
+          </p:nvPr>
+        </p:nvSpPr>
+        <p:spPr>
+          <a:xfrm>
+            <a:off x="2592705" y="624205"/>
+            <a:ext cx="8911590" cy="850265"/>
+          </a:xfrm>
+        </p:spPr>
+        <p:txBody>
+          <a:bodyPr/>
+          <a:p>
+            <a:r>
+              <a:rPr lang="en-GB" altLang="en-US" b="1">
+                <a:latin typeface="Times New Roman" panose="02020603050405020304" charset="0"/>
+                <a:cs typeface="Times New Roman" panose="02020603050405020304" charset="0"/>
+                <a:sym typeface="+mn-ea"/>
+              </a:rPr>
+              <a:t>Random Forest(tuned)-ROC Curve</a:t>
+            </a:r>
+            <a:endParaRPr lang="en-GB" altLang="en-US"/>
+          </a:p>
+        </p:txBody>
+      </p:sp>
+      <p:pic>
+        <p:nvPicPr>
+          <p:cNvPr id="4" name="Content Placeholder 3" descr="Tuned RF ROC"/>
+          <p:cNvPicPr>
+            <a:picLocks noChangeAspect="1"/>
+          </p:cNvPicPr>
+          <p:nvPr>
+            <p:ph idx="1"/>
+          </p:nvPr>
+        </p:nvPicPr>
+        <p:blipFill>
+          <a:blip r:embed="rId1"/>
+          <a:stretch>
+            <a:fillRect/>
+          </a:stretch>
+        </p:blipFill>
+        <p:spPr>
+          <a:xfrm>
+            <a:off x="1980565" y="1474470"/>
+            <a:ext cx="6575425" cy="4889500"/>
+          </a:xfrm>
+          <a:prstGeom prst="rect">
+            <a:avLst/>
+          </a:prstGeom>
+        </p:spPr>
+      </p:pic>
+      <p:sp>
+        <p:nvSpPr>
+          <p:cNvPr id="5" name="Text Box 4"/>
+          <p:cNvSpPr txBox="1"/>
+          <p:nvPr/>
+        </p:nvSpPr>
+        <p:spPr>
+          <a:xfrm>
+            <a:off x="8458835" y="1945640"/>
+            <a:ext cx="3691890" cy="1630045"/>
+          </a:xfrm>
+          <a:prstGeom prst="rect">
+            <a:avLst/>
+          </a:prstGeom>
+          <a:noFill/>
+        </p:spPr>
+        <p:txBody>
+          <a:bodyPr wrap="square" rtlCol="0" anchor="t">
+            <a:spAutoFit/>
+          </a:bodyPr>
+          <a:p>
+            <a:r>
+              <a:rPr lang="en-GB" altLang="en-US" sz="2000" b="1" u="sng">
+                <a:latin typeface="Times New Roman" panose="02020603050405020304" charset="0"/>
+                <a:cs typeface="Times New Roman" panose="02020603050405020304" charset="0"/>
+              </a:rPr>
+              <a:t>Overall Metric Score</a:t>
+            </a:r>
+            <a:endParaRPr lang="en-GB" altLang="en-US" sz="2000" b="1" u="sng">
+              <a:latin typeface="Times New Roman" panose="02020603050405020304" charset="0"/>
+              <a:cs typeface="Times New Roman" panose="02020603050405020304" charset="0"/>
+            </a:endParaRPr>
+          </a:p>
+          <a:p>
+            <a:endParaRPr lang="en-GB" altLang="en-US" sz="2000" b="1" u="sng">
+              <a:latin typeface="Times New Roman" panose="02020603050405020304" charset="0"/>
+              <a:cs typeface="Times New Roman" panose="02020603050405020304" charset="0"/>
+            </a:endParaRPr>
+          </a:p>
+          <a:p>
+            <a:r>
+              <a:rPr lang="en-GB" altLang="en-US" sz="2000">
+                <a:latin typeface="Times New Roman" panose="02020603050405020304" charset="0"/>
+                <a:cs typeface="Times New Roman" panose="02020603050405020304" charset="0"/>
+                <a:sym typeface="+mn-ea"/>
+              </a:rPr>
+              <a:t>1.Accuracy Score = 85%</a:t>
+            </a:r>
+            <a:endParaRPr lang="en-GB" altLang="en-US" sz="2000">
+              <a:latin typeface="Times New Roman" panose="02020603050405020304" charset="0"/>
+              <a:cs typeface="Times New Roman" panose="02020603050405020304" charset="0"/>
+            </a:endParaRPr>
+          </a:p>
+          <a:p>
+            <a:endParaRPr lang="en-GB" altLang="en-US" sz="2000">
+              <a:latin typeface="Times New Roman" panose="02020603050405020304" charset="0"/>
+              <a:cs typeface="Times New Roman" panose="02020603050405020304" charset="0"/>
+            </a:endParaRPr>
+          </a:p>
+          <a:p>
+            <a:r>
+              <a:rPr lang="en-GB" altLang="en-US" sz="2000">
+                <a:latin typeface="Times New Roman" panose="02020603050405020304" charset="0"/>
+                <a:cs typeface="Times New Roman" panose="02020603050405020304" charset="0"/>
+                <a:sym typeface="+mn-ea"/>
+              </a:rPr>
+              <a:t>2. AUC = 0.91</a:t>
+            </a:r>
+            <a:endParaRPr lang="en-GB" altLang="en-US" sz="2000">
+              <a:latin typeface="Times New Roman" panose="02020603050405020304" charset="0"/>
+              <a:cs typeface="Times New Roman" panose="02020603050405020304" charset="0"/>
+              <a:sym typeface="+mn-ea"/>
+            </a:endParaRPr>
+          </a:p>
+        </p:txBody>
+      </p:sp>
+    </p:spTree>
+  </p:cSld>
+  <p:clrMapOvr>
+    <a:masterClrMapping/>
+  </p:clrMapOvr>
+</p:sld>
+</file>
+
+<file path=ppt/slides/slide17.xml><?xml version="1.0" encoding="utf-8"?>
+<p:sld xmlns:a="http://schemas.openxmlformats.org/drawingml/2006/main" xmlns:r="http://schemas.openxmlformats.org/officeDocument/2006/relationships" xmlns:p="http://schemas.openxmlformats.org/presentationml/2006/main">
+  <p:cSld>
+    <p:spTree>
+      <p:nvGrpSpPr>
+        <p:cNvPr id="1" name=""/>
+        <p:cNvGrpSpPr/>
+        <p:nvPr/>
+      </p:nvGrpSpPr>
+      <p:grpSpPr/>
+      <p:sp>
+        <p:nvSpPr>
+          <p:cNvPr id="2" name="Title 1"/>
+          <p:cNvSpPr>
+            <a:spLocks noGrp="1"/>
+          </p:cNvSpPr>
+          <p:nvPr>
+            <p:ph type="title"/>
+          </p:nvPr>
+        </p:nvSpPr>
+        <p:spPr/>
+        <p:txBody>
+          <a:bodyPr/>
+          <a:p>
+            <a:endParaRPr lang="en-GB" altLang="en-US"/>
+          </a:p>
+        </p:txBody>
+      </p:sp>
+      <p:sp>
+        <p:nvSpPr>
+          <p:cNvPr id="3" name="Content Placeholder 2"/>
+          <p:cNvSpPr>
+            <a:spLocks noGrp="1"/>
+          </p:cNvSpPr>
+          <p:nvPr>
+            <p:ph idx="1"/>
+          </p:nvPr>
+        </p:nvSpPr>
+        <p:spPr/>
+        <p:txBody>
+          <a:bodyPr/>
+          <a:p>
+            <a:endParaRPr lang="en-GB" altLang="en-US"/>
+          </a:p>
+        </p:txBody>
+      </p:sp>
+    </p:spTree>
+  </p:cSld>
+  <p:clrMapOvr>
+    <a:masterClrMapping/>
+  </p:clrMapOvr>
+</p:sld>
+</file>
+
+<file path=ppt/slides/slide18.xml><?xml version="1.0" encoding="utf-8"?>
 <p:sld xmlns:a="http://schemas.openxmlformats.org/drawingml/2006/main" xmlns:r="http://schemas.openxmlformats.org/officeDocument/2006/relationships" xmlns:p="http://schemas.openxmlformats.org/presentationml/2006/main">
   <p:cSld>
     <p:spTree>
@@ -9318,7 +9871,7 @@
 </p:sld>
 </file>
 
-<file path=ppt/slides/slide16.xml><?xml version="1.0" encoding="utf-8"?>
+<file path=ppt/slides/slide19.xml><?xml version="1.0" encoding="utf-8"?>
 <p:sld xmlns:a="http://schemas.openxmlformats.org/drawingml/2006/main" xmlns:r="http://schemas.openxmlformats.org/officeDocument/2006/relationships" xmlns:p="http://schemas.openxmlformats.org/presentationml/2006/main">
   <p:cSld>
     <p:spTree>
@@ -9442,433 +9995,6 @@
           <a:xfrm>
             <a:off x="1967865" y="1081806"/>
             <a:ext cx="9084945" cy="3828576"/>
-          </a:xfrm>
-          <a:prstGeom prst="rect">
-            <a:avLst/>
-          </a:prstGeom>
-        </p:spPr>
-      </p:pic>
-    </p:spTree>
-  </p:cSld>
-  <p:clrMapOvr>
-    <a:masterClrMapping/>
-  </p:clrMapOvr>
-</p:sld>
-</file>
-
-<file path=ppt/slides/slide17.xml><?xml version="1.0" encoding="utf-8"?>
-<p:sld xmlns:a="http://schemas.openxmlformats.org/drawingml/2006/main" xmlns:r="http://schemas.openxmlformats.org/officeDocument/2006/relationships" xmlns:p="http://schemas.openxmlformats.org/presentationml/2006/main">
-  <p:cSld>
-    <p:spTree>
-      <p:nvGrpSpPr>
-        <p:cNvPr id="1" name=""/>
-        <p:cNvGrpSpPr/>
-        <p:nvPr/>
-      </p:nvGrpSpPr>
-      <p:grpSpPr>
-        <a:xfrm>
-          <a:off x="0" y="0"/>
-          <a:ext cx="0" cy="0"/>
-          <a:chOff x="0" y="0"/>
-          <a:chExt cx="0" cy="0"/>
-        </a:xfrm>
-      </p:grpSpPr>
-      <p:sp>
-        <p:nvSpPr>
-          <p:cNvPr id="2" name="Title 1"/>
-          <p:cNvSpPr>
-            <a:spLocks noGrp="1"/>
-          </p:cNvSpPr>
-          <p:nvPr>
-            <p:ph type="title"/>
-          </p:nvPr>
-        </p:nvSpPr>
-        <p:spPr>
-          <a:xfrm>
-            <a:off x="2176051" y="434340"/>
-            <a:ext cx="8911687" cy="543875"/>
-          </a:xfrm>
-        </p:spPr>
-        <p:txBody>
-          <a:bodyPr>
-            <a:noAutofit/>
-          </a:bodyPr>
-          <a:lstStyle/>
-          <a:p>
-            <a:r>
-              <a:rPr lang="en-US" sz="2800" b="1" dirty="0"/>
-              <a:t>Genre performance by revenue</a:t>
-            </a:r>
-            <a:endParaRPr lang="en-US" sz="2800" b="1" dirty="0"/>
-          </a:p>
-        </p:txBody>
-      </p:sp>
-      <p:sp>
-        <p:nvSpPr>
-          <p:cNvPr id="3" name="Content Placeholder 2"/>
-          <p:cNvSpPr>
-            <a:spLocks noGrp="1"/>
-          </p:cNvSpPr>
-          <p:nvPr>
-            <p:ph idx="1"/>
-          </p:nvPr>
-        </p:nvSpPr>
-        <p:spPr>
-          <a:xfrm>
-            <a:off x="1863090" y="5280660"/>
-            <a:ext cx="9818370" cy="1353280"/>
-          </a:xfrm>
-        </p:spPr>
-        <p:txBody>
-          <a:bodyPr>
-            <a:normAutofit lnSpcReduction="10000"/>
-          </a:bodyPr>
-          <a:lstStyle/>
-          <a:p>
-            <a:pPr marL="0" indent="0">
-              <a:lnSpc>
-                <a:spcPct val="150000"/>
-              </a:lnSpc>
-              <a:buNone/>
-            </a:pPr>
-            <a:r>
-              <a:rPr lang="en-US" sz="2000" dirty="0">
-                <a:latin typeface="Arial" panose="020B0604020202020204" pitchFamily="34" charset="0"/>
-                <a:cs typeface="Arial" panose="020B0604020202020204" pitchFamily="34" charset="0"/>
-              </a:rPr>
-              <a:t>Musical and Performing Arts consistently outperform other genres in domestic and worldwide gross revenue, while Horror, Science Fiction, and Fantasy show strong performance.</a:t>
-            </a:r>
-            <a:endParaRPr lang="en-US" sz="2000" dirty="0">
-              <a:latin typeface="Arial" panose="020B0604020202020204" pitchFamily="34" charset="0"/>
-              <a:cs typeface="Arial" panose="020B0604020202020204" pitchFamily="34" charset="0"/>
-            </a:endParaRPr>
-          </a:p>
-        </p:txBody>
-      </p:sp>
-      <p:pic>
-        <p:nvPicPr>
-          <p:cNvPr id="5" name="Picture 4"/>
-          <p:cNvPicPr>
-            <a:picLocks noChangeAspect="1"/>
-          </p:cNvPicPr>
-          <p:nvPr/>
-        </p:nvPicPr>
-        <p:blipFill>
-          <a:blip r:embed="rId1"/>
-          <a:stretch>
-            <a:fillRect/>
-          </a:stretch>
-        </p:blipFill>
-        <p:spPr>
-          <a:xfrm>
-            <a:off x="1469683" y="1103945"/>
-            <a:ext cx="5162212" cy="4050985"/>
-          </a:xfrm>
-          <a:prstGeom prst="rect">
-            <a:avLst/>
-          </a:prstGeom>
-        </p:spPr>
-      </p:pic>
-      <p:pic>
-        <p:nvPicPr>
-          <p:cNvPr id="7" name="Picture 6"/>
-          <p:cNvPicPr>
-            <a:picLocks noChangeAspect="1"/>
-          </p:cNvPicPr>
-          <p:nvPr/>
-        </p:nvPicPr>
-        <p:blipFill>
-          <a:blip r:embed="rId2"/>
-          <a:stretch>
-            <a:fillRect/>
-          </a:stretch>
-        </p:blipFill>
-        <p:spPr>
-          <a:xfrm>
-            <a:off x="6772276" y="1103945"/>
-            <a:ext cx="5162212" cy="4050985"/>
-          </a:xfrm>
-          <a:prstGeom prst="rect">
-            <a:avLst/>
-          </a:prstGeom>
-        </p:spPr>
-      </p:pic>
-    </p:spTree>
-  </p:cSld>
-  <p:clrMapOvr>
-    <a:masterClrMapping/>
-  </p:clrMapOvr>
-</p:sld>
-</file>
-
-<file path=ppt/slides/slide18.xml><?xml version="1.0" encoding="utf-8"?>
-<p:sld xmlns:a="http://schemas.openxmlformats.org/drawingml/2006/main" xmlns:r="http://schemas.openxmlformats.org/officeDocument/2006/relationships" xmlns:p="http://schemas.openxmlformats.org/presentationml/2006/main">
-  <p:cSld>
-    <p:spTree>
-      <p:nvGrpSpPr>
-        <p:cNvPr id="1" name=""/>
-        <p:cNvGrpSpPr/>
-        <p:nvPr/>
-      </p:nvGrpSpPr>
-      <p:grpSpPr>
-        <a:xfrm>
-          <a:off x="0" y="0"/>
-          <a:ext cx="0" cy="0"/>
-          <a:chOff x="0" y="0"/>
-          <a:chExt cx="0" cy="0"/>
-        </a:xfrm>
-      </p:grpSpPr>
-      <p:sp>
-        <p:nvSpPr>
-          <p:cNvPr id="2" name="Title 1"/>
-          <p:cNvSpPr>
-            <a:spLocks noGrp="1"/>
-          </p:cNvSpPr>
-          <p:nvPr>
-            <p:ph type="title"/>
-          </p:nvPr>
-        </p:nvSpPr>
-        <p:spPr>
-          <a:xfrm>
-            <a:off x="2478625" y="182880"/>
-            <a:ext cx="8757065" cy="582930"/>
-          </a:xfrm>
-        </p:spPr>
-        <p:txBody>
-          <a:bodyPr>
-            <a:normAutofit fontScale="90000"/>
-          </a:bodyPr>
-          <a:lstStyle/>
-          <a:p>
-            <a:r>
-              <a:rPr lang="en-US" b="1" dirty="0"/>
-              <a:t>Statistical Analysis – Revenue</a:t>
-            </a:r>
-            <a:endParaRPr lang="en-US" b="1" dirty="0"/>
-          </a:p>
-        </p:txBody>
-      </p:sp>
-      <p:sp>
-        <p:nvSpPr>
-          <p:cNvPr id="3" name="Content Placeholder 2"/>
-          <p:cNvSpPr>
-            <a:spLocks noGrp="1"/>
-          </p:cNvSpPr>
-          <p:nvPr>
-            <p:ph idx="1"/>
-          </p:nvPr>
-        </p:nvSpPr>
-        <p:spPr>
-          <a:xfrm>
-            <a:off x="6926580" y="1177290"/>
-            <a:ext cx="5265420" cy="5497830"/>
-          </a:xfrm>
-        </p:spPr>
-        <p:txBody>
-          <a:bodyPr>
-            <a:normAutofit/>
-          </a:bodyPr>
-          <a:lstStyle/>
-          <a:p>
-            <a:r>
-              <a:rPr lang="en-US" sz="2200" dirty="0">
-                <a:latin typeface="Arial" panose="020B0604020202020204" pitchFamily="34" charset="0"/>
-                <a:cs typeface="Arial" panose="020B0604020202020204" pitchFamily="34" charset="0"/>
-              </a:rPr>
-              <a:t>Strong Relationship Between Domestic and Foreign Earnings</a:t>
-            </a:r>
-            <a:endParaRPr lang="en-US" sz="2200" dirty="0">
-              <a:latin typeface="Arial" panose="020B0604020202020204" pitchFamily="34" charset="0"/>
-              <a:cs typeface="Arial" panose="020B0604020202020204" pitchFamily="34" charset="0"/>
-            </a:endParaRPr>
-          </a:p>
-          <a:p>
-            <a:pPr lvl="1">
-              <a:buFont typeface="Arial" panose="020B0604020202020204" pitchFamily="34" charset="0"/>
-              <a:buChar char="•"/>
-            </a:pPr>
-            <a:r>
-              <a:rPr lang="en-US" sz="2000" dirty="0">
-                <a:latin typeface="Arial" panose="020B0604020202020204" pitchFamily="34" charset="0"/>
-                <a:cs typeface="Arial" panose="020B0604020202020204" pitchFamily="34" charset="0"/>
-              </a:rPr>
-              <a:t>Domestically successful movies generally may perform well internationally, but the year of release doesn't significantly impact their earnings.</a:t>
-            </a:r>
-            <a:endParaRPr lang="en-US" sz="2000" dirty="0">
-              <a:latin typeface="Arial" panose="020B0604020202020204" pitchFamily="34" charset="0"/>
-              <a:cs typeface="Arial" panose="020B0604020202020204" pitchFamily="34" charset="0"/>
-            </a:endParaRPr>
-          </a:p>
-          <a:p>
-            <a:r>
-              <a:rPr lang="en-US" sz="2200" dirty="0">
-                <a:latin typeface="Arial" panose="020B0604020202020204" pitchFamily="34" charset="0"/>
-                <a:cs typeface="Arial" panose="020B0604020202020204" pitchFamily="34" charset="0"/>
-              </a:rPr>
-              <a:t>Conclusion</a:t>
-            </a:r>
-            <a:endParaRPr lang="en-US" sz="2200" dirty="0">
-              <a:latin typeface="Arial" panose="020B0604020202020204" pitchFamily="34" charset="0"/>
-              <a:cs typeface="Arial" panose="020B0604020202020204" pitchFamily="34" charset="0"/>
-            </a:endParaRPr>
-          </a:p>
-          <a:p>
-            <a:pPr lvl="1">
-              <a:buFont typeface="Arial" panose="020B0604020202020204" pitchFamily="34" charset="0"/>
-              <a:buChar char="•"/>
-            </a:pPr>
-            <a:r>
-              <a:rPr lang="en-US" sz="2000" dirty="0">
-                <a:latin typeface="Arial" panose="020B0604020202020204" pitchFamily="34" charset="0"/>
-                <a:cs typeface="Arial" panose="020B0604020202020204" pitchFamily="34" charset="0"/>
-              </a:rPr>
-              <a:t>The strong correlation between domestic and international movie earnings is crucial for predicting its global success</a:t>
-            </a:r>
-            <a:endParaRPr lang="en-US" sz="2000" dirty="0">
-              <a:latin typeface="Arial" panose="020B0604020202020204" pitchFamily="34" charset="0"/>
-              <a:cs typeface="Arial" panose="020B0604020202020204" pitchFamily="34" charset="0"/>
-            </a:endParaRPr>
-          </a:p>
-        </p:txBody>
-      </p:sp>
-      <p:pic>
-        <p:nvPicPr>
-          <p:cNvPr id="9" name="Picture 8"/>
-          <p:cNvPicPr>
-            <a:picLocks noChangeAspect="1"/>
-          </p:cNvPicPr>
-          <p:nvPr/>
-        </p:nvPicPr>
-        <p:blipFill>
-          <a:blip r:embed="rId1"/>
-          <a:stretch>
-            <a:fillRect/>
-          </a:stretch>
-        </p:blipFill>
-        <p:spPr>
-          <a:xfrm>
-            <a:off x="1473802" y="1430654"/>
-            <a:ext cx="5265420" cy="4524376"/>
-          </a:xfrm>
-          <a:prstGeom prst="rect">
-            <a:avLst/>
-          </a:prstGeom>
-        </p:spPr>
-      </p:pic>
-    </p:spTree>
-  </p:cSld>
-  <p:clrMapOvr>
-    <a:masterClrMapping/>
-  </p:clrMapOvr>
-</p:sld>
-</file>
-
-<file path=ppt/slides/slide19.xml><?xml version="1.0" encoding="utf-8"?>
-<p:sld xmlns:a="http://schemas.openxmlformats.org/drawingml/2006/main" xmlns:r="http://schemas.openxmlformats.org/officeDocument/2006/relationships" xmlns:p="http://schemas.openxmlformats.org/presentationml/2006/main">
-  <p:cSld>
-    <p:spTree>
-      <p:nvGrpSpPr>
-        <p:cNvPr id="1" name=""/>
-        <p:cNvGrpSpPr/>
-        <p:nvPr/>
-      </p:nvGrpSpPr>
-      <p:grpSpPr>
-        <a:xfrm>
-          <a:off x="0" y="0"/>
-          <a:ext cx="0" cy="0"/>
-          <a:chOff x="0" y="0"/>
-          <a:chExt cx="0" cy="0"/>
-        </a:xfrm>
-      </p:grpSpPr>
-      <p:sp>
-        <p:nvSpPr>
-          <p:cNvPr id="2" name="Title 1"/>
-          <p:cNvSpPr>
-            <a:spLocks noGrp="1"/>
-          </p:cNvSpPr>
-          <p:nvPr>
-            <p:ph type="title"/>
-          </p:nvPr>
-        </p:nvSpPr>
-        <p:spPr>
-          <a:xfrm>
-            <a:off x="2083557" y="492891"/>
-            <a:ext cx="8911687" cy="703668"/>
-          </a:xfrm>
-        </p:spPr>
-        <p:txBody>
-          <a:bodyPr>
-            <a:noAutofit/>
-          </a:bodyPr>
-          <a:lstStyle/>
-          <a:p>
-            <a:r>
-              <a:rPr lang="en-US" sz="2400" b="1" dirty="0"/>
-              <a:t>production budget vs domestic gross and worldwide gross</a:t>
-            </a:r>
-            <a:endParaRPr lang="en-US" sz="2400" b="1" dirty="0"/>
-          </a:p>
-        </p:txBody>
-      </p:sp>
-      <p:sp>
-        <p:nvSpPr>
-          <p:cNvPr id="3" name="Content Placeholder 2"/>
-          <p:cNvSpPr>
-            <a:spLocks noGrp="1"/>
-          </p:cNvSpPr>
-          <p:nvPr>
-            <p:ph idx="1"/>
-          </p:nvPr>
-        </p:nvSpPr>
-        <p:spPr>
-          <a:xfrm>
-            <a:off x="2083557" y="1204909"/>
-            <a:ext cx="9540753" cy="1896212"/>
-          </a:xfrm>
-        </p:spPr>
-        <p:txBody>
-          <a:bodyPr>
-            <a:normAutofit/>
-          </a:bodyPr>
-          <a:lstStyle/>
-          <a:p>
-            <a:pPr>
-              <a:lnSpc>
-                <a:spcPct val="150000"/>
-              </a:lnSpc>
-            </a:pPr>
-            <a:r>
-              <a:rPr lang="en-US" sz="2000" dirty="0">
-                <a:latin typeface="Arial" panose="020B0604020202020204" pitchFamily="34" charset="0"/>
-                <a:cs typeface="Arial" panose="020B0604020202020204" pitchFamily="34" charset="0"/>
-              </a:rPr>
-              <a:t>The relationship between the production budget with both domestic gross and worldwide gross indicates that a higher production budget is likely to boost both domestic and worldwide gross revenues for movies</a:t>
-            </a:r>
-            <a:endParaRPr lang="en-US" sz="2000" dirty="0">
-              <a:latin typeface="Arial" panose="020B0604020202020204" pitchFamily="34" charset="0"/>
-              <a:cs typeface="Arial" panose="020B0604020202020204" pitchFamily="34" charset="0"/>
-            </a:endParaRPr>
-          </a:p>
-        </p:txBody>
-      </p:sp>
-      <p:pic>
-        <p:nvPicPr>
-          <p:cNvPr id="5" name="Picture 4"/>
-          <p:cNvPicPr>
-            <a:picLocks noChangeAspect="1"/>
-          </p:cNvPicPr>
-          <p:nvPr/>
-        </p:nvPicPr>
-        <p:blipFill>
-          <a:blip r:embed="rId1"/>
-          <a:stretch>
-            <a:fillRect/>
-          </a:stretch>
-        </p:blipFill>
-        <p:spPr>
-          <a:xfrm>
-            <a:off x="3291841" y="2767111"/>
-            <a:ext cx="6526530" cy="3955115"/>
           </a:xfrm>
           <a:prstGeom prst="rect">
             <a:avLst/>
@@ -9912,8 +10038,8 @@
         </p:nvSpPr>
         <p:spPr>
           <a:xfrm>
-            <a:off x="2592705" y="346075"/>
-            <a:ext cx="8911590" cy="742950"/>
+            <a:off x="2411730" y="346075"/>
+            <a:ext cx="9092565" cy="742950"/>
           </a:xfrm>
         </p:spPr>
         <p:txBody>
@@ -9923,10 +10049,16 @@
           <a:lstStyle/>
           <a:p>
             <a:r>
-              <a:rPr lang="en-GB" altLang="en-US" b="1" dirty="0"/>
+              <a:rPr lang="en-GB" altLang="en-US" sz="3200" b="1" dirty="0">
+                <a:latin typeface="Times New Roman" panose="02020603050405020304" charset="0"/>
+                <a:cs typeface="Times New Roman" panose="02020603050405020304" charset="0"/>
+              </a:rPr>
               <a:t>Content</a:t>
             </a:r>
-            <a:endParaRPr lang="en-GB" altLang="en-US" b="1" dirty="0"/>
+            <a:endParaRPr lang="en-GB" altLang="en-US" sz="3200" b="1" dirty="0">
+              <a:latin typeface="Times New Roman" panose="02020603050405020304" charset="0"/>
+              <a:cs typeface="Times New Roman" panose="02020603050405020304" charset="0"/>
+            </a:endParaRPr>
           </a:p>
         </p:txBody>
       </p:sp>
@@ -10294,6 +10426,433 @@
 </file>
 
 <file path=ppt/slides/slide20.xml><?xml version="1.0" encoding="utf-8"?>
+<p:sld xmlns:a="http://schemas.openxmlformats.org/drawingml/2006/main" xmlns:r="http://schemas.openxmlformats.org/officeDocument/2006/relationships" xmlns:p="http://schemas.openxmlformats.org/presentationml/2006/main">
+  <p:cSld>
+    <p:spTree>
+      <p:nvGrpSpPr>
+        <p:cNvPr id="1" name=""/>
+        <p:cNvGrpSpPr/>
+        <p:nvPr/>
+      </p:nvGrpSpPr>
+      <p:grpSpPr>
+        <a:xfrm>
+          <a:off x="0" y="0"/>
+          <a:ext cx="0" cy="0"/>
+          <a:chOff x="0" y="0"/>
+          <a:chExt cx="0" cy="0"/>
+        </a:xfrm>
+      </p:grpSpPr>
+      <p:sp>
+        <p:nvSpPr>
+          <p:cNvPr id="2" name="Title 1"/>
+          <p:cNvSpPr>
+            <a:spLocks noGrp="1"/>
+          </p:cNvSpPr>
+          <p:nvPr>
+            <p:ph type="title"/>
+          </p:nvPr>
+        </p:nvSpPr>
+        <p:spPr>
+          <a:xfrm>
+            <a:off x="2176051" y="434340"/>
+            <a:ext cx="8911687" cy="543875"/>
+          </a:xfrm>
+        </p:spPr>
+        <p:txBody>
+          <a:bodyPr>
+            <a:noAutofit/>
+          </a:bodyPr>
+          <a:lstStyle/>
+          <a:p>
+            <a:r>
+              <a:rPr lang="en-US" sz="2800" b="1" dirty="0"/>
+              <a:t>Genre performance by revenue</a:t>
+            </a:r>
+            <a:endParaRPr lang="en-US" sz="2800" b="1" dirty="0"/>
+          </a:p>
+        </p:txBody>
+      </p:sp>
+      <p:sp>
+        <p:nvSpPr>
+          <p:cNvPr id="3" name="Content Placeholder 2"/>
+          <p:cNvSpPr>
+            <a:spLocks noGrp="1"/>
+          </p:cNvSpPr>
+          <p:nvPr>
+            <p:ph idx="1"/>
+          </p:nvPr>
+        </p:nvSpPr>
+        <p:spPr>
+          <a:xfrm>
+            <a:off x="1863090" y="5280660"/>
+            <a:ext cx="9818370" cy="1353280"/>
+          </a:xfrm>
+        </p:spPr>
+        <p:txBody>
+          <a:bodyPr>
+            <a:normAutofit lnSpcReduction="10000"/>
+          </a:bodyPr>
+          <a:lstStyle/>
+          <a:p>
+            <a:pPr marL="0" indent="0">
+              <a:lnSpc>
+                <a:spcPct val="150000"/>
+              </a:lnSpc>
+              <a:buNone/>
+            </a:pPr>
+            <a:r>
+              <a:rPr lang="en-US" sz="2000" dirty="0">
+                <a:latin typeface="Arial" panose="020B0604020202020204" pitchFamily="34" charset="0"/>
+                <a:cs typeface="Arial" panose="020B0604020202020204" pitchFamily="34" charset="0"/>
+              </a:rPr>
+              <a:t>Musical and Performing Arts consistently outperform other genres in domestic and worldwide gross revenue, while Horror, Science Fiction, and Fantasy show strong performance.</a:t>
+            </a:r>
+            <a:endParaRPr lang="en-US" sz="2000" dirty="0">
+              <a:latin typeface="Arial" panose="020B0604020202020204" pitchFamily="34" charset="0"/>
+              <a:cs typeface="Arial" panose="020B0604020202020204" pitchFamily="34" charset="0"/>
+            </a:endParaRPr>
+          </a:p>
+        </p:txBody>
+      </p:sp>
+      <p:pic>
+        <p:nvPicPr>
+          <p:cNvPr id="5" name="Picture 4"/>
+          <p:cNvPicPr>
+            <a:picLocks noChangeAspect="1"/>
+          </p:cNvPicPr>
+          <p:nvPr/>
+        </p:nvPicPr>
+        <p:blipFill>
+          <a:blip r:embed="rId1"/>
+          <a:stretch>
+            <a:fillRect/>
+          </a:stretch>
+        </p:blipFill>
+        <p:spPr>
+          <a:xfrm>
+            <a:off x="1469683" y="1103945"/>
+            <a:ext cx="5162212" cy="4050985"/>
+          </a:xfrm>
+          <a:prstGeom prst="rect">
+            <a:avLst/>
+          </a:prstGeom>
+        </p:spPr>
+      </p:pic>
+      <p:pic>
+        <p:nvPicPr>
+          <p:cNvPr id="7" name="Picture 6"/>
+          <p:cNvPicPr>
+            <a:picLocks noChangeAspect="1"/>
+          </p:cNvPicPr>
+          <p:nvPr/>
+        </p:nvPicPr>
+        <p:blipFill>
+          <a:blip r:embed="rId2"/>
+          <a:stretch>
+            <a:fillRect/>
+          </a:stretch>
+        </p:blipFill>
+        <p:spPr>
+          <a:xfrm>
+            <a:off x="6772276" y="1103945"/>
+            <a:ext cx="5162212" cy="4050985"/>
+          </a:xfrm>
+          <a:prstGeom prst="rect">
+            <a:avLst/>
+          </a:prstGeom>
+        </p:spPr>
+      </p:pic>
+    </p:spTree>
+  </p:cSld>
+  <p:clrMapOvr>
+    <a:masterClrMapping/>
+  </p:clrMapOvr>
+</p:sld>
+</file>
+
+<file path=ppt/slides/slide21.xml><?xml version="1.0" encoding="utf-8"?>
+<p:sld xmlns:a="http://schemas.openxmlformats.org/drawingml/2006/main" xmlns:r="http://schemas.openxmlformats.org/officeDocument/2006/relationships" xmlns:p="http://schemas.openxmlformats.org/presentationml/2006/main">
+  <p:cSld>
+    <p:spTree>
+      <p:nvGrpSpPr>
+        <p:cNvPr id="1" name=""/>
+        <p:cNvGrpSpPr/>
+        <p:nvPr/>
+      </p:nvGrpSpPr>
+      <p:grpSpPr>
+        <a:xfrm>
+          <a:off x="0" y="0"/>
+          <a:ext cx="0" cy="0"/>
+          <a:chOff x="0" y="0"/>
+          <a:chExt cx="0" cy="0"/>
+        </a:xfrm>
+      </p:grpSpPr>
+      <p:sp>
+        <p:nvSpPr>
+          <p:cNvPr id="2" name="Title 1"/>
+          <p:cNvSpPr>
+            <a:spLocks noGrp="1"/>
+          </p:cNvSpPr>
+          <p:nvPr>
+            <p:ph type="title"/>
+          </p:nvPr>
+        </p:nvSpPr>
+        <p:spPr>
+          <a:xfrm>
+            <a:off x="2478625" y="182880"/>
+            <a:ext cx="8757065" cy="582930"/>
+          </a:xfrm>
+        </p:spPr>
+        <p:txBody>
+          <a:bodyPr>
+            <a:normAutofit fontScale="90000"/>
+          </a:bodyPr>
+          <a:lstStyle/>
+          <a:p>
+            <a:r>
+              <a:rPr lang="en-US" b="1" dirty="0"/>
+              <a:t>Statistical Analysis – Revenue</a:t>
+            </a:r>
+            <a:endParaRPr lang="en-US" b="1" dirty="0"/>
+          </a:p>
+        </p:txBody>
+      </p:sp>
+      <p:sp>
+        <p:nvSpPr>
+          <p:cNvPr id="3" name="Content Placeholder 2"/>
+          <p:cNvSpPr>
+            <a:spLocks noGrp="1"/>
+          </p:cNvSpPr>
+          <p:nvPr>
+            <p:ph idx="1"/>
+          </p:nvPr>
+        </p:nvSpPr>
+        <p:spPr>
+          <a:xfrm>
+            <a:off x="6926580" y="1177290"/>
+            <a:ext cx="5265420" cy="5497830"/>
+          </a:xfrm>
+        </p:spPr>
+        <p:txBody>
+          <a:bodyPr>
+            <a:normAutofit/>
+          </a:bodyPr>
+          <a:lstStyle/>
+          <a:p>
+            <a:r>
+              <a:rPr lang="en-US" sz="2200" dirty="0">
+                <a:latin typeface="Arial" panose="020B0604020202020204" pitchFamily="34" charset="0"/>
+                <a:cs typeface="Arial" panose="020B0604020202020204" pitchFamily="34" charset="0"/>
+              </a:rPr>
+              <a:t>Strong Relationship Between Domestic and Foreign Earnings</a:t>
+            </a:r>
+            <a:endParaRPr lang="en-US" sz="2200" dirty="0">
+              <a:latin typeface="Arial" panose="020B0604020202020204" pitchFamily="34" charset="0"/>
+              <a:cs typeface="Arial" panose="020B0604020202020204" pitchFamily="34" charset="0"/>
+            </a:endParaRPr>
+          </a:p>
+          <a:p>
+            <a:pPr lvl="1">
+              <a:buFont typeface="Arial" panose="020B0604020202020204" pitchFamily="34" charset="0"/>
+              <a:buChar char="•"/>
+            </a:pPr>
+            <a:r>
+              <a:rPr lang="en-US" sz="2000" dirty="0">
+                <a:latin typeface="Arial" panose="020B0604020202020204" pitchFamily="34" charset="0"/>
+                <a:cs typeface="Arial" panose="020B0604020202020204" pitchFamily="34" charset="0"/>
+              </a:rPr>
+              <a:t>Domestically successful movies generally may perform well internationally, but the year of release doesn't significantly impact their earnings.</a:t>
+            </a:r>
+            <a:endParaRPr lang="en-US" sz="2000" dirty="0">
+              <a:latin typeface="Arial" panose="020B0604020202020204" pitchFamily="34" charset="0"/>
+              <a:cs typeface="Arial" panose="020B0604020202020204" pitchFamily="34" charset="0"/>
+            </a:endParaRPr>
+          </a:p>
+          <a:p>
+            <a:r>
+              <a:rPr lang="en-US" sz="2200" dirty="0">
+                <a:latin typeface="Arial" panose="020B0604020202020204" pitchFamily="34" charset="0"/>
+                <a:cs typeface="Arial" panose="020B0604020202020204" pitchFamily="34" charset="0"/>
+              </a:rPr>
+              <a:t>Conclusion</a:t>
+            </a:r>
+            <a:endParaRPr lang="en-US" sz="2200" dirty="0">
+              <a:latin typeface="Arial" panose="020B0604020202020204" pitchFamily="34" charset="0"/>
+              <a:cs typeface="Arial" panose="020B0604020202020204" pitchFamily="34" charset="0"/>
+            </a:endParaRPr>
+          </a:p>
+          <a:p>
+            <a:pPr lvl="1">
+              <a:buFont typeface="Arial" panose="020B0604020202020204" pitchFamily="34" charset="0"/>
+              <a:buChar char="•"/>
+            </a:pPr>
+            <a:r>
+              <a:rPr lang="en-US" sz="2000" dirty="0">
+                <a:latin typeface="Arial" panose="020B0604020202020204" pitchFamily="34" charset="0"/>
+                <a:cs typeface="Arial" panose="020B0604020202020204" pitchFamily="34" charset="0"/>
+              </a:rPr>
+              <a:t>The strong correlation between domestic and international movie earnings is crucial for predicting its global success</a:t>
+            </a:r>
+            <a:endParaRPr lang="en-US" sz="2000" dirty="0">
+              <a:latin typeface="Arial" panose="020B0604020202020204" pitchFamily="34" charset="0"/>
+              <a:cs typeface="Arial" panose="020B0604020202020204" pitchFamily="34" charset="0"/>
+            </a:endParaRPr>
+          </a:p>
+        </p:txBody>
+      </p:sp>
+      <p:pic>
+        <p:nvPicPr>
+          <p:cNvPr id="9" name="Picture 8"/>
+          <p:cNvPicPr>
+            <a:picLocks noChangeAspect="1"/>
+          </p:cNvPicPr>
+          <p:nvPr/>
+        </p:nvPicPr>
+        <p:blipFill>
+          <a:blip r:embed="rId1"/>
+          <a:stretch>
+            <a:fillRect/>
+          </a:stretch>
+        </p:blipFill>
+        <p:spPr>
+          <a:xfrm>
+            <a:off x="1473802" y="1430654"/>
+            <a:ext cx="5265420" cy="4524376"/>
+          </a:xfrm>
+          <a:prstGeom prst="rect">
+            <a:avLst/>
+          </a:prstGeom>
+        </p:spPr>
+      </p:pic>
+    </p:spTree>
+  </p:cSld>
+  <p:clrMapOvr>
+    <a:masterClrMapping/>
+  </p:clrMapOvr>
+</p:sld>
+</file>
+
+<file path=ppt/slides/slide22.xml><?xml version="1.0" encoding="utf-8"?>
+<p:sld xmlns:a="http://schemas.openxmlformats.org/drawingml/2006/main" xmlns:r="http://schemas.openxmlformats.org/officeDocument/2006/relationships" xmlns:p="http://schemas.openxmlformats.org/presentationml/2006/main">
+  <p:cSld>
+    <p:spTree>
+      <p:nvGrpSpPr>
+        <p:cNvPr id="1" name=""/>
+        <p:cNvGrpSpPr/>
+        <p:nvPr/>
+      </p:nvGrpSpPr>
+      <p:grpSpPr>
+        <a:xfrm>
+          <a:off x="0" y="0"/>
+          <a:ext cx="0" cy="0"/>
+          <a:chOff x="0" y="0"/>
+          <a:chExt cx="0" cy="0"/>
+        </a:xfrm>
+      </p:grpSpPr>
+      <p:sp>
+        <p:nvSpPr>
+          <p:cNvPr id="2" name="Title 1"/>
+          <p:cNvSpPr>
+            <a:spLocks noGrp="1"/>
+          </p:cNvSpPr>
+          <p:nvPr>
+            <p:ph type="title"/>
+          </p:nvPr>
+        </p:nvSpPr>
+        <p:spPr>
+          <a:xfrm>
+            <a:off x="2083557" y="492891"/>
+            <a:ext cx="8911687" cy="703668"/>
+          </a:xfrm>
+        </p:spPr>
+        <p:txBody>
+          <a:bodyPr>
+            <a:noAutofit/>
+          </a:bodyPr>
+          <a:lstStyle/>
+          <a:p>
+            <a:r>
+              <a:rPr lang="en-US" sz="2400" b="1" dirty="0"/>
+              <a:t>production budget vs domestic gross and worldwide gross</a:t>
+            </a:r>
+            <a:endParaRPr lang="en-US" sz="2400" b="1" dirty="0"/>
+          </a:p>
+        </p:txBody>
+      </p:sp>
+      <p:sp>
+        <p:nvSpPr>
+          <p:cNvPr id="3" name="Content Placeholder 2"/>
+          <p:cNvSpPr>
+            <a:spLocks noGrp="1"/>
+          </p:cNvSpPr>
+          <p:nvPr>
+            <p:ph idx="1"/>
+          </p:nvPr>
+        </p:nvSpPr>
+        <p:spPr>
+          <a:xfrm>
+            <a:off x="2083557" y="1204909"/>
+            <a:ext cx="9540753" cy="1896212"/>
+          </a:xfrm>
+        </p:spPr>
+        <p:txBody>
+          <a:bodyPr>
+            <a:normAutofit/>
+          </a:bodyPr>
+          <a:lstStyle/>
+          <a:p>
+            <a:pPr>
+              <a:lnSpc>
+                <a:spcPct val="150000"/>
+              </a:lnSpc>
+            </a:pPr>
+            <a:r>
+              <a:rPr lang="en-US" sz="2000" dirty="0">
+                <a:latin typeface="Arial" panose="020B0604020202020204" pitchFamily="34" charset="0"/>
+                <a:cs typeface="Arial" panose="020B0604020202020204" pitchFamily="34" charset="0"/>
+              </a:rPr>
+              <a:t>The relationship between the production budget with both domestic gross and worldwide gross indicates that a higher production budget is likely to boost both domestic and worldwide gross revenues for movies</a:t>
+            </a:r>
+            <a:endParaRPr lang="en-US" sz="2000" dirty="0">
+              <a:latin typeface="Arial" panose="020B0604020202020204" pitchFamily="34" charset="0"/>
+              <a:cs typeface="Arial" panose="020B0604020202020204" pitchFamily="34" charset="0"/>
+            </a:endParaRPr>
+          </a:p>
+        </p:txBody>
+      </p:sp>
+      <p:pic>
+        <p:nvPicPr>
+          <p:cNvPr id="5" name="Picture 4"/>
+          <p:cNvPicPr>
+            <a:picLocks noChangeAspect="1"/>
+          </p:cNvPicPr>
+          <p:nvPr/>
+        </p:nvPicPr>
+        <p:blipFill>
+          <a:blip r:embed="rId1"/>
+          <a:stretch>
+            <a:fillRect/>
+          </a:stretch>
+        </p:blipFill>
+        <p:spPr>
+          <a:xfrm>
+            <a:off x="3291841" y="2767111"/>
+            <a:ext cx="6526530" cy="3955115"/>
+          </a:xfrm>
+          <a:prstGeom prst="rect">
+            <a:avLst/>
+          </a:prstGeom>
+        </p:spPr>
+      </p:pic>
+    </p:spTree>
+  </p:cSld>
+  <p:clrMapOvr>
+    <a:masterClrMapping/>
+  </p:clrMapOvr>
+</p:sld>
+</file>
+
+<file path=ppt/slides/slide23.xml><?xml version="1.0" encoding="utf-8"?>
 <p:sld xmlns:a="http://schemas.openxmlformats.org/drawingml/2006/main" xmlns:r="http://schemas.openxmlformats.org/officeDocument/2006/relationships" xmlns:p="http://schemas.openxmlformats.org/presentationml/2006/main">
   <p:cSld>
     <p:spTree>
@@ -10685,7 +11244,7 @@
 </p:sld>
 </file>
 
-<file path=ppt/slides/slide21.xml><?xml version="1.0" encoding="utf-8"?>
+<file path=ppt/slides/slide24.xml><?xml version="1.0" encoding="utf-8"?>
 <p:sld xmlns:a="http://schemas.openxmlformats.org/drawingml/2006/main" xmlns:r="http://schemas.openxmlformats.org/officeDocument/2006/relationships" xmlns:p="http://schemas.openxmlformats.org/presentationml/2006/main">
   <p:cSld>
     <p:spTree>
@@ -10841,7 +11400,7 @@
 </p:sld>
 </file>
 
-<file path=ppt/slides/slide22.xml><?xml version="1.0" encoding="utf-8"?>
+<file path=ppt/slides/slide25.xml><?xml version="1.0" encoding="utf-8"?>
 <p:sld xmlns:a="http://schemas.openxmlformats.org/drawingml/2006/main" xmlns:r="http://schemas.openxmlformats.org/officeDocument/2006/relationships" xmlns:p="http://schemas.openxmlformats.org/presentationml/2006/main">
   <p:cSld>
     <p:spTree>
@@ -10990,7 +11549,7 @@
 </p:sld>
 </file>
 
-<file path=ppt/slides/slide23.xml><?xml version="1.0" encoding="utf-8"?>
+<file path=ppt/slides/slide26.xml><?xml version="1.0" encoding="utf-8"?>
 <p:sld xmlns:a="http://schemas.openxmlformats.org/drawingml/2006/main" xmlns:r="http://schemas.openxmlformats.org/officeDocument/2006/relationships" xmlns:p="http://schemas.openxmlformats.org/presentationml/2006/main">
   <p:cSld>
     <p:spTree>
@@ -11094,7 +11653,7 @@
 </p:sld>
 </file>
 
-<file path=ppt/slides/slide24.xml><?xml version="1.0" encoding="utf-8"?>
+<file path=ppt/slides/slide27.xml><?xml version="1.0" encoding="utf-8"?>
 <p:sld xmlns:a="http://schemas.openxmlformats.org/drawingml/2006/main" xmlns:r="http://schemas.openxmlformats.org/officeDocument/2006/relationships" xmlns:p="http://schemas.openxmlformats.org/presentationml/2006/main">
   <p:cSld>
     <p:spTree>
@@ -11525,7 +12084,7 @@
 </p:sld>
 </file>
 
-<file path=ppt/slides/slide25.xml><?xml version="1.0" encoding="utf-8"?>
+<file path=ppt/slides/slide28.xml><?xml version="1.0" encoding="utf-8"?>
 <p:sld xmlns:a="http://schemas.openxmlformats.org/drawingml/2006/main" xmlns:r="http://schemas.openxmlformats.org/officeDocument/2006/relationships" xmlns:p="http://schemas.openxmlformats.org/presentationml/2006/main">
   <p:cSld>
     <p:spTree>
@@ -11708,485 +12267,6 @@
           </a:prstGeom>
         </p:spPr>
       </p:pic>
-    </p:spTree>
-  </p:cSld>
-  <p:clrMapOvr>
-    <a:masterClrMapping/>
-  </p:clrMapOvr>
-</p:sld>
-</file>
-
-<file path=ppt/slides/slide26.xml><?xml version="1.0" encoding="utf-8"?>
-<p:sld xmlns:a="http://schemas.openxmlformats.org/drawingml/2006/main" xmlns:r="http://schemas.openxmlformats.org/officeDocument/2006/relationships" xmlns:p="http://schemas.openxmlformats.org/presentationml/2006/main">
-  <p:cSld>
-    <p:spTree>
-      <p:nvGrpSpPr>
-        <p:cNvPr id="1" name=""/>
-        <p:cNvGrpSpPr/>
-        <p:nvPr/>
-      </p:nvGrpSpPr>
-      <p:grpSpPr>
-        <a:xfrm>
-          <a:off x="0" y="0"/>
-          <a:ext cx="0" cy="0"/>
-          <a:chOff x="0" y="0"/>
-          <a:chExt cx="0" cy="0"/>
-        </a:xfrm>
-      </p:grpSpPr>
-      <p:sp>
-        <p:nvSpPr>
-          <p:cNvPr id="2" name="Title 1"/>
-          <p:cNvSpPr>
-            <a:spLocks noGrp="1"/>
-          </p:cNvSpPr>
-          <p:nvPr>
-            <p:ph type="title"/>
-          </p:nvPr>
-        </p:nvSpPr>
-        <p:spPr>
-          <a:xfrm>
-            <a:off x="2592925" y="406940"/>
-            <a:ext cx="8911687" cy="816070"/>
-          </a:xfrm>
-        </p:spPr>
-        <p:txBody>
-          <a:bodyPr>
-            <a:normAutofit/>
-          </a:bodyPr>
-          <a:lstStyle/>
-          <a:p>
-            <a:r>
-              <a:rPr lang="en-US" b="1" i="0" dirty="0">
-                <a:solidFill>
-                  <a:srgbClr val="2D3B45"/>
-                </a:solidFill>
-                <a:effectLst/>
-                <a:latin typeface="Lato Extended"/>
-              </a:rPr>
-              <a:t>Recommendations</a:t>
-            </a:r>
-            <a:endParaRPr lang="en-US" b="1" dirty="0"/>
-          </a:p>
-        </p:txBody>
-      </p:sp>
-      <p:sp>
-        <p:nvSpPr>
-          <p:cNvPr id="3" name="Content Placeholder 2"/>
-          <p:cNvSpPr>
-            <a:spLocks noGrp="1"/>
-          </p:cNvSpPr>
-          <p:nvPr>
-            <p:ph idx="1"/>
-          </p:nvPr>
-        </p:nvSpPr>
-        <p:spPr>
-          <a:xfrm>
-            <a:off x="1965960" y="1350335"/>
-            <a:ext cx="9381744" cy="4876730"/>
-          </a:xfrm>
-        </p:spPr>
-        <p:txBody>
-          <a:bodyPr>
-            <a:normAutofit/>
-          </a:bodyPr>
-          <a:lstStyle/>
-          <a:p>
-            <a:pPr>
-              <a:lnSpc>
-                <a:spcPct val="150000"/>
-              </a:lnSpc>
-            </a:pPr>
-            <a:r>
-              <a:rPr lang="en-US" sz="2000" dirty="0">
-                <a:latin typeface="Arial" panose="020B0604020202020204" pitchFamily="34" charset="0"/>
-                <a:cs typeface="Arial" panose="020B0604020202020204" pitchFamily="34" charset="0"/>
-              </a:rPr>
-              <a:t>To maximize revenue, the movie studio should focus on releasing their films in the months with the highest revenue, such as December, June, and July.</a:t>
-            </a:r>
-            <a:endParaRPr lang="en-US" sz="2000" dirty="0">
-              <a:latin typeface="Arial" panose="020B0604020202020204" pitchFamily="34" charset="0"/>
-              <a:cs typeface="Arial" panose="020B0604020202020204" pitchFamily="34" charset="0"/>
-            </a:endParaRPr>
-          </a:p>
-          <a:p>
-            <a:pPr>
-              <a:lnSpc>
-                <a:spcPct val="150000"/>
-              </a:lnSpc>
-            </a:pPr>
-            <a:r>
-              <a:rPr lang="en-US" sz="2000" dirty="0">
-                <a:latin typeface="Arial" panose="020B0604020202020204" pitchFamily="34" charset="0"/>
-                <a:cs typeface="Arial" panose="020B0604020202020204" pitchFamily="34" charset="0"/>
-              </a:rPr>
-              <a:t>They should prioritize releasing high-budget films with a high return on investment (ROI) to ensure their production budgets are not wasted. </a:t>
-            </a:r>
-            <a:endParaRPr lang="en-US" sz="2000" dirty="0">
-              <a:latin typeface="Arial" panose="020B0604020202020204" pitchFamily="34" charset="0"/>
-              <a:cs typeface="Arial" panose="020B0604020202020204" pitchFamily="34" charset="0"/>
-            </a:endParaRPr>
-          </a:p>
-          <a:p>
-            <a:pPr>
-              <a:lnSpc>
-                <a:spcPct val="150000"/>
-              </a:lnSpc>
-            </a:pPr>
-            <a:r>
-              <a:rPr lang="en-US" sz="2000" dirty="0">
-                <a:latin typeface="Arial" panose="020B0604020202020204" pitchFamily="34" charset="0"/>
-                <a:cs typeface="Arial" panose="020B0604020202020204" pitchFamily="34" charset="0"/>
-              </a:rPr>
-              <a:t>They should prioritize releasing their films in the top performing genres, such as Musical, Performing Arts, Horror, Science Fiction, and Fantasy. This will help maximize their box office revenue and attract more viewers.</a:t>
-            </a:r>
-            <a:endParaRPr lang="en-US" sz="2000" dirty="0">
-              <a:latin typeface="Arial" panose="020B0604020202020204" pitchFamily="34" charset="0"/>
-              <a:cs typeface="Arial" panose="020B0604020202020204" pitchFamily="34" charset="0"/>
-            </a:endParaRPr>
-          </a:p>
-          <a:p>
-            <a:pPr>
-              <a:lnSpc>
-                <a:spcPct val="150000"/>
-              </a:lnSpc>
-            </a:pPr>
-            <a:r>
-              <a:rPr lang="en-US" sz="2000" dirty="0">
-                <a:latin typeface="Arial" panose="020B0604020202020204" pitchFamily="34" charset="0"/>
-                <a:cs typeface="Arial" panose="020B0604020202020204" pitchFamily="34" charset="0"/>
-              </a:rPr>
-              <a:t>Months with Lower Revenue: utilize lower budget or experimental films in months like January and September.</a:t>
-            </a:r>
-            <a:endParaRPr lang="en-US" sz="2000" dirty="0">
-              <a:latin typeface="Arial" panose="020B0604020202020204" pitchFamily="34" charset="0"/>
-              <a:cs typeface="Arial" panose="020B0604020202020204" pitchFamily="34" charset="0"/>
-            </a:endParaRPr>
-          </a:p>
-        </p:txBody>
-      </p:sp>
-    </p:spTree>
-  </p:cSld>
-  <p:clrMapOvr>
-    <a:masterClrMapping/>
-  </p:clrMapOvr>
-</p:sld>
-</file>
-
-<file path=ppt/slides/slide27.xml><?xml version="1.0" encoding="utf-8"?>
-<p:sld xmlns:a="http://schemas.openxmlformats.org/drawingml/2006/main" xmlns:r="http://schemas.openxmlformats.org/officeDocument/2006/relationships" xmlns:p="http://schemas.openxmlformats.org/presentationml/2006/main">
-  <p:cSld>
-    <p:spTree>
-      <p:nvGrpSpPr>
-        <p:cNvPr id="1" name=""/>
-        <p:cNvGrpSpPr/>
-        <p:nvPr/>
-      </p:nvGrpSpPr>
-      <p:grpSpPr>
-        <a:xfrm>
-          <a:off x="0" y="0"/>
-          <a:ext cx="0" cy="0"/>
-          <a:chOff x="0" y="0"/>
-          <a:chExt cx="0" cy="0"/>
-        </a:xfrm>
-      </p:grpSpPr>
-      <p:sp>
-        <p:nvSpPr>
-          <p:cNvPr id="2" name="Title 1"/>
-          <p:cNvSpPr>
-            <a:spLocks noGrp="1"/>
-          </p:cNvSpPr>
-          <p:nvPr>
-            <p:ph type="title"/>
-          </p:nvPr>
-        </p:nvSpPr>
-        <p:spPr>
-          <a:xfrm>
-            <a:off x="2352895" y="228600"/>
-            <a:ext cx="8911687" cy="811530"/>
-          </a:xfrm>
-        </p:spPr>
-        <p:txBody>
-          <a:bodyPr/>
-          <a:lstStyle/>
-          <a:p>
-            <a:r>
-              <a:rPr lang="en-US" b="1" i="0" dirty="0">
-                <a:solidFill>
-                  <a:srgbClr val="2D3B45"/>
-                </a:solidFill>
-                <a:effectLst/>
-                <a:latin typeface="Lato Extended"/>
-              </a:rPr>
-              <a:t>Recommendations cont.</a:t>
-            </a:r>
-            <a:endParaRPr lang="en-US" dirty="0"/>
-          </a:p>
-        </p:txBody>
-      </p:sp>
-      <p:sp>
-        <p:nvSpPr>
-          <p:cNvPr id="3" name="Content Placeholder 2"/>
-          <p:cNvSpPr>
-            <a:spLocks noGrp="1"/>
-          </p:cNvSpPr>
-          <p:nvPr>
-            <p:ph idx="1"/>
-          </p:nvPr>
-        </p:nvSpPr>
-        <p:spPr>
-          <a:xfrm>
-            <a:off x="2349182" y="1276350"/>
-            <a:ext cx="8915400" cy="4694682"/>
-          </a:xfrm>
-        </p:spPr>
-        <p:txBody>
-          <a:bodyPr>
-            <a:normAutofit/>
-          </a:bodyPr>
-          <a:lstStyle/>
-          <a:p>
-            <a:pPr>
-              <a:lnSpc>
-                <a:spcPct val="160000"/>
-              </a:lnSpc>
-            </a:pPr>
-            <a:r>
-              <a:rPr lang="en-US" sz="2000" dirty="0">
-                <a:latin typeface="Arial" panose="020B0604020202020204" pitchFamily="34" charset="0"/>
-                <a:cs typeface="Arial" panose="020B0604020202020204" pitchFamily="34" charset="0"/>
-              </a:rPr>
-              <a:t>Increase marketing efforts leading up to and during January and September to maximize on overall revenue.</a:t>
-            </a:r>
-            <a:endParaRPr lang="en-US" sz="2000" dirty="0">
-              <a:latin typeface="Arial" panose="020B0604020202020204" pitchFamily="34" charset="0"/>
-              <a:cs typeface="Arial" panose="020B0604020202020204" pitchFamily="34" charset="0"/>
-            </a:endParaRPr>
-          </a:p>
-          <a:p>
-            <a:pPr>
-              <a:lnSpc>
-                <a:spcPct val="160000"/>
-              </a:lnSpc>
-            </a:pPr>
-            <a:r>
-              <a:rPr lang="en-US" sz="2000" b="0" i="0" dirty="0">
-                <a:solidFill>
-                  <a:srgbClr val="1F2328"/>
-                </a:solidFill>
-                <a:effectLst/>
-                <a:latin typeface="Arial" panose="020B0604020202020204" pitchFamily="34" charset="0"/>
-                <a:cs typeface="Arial" panose="020B0604020202020204" pitchFamily="34" charset="0"/>
-              </a:rPr>
-              <a:t>Release High-Potential Films in June, July, and December as it shows strong performance in revenue. </a:t>
-            </a:r>
-            <a:endParaRPr lang="en-US" sz="2000" b="0" i="0" dirty="0">
-              <a:solidFill>
-                <a:srgbClr val="1F2328"/>
-              </a:solidFill>
-              <a:effectLst/>
-              <a:latin typeface="Arial" panose="020B0604020202020204" pitchFamily="34" charset="0"/>
-              <a:cs typeface="Arial" panose="020B0604020202020204" pitchFamily="34" charset="0"/>
-            </a:endParaRPr>
-          </a:p>
-          <a:p>
-            <a:pPr>
-              <a:lnSpc>
-                <a:spcPct val="160000"/>
-              </a:lnSpc>
-            </a:pPr>
-            <a:r>
-              <a:rPr lang="en-US" sz="2000" b="0" i="0" dirty="0">
-                <a:solidFill>
-                  <a:srgbClr val="1F2328"/>
-                </a:solidFill>
-                <a:effectLst/>
-                <a:latin typeface="Arial" panose="020B0604020202020204" pitchFamily="34" charset="0"/>
-                <a:cs typeface="Arial" panose="020B0604020202020204" pitchFamily="34" charset="0"/>
-              </a:rPr>
-              <a:t>Diversify the film portfolio by including more investments in lower-budget projects to enhance overall profitability and mitigate financial risk.</a:t>
-            </a:r>
-            <a:endParaRPr lang="en-US" sz="2000" b="0" i="0" dirty="0">
-              <a:solidFill>
-                <a:srgbClr val="1F2328"/>
-              </a:solidFill>
-              <a:effectLst/>
-              <a:latin typeface="Arial" panose="020B0604020202020204" pitchFamily="34" charset="0"/>
-              <a:cs typeface="Arial" panose="020B0604020202020204" pitchFamily="34" charset="0"/>
-            </a:endParaRPr>
-          </a:p>
-          <a:p>
-            <a:pPr lvl="1">
-              <a:lnSpc>
-                <a:spcPct val="160000"/>
-              </a:lnSpc>
-            </a:pPr>
-            <a:endParaRPr lang="en-US" sz="1800" dirty="0">
-              <a:latin typeface="Arial" panose="020B0604020202020204" pitchFamily="34" charset="0"/>
-              <a:cs typeface="Arial" panose="020B0604020202020204" pitchFamily="34" charset="0"/>
-            </a:endParaRPr>
-          </a:p>
-        </p:txBody>
-      </p:sp>
-    </p:spTree>
-  </p:cSld>
-  <p:clrMapOvr>
-    <a:masterClrMapping/>
-  </p:clrMapOvr>
-</p:sld>
-</file>
-
-<file path=ppt/slides/slide28.xml><?xml version="1.0" encoding="utf-8"?>
-<p:sld xmlns:a="http://schemas.openxmlformats.org/drawingml/2006/main" xmlns:r="http://schemas.openxmlformats.org/officeDocument/2006/relationships" xmlns:p="http://schemas.openxmlformats.org/presentationml/2006/main">
-  <p:cSld>
-    <p:spTree>
-      <p:nvGrpSpPr>
-        <p:cNvPr id="1" name=""/>
-        <p:cNvGrpSpPr/>
-        <p:nvPr/>
-      </p:nvGrpSpPr>
-      <p:grpSpPr>
-        <a:xfrm>
-          <a:off x="0" y="0"/>
-          <a:ext cx="0" cy="0"/>
-          <a:chOff x="0" y="0"/>
-          <a:chExt cx="0" cy="0"/>
-        </a:xfrm>
-      </p:grpSpPr>
-      <p:sp>
-        <p:nvSpPr>
-          <p:cNvPr id="2" name="Title 1"/>
-          <p:cNvSpPr>
-            <a:spLocks noGrp="1"/>
-          </p:cNvSpPr>
-          <p:nvPr>
-            <p:ph type="title"/>
-          </p:nvPr>
-        </p:nvSpPr>
-        <p:spPr>
-          <a:xfrm>
-            <a:off x="2592925" y="624110"/>
-            <a:ext cx="8911687" cy="811498"/>
-          </a:xfrm>
-        </p:spPr>
-        <p:txBody>
-          <a:bodyPr/>
-          <a:lstStyle/>
-          <a:p>
-            <a:r>
-              <a:rPr lang="en-US" b="1" i="0" dirty="0">
-                <a:solidFill>
-                  <a:srgbClr val="2D3B45"/>
-                </a:solidFill>
-                <a:effectLst/>
-                <a:latin typeface="Lato Extended"/>
-              </a:rPr>
-              <a:t>Recommendations cont.</a:t>
-            </a:r>
-            <a:endParaRPr lang="en-US" dirty="0"/>
-          </a:p>
-        </p:txBody>
-      </p:sp>
-      <p:sp>
-        <p:nvSpPr>
-          <p:cNvPr id="3" name="Content Placeholder 2"/>
-          <p:cNvSpPr>
-            <a:spLocks noGrp="1"/>
-          </p:cNvSpPr>
-          <p:nvPr>
-            <p:ph idx="1"/>
-          </p:nvPr>
-        </p:nvSpPr>
-        <p:spPr>
-          <a:xfrm>
-            <a:off x="2585499" y="1612392"/>
-            <a:ext cx="8915400" cy="4203192"/>
-          </a:xfrm>
-        </p:spPr>
-        <p:txBody>
-          <a:bodyPr>
-            <a:normAutofit/>
-          </a:bodyPr>
-          <a:lstStyle/>
-          <a:p>
-            <a:pPr>
-              <a:lnSpc>
-                <a:spcPct val="160000"/>
-              </a:lnSpc>
-            </a:pPr>
-            <a:r>
-              <a:rPr lang="en-US" sz="2000" b="0" i="0" dirty="0">
-                <a:solidFill>
-                  <a:srgbClr val="1F2328"/>
-                </a:solidFill>
-                <a:effectLst/>
-                <a:latin typeface="Arial" panose="020B0604020202020204" pitchFamily="34" charset="0"/>
-                <a:cs typeface="Arial" panose="020B0604020202020204" pitchFamily="34" charset="0"/>
-              </a:rPr>
-              <a:t>Develop tailored marketing campaigns for lower-budget films, utilizing cost-effective promotional strategies to enhance revenue potential</a:t>
-            </a:r>
-            <a:endParaRPr lang="en-US" sz="2000" b="0" i="0" dirty="0">
-              <a:solidFill>
-                <a:srgbClr val="1F2328"/>
-              </a:solidFill>
-              <a:effectLst/>
-              <a:latin typeface="Arial" panose="020B0604020202020204" pitchFamily="34" charset="0"/>
-              <a:cs typeface="Arial" panose="020B0604020202020204" pitchFamily="34" charset="0"/>
-            </a:endParaRPr>
-          </a:p>
-          <a:p>
-            <a:pPr>
-              <a:lnSpc>
-                <a:spcPct val="160000"/>
-              </a:lnSpc>
-            </a:pPr>
-            <a:r>
-              <a:rPr lang="en-US" sz="2000" b="0" i="0" dirty="0">
-                <a:solidFill>
-                  <a:srgbClr val="1F2328"/>
-                </a:solidFill>
-                <a:effectLst/>
-                <a:latin typeface="Arial" panose="020B0604020202020204" pitchFamily="34" charset="0"/>
-                <a:cs typeface="Arial" panose="020B0604020202020204" pitchFamily="34" charset="0"/>
-              </a:rPr>
-              <a:t>Consider producing shorter films for wider audience appeal while also investing in select, high-quality longer films that can captivate audiences and drive engagement.</a:t>
-            </a:r>
-            <a:endParaRPr lang="en-US" sz="2000" b="0" i="0" dirty="0">
-              <a:solidFill>
-                <a:srgbClr val="1F2328"/>
-              </a:solidFill>
-              <a:effectLst/>
-              <a:latin typeface="Arial" panose="020B0604020202020204" pitchFamily="34" charset="0"/>
-              <a:cs typeface="Arial" panose="020B0604020202020204" pitchFamily="34" charset="0"/>
-            </a:endParaRPr>
-          </a:p>
-          <a:p>
-            <a:pPr>
-              <a:lnSpc>
-                <a:spcPct val="160000"/>
-              </a:lnSpc>
-            </a:pPr>
-            <a:r>
-              <a:rPr lang="en-US" sz="2000" b="0" i="0" dirty="0">
-                <a:solidFill>
-                  <a:srgbClr val="1F2328"/>
-                </a:solidFill>
-                <a:effectLst/>
-                <a:latin typeface="Arial" panose="020B0604020202020204" pitchFamily="34" charset="0"/>
-                <a:cs typeface="Arial" panose="020B0604020202020204" pitchFamily="34" charset="0"/>
-              </a:rPr>
-              <a:t>Allocation of more resources to produce a mix of shorter, high-rating-friendly films and select longer, high-quality projects that will meet the expectations of more targeted audiences</a:t>
-            </a:r>
-            <a:endParaRPr lang="en-US" sz="2000" b="0" i="0" dirty="0">
-              <a:solidFill>
-                <a:srgbClr val="1F2328"/>
-              </a:solidFill>
-              <a:effectLst/>
-              <a:latin typeface="Arial" panose="020B0604020202020204" pitchFamily="34" charset="0"/>
-              <a:cs typeface="Arial" panose="020B0604020202020204" pitchFamily="34" charset="0"/>
-            </a:endParaRPr>
-          </a:p>
-        </p:txBody>
-      </p:sp>
     </p:spTree>
   </p:cSld>
   <p:clrMapOvr>
@@ -12222,22 +12302,29 @@
             <p:ph type="title"/>
           </p:nvPr>
         </p:nvSpPr>
-        <p:spPr/>
-        <p:txBody>
-          <a:bodyPr/>
+        <p:spPr>
+          <a:xfrm>
+            <a:off x="2592925" y="406940"/>
+            <a:ext cx="8911687" cy="816070"/>
+          </a:xfrm>
+        </p:spPr>
+        <p:txBody>
+          <a:bodyPr>
+            <a:normAutofit/>
+          </a:bodyPr>
           <a:lstStyle/>
           <a:p>
             <a:r>
-              <a:rPr lang="en-US" b="0" i="0" dirty="0">
+              <a:rPr lang="en-US" b="1" i="0" dirty="0">
                 <a:solidFill>
                   <a:srgbClr val="2D3B45"/>
                 </a:solidFill>
                 <a:effectLst/>
                 <a:latin typeface="Lato Extended"/>
               </a:rPr>
-              <a:t>Next Steps</a:t>
-            </a:r>
-            <a:endParaRPr lang="en-US" dirty="0"/>
+              <a:t>Recommendations</a:t>
+            </a:r>
+            <a:endParaRPr lang="en-US" b="1" dirty="0"/>
           </a:p>
         </p:txBody>
       </p:sp>
@@ -12253,8 +12340,8 @@
         </p:nvSpPr>
         <p:spPr>
           <a:xfrm>
-            <a:off x="2589212" y="1499616"/>
-            <a:ext cx="8915400" cy="4411606"/>
+            <a:off x="1965960" y="1350335"/>
+            <a:ext cx="9381744" cy="4876730"/>
           </a:xfrm>
         </p:spPr>
         <p:txBody>
@@ -12273,7 +12360,7 @@
                 <a:latin typeface="Arial" panose="020B0604020202020204" pitchFamily="34" charset="0"/>
                 <a:cs typeface="Arial" panose="020B0604020202020204" pitchFamily="34" charset="0"/>
               </a:rPr>
-              <a:t>Further research to find other factors that will influence the production costs. This will help in prediction on production cost.</a:t>
+              <a:t>To maximize revenue, the movie studio should focus on releasing their films in the months with the highest revenue, such as December, June, and July.</a:t>
             </a:r>
             <a:endParaRPr lang="en-US" sz="2000" dirty="0">
               <a:latin typeface="Arial" panose="020B0604020202020204" pitchFamily="34" charset="0"/>
@@ -12291,7 +12378,7 @@
                 <a:latin typeface="Arial" panose="020B0604020202020204" pitchFamily="34" charset="0"/>
                 <a:cs typeface="Arial" panose="020B0604020202020204" pitchFamily="34" charset="0"/>
               </a:rPr>
-              <a:t>Research to be done on an event may have happened in the year 2020 as there was a plunge on gross revenue</a:t>
+              <a:t>They should prioritize releasing high-budget films with a high return on investment (ROI) to ensure their production budgets are not wasted. </a:t>
             </a:r>
             <a:endParaRPr lang="en-US" sz="2000" dirty="0">
               <a:latin typeface="Arial" panose="020B0604020202020204" pitchFamily="34" charset="0"/>
@@ -12309,7 +12396,7 @@
                 <a:latin typeface="Arial" panose="020B0604020202020204" pitchFamily="34" charset="0"/>
                 <a:cs typeface="Arial" panose="020B0604020202020204" pitchFamily="34" charset="0"/>
               </a:rPr>
-              <a:t>Given the higher production budget indicated more gross revenue, the company needs to diversify its funding to sustain the production budget </a:t>
+              <a:t>They should prioritize releasing their films in the top performing genres, such as Musical, Performing Arts, Horror, Science Fiction, and Fantasy. This will help maximize their box office revenue and attract more viewers.</a:t>
             </a:r>
             <a:endParaRPr lang="en-US" sz="2000" dirty="0">
               <a:latin typeface="Arial" panose="020B0604020202020204" pitchFamily="34" charset="0"/>
@@ -12317,12 +12404,18 @@
             </a:endParaRPr>
           </a:p>
           <a:p>
-            <a:pPr marL="0" indent="0">
+            <a:pPr>
               <a:lnSpc>
                 <a:spcPct val="150000"/>
               </a:lnSpc>
-              <a:buNone/>
             </a:pPr>
+            <a:r>
+              <a:rPr lang="en-US" sz="2000" dirty="0">
+                <a:latin typeface="Arial" panose="020B0604020202020204" pitchFamily="34" charset="0"/>
+                <a:cs typeface="Arial" panose="020B0604020202020204" pitchFamily="34" charset="0"/>
+              </a:rPr>
+              <a:t>Months with Lower Revenue: utilize lower budget or experimental films in months like January and September.</a:t>
+            </a:r>
             <a:endParaRPr lang="en-US" sz="2000" dirty="0">
               <a:latin typeface="Arial" panose="020B0604020202020204" pitchFamily="34" charset="0"/>
               <a:cs typeface="Arial" panose="020B0604020202020204" pitchFamily="34" charset="0"/>
@@ -12465,55 +12558,138 @@
       </p:grpSpPr>
       <p:sp>
         <p:nvSpPr>
-          <p:cNvPr id="4" name="Rectangle 3"/>
-          <p:cNvSpPr/>
-          <p:nvPr/>
+          <p:cNvPr id="2" name="Title 1"/>
+          <p:cNvSpPr>
+            <a:spLocks noGrp="1"/>
+          </p:cNvSpPr>
+          <p:nvPr>
+            <p:ph type="title"/>
+          </p:nvPr>
         </p:nvSpPr>
         <p:spPr>
           <a:xfrm>
-            <a:off x="5028282" y="2967335"/>
-            <a:ext cx="2853845" cy="923330"/>
-          </a:xfrm>
-          <a:prstGeom prst="rect">
-            <a:avLst/>
-          </a:prstGeom>
-          <a:noFill/>
-        </p:spPr>
-        <p:txBody>
-          <a:bodyPr wrap="square" lIns="91440" tIns="45720" rIns="91440" bIns="45720">
-            <a:spAutoFit/>
+            <a:off x="2352895" y="228600"/>
+            <a:ext cx="8911687" cy="811530"/>
+          </a:xfrm>
+        </p:spPr>
+        <p:txBody>
+          <a:bodyPr/>
+          <a:lstStyle/>
+          <a:p>
+            <a:r>
+              <a:rPr lang="en-US" b="1" i="0" dirty="0">
+                <a:solidFill>
+                  <a:srgbClr val="2D3B45"/>
+                </a:solidFill>
+                <a:effectLst/>
+                <a:latin typeface="Lato Extended"/>
+              </a:rPr>
+              <a:t>Recommendations cont.</a:t>
+            </a:r>
+            <a:endParaRPr lang="en-US" dirty="0"/>
+          </a:p>
+        </p:txBody>
+      </p:sp>
+      <p:sp>
+        <p:nvSpPr>
+          <p:cNvPr id="3" name="Content Placeholder 2"/>
+          <p:cNvSpPr>
+            <a:spLocks noGrp="1"/>
+          </p:cNvSpPr>
+          <p:nvPr>
+            <p:ph idx="1"/>
+          </p:nvPr>
+        </p:nvSpPr>
+        <p:spPr>
+          <a:xfrm>
+            <a:off x="2349182" y="1276350"/>
+            <a:ext cx="8915400" cy="4694682"/>
+          </a:xfrm>
+        </p:spPr>
+        <p:txBody>
+          <a:bodyPr>
+            <a:normAutofit/>
           </a:bodyPr>
           <a:lstStyle/>
           <a:p>
-            <a:pPr algn="ctr"/>
-            <a:r>
-              <a:rPr lang="en-US" sz="5400" b="0" cap="none" spc="0" dirty="0">
-                <a:ln w="0"/>
+            <a:pPr>
+              <a:lnSpc>
+                <a:spcPct val="160000"/>
+              </a:lnSpc>
+            </a:pPr>
+            <a:r>
+              <a:rPr lang="en-US" sz="2000" dirty="0">
+                <a:latin typeface="Arial" panose="020B0604020202020204" pitchFamily="34" charset="0"/>
+                <a:cs typeface="Arial" panose="020B0604020202020204" pitchFamily="34" charset="0"/>
+              </a:rPr>
+              <a:t>Increase marketing efforts leading up to and during January and September to maximize on overall revenue.</a:t>
+            </a:r>
+            <a:endParaRPr lang="en-US" sz="2000" dirty="0">
+              <a:latin typeface="Arial" panose="020B0604020202020204" pitchFamily="34" charset="0"/>
+              <a:cs typeface="Arial" panose="020B0604020202020204" pitchFamily="34" charset="0"/>
+            </a:endParaRPr>
+          </a:p>
+          <a:p>
+            <a:pPr>
+              <a:lnSpc>
+                <a:spcPct val="160000"/>
+              </a:lnSpc>
+            </a:pPr>
+            <a:r>
+              <a:rPr lang="en-US" sz="2000" b="0" i="0" dirty="0">
                 <a:solidFill>
-                  <a:schemeClr val="tx1"/>
+                  <a:srgbClr val="1F2328"/>
                 </a:solidFill>
-                <a:effectLst>
-                  <a:outerShdw blurRad="38100" dist="19050" dir="2700000" algn="tl" rotWithShape="0">
-                    <a:schemeClr val="dk1">
-                      <a:alpha val="40000"/>
-                    </a:schemeClr>
-                  </a:outerShdw>
-                </a:effectLst>
-              </a:rPr>
-              <a:t>Q&amp;A</a:t>
-            </a:r>
-            <a:endParaRPr lang="en-US" sz="5400" b="0" cap="none" spc="0" dirty="0">
-              <a:ln w="0"/>
+                <a:effectLst/>
+                <a:latin typeface="Arial" panose="020B0604020202020204" pitchFamily="34" charset="0"/>
+                <a:cs typeface="Arial" panose="020B0604020202020204" pitchFamily="34" charset="0"/>
+              </a:rPr>
+              <a:t>Release High-Potential Films in June, July, and December as it shows strong performance in revenue. </a:t>
+            </a:r>
+            <a:endParaRPr lang="en-US" sz="2000" b="0" i="0" dirty="0">
               <a:solidFill>
-                <a:schemeClr val="tx1"/>
+                <a:srgbClr val="1F2328"/>
               </a:solidFill>
-              <a:effectLst>
-                <a:outerShdw blurRad="38100" dist="19050" dir="2700000" algn="tl" rotWithShape="0">
-                  <a:schemeClr val="dk1">
-                    <a:alpha val="40000"/>
-                  </a:schemeClr>
-                </a:outerShdw>
-              </a:effectLst>
+              <a:effectLst/>
+              <a:latin typeface="Arial" panose="020B0604020202020204" pitchFamily="34" charset="0"/>
+              <a:cs typeface="Arial" panose="020B0604020202020204" pitchFamily="34" charset="0"/>
+            </a:endParaRPr>
+          </a:p>
+          <a:p>
+            <a:pPr>
+              <a:lnSpc>
+                <a:spcPct val="160000"/>
+              </a:lnSpc>
+            </a:pPr>
+            <a:r>
+              <a:rPr lang="en-US" sz="2000" b="0" i="0" dirty="0">
+                <a:solidFill>
+                  <a:srgbClr val="1F2328"/>
+                </a:solidFill>
+                <a:effectLst/>
+                <a:latin typeface="Arial" panose="020B0604020202020204" pitchFamily="34" charset="0"/>
+                <a:cs typeface="Arial" panose="020B0604020202020204" pitchFamily="34" charset="0"/>
+              </a:rPr>
+              <a:t>Diversify the film portfolio by including more investments in lower-budget projects to enhance overall profitability and mitigate financial risk.</a:t>
+            </a:r>
+            <a:endParaRPr lang="en-US" sz="2000" b="0" i="0" dirty="0">
+              <a:solidFill>
+                <a:srgbClr val="1F2328"/>
+              </a:solidFill>
+              <a:effectLst/>
+              <a:latin typeface="Arial" panose="020B0604020202020204" pitchFamily="34" charset="0"/>
+              <a:cs typeface="Arial" panose="020B0604020202020204" pitchFamily="34" charset="0"/>
+            </a:endParaRPr>
+          </a:p>
+          <a:p>
+            <a:pPr lvl="1">
+              <a:lnSpc>
+                <a:spcPct val="160000"/>
+              </a:lnSpc>
+            </a:pPr>
+            <a:endParaRPr lang="en-US" sz="1800" dirty="0">
+              <a:latin typeface="Arial" panose="020B0604020202020204" pitchFamily="34" charset="0"/>
+              <a:cs typeface="Arial" panose="020B0604020202020204" pitchFamily="34" charset="0"/>
             </a:endParaRPr>
           </a:p>
         </p:txBody>
@@ -12556,7 +12732,7 @@
         <p:spPr>
           <a:xfrm>
             <a:off x="2592925" y="624110"/>
-            <a:ext cx="8911687" cy="1003522"/>
+            <a:ext cx="8911687" cy="811498"/>
           </a:xfrm>
         </p:spPr>
         <p:txBody>
@@ -12564,8 +12740,14 @@
           <a:lstStyle/>
           <a:p>
             <a:r>
-              <a:rPr lang="en-US" dirty="0"/>
-              <a:t>Contact Info</a:t>
+              <a:rPr lang="en-US" b="1" i="0" dirty="0">
+                <a:solidFill>
+                  <a:srgbClr val="2D3B45"/>
+                </a:solidFill>
+                <a:effectLst/>
+                <a:latin typeface="Lato Extended"/>
+              </a:rPr>
+              <a:t>Recommendations cont.</a:t>
             </a:r>
             <a:endParaRPr lang="en-US" dirty="0"/>
           </a:p>
@@ -12583,89 +12765,92 @@
         </p:nvSpPr>
         <p:spPr>
           <a:xfrm>
-            <a:off x="2585499" y="2051304"/>
-            <a:ext cx="8222709" cy="2959608"/>
+            <a:off x="2585499" y="1612392"/>
+            <a:ext cx="8915400" cy="4203192"/>
           </a:xfrm>
         </p:spPr>
         <p:txBody>
           <a:bodyPr>
-            <a:normAutofit fontScale="92500" lnSpcReduction="10000"/>
+            <a:normAutofit/>
           </a:bodyPr>
           <a:lstStyle/>
           <a:p>
-            <a:r>
-              <a:rPr lang="en-US" dirty="0">
-                <a:hlinkClick r:id="rId1"/>
-              </a:rPr>
-              <a:t>https://www.linkedin.com/in/gilbert-kipkirui-cheruiyot-82387425</a:t>
-            </a:r>
-            <a:endParaRPr lang="en-US" dirty="0"/>
-          </a:p>
-          <a:p>
-            <a:r>
-              <a:rPr lang="en-US" dirty="0">
-                <a:hlinkClick r:id="rId2"/>
-              </a:rPr>
-              <a:t>https://www.linkedin.com/in/daniel-muigai-358707292/</a:t>
-            </a:r>
-            <a:endParaRPr lang="en-US" dirty="0"/>
-          </a:p>
-          <a:p>
-            <a:r>
-              <a:rPr lang="en-US" dirty="0">
-                <a:hlinkClick r:id="rId3"/>
-              </a:rPr>
-              <a:t>https://www.linkedin.com/in/millicent-cheptoi-068235221/</a:t>
-            </a:r>
-            <a:endParaRPr lang="en-US" dirty="0"/>
-          </a:p>
-          <a:p>
-            <a:r>
-              <a:rPr lang="en-US" dirty="0">
-                <a:hlinkClick r:id="rId4"/>
-              </a:rPr>
-              <a:t>https://www.linkedin.com/in/angela-mwanzia-2b993b309</a:t>
-            </a:r>
-            <a:endParaRPr lang="en-US" dirty="0"/>
-          </a:p>
-          <a:p>
-            <a:r>
-              <a:rPr lang="en-US" dirty="0">
-                <a:hlinkClick r:id="rId5"/>
-              </a:rPr>
-              <a:t>https://www.linkedin.com/in/edwin-george-181b33171/</a:t>
-            </a:r>
-            <a:endParaRPr lang="en-US" dirty="0"/>
-          </a:p>
-          <a:p>
-            <a:r>
-              <a:rPr lang="en-US" dirty="0">
-                <a:hlinkClick r:id="rId6"/>
-              </a:rPr>
-              <a:t>http://www.linkedin.com/in/reagan-adajo-5a1803103</a:t>
-            </a:r>
-            <a:endParaRPr lang="en-US" dirty="0"/>
-          </a:p>
-          <a:p>
-            <a:r>
-              <a:rPr lang="en-US" dirty="0">
-                <a:hlinkClick r:id="rId7"/>
-              </a:rPr>
-              <a:t>https://www.linkedin.com/in/james-wachira-a7771644/</a:t>
-            </a:r>
-            <a:endParaRPr lang="en-US" dirty="0"/>
-          </a:p>
-          <a:p>
-            <a:r>
-              <a:rPr lang="en-US" dirty="0">
-                <a:hlinkClick r:id="rId8"/>
-              </a:rPr>
-              <a:t>https://www.linkedin.com/in/mercy-ayub-774a877b/</a:t>
-            </a:r>
-            <a:endParaRPr lang="en-US" dirty="0"/>
-          </a:p>
-          <a:p>
-            <a:endParaRPr lang="en-US" dirty="0"/>
+            <a:pPr>
+              <a:lnSpc>
+                <a:spcPct val="160000"/>
+              </a:lnSpc>
+            </a:pPr>
+            <a:r>
+              <a:rPr lang="en-US" sz="2000" b="0" i="0" dirty="0">
+                <a:solidFill>
+                  <a:srgbClr val="1F2328"/>
+                </a:solidFill>
+                <a:effectLst/>
+                <a:latin typeface="Arial" panose="020B0604020202020204" pitchFamily="34" charset="0"/>
+                <a:cs typeface="Arial" panose="020B0604020202020204" pitchFamily="34" charset="0"/>
+              </a:rPr>
+              <a:t>Develop tailored marketing campaigns for lower-budget films, utilizing cost-effective promotional strategies to enhance revenue potential</a:t>
+            </a:r>
+            <a:endParaRPr lang="en-US" sz="2000" b="0" i="0" dirty="0">
+              <a:solidFill>
+                <a:srgbClr val="1F2328"/>
+              </a:solidFill>
+              <a:effectLst/>
+              <a:latin typeface="Arial" panose="020B0604020202020204" pitchFamily="34" charset="0"/>
+              <a:cs typeface="Arial" panose="020B0604020202020204" pitchFamily="34" charset="0"/>
+            </a:endParaRPr>
+          </a:p>
+          <a:p>
+            <a:pPr>
+              <a:lnSpc>
+                <a:spcPct val="160000"/>
+              </a:lnSpc>
+            </a:pPr>
+            <a:r>
+              <a:rPr lang="en-US" sz="2000" b="0" i="0" dirty="0">
+                <a:solidFill>
+                  <a:srgbClr val="1F2328"/>
+                </a:solidFill>
+                <a:effectLst/>
+                <a:latin typeface="Arial" panose="020B0604020202020204" pitchFamily="34" charset="0"/>
+                <a:cs typeface="Arial" panose="020B0604020202020204" pitchFamily="34" charset="0"/>
+              </a:rPr>
+              <a:t>Consider producing shorter films for wider audience appeal while also investing in select, high-quality longer films that can captivate audiences and drive engagement.</a:t>
+            </a:r>
+            <a:endParaRPr lang="en-US" sz="2000" b="0" i="0" dirty="0">
+              <a:solidFill>
+                <a:srgbClr val="1F2328"/>
+              </a:solidFill>
+              <a:effectLst/>
+              <a:latin typeface="Arial" panose="020B0604020202020204" pitchFamily="34" charset="0"/>
+              <a:cs typeface="Arial" panose="020B0604020202020204" pitchFamily="34" charset="0"/>
+            </a:endParaRPr>
+          </a:p>
+          <a:p>
+            <a:pPr>
+              <a:lnSpc>
+                <a:spcPct val="160000"/>
+              </a:lnSpc>
+            </a:pPr>
+            <a:r>
+              <a:rPr lang="en-US" sz="2000" b="0" i="0" dirty="0">
+                <a:solidFill>
+                  <a:srgbClr val="1F2328"/>
+                </a:solidFill>
+                <a:effectLst/>
+                <a:latin typeface="Arial" panose="020B0604020202020204" pitchFamily="34" charset="0"/>
+                <a:cs typeface="Arial" panose="020B0604020202020204" pitchFamily="34" charset="0"/>
+              </a:rPr>
+              <a:t>Allocation of more resources to produce a mix of shorter, high-rating-friendly films and select longer, high-quality projects that will meet the expectations of more targeted audiences</a:t>
+            </a:r>
+            <a:endParaRPr lang="en-US" sz="2000" b="0" i="0" dirty="0">
+              <a:solidFill>
+                <a:srgbClr val="1F2328"/>
+              </a:solidFill>
+              <a:effectLst/>
+              <a:latin typeface="Arial" panose="020B0604020202020204" pitchFamily="34" charset="0"/>
+              <a:cs typeface="Arial" panose="020B0604020202020204" pitchFamily="34" charset="0"/>
+            </a:endParaRPr>
           </a:p>
         </p:txBody>
       </p:sp>
@@ -12696,6 +12881,380 @@
       </p:grpSpPr>
       <p:sp>
         <p:nvSpPr>
+          <p:cNvPr id="2" name="Title 1"/>
+          <p:cNvSpPr>
+            <a:spLocks noGrp="1"/>
+          </p:cNvSpPr>
+          <p:nvPr>
+            <p:ph type="title"/>
+          </p:nvPr>
+        </p:nvSpPr>
+        <p:spPr/>
+        <p:txBody>
+          <a:bodyPr/>
+          <a:lstStyle/>
+          <a:p>
+            <a:r>
+              <a:rPr lang="en-US" b="0" i="0" dirty="0">
+                <a:solidFill>
+                  <a:srgbClr val="2D3B45"/>
+                </a:solidFill>
+                <a:effectLst/>
+                <a:latin typeface="Lato Extended"/>
+              </a:rPr>
+              <a:t>Next Steps</a:t>
+            </a:r>
+            <a:endParaRPr lang="en-US" dirty="0"/>
+          </a:p>
+        </p:txBody>
+      </p:sp>
+      <p:sp>
+        <p:nvSpPr>
+          <p:cNvPr id="3" name="Content Placeholder 2"/>
+          <p:cNvSpPr>
+            <a:spLocks noGrp="1"/>
+          </p:cNvSpPr>
+          <p:nvPr>
+            <p:ph idx="1"/>
+          </p:nvPr>
+        </p:nvSpPr>
+        <p:spPr>
+          <a:xfrm>
+            <a:off x="2589212" y="1499616"/>
+            <a:ext cx="8915400" cy="4411606"/>
+          </a:xfrm>
+        </p:spPr>
+        <p:txBody>
+          <a:bodyPr>
+            <a:normAutofit/>
+          </a:bodyPr>
+          <a:lstStyle/>
+          <a:p>
+            <a:pPr>
+              <a:lnSpc>
+                <a:spcPct val="150000"/>
+              </a:lnSpc>
+            </a:pPr>
+            <a:r>
+              <a:rPr lang="en-US" sz="2000" dirty="0">
+                <a:latin typeface="Arial" panose="020B0604020202020204" pitchFamily="34" charset="0"/>
+                <a:cs typeface="Arial" panose="020B0604020202020204" pitchFamily="34" charset="0"/>
+              </a:rPr>
+              <a:t>Further research to find other factors that will influence the production costs. This will help in prediction on production cost.</a:t>
+            </a:r>
+            <a:endParaRPr lang="en-US" sz="2000" dirty="0">
+              <a:latin typeface="Arial" panose="020B0604020202020204" pitchFamily="34" charset="0"/>
+              <a:cs typeface="Arial" panose="020B0604020202020204" pitchFamily="34" charset="0"/>
+            </a:endParaRPr>
+          </a:p>
+          <a:p>
+            <a:pPr>
+              <a:lnSpc>
+                <a:spcPct val="150000"/>
+              </a:lnSpc>
+            </a:pPr>
+            <a:r>
+              <a:rPr lang="en-US" sz="2000" dirty="0">
+                <a:latin typeface="Arial" panose="020B0604020202020204" pitchFamily="34" charset="0"/>
+                <a:cs typeface="Arial" panose="020B0604020202020204" pitchFamily="34" charset="0"/>
+              </a:rPr>
+              <a:t>Research to be done on an event may have happened in the year 2020 as there was a plunge on gross revenue</a:t>
+            </a:r>
+            <a:endParaRPr lang="en-US" sz="2000" dirty="0">
+              <a:latin typeface="Arial" panose="020B0604020202020204" pitchFamily="34" charset="0"/>
+              <a:cs typeface="Arial" panose="020B0604020202020204" pitchFamily="34" charset="0"/>
+            </a:endParaRPr>
+          </a:p>
+          <a:p>
+            <a:pPr>
+              <a:lnSpc>
+                <a:spcPct val="150000"/>
+              </a:lnSpc>
+            </a:pPr>
+            <a:r>
+              <a:rPr lang="en-US" sz="2000" dirty="0">
+                <a:latin typeface="Arial" panose="020B0604020202020204" pitchFamily="34" charset="0"/>
+                <a:cs typeface="Arial" panose="020B0604020202020204" pitchFamily="34" charset="0"/>
+              </a:rPr>
+              <a:t>Given the higher production budget indicated more gross revenue, the company needs to diversify its funding to sustain the production budget </a:t>
+            </a:r>
+            <a:endParaRPr lang="en-US" sz="2000" dirty="0">
+              <a:latin typeface="Arial" panose="020B0604020202020204" pitchFamily="34" charset="0"/>
+              <a:cs typeface="Arial" panose="020B0604020202020204" pitchFamily="34" charset="0"/>
+            </a:endParaRPr>
+          </a:p>
+          <a:p>
+            <a:pPr marL="0" indent="0">
+              <a:lnSpc>
+                <a:spcPct val="150000"/>
+              </a:lnSpc>
+              <a:buNone/>
+            </a:pPr>
+            <a:endParaRPr lang="en-US" sz="2000" dirty="0">
+              <a:latin typeface="Arial" panose="020B0604020202020204" pitchFamily="34" charset="0"/>
+              <a:cs typeface="Arial" panose="020B0604020202020204" pitchFamily="34" charset="0"/>
+            </a:endParaRPr>
+          </a:p>
+        </p:txBody>
+      </p:sp>
+    </p:spTree>
+  </p:cSld>
+  <p:clrMapOvr>
+    <a:masterClrMapping/>
+  </p:clrMapOvr>
+</p:sld>
+</file>
+
+<file path=ppt/slides/slide33.xml><?xml version="1.0" encoding="utf-8"?>
+<p:sld xmlns:a="http://schemas.openxmlformats.org/drawingml/2006/main" xmlns:r="http://schemas.openxmlformats.org/officeDocument/2006/relationships" xmlns:p="http://schemas.openxmlformats.org/presentationml/2006/main">
+  <p:cSld>
+    <p:spTree>
+      <p:nvGrpSpPr>
+        <p:cNvPr id="1" name=""/>
+        <p:cNvGrpSpPr/>
+        <p:nvPr/>
+      </p:nvGrpSpPr>
+      <p:grpSpPr>
+        <a:xfrm>
+          <a:off x="0" y="0"/>
+          <a:ext cx="0" cy="0"/>
+          <a:chOff x="0" y="0"/>
+          <a:chExt cx="0" cy="0"/>
+        </a:xfrm>
+      </p:grpSpPr>
+      <p:sp>
+        <p:nvSpPr>
+          <p:cNvPr id="4" name="Rectangle 3"/>
+          <p:cNvSpPr/>
+          <p:nvPr/>
+        </p:nvSpPr>
+        <p:spPr>
+          <a:xfrm>
+            <a:off x="5028282" y="2967335"/>
+            <a:ext cx="2853845" cy="923330"/>
+          </a:xfrm>
+          <a:prstGeom prst="rect">
+            <a:avLst/>
+          </a:prstGeom>
+          <a:noFill/>
+        </p:spPr>
+        <p:txBody>
+          <a:bodyPr wrap="square" lIns="91440" tIns="45720" rIns="91440" bIns="45720">
+            <a:spAutoFit/>
+          </a:bodyPr>
+          <a:lstStyle/>
+          <a:p>
+            <a:pPr algn="ctr"/>
+            <a:r>
+              <a:rPr lang="en-US" sz="5400" b="0" cap="none" spc="0" dirty="0">
+                <a:ln w="0"/>
+                <a:solidFill>
+                  <a:schemeClr val="tx1"/>
+                </a:solidFill>
+                <a:effectLst>
+                  <a:outerShdw blurRad="38100" dist="19050" dir="2700000" algn="tl" rotWithShape="0">
+                    <a:schemeClr val="dk1">
+                      <a:alpha val="40000"/>
+                    </a:schemeClr>
+                  </a:outerShdw>
+                </a:effectLst>
+              </a:rPr>
+              <a:t>Q&amp;A</a:t>
+            </a:r>
+            <a:endParaRPr lang="en-US" sz="5400" b="0" cap="none" spc="0" dirty="0">
+              <a:ln w="0"/>
+              <a:solidFill>
+                <a:schemeClr val="tx1"/>
+              </a:solidFill>
+              <a:effectLst>
+                <a:outerShdw blurRad="38100" dist="19050" dir="2700000" algn="tl" rotWithShape="0">
+                  <a:schemeClr val="dk1">
+                    <a:alpha val="40000"/>
+                  </a:schemeClr>
+                </a:outerShdw>
+              </a:effectLst>
+            </a:endParaRPr>
+          </a:p>
+        </p:txBody>
+      </p:sp>
+    </p:spTree>
+  </p:cSld>
+  <p:clrMapOvr>
+    <a:masterClrMapping/>
+  </p:clrMapOvr>
+</p:sld>
+</file>
+
+<file path=ppt/slides/slide34.xml><?xml version="1.0" encoding="utf-8"?>
+<p:sld xmlns:a="http://schemas.openxmlformats.org/drawingml/2006/main" xmlns:r="http://schemas.openxmlformats.org/officeDocument/2006/relationships" xmlns:p="http://schemas.openxmlformats.org/presentationml/2006/main">
+  <p:cSld>
+    <p:spTree>
+      <p:nvGrpSpPr>
+        <p:cNvPr id="1" name=""/>
+        <p:cNvGrpSpPr/>
+        <p:nvPr/>
+      </p:nvGrpSpPr>
+      <p:grpSpPr>
+        <a:xfrm>
+          <a:off x="0" y="0"/>
+          <a:ext cx="0" cy="0"/>
+          <a:chOff x="0" y="0"/>
+          <a:chExt cx="0" cy="0"/>
+        </a:xfrm>
+      </p:grpSpPr>
+      <p:sp>
+        <p:nvSpPr>
+          <p:cNvPr id="2" name="Title 1"/>
+          <p:cNvSpPr>
+            <a:spLocks noGrp="1"/>
+          </p:cNvSpPr>
+          <p:nvPr>
+            <p:ph type="title"/>
+          </p:nvPr>
+        </p:nvSpPr>
+        <p:spPr>
+          <a:xfrm>
+            <a:off x="2592925" y="624110"/>
+            <a:ext cx="8911687" cy="1003522"/>
+          </a:xfrm>
+        </p:spPr>
+        <p:txBody>
+          <a:bodyPr/>
+          <a:lstStyle/>
+          <a:p>
+            <a:r>
+              <a:rPr lang="en-US" dirty="0"/>
+              <a:t>Contact Info</a:t>
+            </a:r>
+            <a:endParaRPr lang="en-US" dirty="0"/>
+          </a:p>
+        </p:txBody>
+      </p:sp>
+      <p:sp>
+        <p:nvSpPr>
+          <p:cNvPr id="3" name="Content Placeholder 2"/>
+          <p:cNvSpPr>
+            <a:spLocks noGrp="1"/>
+          </p:cNvSpPr>
+          <p:nvPr>
+            <p:ph idx="1"/>
+          </p:nvPr>
+        </p:nvSpPr>
+        <p:spPr>
+          <a:xfrm>
+            <a:off x="2585499" y="2051304"/>
+            <a:ext cx="8222709" cy="2959608"/>
+          </a:xfrm>
+        </p:spPr>
+        <p:txBody>
+          <a:bodyPr>
+            <a:normAutofit fontScale="92500" lnSpcReduction="10000"/>
+          </a:bodyPr>
+          <a:lstStyle/>
+          <a:p>
+            <a:r>
+              <a:rPr lang="en-US" dirty="0">
+                <a:hlinkClick r:id="rId1"/>
+              </a:rPr>
+              <a:t>https://www.linkedin.com/in/gilbert-kipkirui-cheruiyot-82387425</a:t>
+            </a:r>
+            <a:endParaRPr lang="en-US" dirty="0"/>
+          </a:p>
+          <a:p>
+            <a:r>
+              <a:rPr lang="en-US" dirty="0">
+                <a:hlinkClick r:id="rId2"/>
+              </a:rPr>
+              <a:t>https://www.linkedin.com/in/daniel-muigai-358707292/</a:t>
+            </a:r>
+            <a:endParaRPr lang="en-US" dirty="0"/>
+          </a:p>
+          <a:p>
+            <a:r>
+              <a:rPr lang="en-US" dirty="0">
+                <a:hlinkClick r:id="rId3"/>
+              </a:rPr>
+              <a:t>https://www.linkedin.com/in/millicent-cheptoi-068235221/</a:t>
+            </a:r>
+            <a:endParaRPr lang="en-US" dirty="0"/>
+          </a:p>
+          <a:p>
+            <a:r>
+              <a:rPr lang="en-US" dirty="0">
+                <a:hlinkClick r:id="rId4"/>
+              </a:rPr>
+              <a:t>https://www.linkedin.com/in/angela-mwanzia-2b993b309</a:t>
+            </a:r>
+            <a:endParaRPr lang="en-US" dirty="0"/>
+          </a:p>
+          <a:p>
+            <a:r>
+              <a:rPr lang="en-US" dirty="0">
+                <a:hlinkClick r:id="rId5"/>
+              </a:rPr>
+              <a:t>https://www.linkedin.com/in/edwin-george-181b33171/</a:t>
+            </a:r>
+            <a:endParaRPr lang="en-US" dirty="0"/>
+          </a:p>
+          <a:p>
+            <a:r>
+              <a:rPr lang="en-US" dirty="0">
+                <a:hlinkClick r:id="rId6"/>
+              </a:rPr>
+              <a:t>http://www.linkedin.com/in/reagan-adajo-5a1803103</a:t>
+            </a:r>
+            <a:endParaRPr lang="en-US" dirty="0"/>
+          </a:p>
+          <a:p>
+            <a:r>
+              <a:rPr lang="en-US" dirty="0">
+                <a:hlinkClick r:id="rId7"/>
+              </a:rPr>
+              <a:t>https://www.linkedin.com/in/james-wachira-a7771644/</a:t>
+            </a:r>
+            <a:endParaRPr lang="en-US" dirty="0"/>
+          </a:p>
+          <a:p>
+            <a:r>
+              <a:rPr lang="en-US" dirty="0">
+                <a:hlinkClick r:id="rId8"/>
+              </a:rPr>
+              <a:t>https://www.linkedin.com/in/mercy-ayub-774a877b/</a:t>
+            </a:r>
+            <a:endParaRPr lang="en-US" dirty="0"/>
+          </a:p>
+          <a:p>
+            <a:endParaRPr lang="en-US" dirty="0"/>
+          </a:p>
+        </p:txBody>
+      </p:sp>
+    </p:spTree>
+  </p:cSld>
+  <p:clrMapOvr>
+    <a:masterClrMapping/>
+  </p:clrMapOvr>
+</p:sld>
+</file>
+
+<file path=ppt/slides/slide35.xml><?xml version="1.0" encoding="utf-8"?>
+<p:sld xmlns:a="http://schemas.openxmlformats.org/drawingml/2006/main" xmlns:r="http://schemas.openxmlformats.org/officeDocument/2006/relationships" xmlns:p="http://schemas.openxmlformats.org/presentationml/2006/main">
+  <p:cSld>
+    <p:spTree>
+      <p:nvGrpSpPr>
+        <p:cNvPr id="1" name=""/>
+        <p:cNvGrpSpPr/>
+        <p:nvPr/>
+      </p:nvGrpSpPr>
+      <p:grpSpPr>
+        <a:xfrm>
+          <a:off x="0" y="0"/>
+          <a:ext cx="0" cy="0"/>
+          <a:chOff x="0" y="0"/>
+          <a:chExt cx="0" cy="0"/>
+        </a:xfrm>
+      </p:grpSpPr>
+      <p:sp>
+        <p:nvSpPr>
           <p:cNvPr id="4" name="Rectangle 3"/>
           <p:cNvSpPr/>
           <p:nvPr/>
@@ -13015,13 +13574,13 @@
           <a:lstStyle/>
           <a:p>
             <a:r>
-              <a:rPr lang="en-GB" altLang="en-US" b="1" dirty="0">
+              <a:rPr lang="en-GB" altLang="en-US" sz="3200" b="1" dirty="0">
                 <a:latin typeface="Times New Roman" panose="02020603050405020304" charset="0"/>
                 <a:cs typeface="Times New Roman" panose="02020603050405020304" charset="0"/>
               </a:rPr>
               <a:t>Data</a:t>
             </a:r>
-            <a:endParaRPr lang="en-GB" altLang="en-US" b="1" dirty="0">
+            <a:endParaRPr lang="en-GB" altLang="en-US" sz="3200" b="1" dirty="0">
               <a:latin typeface="Times New Roman" panose="02020603050405020304" charset="0"/>
               <a:cs typeface="Times New Roman" panose="02020603050405020304" charset="0"/>
             </a:endParaRPr>
@@ -13145,13 +13704,13 @@
           </a:bodyPr>
           <a:p>
             <a:r>
-              <a:rPr lang="en-GB" altLang="en-US" b="1">
+              <a:rPr lang="en-GB" altLang="en-US" sz="3200" b="1">
                 <a:latin typeface="Times New Roman" panose="02020603050405020304" charset="0"/>
                 <a:cs typeface="Times New Roman" panose="02020603050405020304" charset="0"/>
               </a:rPr>
               <a:t>Tools used</a:t>
             </a:r>
-            <a:endParaRPr lang="en-GB" altLang="en-US" b="1">
+            <a:endParaRPr lang="en-GB" altLang="en-US" sz="3200" b="1">
               <a:latin typeface="Times New Roman" panose="02020603050405020304" charset="0"/>
               <a:cs typeface="Times New Roman" panose="02020603050405020304" charset="0"/>
             </a:endParaRPr>
@@ -13354,13 +13913,13 @@
           <a:lstStyle/>
           <a:p>
             <a:r>
-              <a:rPr lang="en-GB" altLang="en-US" b="1" dirty="0">
+              <a:rPr lang="en-GB" altLang="en-US" sz="3200" b="1" dirty="0">
                 <a:latin typeface="Times New Roman" panose="02020603050405020304" charset="0"/>
                 <a:cs typeface="Times New Roman" panose="02020603050405020304" charset="0"/>
               </a:rPr>
               <a:t>Data Understanding</a:t>
             </a:r>
-            <a:endParaRPr lang="en-GB" altLang="en-US" b="1" dirty="0">
+            <a:endParaRPr lang="en-GB" altLang="en-US" sz="3200" b="1" dirty="0">
               <a:latin typeface="Times New Roman" panose="02020603050405020304" charset="0"/>
               <a:cs typeface="Times New Roman" panose="02020603050405020304" charset="0"/>
             </a:endParaRPr>
@@ -13605,13 +14164,13 @@
           <a:lstStyle/>
           <a:p>
             <a:r>
-              <a:rPr lang="en-GB" altLang="en-US" b="1" dirty="0">
+              <a:rPr lang="en-GB" altLang="en-US" sz="3200" b="1" dirty="0">
                 <a:latin typeface="Times New Roman" panose="02020603050405020304" charset="0"/>
                 <a:cs typeface="Times New Roman" panose="02020603050405020304" charset="0"/>
               </a:rPr>
               <a:t>Data Preprocessing</a:t>
             </a:r>
-            <a:endParaRPr lang="en-GB" altLang="en-US" b="1" dirty="0">
+            <a:endParaRPr lang="en-GB" altLang="en-US" sz="3200" b="1" dirty="0">
               <a:latin typeface="Times New Roman" panose="02020603050405020304" charset="0"/>
               <a:cs typeface="Times New Roman" panose="02020603050405020304" charset="0"/>
             </a:endParaRPr>
@@ -13803,13 +14362,13 @@
           <a:lstStyle/>
           <a:p>
             <a:r>
-              <a:rPr lang="en-GB" altLang="en-US" b="1" dirty="0">
+              <a:rPr lang="en-GB" altLang="en-US" sz="3200" b="1" dirty="0">
                 <a:latin typeface="Times New Roman" panose="02020603050405020304" charset="0"/>
                 <a:cs typeface="Times New Roman" panose="02020603050405020304" charset="0"/>
               </a:rPr>
               <a:t>Modelling</a:t>
             </a:r>
-            <a:endParaRPr lang="en-GB" altLang="en-US" b="1" dirty="0">
+            <a:endParaRPr lang="en-GB" altLang="en-US" sz="3200" b="1" dirty="0">
               <a:latin typeface="Times New Roman" panose="02020603050405020304" charset="0"/>
               <a:cs typeface="Times New Roman" panose="02020603050405020304" charset="0"/>
             </a:endParaRPr>

--- a/Presentation.pptx
+++ b/Presentation.pptx
@@ -25,8 +25,8 @@
     <p:sldId id="325" r:id="rId17"/>
     <p:sldId id="323" r:id="rId18"/>
     <p:sldId id="324" r:id="rId19"/>
-    <p:sldId id="278" r:id="rId20"/>
-    <p:sldId id="291" r:id="rId21"/>
+    <p:sldId id="291" r:id="rId20"/>
+    <p:sldId id="327" r:id="rId21"/>
     <p:sldId id="293" r:id="rId22"/>
     <p:sldId id="275" r:id="rId24"/>
     <p:sldId id="276" r:id="rId25"/>
@@ -8650,8 +8650,8 @@
         </p:blipFill>
         <p:spPr>
           <a:xfrm>
-            <a:off x="1052195" y="1325880"/>
-            <a:ext cx="7325995" cy="4570095"/>
+            <a:off x="993140" y="1289050"/>
+            <a:ext cx="7385050" cy="4606925"/>
           </a:xfrm>
           <a:prstGeom prst="rect">
             <a:avLst/>
@@ -8771,8 +8771,8 @@
         </p:nvSpPr>
         <p:spPr>
           <a:xfrm>
-            <a:off x="1940560" y="469900"/>
-            <a:ext cx="9258300" cy="780415"/>
+            <a:off x="1773555" y="469900"/>
+            <a:ext cx="9425305" cy="725170"/>
           </a:xfrm>
         </p:spPr>
         <p:txBody>
@@ -8783,7 +8783,7 @@
                 <a:latin typeface="Times New Roman" panose="02020603050405020304" charset="0"/>
                 <a:cs typeface="Times New Roman" panose="02020603050405020304" charset="0"/>
               </a:rPr>
-              <a:t>Decision Tree Model-ROC Curve</a:t>
+              <a:t>Decision Tree Model(Tuned)-ROC Curve</a:t>
             </a:r>
             <a:endParaRPr lang="en-GB" altLang="en-US" sz="3200" b="1">
               <a:latin typeface="Times New Roman" panose="02020603050405020304" charset="0"/>
@@ -8818,7 +8818,7 @@
                 <a:latin typeface="Times New Roman" panose="02020603050405020304" charset="0"/>
                 <a:cs typeface="Times New Roman" panose="02020603050405020304" charset="0"/>
               </a:rPr>
-              <a:t>Decsion Tree Model</a:t>
+              <a:t>Overall Metric Score</a:t>
             </a:r>
             <a:endParaRPr lang="en-GB" altLang="en-US" sz="2000" b="1" u="sng">
               <a:latin typeface="Times New Roman" panose="02020603050405020304" charset="0"/>
@@ -9166,7 +9166,7 @@
                 <a:latin typeface="Times New Roman" panose="02020603050405020304" charset="0"/>
                 <a:cs typeface="Times New Roman" panose="02020603050405020304" charset="0"/>
               </a:rPr>
-              <a:t>Decision Tree Model</a:t>
+              <a:t>Overall Metric Score</a:t>
             </a:r>
             <a:endParaRPr lang="en-GB" altLang="en-US" sz="2000" b="1" u="sng">
               <a:latin typeface="Times New Roman" panose="02020603050405020304" charset="0"/>
@@ -9269,8 +9269,8 @@
         </p:nvSpPr>
         <p:spPr>
           <a:xfrm>
-            <a:off x="2592705" y="624205"/>
-            <a:ext cx="8911590" cy="850265"/>
+            <a:off x="1979930" y="624205"/>
+            <a:ext cx="9524365" cy="725170"/>
           </a:xfrm>
         </p:spPr>
         <p:txBody>
@@ -9282,15 +9282,91 @@
                 <a:cs typeface="Times New Roman" panose="02020603050405020304" charset="0"/>
                 <a:sym typeface="+mn-ea"/>
               </a:rPr>
-              <a:t>Random Forest(tuned)-ROC Curve</a:t>
+              <a:t>Random Forest(Tuned)-ROC Curve</a:t>
             </a:r>
             <a:endParaRPr lang="en-GB" altLang="en-US"/>
+          </a:p>
+        </p:txBody>
+      </p:sp>
+      <p:sp>
+        <p:nvSpPr>
+          <p:cNvPr id="5" name="Text Box 4"/>
+          <p:cNvSpPr txBox="1"/>
+          <p:nvPr/>
+        </p:nvSpPr>
+        <p:spPr>
+          <a:xfrm>
+            <a:off x="8458835" y="1945640"/>
+            <a:ext cx="3691890" cy="1630045"/>
+          </a:xfrm>
+          <a:prstGeom prst="rect">
+            <a:avLst/>
+          </a:prstGeom>
+          <a:noFill/>
+        </p:spPr>
+        <p:txBody>
+          <a:bodyPr wrap="square" rtlCol="0" anchor="t">
+            <a:spAutoFit/>
+          </a:bodyPr>
+          <a:p>
+            <a:r>
+              <a:rPr lang="en-GB" altLang="en-US" sz="2000" b="1" u="sng">
+                <a:latin typeface="Times New Roman" panose="02020603050405020304" charset="0"/>
+                <a:cs typeface="Times New Roman" panose="02020603050405020304" charset="0"/>
+              </a:rPr>
+              <a:t>Overall Metric Score</a:t>
+            </a:r>
+            <a:endParaRPr lang="en-GB" altLang="en-US" sz="2000" b="1" u="sng">
+              <a:latin typeface="Times New Roman" panose="02020603050405020304" charset="0"/>
+              <a:cs typeface="Times New Roman" panose="02020603050405020304" charset="0"/>
+            </a:endParaRPr>
+          </a:p>
+          <a:p>
+            <a:endParaRPr lang="en-GB" altLang="en-US" sz="2000" b="1" u="sng">
+              <a:latin typeface="Times New Roman" panose="02020603050405020304" charset="0"/>
+              <a:cs typeface="Times New Roman" panose="02020603050405020304" charset="0"/>
+            </a:endParaRPr>
+          </a:p>
+          <a:p>
+            <a:r>
+              <a:rPr lang="en-GB" altLang="en-US" sz="2000">
+                <a:latin typeface="Times New Roman" panose="02020603050405020304" charset="0"/>
+                <a:cs typeface="Times New Roman" panose="02020603050405020304" charset="0"/>
+                <a:sym typeface="+mn-ea"/>
+              </a:rPr>
+              <a:t>1.Accuracy Score = 86%</a:t>
+            </a:r>
+            <a:endParaRPr lang="en-GB" altLang="en-US" sz="2000">
+              <a:latin typeface="Times New Roman" panose="02020603050405020304" charset="0"/>
+              <a:cs typeface="Times New Roman" panose="02020603050405020304" charset="0"/>
+            </a:endParaRPr>
+          </a:p>
+          <a:p>
+            <a:endParaRPr lang="en-GB" altLang="en-US" sz="2000">
+              <a:latin typeface="Times New Roman" panose="02020603050405020304" charset="0"/>
+              <a:cs typeface="Times New Roman" panose="02020603050405020304" charset="0"/>
+            </a:endParaRPr>
+          </a:p>
+          <a:p>
+            <a:r>
+              <a:rPr lang="en-GB" altLang="en-US" sz="2000">
+                <a:latin typeface="Times New Roman" panose="02020603050405020304" charset="0"/>
+                <a:cs typeface="Times New Roman" panose="02020603050405020304" charset="0"/>
+                <a:sym typeface="+mn-ea"/>
+              </a:rPr>
+              <a:t>2. AUC = 0.92</a:t>
+            </a:r>
+            <a:endParaRPr lang="en-GB" altLang="en-US" sz="2000">
+              <a:latin typeface="Times New Roman" panose="02020603050405020304" charset="0"/>
+              <a:cs typeface="Times New Roman" panose="02020603050405020304" charset="0"/>
+              <a:sym typeface="+mn-ea"/>
+            </a:endParaRPr>
           </a:p>
         </p:txBody>
       </p:sp>
       <p:pic>
         <p:nvPicPr>
-          <p:cNvPr id="4" name="Content Placeholder 3" descr="Tuned RF ROC"/>
+          <p:cNvPr id="7" name="Content Placeholder 6" descr="Tuned RF ROC"/>
           <p:cNvPicPr>
             <a:picLocks noChangeAspect="1"/>
           </p:cNvPicPr>
@@ -9306,90 +9382,14 @@
         </p:blipFill>
         <p:spPr>
           <a:xfrm>
-            <a:off x="1980565" y="1474470"/>
-            <a:ext cx="6575425" cy="4889500"/>
+            <a:off x="1610360" y="1348740"/>
+            <a:ext cx="6755130" cy="4659630"/>
           </a:xfrm>
           <a:prstGeom prst="rect">
             <a:avLst/>
           </a:prstGeom>
         </p:spPr>
       </p:pic>
-      <p:sp>
-        <p:nvSpPr>
-          <p:cNvPr id="5" name="Text Box 4"/>
-          <p:cNvSpPr txBox="1"/>
-          <p:nvPr/>
-        </p:nvSpPr>
-        <p:spPr>
-          <a:xfrm>
-            <a:off x="8458835" y="1945640"/>
-            <a:ext cx="3691890" cy="1630045"/>
-          </a:xfrm>
-          <a:prstGeom prst="rect">
-            <a:avLst/>
-          </a:prstGeom>
-          <a:noFill/>
-        </p:spPr>
-        <p:txBody>
-          <a:bodyPr wrap="square" rtlCol="0" anchor="t">
-            <a:spAutoFit/>
-          </a:bodyPr>
-          <a:p>
-            <a:r>
-              <a:rPr lang="en-GB" altLang="en-US" sz="2000" b="1" u="sng">
-                <a:latin typeface="Times New Roman" panose="02020603050405020304" charset="0"/>
-                <a:cs typeface="Times New Roman" panose="02020603050405020304" charset="0"/>
-              </a:rPr>
-              <a:t>Overall Metric Score</a:t>
-            </a:r>
-            <a:endParaRPr lang="en-GB" altLang="en-US" sz="2000" b="1" u="sng">
-              <a:latin typeface="Times New Roman" panose="02020603050405020304" charset="0"/>
-              <a:cs typeface="Times New Roman" panose="02020603050405020304" charset="0"/>
-            </a:endParaRPr>
-          </a:p>
-          <a:p>
-            <a:endParaRPr lang="en-GB" altLang="en-US" sz="2000" b="1" u="sng">
-              <a:latin typeface="Times New Roman" panose="02020603050405020304" charset="0"/>
-              <a:cs typeface="Times New Roman" panose="02020603050405020304" charset="0"/>
-            </a:endParaRPr>
-          </a:p>
-          <a:p>
-            <a:r>
-              <a:rPr lang="en-GB" altLang="en-US" sz="2000">
-                <a:latin typeface="Times New Roman" panose="02020603050405020304" charset="0"/>
-                <a:cs typeface="Times New Roman" panose="02020603050405020304" charset="0"/>
-                <a:sym typeface="+mn-ea"/>
-              </a:rPr>
-              <a:t>1.Accuracy Score = 85%</a:t>
-            </a:r>
-            <a:endParaRPr lang="en-GB" altLang="en-US" sz="2000">
-              <a:latin typeface="Times New Roman" panose="02020603050405020304" charset="0"/>
-              <a:cs typeface="Times New Roman" panose="02020603050405020304" charset="0"/>
-            </a:endParaRPr>
-          </a:p>
-          <a:p>
-            <a:endParaRPr lang="en-GB" altLang="en-US" sz="2000">
-              <a:latin typeface="Times New Roman" panose="02020603050405020304" charset="0"/>
-              <a:cs typeface="Times New Roman" panose="02020603050405020304" charset="0"/>
-            </a:endParaRPr>
-          </a:p>
-          <a:p>
-            <a:r>
-              <a:rPr lang="en-GB" altLang="en-US" sz="2000">
-                <a:latin typeface="Times New Roman" panose="02020603050405020304" charset="0"/>
-                <a:cs typeface="Times New Roman" panose="02020603050405020304" charset="0"/>
-                <a:sym typeface="+mn-ea"/>
-              </a:rPr>
-              <a:t>2. AUC = 0.91</a:t>
-            </a:r>
-            <a:endParaRPr lang="en-GB" altLang="en-US" sz="2000">
-              <a:latin typeface="Times New Roman" panose="02020603050405020304" charset="0"/>
-              <a:cs typeface="Times New Roman" panose="02020603050405020304" charset="0"/>
-              <a:sym typeface="+mn-ea"/>
-            </a:endParaRPr>
-          </a:p>
-        </p:txBody>
-      </p:sp>
     </p:spTree>
   </p:cSld>
   <p:clrMapOvr>
@@ -9418,29 +9418,177 @@
             <p:ph type="title"/>
           </p:nvPr>
         </p:nvSpPr>
-        <p:spPr/>
+        <p:spPr>
+          <a:xfrm>
+            <a:off x="2076450" y="443865"/>
+            <a:ext cx="9427845" cy="681990"/>
+          </a:xfrm>
+        </p:spPr>
         <p:txBody>
           <a:bodyPr/>
           <a:p>
+            <a:r>
+              <a:rPr lang="en-GB" altLang="en-US" b="1">
+                <a:latin typeface="Times New Roman" panose="02020603050405020304" charset="0"/>
+                <a:cs typeface="Times New Roman" panose="02020603050405020304" charset="0"/>
+                <a:sym typeface="+mn-ea"/>
+              </a:rPr>
+              <a:t>Random Forest(Tuned)-ROC Curve</a:t>
+            </a:r>
             <a:endParaRPr lang="en-GB" altLang="en-US"/>
           </a:p>
         </p:txBody>
       </p:sp>
-      <p:sp>
-        <p:nvSpPr>
-          <p:cNvPr id="3" name="Content Placeholder 2"/>
-          <p:cNvSpPr>
-            <a:spLocks noGrp="1"/>
-          </p:cNvSpPr>
+      <p:pic>
+        <p:nvPicPr>
+          <p:cNvPr id="4" name="Content Placeholder 3" descr="Tuned RF Confusion Matrix"/>
+          <p:cNvPicPr>
+            <a:picLocks noChangeAspect="1"/>
+          </p:cNvPicPr>
           <p:nvPr>
             <p:ph idx="1"/>
           </p:nvPr>
-        </p:nvSpPr>
-        <p:spPr/>
-        <p:txBody>
-          <a:bodyPr/>
-          <a:p>
-            <a:endParaRPr lang="en-GB" altLang="en-US"/>
+        </p:nvPicPr>
+        <p:blipFill>
+          <a:blip r:embed="rId1"/>
+          <a:stretch>
+            <a:fillRect/>
+          </a:stretch>
+        </p:blipFill>
+        <p:spPr>
+          <a:xfrm>
+            <a:off x="1534795" y="1306830"/>
+            <a:ext cx="6703060" cy="4473575"/>
+          </a:xfrm>
+          <a:prstGeom prst="rect">
+            <a:avLst/>
+          </a:prstGeom>
+        </p:spPr>
+      </p:pic>
+      <p:sp>
+        <p:nvSpPr>
+          <p:cNvPr id="5" name="Text Box 4"/>
+          <p:cNvSpPr txBox="1"/>
+          <p:nvPr/>
+        </p:nvSpPr>
+        <p:spPr>
+          <a:xfrm>
+            <a:off x="8374380" y="1737995"/>
+            <a:ext cx="3580130" cy="2381250"/>
+          </a:xfrm>
+          <a:prstGeom prst="rect">
+            <a:avLst/>
+          </a:prstGeom>
+          <a:noFill/>
+        </p:spPr>
+        <p:txBody>
+          <a:bodyPr wrap="square" rtlCol="0" anchor="t">
+            <a:noAutofit/>
+          </a:bodyPr>
+          <a:p>
+            <a:r>
+              <a:rPr lang="en-GB" altLang="en-US" sz="2000" b="1">
+                <a:latin typeface="Times New Roman" panose="02020603050405020304" charset="0"/>
+                <a:cs typeface="Times New Roman" panose="02020603050405020304" charset="0"/>
+                <a:sym typeface="+mn-ea"/>
+              </a:rPr>
+              <a:t>           </a:t>
+            </a:r>
+            <a:r>
+              <a:rPr lang="en-GB" altLang="en-US" sz="2000" b="1" u="sng">
+                <a:latin typeface="Times New Roman" panose="02020603050405020304" charset="0"/>
+                <a:cs typeface="Times New Roman" panose="02020603050405020304" charset="0"/>
+                <a:sym typeface="+mn-ea"/>
+              </a:rPr>
+              <a:t>Interpretation</a:t>
+            </a:r>
+            <a:endParaRPr lang="en-GB" altLang="en-US" sz="2000" b="1" u="sng">
+              <a:latin typeface="Times New Roman" panose="02020603050405020304" charset="0"/>
+              <a:cs typeface="Times New Roman" panose="02020603050405020304" charset="0"/>
+              <a:sym typeface="+mn-ea"/>
+            </a:endParaRPr>
+          </a:p>
+          <a:p>
+            <a:endParaRPr lang="en-US" altLang="en-GB"/>
+          </a:p>
+          <a:p>
+            <a:pPr marL="285750" indent="-285750" algn="l">
+              <a:buFont typeface="Arial" panose="020B0604020202020204" pitchFamily="34" charset="0"/>
+              <a:buChar char="•"/>
+            </a:pPr>
+            <a:r>
+              <a:rPr lang="en-US" altLang="en-GB" sz="2000">
+                <a:latin typeface="Times New Roman" panose="02020603050405020304" charset="0"/>
+                <a:cs typeface="Times New Roman" panose="02020603050405020304" charset="0"/>
+                <a:sym typeface="+mn-ea"/>
+              </a:rPr>
+              <a:t>4,</a:t>
+            </a:r>
+            <a:r>
+              <a:rPr lang="en-GB" altLang="en-US" sz="2000">
+                <a:latin typeface="Times New Roman" panose="02020603050405020304" charset="0"/>
+                <a:cs typeface="Times New Roman" panose="02020603050405020304" charset="0"/>
+                <a:sym typeface="+mn-ea"/>
+              </a:rPr>
+              <a:t>318</a:t>
+            </a:r>
+            <a:r>
+              <a:rPr lang="en-US" altLang="en-GB" sz="2000">
+                <a:latin typeface="Times New Roman" panose="02020603050405020304" charset="0"/>
+                <a:cs typeface="Times New Roman" panose="02020603050405020304" charset="0"/>
+                <a:sym typeface="+mn-ea"/>
+              </a:rPr>
+              <a:t> bookings correctly predicted as non-cancellations</a:t>
+            </a:r>
+            <a:endParaRPr lang="en-US" altLang="en-GB" sz="2000">
+              <a:latin typeface="Times New Roman" panose="02020603050405020304" charset="0"/>
+              <a:cs typeface="Times New Roman" panose="02020603050405020304" charset="0"/>
+            </a:endParaRPr>
+          </a:p>
+          <a:p>
+            <a:pPr marL="285750" indent="-285750" algn="l">
+              <a:buFont typeface="Arial" panose="020B0604020202020204" pitchFamily="34" charset="0"/>
+              <a:buChar char="•"/>
+            </a:pPr>
+            <a:endParaRPr lang="en-US" altLang="en-GB" sz="2000">
+              <a:latin typeface="Times New Roman" panose="02020603050405020304" charset="0"/>
+              <a:cs typeface="Times New Roman" panose="02020603050405020304" charset="0"/>
+            </a:endParaRPr>
+          </a:p>
+          <a:p>
+            <a:pPr marL="285750" indent="-285750" algn="l">
+              <a:buFont typeface="Arial" panose="020B0604020202020204" pitchFamily="34" charset="0"/>
+              <a:buChar char="•"/>
+            </a:pPr>
+            <a:r>
+              <a:rPr lang="en-US" altLang="en-GB" sz="2000">
+                <a:latin typeface="Times New Roman" panose="02020603050405020304" charset="0"/>
+                <a:cs typeface="Times New Roman" panose="02020603050405020304" charset="0"/>
+                <a:sym typeface="+mn-ea"/>
+              </a:rPr>
+              <a:t>1,</a:t>
+            </a:r>
+            <a:r>
+              <a:rPr lang="en-GB" altLang="en-US" sz="2000">
+                <a:latin typeface="Times New Roman" panose="02020603050405020304" charset="0"/>
+                <a:cs typeface="Times New Roman" panose="02020603050405020304" charset="0"/>
+                <a:sym typeface="+mn-ea"/>
+              </a:rPr>
+              <a:t>896</a:t>
+            </a:r>
+            <a:r>
+              <a:rPr lang="en-US" altLang="en-GB" sz="2000">
+                <a:latin typeface="Times New Roman" panose="02020603050405020304" charset="0"/>
+                <a:cs typeface="Times New Roman" panose="02020603050405020304" charset="0"/>
+                <a:sym typeface="+mn-ea"/>
+              </a:rPr>
+              <a:t> bookings correctly predicted as cancellations</a:t>
+            </a:r>
+            <a:endParaRPr lang="en-US" altLang="en-GB" sz="2000">
+              <a:latin typeface="Times New Roman" panose="02020603050405020304" charset="0"/>
+              <a:cs typeface="Times New Roman" panose="02020603050405020304" charset="0"/>
+              <a:sym typeface="+mn-ea"/>
+            </a:endParaRPr>
           </a:p>
         </p:txBody>
       </p:sp>
@@ -9481,8 +9629,8 @@
         </p:nvSpPr>
         <p:spPr>
           <a:xfrm>
-            <a:off x="1655665" y="135399"/>
-            <a:ext cx="9237125" cy="661909"/>
+            <a:off x="1680211" y="482668"/>
+            <a:ext cx="10511789" cy="768922"/>
           </a:xfrm>
         </p:spPr>
         <p:txBody>
@@ -9493,7 +9641,7 @@
           <a:p>
             <a:r>
               <a:rPr lang="en-US" sz="2800" b="1" dirty="0"/>
-              <a:t>Production Budget and Revenue per Release Month</a:t>
+              <a:t>Worldwide gross performance during the review period</a:t>
             </a:r>
             <a:endParaRPr lang="en-US" sz="2800" b="1" dirty="0"/>
           </a:p>
@@ -9511,8 +9659,8 @@
         </p:nvSpPr>
         <p:spPr>
           <a:xfrm>
-            <a:off x="8263890" y="699506"/>
-            <a:ext cx="3719003" cy="3083823"/>
+            <a:off x="2777490" y="4740597"/>
+            <a:ext cx="7612380" cy="1769750"/>
           </a:xfrm>
         </p:spPr>
         <p:txBody>
@@ -9523,7 +9671,7 @@
           <a:p>
             <a:pPr>
               <a:lnSpc>
-                <a:spcPct val="110000"/>
+                <a:spcPct val="150000"/>
               </a:lnSpc>
             </a:pPr>
             <a:r>
@@ -9531,7 +9679,7 @@
                 <a:latin typeface="Arial" panose="020B0604020202020204" pitchFamily="34" charset="0"/>
                 <a:cs typeface="Arial" panose="020B0604020202020204" pitchFamily="34" charset="0"/>
               </a:rPr>
-              <a:t>June, July and December consistently show the highest worldwide gross and domestic gross.</a:t>
+              <a:t>The worldwide gross increases over the years.</a:t>
             </a:r>
             <a:endParaRPr lang="en-US" sz="2000" dirty="0">
               <a:latin typeface="Arial" panose="020B0604020202020204" pitchFamily="34" charset="0"/>
@@ -9541,7 +9689,7 @@
           <a:p>
             <a:pPr>
               <a:lnSpc>
-                <a:spcPct val="110000"/>
+                <a:spcPct val="150000"/>
               </a:lnSpc>
             </a:pPr>
             <a:r>
@@ -9549,7 +9697,7 @@
                 <a:latin typeface="Arial" panose="020B0604020202020204" pitchFamily="34" charset="0"/>
                 <a:cs typeface="Arial" panose="020B0604020202020204" pitchFamily="34" charset="0"/>
               </a:rPr>
-              <a:t>The more movies produced the more the domestic and worldwide gross (same cycle)</a:t>
+              <a:t>A plunge during the year of 2020: An event might have happened which needs further research</a:t>
             </a:r>
             <a:endParaRPr lang="en-US" sz="2000" dirty="0">
               <a:latin typeface="Arial" panose="020B0604020202020204" pitchFamily="34" charset="0"/>
@@ -9560,7 +9708,7 @@
       </p:sp>
       <p:pic>
         <p:nvPicPr>
-          <p:cNvPr id="10" name="Picture 9"/>
+          <p:cNvPr id="5" name="Picture 4"/>
           <p:cNvPicPr>
             <a:picLocks noChangeAspect="1"/>
           </p:cNvPicPr>
@@ -9574,289 +9722,8 @@
         </p:blipFill>
         <p:spPr>
           <a:xfrm>
-            <a:off x="1810861" y="3634740"/>
-            <a:ext cx="6101715" cy="2914650"/>
-          </a:xfrm>
-          <a:prstGeom prst="rect">
-            <a:avLst/>
-          </a:prstGeom>
-        </p:spPr>
-      </p:pic>
-      <p:sp>
-        <p:nvSpPr>
-          <p:cNvPr id="11" name="Content Placeholder 2"/>
-          <p:cNvSpPr txBox="1"/>
-          <p:nvPr/>
-        </p:nvSpPr>
-        <p:spPr>
-          <a:xfrm>
-            <a:off x="7912576" y="4092520"/>
-            <a:ext cx="4257992" cy="2201953"/>
-          </a:xfrm>
-          <a:prstGeom prst="rect">
-            <a:avLst/>
-          </a:prstGeom>
-        </p:spPr>
-        <p:txBody>
-          <a:bodyPr vert="horz" lIns="91440" tIns="45720" rIns="91440" bIns="45720" rtlCol="0">
-            <a:normAutofit/>
-          </a:bodyPr>
-          <a:lstStyle>
-            <a:lvl1pPr marL="342900" indent="-342900" algn="l" defTabSz="457200" rtl="0" eaLnBrk="1" latinLnBrk="0" hangingPunct="1">
-              <a:spcBef>
-                <a:spcPts val="1000"/>
-              </a:spcBef>
-              <a:spcAft>
-                <a:spcPts val="0"/>
-              </a:spcAft>
-              <a:buClr>
-                <a:schemeClr val="accent1"/>
-              </a:buClr>
-              <a:buFont typeface="Wingdings 3" charset="2"/>
-              <a:buChar char=""/>
-              <a:defRPr sz="1800" kern="1200">
-                <a:solidFill>
-                  <a:schemeClr val="tx1">
-                    <a:lumMod val="75000"/>
-                    <a:lumOff val="25000"/>
-                  </a:schemeClr>
-                </a:solidFill>
-                <a:latin typeface="+mn-lt"/>
-                <a:ea typeface="+mn-ea"/>
-                <a:cs typeface="+mn-cs"/>
-              </a:defRPr>
-            </a:lvl1pPr>
-            <a:lvl2pPr marL="742950" indent="-285750" algn="l" defTabSz="457200" rtl="0" eaLnBrk="1" latinLnBrk="0" hangingPunct="1">
-              <a:spcBef>
-                <a:spcPts val="1000"/>
-              </a:spcBef>
-              <a:spcAft>
-                <a:spcPts val="0"/>
-              </a:spcAft>
-              <a:buClr>
-                <a:schemeClr val="accent1"/>
-              </a:buClr>
-              <a:buFont typeface="Wingdings 3" charset="2"/>
-              <a:buChar char=""/>
-              <a:defRPr sz="1600" kern="1200">
-                <a:solidFill>
-                  <a:schemeClr val="tx1">
-                    <a:lumMod val="75000"/>
-                    <a:lumOff val="25000"/>
-                  </a:schemeClr>
-                </a:solidFill>
-                <a:latin typeface="+mn-lt"/>
-                <a:ea typeface="+mn-ea"/>
-                <a:cs typeface="+mn-cs"/>
-              </a:defRPr>
-            </a:lvl2pPr>
-            <a:lvl3pPr marL="1143000" indent="-228600" algn="l" defTabSz="457200" rtl="0" eaLnBrk="1" latinLnBrk="0" hangingPunct="1">
-              <a:spcBef>
-                <a:spcPts val="1000"/>
-              </a:spcBef>
-              <a:spcAft>
-                <a:spcPts val="0"/>
-              </a:spcAft>
-              <a:buClr>
-                <a:schemeClr val="accent1"/>
-              </a:buClr>
-              <a:buFont typeface="Wingdings 3" charset="2"/>
-              <a:buChar char=""/>
-              <a:defRPr sz="1400" kern="1200">
-                <a:solidFill>
-                  <a:schemeClr val="tx1">
-                    <a:lumMod val="75000"/>
-                    <a:lumOff val="25000"/>
-                  </a:schemeClr>
-                </a:solidFill>
-                <a:latin typeface="+mn-lt"/>
-                <a:ea typeface="+mn-ea"/>
-                <a:cs typeface="+mn-cs"/>
-              </a:defRPr>
-            </a:lvl3pPr>
-            <a:lvl4pPr marL="1600200" indent="-228600" algn="l" defTabSz="457200" rtl="0" eaLnBrk="1" latinLnBrk="0" hangingPunct="1">
-              <a:spcBef>
-                <a:spcPts val="1000"/>
-              </a:spcBef>
-              <a:spcAft>
-                <a:spcPts val="0"/>
-              </a:spcAft>
-              <a:buClr>
-                <a:schemeClr val="accent1"/>
-              </a:buClr>
-              <a:buFont typeface="Wingdings 3" charset="2"/>
-              <a:buChar char=""/>
-              <a:defRPr sz="1200" kern="1200">
-                <a:solidFill>
-                  <a:schemeClr val="tx1">
-                    <a:lumMod val="75000"/>
-                    <a:lumOff val="25000"/>
-                  </a:schemeClr>
-                </a:solidFill>
-                <a:latin typeface="+mn-lt"/>
-                <a:ea typeface="+mn-ea"/>
-                <a:cs typeface="+mn-cs"/>
-              </a:defRPr>
-            </a:lvl4pPr>
-            <a:lvl5pPr marL="2057400" indent="-228600" algn="l" defTabSz="457200" rtl="0" eaLnBrk="1" latinLnBrk="0" hangingPunct="1">
-              <a:spcBef>
-                <a:spcPts val="1000"/>
-              </a:spcBef>
-              <a:spcAft>
-                <a:spcPts val="0"/>
-              </a:spcAft>
-              <a:buClr>
-                <a:schemeClr val="accent1"/>
-              </a:buClr>
-              <a:buFont typeface="Wingdings 3" charset="2"/>
-              <a:buChar char=""/>
-              <a:defRPr sz="1200" kern="1200">
-                <a:solidFill>
-                  <a:schemeClr val="tx1">
-                    <a:lumMod val="75000"/>
-                    <a:lumOff val="25000"/>
-                  </a:schemeClr>
-                </a:solidFill>
-                <a:latin typeface="+mn-lt"/>
-                <a:ea typeface="+mn-ea"/>
-                <a:cs typeface="+mn-cs"/>
-              </a:defRPr>
-            </a:lvl5pPr>
-            <a:lvl6pPr marL="2514600" indent="-228600" algn="l" defTabSz="457200" rtl="0" eaLnBrk="1" latinLnBrk="0" hangingPunct="1">
-              <a:spcBef>
-                <a:spcPts val="1000"/>
-              </a:spcBef>
-              <a:spcAft>
-                <a:spcPts val="0"/>
-              </a:spcAft>
-              <a:buClr>
-                <a:schemeClr val="accent1"/>
-              </a:buClr>
-              <a:buFont typeface="Wingdings 3" charset="2"/>
-              <a:buChar char=""/>
-              <a:defRPr sz="1200" kern="1200">
-                <a:solidFill>
-                  <a:schemeClr val="tx1">
-                    <a:lumMod val="75000"/>
-                    <a:lumOff val="25000"/>
-                  </a:schemeClr>
-                </a:solidFill>
-                <a:latin typeface="+mn-lt"/>
-                <a:ea typeface="+mn-ea"/>
-                <a:cs typeface="+mn-cs"/>
-              </a:defRPr>
-            </a:lvl6pPr>
-            <a:lvl7pPr marL="2971800" indent="-228600" algn="l" defTabSz="457200" rtl="0" eaLnBrk="1" latinLnBrk="0" hangingPunct="1">
-              <a:spcBef>
-                <a:spcPts val="1000"/>
-              </a:spcBef>
-              <a:spcAft>
-                <a:spcPts val="0"/>
-              </a:spcAft>
-              <a:buClr>
-                <a:schemeClr val="accent1"/>
-              </a:buClr>
-              <a:buFont typeface="Wingdings 3" charset="2"/>
-              <a:buChar char=""/>
-              <a:defRPr sz="1200" kern="1200">
-                <a:solidFill>
-                  <a:schemeClr val="tx1">
-                    <a:lumMod val="75000"/>
-                    <a:lumOff val="25000"/>
-                  </a:schemeClr>
-                </a:solidFill>
-                <a:latin typeface="+mn-lt"/>
-                <a:ea typeface="+mn-ea"/>
-                <a:cs typeface="+mn-cs"/>
-              </a:defRPr>
-            </a:lvl7pPr>
-            <a:lvl8pPr marL="3429000" indent="-228600" algn="l" defTabSz="457200" rtl="0" eaLnBrk="1" latinLnBrk="0" hangingPunct="1">
-              <a:spcBef>
-                <a:spcPts val="1000"/>
-              </a:spcBef>
-              <a:spcAft>
-                <a:spcPts val="0"/>
-              </a:spcAft>
-              <a:buClr>
-                <a:schemeClr val="accent1"/>
-              </a:buClr>
-              <a:buFont typeface="Wingdings 3" charset="2"/>
-              <a:buChar char=""/>
-              <a:defRPr sz="1200" kern="1200">
-                <a:solidFill>
-                  <a:schemeClr val="tx1">
-                    <a:lumMod val="75000"/>
-                    <a:lumOff val="25000"/>
-                  </a:schemeClr>
-                </a:solidFill>
-                <a:latin typeface="+mn-lt"/>
-                <a:ea typeface="+mn-ea"/>
-                <a:cs typeface="+mn-cs"/>
-              </a:defRPr>
-            </a:lvl8pPr>
-            <a:lvl9pPr marL="3886200" indent="-228600" algn="l" defTabSz="457200" rtl="0" eaLnBrk="1" latinLnBrk="0" hangingPunct="1">
-              <a:spcBef>
-                <a:spcPts val="1000"/>
-              </a:spcBef>
-              <a:spcAft>
-                <a:spcPts val="0"/>
-              </a:spcAft>
-              <a:buClr>
-                <a:schemeClr val="accent1"/>
-              </a:buClr>
-              <a:buFont typeface="Wingdings 3" charset="2"/>
-              <a:buChar char=""/>
-              <a:defRPr sz="1200" kern="1200">
-                <a:solidFill>
-                  <a:schemeClr val="tx1">
-                    <a:lumMod val="75000"/>
-                    <a:lumOff val="25000"/>
-                  </a:schemeClr>
-                </a:solidFill>
-                <a:latin typeface="+mn-lt"/>
-                <a:ea typeface="+mn-ea"/>
-                <a:cs typeface="+mn-cs"/>
-              </a:defRPr>
-            </a:lvl9pPr>
-          </a:lstStyle>
-          <a:p>
-            <a:pPr>
-              <a:lnSpc>
-                <a:spcPct val="150000"/>
-              </a:lnSpc>
-            </a:pPr>
-            <a:r>
-              <a:rPr lang="en-US" sz="2000" dirty="0">
-                <a:latin typeface="Arial" panose="020B0604020202020204" pitchFamily="34" charset="0"/>
-                <a:cs typeface="Arial" panose="020B0604020202020204" pitchFamily="34" charset="0"/>
-              </a:rPr>
-              <a:t>The data shows more movies are released during the month of December and the revenue shoots up.</a:t>
-            </a:r>
-            <a:endParaRPr lang="en-US" sz="2000" dirty="0">
-              <a:latin typeface="Arial" panose="020B0604020202020204" pitchFamily="34" charset="0"/>
-              <a:cs typeface="Arial" panose="020B0604020202020204" pitchFamily="34" charset="0"/>
-            </a:endParaRPr>
-          </a:p>
-        </p:txBody>
-      </p:sp>
-      <p:pic>
-        <p:nvPicPr>
-          <p:cNvPr id="12" name="Picture 11"/>
-          <p:cNvPicPr>
-            <a:picLocks noChangeAspect="1"/>
-          </p:cNvPicPr>
-          <p:nvPr/>
-        </p:nvPicPr>
-        <p:blipFill>
-          <a:blip r:embed="rId2"/>
-          <a:stretch>
-            <a:fillRect/>
-          </a:stretch>
-        </p:blipFill>
-        <p:spPr>
-          <a:xfrm>
-            <a:off x="1810861" y="699506"/>
-            <a:ext cx="6101715" cy="2828908"/>
+            <a:off x="1967865" y="1081806"/>
+            <a:ext cx="9084945" cy="3828576"/>
           </a:xfrm>
           <a:prstGeom prst="rect">
             <a:avLst/>
@@ -9880,14 +9747,7 @@
         <p:cNvGrpSpPr/>
         <p:nvPr/>
       </p:nvGrpSpPr>
-      <p:grpSpPr>
-        <a:xfrm>
-          <a:off x="0" y="0"/>
-          <a:ext cx="0" cy="0"/>
-          <a:chOff x="0" y="0"/>
-          <a:chExt cx="0" cy="0"/>
-        </a:xfrm>
-      </p:grpSpPr>
+      <p:grpSpPr/>
       <p:sp>
         <p:nvSpPr>
           <p:cNvPr id="2" name="Title 1"/>
@@ -9900,90 +9760,129 @@
         </p:nvSpPr>
         <p:spPr>
           <a:xfrm>
-            <a:off x="1680211" y="482668"/>
-            <a:ext cx="10511789" cy="768922"/>
-          </a:xfrm>
-        </p:spPr>
-        <p:txBody>
-          <a:bodyPr>
+            <a:off x="1701800" y="374650"/>
+            <a:ext cx="9802495" cy="766445"/>
+          </a:xfrm>
+        </p:spPr>
+        <p:txBody>
+          <a:bodyPr/>
+          <a:p>
+            <a:r>
+              <a:rPr lang="en-GB" altLang="en-US" sz="3200" b="1">
+                <a:latin typeface="Times New Roman" panose="02020603050405020304" charset="0"/>
+                <a:cs typeface="Times New Roman" panose="02020603050405020304" charset="0"/>
+              </a:rPr>
+              <a:t>Combined ROC Curves-All Models</a:t>
+            </a:r>
+            <a:endParaRPr lang="en-GB" altLang="en-US" sz="3200" b="1">
+              <a:latin typeface="Times New Roman" panose="02020603050405020304" charset="0"/>
+              <a:cs typeface="Times New Roman" panose="02020603050405020304" charset="0"/>
+            </a:endParaRPr>
+          </a:p>
+        </p:txBody>
+      </p:sp>
+      <p:sp>
+        <p:nvSpPr>
+          <p:cNvPr id="5" name="Text Box 4"/>
+          <p:cNvSpPr txBox="1"/>
+          <p:nvPr/>
+        </p:nvSpPr>
+        <p:spPr>
+          <a:xfrm>
+            <a:off x="8333740" y="1945640"/>
+            <a:ext cx="3816985" cy="1960245"/>
+          </a:xfrm>
+          <a:prstGeom prst="rect">
+            <a:avLst/>
+          </a:prstGeom>
+          <a:noFill/>
+        </p:spPr>
+        <p:txBody>
+          <a:bodyPr wrap="square" rtlCol="0" anchor="t">
             <a:noAutofit/>
           </a:bodyPr>
-          <a:lstStyle/>
-          <a:p>
-            <a:r>
-              <a:rPr lang="en-US" sz="2800" b="1" dirty="0"/>
-              <a:t>Worldwide gross performance during the review period</a:t>
-            </a:r>
-            <a:endParaRPr lang="en-US" sz="2800" b="1" dirty="0"/>
-          </a:p>
-        </p:txBody>
-      </p:sp>
-      <p:sp>
-        <p:nvSpPr>
-          <p:cNvPr id="3" name="Content Placeholder 2"/>
-          <p:cNvSpPr>
-            <a:spLocks noGrp="1"/>
-          </p:cNvSpPr>
-          <p:nvPr>
-            <p:ph idx="1"/>
-          </p:nvPr>
-        </p:nvSpPr>
-        <p:spPr>
-          <a:xfrm>
-            <a:off x="2777490" y="4740597"/>
-            <a:ext cx="7612380" cy="1769750"/>
-          </a:xfrm>
-        </p:spPr>
-        <p:txBody>
-          <a:bodyPr>
-            <a:normAutofit/>
-          </a:bodyPr>
-          <a:lstStyle/>
-          <a:p>
-            <a:pPr>
-              <a:lnSpc>
-                <a:spcPct val="150000"/>
-              </a:lnSpc>
-            </a:pPr>
-            <a:r>
-              <a:rPr lang="en-US" sz="2000" dirty="0">
-                <a:latin typeface="Arial" panose="020B0604020202020204" pitchFamily="34" charset="0"/>
-                <a:cs typeface="Arial" panose="020B0604020202020204" pitchFamily="34" charset="0"/>
-              </a:rPr>
-              <a:t>The worldwide gross increases over the years.</a:t>
-            </a:r>
-            <a:endParaRPr lang="en-US" sz="2000" dirty="0">
-              <a:latin typeface="Arial" panose="020B0604020202020204" pitchFamily="34" charset="0"/>
-              <a:cs typeface="Arial" panose="020B0604020202020204" pitchFamily="34" charset="0"/>
+          <a:p>
+            <a:r>
+              <a:rPr lang="en-GB" altLang="en-US" sz="2000" b="1" u="sng">
+                <a:latin typeface="Times New Roman" panose="02020603050405020304" charset="0"/>
+                <a:cs typeface="Times New Roman" panose="02020603050405020304" charset="0"/>
+              </a:rPr>
+              <a:t>Best Performing Model</a:t>
+            </a:r>
+            <a:endParaRPr lang="en-GB" altLang="en-US" sz="2000" b="1" u="sng">
+              <a:latin typeface="Times New Roman" panose="02020603050405020304" charset="0"/>
+              <a:cs typeface="Times New Roman" panose="02020603050405020304" charset="0"/>
             </a:endParaRPr>
           </a:p>
           <a:p>
-            <a:pPr>
-              <a:lnSpc>
-                <a:spcPct val="150000"/>
-              </a:lnSpc>
-            </a:pPr>
-            <a:r>
-              <a:rPr lang="en-US" sz="2000" dirty="0">
-                <a:latin typeface="Arial" panose="020B0604020202020204" pitchFamily="34" charset="0"/>
-                <a:cs typeface="Arial" panose="020B0604020202020204" pitchFamily="34" charset="0"/>
-              </a:rPr>
-              <a:t>A plunge during the year of 2020: An event might have happened which needs further research</a:t>
-            </a:r>
-            <a:endParaRPr lang="en-US" sz="2000" dirty="0">
-              <a:latin typeface="Arial" panose="020B0604020202020204" pitchFamily="34" charset="0"/>
-              <a:cs typeface="Arial" panose="020B0604020202020204" pitchFamily="34" charset="0"/>
+            <a:endParaRPr lang="en-GB" altLang="en-US" sz="2000" b="1" u="sng">
+              <a:latin typeface="Times New Roman" panose="02020603050405020304" charset="0"/>
+              <a:cs typeface="Times New Roman" panose="02020603050405020304" charset="0"/>
+            </a:endParaRPr>
+          </a:p>
+          <a:p>
+            <a:r>
+              <a:rPr lang="en-GB" altLang="en-US" sz="2000">
+                <a:latin typeface="Times New Roman" panose="02020603050405020304" charset="0"/>
+                <a:cs typeface="Times New Roman" panose="02020603050405020304" charset="0"/>
+                <a:sym typeface="+mn-ea"/>
+              </a:rPr>
+              <a:t>Tuned Random Forest Model with:</a:t>
+            </a:r>
+            <a:endParaRPr lang="en-GB" altLang="en-US" sz="2000">
+              <a:latin typeface="Times New Roman" panose="02020603050405020304" charset="0"/>
+              <a:cs typeface="Times New Roman" panose="02020603050405020304" charset="0"/>
+              <a:sym typeface="+mn-ea"/>
+            </a:endParaRPr>
+          </a:p>
+          <a:p>
+            <a:r>
+              <a:rPr lang="en-GB" altLang="en-US" sz="2000">
+                <a:latin typeface="Times New Roman" panose="02020603050405020304" charset="0"/>
+                <a:cs typeface="Times New Roman" panose="02020603050405020304" charset="0"/>
+                <a:sym typeface="+mn-ea"/>
+              </a:rPr>
+              <a:t>1. Accuracy Score = 86%</a:t>
+            </a:r>
+            <a:endParaRPr lang="en-GB" altLang="en-US" sz="2000">
+              <a:latin typeface="Times New Roman" panose="02020603050405020304" charset="0"/>
+              <a:cs typeface="Times New Roman" panose="02020603050405020304" charset="0"/>
+              <a:sym typeface="+mn-ea"/>
+            </a:endParaRPr>
+          </a:p>
+          <a:p>
+            <a:endParaRPr lang="en-GB" altLang="en-US" sz="2000">
+              <a:latin typeface="Times New Roman" panose="02020603050405020304" charset="0"/>
+              <a:cs typeface="Times New Roman" panose="02020603050405020304" charset="0"/>
+              <a:sym typeface="+mn-ea"/>
+            </a:endParaRPr>
+          </a:p>
+          <a:p>
+            <a:r>
+              <a:rPr lang="en-GB" altLang="en-US" sz="2000">
+                <a:latin typeface="Times New Roman" panose="02020603050405020304" charset="0"/>
+                <a:cs typeface="Times New Roman" panose="02020603050405020304" charset="0"/>
+                <a:sym typeface="+mn-ea"/>
+              </a:rPr>
+              <a:t>2. AUC  = 0.92</a:t>
+            </a:r>
+            <a:endParaRPr lang="en-GB" altLang="en-US" sz="2000">
+              <a:latin typeface="Times New Roman" panose="02020603050405020304" charset="0"/>
+              <a:cs typeface="Times New Roman" panose="02020603050405020304" charset="0"/>
+              <a:sym typeface="+mn-ea"/>
             </a:endParaRPr>
           </a:p>
         </p:txBody>
       </p:sp>
       <p:pic>
         <p:nvPicPr>
-          <p:cNvPr id="5" name="Picture 4"/>
+          <p:cNvPr id="4" name="Content Placeholder 3" descr="All curves"/>
           <p:cNvPicPr>
             <a:picLocks noChangeAspect="1"/>
           </p:cNvPicPr>
-          <p:nvPr/>
+          <p:nvPr>
+            <p:ph idx="1"/>
+          </p:nvPr>
         </p:nvPicPr>
         <p:blipFill>
           <a:blip r:embed="rId1"/>
@@ -9993,8 +9892,8 @@
         </p:blipFill>
         <p:spPr>
           <a:xfrm>
-            <a:off x="1967865" y="1081806"/>
-            <a:ext cx="9084945" cy="3828576"/>
+            <a:off x="1522095" y="1238250"/>
+            <a:ext cx="6811010" cy="4881245"/>
           </a:xfrm>
           <a:prstGeom prst="rect">
             <a:avLst/>

--- a/Presentation.pptx
+++ b/Presentation.pptx
@@ -5,7 +5,7 @@
     <p:sldMasterId id="2147483648" r:id="rId1"/>
   </p:sldMasterIdLst>
   <p:notesMasterIdLst>
-    <p:notesMasterId r:id="rId23"/>
+    <p:notesMasterId r:id="rId25"/>
   </p:notesMasterIdLst>
   <p:sldIdLst>
     <p:sldId id="256" r:id="rId3"/>
@@ -25,24 +25,11 @@
     <p:sldId id="325" r:id="rId17"/>
     <p:sldId id="323" r:id="rId18"/>
     <p:sldId id="324" r:id="rId19"/>
-    <p:sldId id="291" r:id="rId20"/>
-    <p:sldId id="327" r:id="rId21"/>
-    <p:sldId id="293" r:id="rId22"/>
-    <p:sldId id="275" r:id="rId24"/>
-    <p:sldId id="276" r:id="rId25"/>
-    <p:sldId id="288" r:id="rId26"/>
-    <p:sldId id="290" r:id="rId27"/>
-    <p:sldId id="272" r:id="rId28"/>
-    <p:sldId id="271" r:id="rId29"/>
-    <p:sldId id="283" r:id="rId30"/>
-    <p:sldId id="286" r:id="rId31"/>
-    <p:sldId id="262" r:id="rId32"/>
-    <p:sldId id="295" r:id="rId33"/>
-    <p:sldId id="296" r:id="rId34"/>
-    <p:sldId id="263" r:id="rId35"/>
-    <p:sldId id="297" r:id="rId36"/>
-    <p:sldId id="298" r:id="rId37"/>
-    <p:sldId id="264" r:id="rId38"/>
+    <p:sldId id="327" r:id="rId20"/>
+    <p:sldId id="263" r:id="rId21"/>
+    <p:sldId id="298" r:id="rId22"/>
+    <p:sldId id="264" r:id="rId23"/>
+    <p:sldId id="297" r:id="rId24"/>
   </p:sldIdLst>
   <p:sldSz cx="12192000" cy="6858000"/>
   <p:notesSz cx="6858000" cy="9144000"/>
@@ -489,84 +476,6 @@
     </a:lvl9pPr>
   </p:notesStyle>
 </p:notesMaster>
-</file>
-
-<file path=ppt/notesSlides/notesSlide1.xml><?xml version="1.0" encoding="utf-8"?>
-<p:notes xmlns:a="http://schemas.openxmlformats.org/drawingml/2006/main" xmlns:r="http://schemas.openxmlformats.org/officeDocument/2006/relationships" xmlns:p="http://schemas.openxmlformats.org/presentationml/2006/main">
-  <p:cSld>
-    <p:spTree>
-      <p:nvGrpSpPr>
-        <p:cNvPr id="1" name=""/>
-        <p:cNvGrpSpPr/>
-        <p:nvPr/>
-      </p:nvGrpSpPr>
-      <p:grpSpPr>
-        <a:xfrm>
-          <a:off x="0" y="0"/>
-          <a:ext cx="0" cy="0"/>
-          <a:chOff x="0" y="0"/>
-          <a:chExt cx="0" cy="0"/>
-        </a:xfrm>
-      </p:grpSpPr>
-      <p:sp>
-        <p:nvSpPr>
-          <p:cNvPr id="2" name="Slide Image Placeholder 1"/>
-          <p:cNvSpPr>
-            <a:spLocks noGrp="1" noRot="1" noChangeAspect="1"/>
-          </p:cNvSpPr>
-          <p:nvPr>
-            <p:ph type="sldImg"/>
-          </p:nvPr>
-        </p:nvSpPr>
-        <p:spPr/>
-      </p:sp>
-      <p:sp>
-        <p:nvSpPr>
-          <p:cNvPr id="3" name="Notes Placeholder 2"/>
-          <p:cNvSpPr>
-            <a:spLocks noGrp="1"/>
-          </p:cNvSpPr>
-          <p:nvPr>
-            <p:ph type="body" idx="1"/>
-          </p:nvPr>
-        </p:nvSpPr>
-        <p:spPr/>
-        <p:txBody>
-          <a:bodyPr/>
-          <a:lstStyle/>
-          <a:p>
-            <a:endParaRPr lang="en-US" dirty="0"/>
-          </a:p>
-        </p:txBody>
-      </p:sp>
-      <p:sp>
-        <p:nvSpPr>
-          <p:cNvPr id="4" name="Slide Number Placeholder 3"/>
-          <p:cNvSpPr>
-            <a:spLocks noGrp="1"/>
-          </p:cNvSpPr>
-          <p:nvPr>
-            <p:ph type="sldNum" sz="quarter" idx="5"/>
-          </p:nvPr>
-        </p:nvSpPr>
-        <p:spPr/>
-        <p:txBody>
-          <a:bodyPr/>
-          <a:lstStyle/>
-          <a:p>
-            <a:fld id="{0B9C1882-B51B-47CE-AE16-9C54ACE2EA32}" type="slidenum">
-              <a:rPr lang="en-US" smtClean="0"/>
-            </a:fld>
-            <a:endParaRPr lang="en-US"/>
-          </a:p>
-        </p:txBody>
-      </p:sp>
-    </p:spTree>
-  </p:cSld>
-  <p:clrMapOvr>
-    <a:masterClrMapping/>
-  </p:clrMapOvr>
-</p:notes>
 </file>
 
 <file path=ppt/slideLayouts/slideLayout1.xml><?xml version="1.0" encoding="utf-8"?>
@@ -8115,8 +8024,8 @@
         </p:nvSpPr>
         <p:spPr>
           <a:xfrm>
-            <a:off x="1412875" y="3337560"/>
-            <a:ext cx="9255125" cy="1530350"/>
+            <a:off x="1941830" y="2572385"/>
+            <a:ext cx="8726170" cy="1975485"/>
           </a:xfrm>
         </p:spPr>
         <p:txBody>
@@ -8127,20 +8036,20 @@
           <a:p>
             <a:pPr algn="ctr"/>
             <a:r>
-              <a:rPr lang="en-GB" altLang="en-US" sz="2000" dirty="0">
+              <a:rPr lang="en-GB" altLang="en-US" sz="2000" b="1" dirty="0">
                 <a:latin typeface="Arial" panose="020B0604020202020204" pitchFamily="34" charset="0"/>
                 <a:cs typeface="Arial" panose="020B0604020202020204" pitchFamily="34" charset="0"/>
               </a:rPr>
-              <a:t>Project Owner: JAMES WACHIRA MUTHEE</a:t>
-            </a:r>
-            <a:endParaRPr lang="en-GB" altLang="en-US" sz="2000" dirty="0">
+              <a:t> Project Owner: JAMES WACHIRA MUTHEE</a:t>
+            </a:r>
+            <a:endParaRPr lang="en-GB" altLang="en-US" sz="2000" b="1" dirty="0">
               <a:latin typeface="Arial" panose="020B0604020202020204" pitchFamily="34" charset="0"/>
               <a:cs typeface="Arial" panose="020B0604020202020204" pitchFamily="34" charset="0"/>
             </a:endParaRPr>
           </a:p>
           <a:p>
             <a:pPr algn="ctr"/>
-            <a:endParaRPr lang="en-GB" altLang="en-US" sz="2000" dirty="0">
+            <a:endParaRPr lang="en-GB" altLang="en-US" sz="2000" b="1" dirty="0">
               <a:latin typeface="Arial" panose="020B0604020202020204" pitchFamily="34" charset="0"/>
               <a:cs typeface="Arial" panose="020B0604020202020204" pitchFamily="34" charset="0"/>
             </a:endParaRPr>
@@ -8148,13 +8057,13 @@
           <a:p>
             <a:pPr algn="ctr"/>
             <a:r>
-              <a:rPr lang="en-GB" altLang="en-US" sz="2000" dirty="0">
+              <a:rPr lang="en-GB" altLang="en-US" sz="2000" b="1" dirty="0">
                 <a:latin typeface="Arial" panose="020B0604020202020204" pitchFamily="34" charset="0"/>
                 <a:cs typeface="Arial" panose="020B0604020202020204" pitchFamily="34" charset="0"/>
               </a:rPr>
               <a:t>Technical Mentor: DANIEL EKALE</a:t>
             </a:r>
-            <a:endParaRPr lang="en-GB" altLang="en-US" sz="2000" dirty="0">
+            <a:endParaRPr lang="en-GB" altLang="en-US" sz="2000" b="1" dirty="0">
               <a:latin typeface="Arial" panose="020B0604020202020204" pitchFamily="34" charset="0"/>
               <a:cs typeface="Arial" panose="020B0604020202020204" pitchFamily="34" charset="0"/>
             </a:endParaRPr>
@@ -8170,7 +8079,7 @@
         <p:spPr>
           <a:xfrm>
             <a:off x="2114549" y="1600200"/>
-            <a:ext cx="9573927" cy="645160"/>
+            <a:ext cx="9573927" cy="583565"/>
           </a:xfrm>
           <a:prstGeom prst="rect">
             <a:avLst/>
@@ -8185,7 +8094,7 @@
           <a:p>
             <a:pPr algn="ctr"/>
             <a:r>
-              <a:rPr lang="en-US" sz="3600" dirty="0">
+              <a:rPr lang="en-US" sz="3200" dirty="0">
                 <a:ln w="0"/>
                 <a:solidFill>
                   <a:schemeClr val="accent1"/>
@@ -8197,11 +8106,13 @@
                     </a:srgbClr>
                   </a:outerShdw>
                 </a:effectLst>
+                <a:latin typeface="Times New Roman" panose="02020603050405020304" charset="0"/>
+                <a:cs typeface="Times New Roman" panose="02020603050405020304" charset="0"/>
               </a:rPr>
               <a:t>DSF-PT08: </a:t>
             </a:r>
             <a:r>
-              <a:rPr lang="en-GB" altLang="en-US" sz="3600" dirty="0">
+              <a:rPr lang="en-GB" altLang="en-US" sz="3200" dirty="0">
                 <a:ln w="0"/>
                 <a:solidFill>
                   <a:schemeClr val="accent1"/>
@@ -8213,10 +8124,12 @@
                     </a:srgbClr>
                   </a:outerShdw>
                 </a:effectLst>
+                <a:latin typeface="Times New Roman" panose="02020603050405020304" charset="0"/>
+                <a:cs typeface="Times New Roman" panose="02020603050405020304" charset="0"/>
               </a:rPr>
               <a:t>Final Project Submission</a:t>
             </a:r>
-            <a:endParaRPr lang="en-GB" altLang="en-US" sz="3600" dirty="0">
+            <a:endParaRPr lang="en-GB" altLang="en-US" sz="3200" dirty="0">
               <a:ln w="0"/>
               <a:solidFill>
                 <a:schemeClr val="accent1"/>
@@ -8228,6 +8141,8 @@
                   </a:srgbClr>
                 </a:outerShdw>
               </a:effectLst>
+              <a:latin typeface="Times New Roman" panose="02020603050405020304" charset="0"/>
+              <a:cs typeface="Times New Roman" panose="02020603050405020304" charset="0"/>
             </a:endParaRPr>
           </a:p>
         </p:txBody>
@@ -9609,14 +9524,7 @@
         <p:cNvGrpSpPr/>
         <p:nvPr/>
       </p:nvGrpSpPr>
-      <p:grpSpPr>
-        <a:xfrm>
-          <a:off x="0" y="0"/>
-          <a:ext cx="0" cy="0"/>
-          <a:chOff x="0" y="0"/>
-          <a:chExt cx="0" cy="0"/>
-        </a:xfrm>
-      </p:grpSpPr>
+      <p:grpSpPr/>
       <p:sp>
         <p:nvSpPr>
           <p:cNvPr id="2" name="Title 1"/>
@@ -9629,90 +9537,129 @@
         </p:nvSpPr>
         <p:spPr>
           <a:xfrm>
-            <a:off x="1680211" y="482668"/>
-            <a:ext cx="10511789" cy="768922"/>
+            <a:off x="1701800" y="374650"/>
+            <a:ext cx="9802495" cy="766445"/>
           </a:xfrm>
         </p:spPr>
         <p:txBody>
-          <a:bodyPr>
+          <a:bodyPr/>
+          <a:p>
+            <a:r>
+              <a:rPr lang="en-GB" altLang="en-US" sz="3200" b="1">
+                <a:latin typeface="Times New Roman" panose="02020603050405020304" charset="0"/>
+                <a:cs typeface="Times New Roman" panose="02020603050405020304" charset="0"/>
+              </a:rPr>
+              <a:t>Combined ROC Curves-All Models</a:t>
+            </a:r>
+            <a:endParaRPr lang="en-GB" altLang="en-US" sz="3200" b="1">
+              <a:latin typeface="Times New Roman" panose="02020603050405020304" charset="0"/>
+              <a:cs typeface="Times New Roman" panose="02020603050405020304" charset="0"/>
+            </a:endParaRPr>
+          </a:p>
+        </p:txBody>
+      </p:sp>
+      <p:sp>
+        <p:nvSpPr>
+          <p:cNvPr id="5" name="Text Box 4"/>
+          <p:cNvSpPr txBox="1"/>
+          <p:nvPr/>
+        </p:nvSpPr>
+        <p:spPr>
+          <a:xfrm>
+            <a:off x="8333740" y="1945640"/>
+            <a:ext cx="3816985" cy="1960245"/>
+          </a:xfrm>
+          <a:prstGeom prst="rect">
+            <a:avLst/>
+          </a:prstGeom>
+          <a:noFill/>
+        </p:spPr>
+        <p:txBody>
+          <a:bodyPr wrap="square" rtlCol="0" anchor="t">
             <a:noAutofit/>
           </a:bodyPr>
-          <a:lstStyle/>
-          <a:p>
-            <a:r>
-              <a:rPr lang="en-US" sz="2800" b="1" dirty="0"/>
-              <a:t>Worldwide gross performance during the review period</a:t>
-            </a:r>
-            <a:endParaRPr lang="en-US" sz="2800" b="1" dirty="0"/>
-          </a:p>
-        </p:txBody>
-      </p:sp>
-      <p:sp>
-        <p:nvSpPr>
-          <p:cNvPr id="3" name="Content Placeholder 2"/>
-          <p:cNvSpPr>
-            <a:spLocks noGrp="1"/>
-          </p:cNvSpPr>
-          <p:nvPr>
-            <p:ph idx="1"/>
-          </p:nvPr>
-        </p:nvSpPr>
-        <p:spPr>
-          <a:xfrm>
-            <a:off x="2777490" y="4740597"/>
-            <a:ext cx="7612380" cy="1769750"/>
-          </a:xfrm>
-        </p:spPr>
-        <p:txBody>
-          <a:bodyPr>
-            <a:normAutofit/>
-          </a:bodyPr>
-          <a:lstStyle/>
-          <a:p>
-            <a:pPr>
-              <a:lnSpc>
-                <a:spcPct val="150000"/>
-              </a:lnSpc>
-            </a:pPr>
-            <a:r>
-              <a:rPr lang="en-US" sz="2000" dirty="0">
-                <a:latin typeface="Arial" panose="020B0604020202020204" pitchFamily="34" charset="0"/>
-                <a:cs typeface="Arial" panose="020B0604020202020204" pitchFamily="34" charset="0"/>
-              </a:rPr>
-              <a:t>The worldwide gross increases over the years.</a:t>
-            </a:r>
-            <a:endParaRPr lang="en-US" sz="2000" dirty="0">
-              <a:latin typeface="Arial" panose="020B0604020202020204" pitchFamily="34" charset="0"/>
-              <a:cs typeface="Arial" panose="020B0604020202020204" pitchFamily="34" charset="0"/>
+          <a:p>
+            <a:r>
+              <a:rPr lang="en-GB" altLang="en-US" sz="2000" b="1" u="sng">
+                <a:latin typeface="Times New Roman" panose="02020603050405020304" charset="0"/>
+                <a:cs typeface="Times New Roman" panose="02020603050405020304" charset="0"/>
+              </a:rPr>
+              <a:t>Best Performing Model</a:t>
+            </a:r>
+            <a:endParaRPr lang="en-GB" altLang="en-US" sz="2000" b="1" u="sng">
+              <a:latin typeface="Times New Roman" panose="02020603050405020304" charset="0"/>
+              <a:cs typeface="Times New Roman" panose="02020603050405020304" charset="0"/>
             </a:endParaRPr>
           </a:p>
           <a:p>
-            <a:pPr>
-              <a:lnSpc>
-                <a:spcPct val="150000"/>
-              </a:lnSpc>
-            </a:pPr>
-            <a:r>
-              <a:rPr lang="en-US" sz="2000" dirty="0">
-                <a:latin typeface="Arial" panose="020B0604020202020204" pitchFamily="34" charset="0"/>
-                <a:cs typeface="Arial" panose="020B0604020202020204" pitchFamily="34" charset="0"/>
-              </a:rPr>
-              <a:t>A plunge during the year of 2020: An event might have happened which needs further research</a:t>
-            </a:r>
-            <a:endParaRPr lang="en-US" sz="2000" dirty="0">
-              <a:latin typeface="Arial" panose="020B0604020202020204" pitchFamily="34" charset="0"/>
-              <a:cs typeface="Arial" panose="020B0604020202020204" pitchFamily="34" charset="0"/>
+            <a:endParaRPr lang="en-GB" altLang="en-US" sz="2000" b="1" u="sng">
+              <a:latin typeface="Times New Roman" panose="02020603050405020304" charset="0"/>
+              <a:cs typeface="Times New Roman" panose="02020603050405020304" charset="0"/>
+            </a:endParaRPr>
+          </a:p>
+          <a:p>
+            <a:r>
+              <a:rPr lang="en-GB" altLang="en-US" sz="2000">
+                <a:latin typeface="Times New Roman" panose="02020603050405020304" charset="0"/>
+                <a:cs typeface="Times New Roman" panose="02020603050405020304" charset="0"/>
+                <a:sym typeface="+mn-ea"/>
+              </a:rPr>
+              <a:t>Tuned Random Forest Model with:</a:t>
+            </a:r>
+            <a:endParaRPr lang="en-GB" altLang="en-US" sz="2000">
+              <a:latin typeface="Times New Roman" panose="02020603050405020304" charset="0"/>
+              <a:cs typeface="Times New Roman" panose="02020603050405020304" charset="0"/>
+              <a:sym typeface="+mn-ea"/>
+            </a:endParaRPr>
+          </a:p>
+          <a:p>
+            <a:r>
+              <a:rPr lang="en-GB" altLang="en-US" sz="2000">
+                <a:latin typeface="Times New Roman" panose="02020603050405020304" charset="0"/>
+                <a:cs typeface="Times New Roman" panose="02020603050405020304" charset="0"/>
+                <a:sym typeface="+mn-ea"/>
+              </a:rPr>
+              <a:t>1. Accuracy Score = 86%</a:t>
+            </a:r>
+            <a:endParaRPr lang="en-GB" altLang="en-US" sz="2000">
+              <a:latin typeface="Times New Roman" panose="02020603050405020304" charset="0"/>
+              <a:cs typeface="Times New Roman" panose="02020603050405020304" charset="0"/>
+              <a:sym typeface="+mn-ea"/>
+            </a:endParaRPr>
+          </a:p>
+          <a:p>
+            <a:endParaRPr lang="en-GB" altLang="en-US" sz="2000">
+              <a:latin typeface="Times New Roman" panose="02020603050405020304" charset="0"/>
+              <a:cs typeface="Times New Roman" panose="02020603050405020304" charset="0"/>
+              <a:sym typeface="+mn-ea"/>
+            </a:endParaRPr>
+          </a:p>
+          <a:p>
+            <a:r>
+              <a:rPr lang="en-GB" altLang="en-US" sz="2000">
+                <a:latin typeface="Times New Roman" panose="02020603050405020304" charset="0"/>
+                <a:cs typeface="Times New Roman" panose="02020603050405020304" charset="0"/>
+                <a:sym typeface="+mn-ea"/>
+              </a:rPr>
+              <a:t>2. AUC  = 0.92</a:t>
+            </a:r>
+            <a:endParaRPr lang="en-GB" altLang="en-US" sz="2000">
+              <a:latin typeface="Times New Roman" panose="02020603050405020304" charset="0"/>
+              <a:cs typeface="Times New Roman" panose="02020603050405020304" charset="0"/>
+              <a:sym typeface="+mn-ea"/>
             </a:endParaRPr>
           </a:p>
         </p:txBody>
       </p:sp>
       <p:pic>
         <p:nvPicPr>
-          <p:cNvPr id="5" name="Picture 4"/>
+          <p:cNvPr id="4" name="Content Placeholder 3" descr="All curves"/>
           <p:cNvPicPr>
             <a:picLocks noChangeAspect="1"/>
           </p:cNvPicPr>
-          <p:nvPr/>
+          <p:nvPr>
+            <p:ph idx="1"/>
+          </p:nvPr>
         </p:nvPicPr>
         <p:blipFill>
           <a:blip r:embed="rId1"/>
@@ -9722,8 +9669,8 @@
         </p:blipFill>
         <p:spPr>
           <a:xfrm>
-            <a:off x="1967865" y="1081806"/>
-            <a:ext cx="9084945" cy="3828576"/>
+            <a:off x="1522095" y="1238250"/>
+            <a:ext cx="6811010" cy="4881245"/>
           </a:xfrm>
           <a:prstGeom prst="rect">
             <a:avLst/>
@@ -9747,7 +9694,14 @@
         <p:cNvGrpSpPr/>
         <p:nvPr/>
       </p:nvGrpSpPr>
-      <p:grpSpPr/>
+      <p:grpSpPr>
+        <a:xfrm>
+          <a:off x="0" y="0"/>
+          <a:ext cx="0" cy="0"/>
+          <a:chOff x="0" y="0"/>
+          <a:chExt cx="0" cy="0"/>
+        </a:xfrm>
+      </p:grpSpPr>
       <p:sp>
         <p:nvSpPr>
           <p:cNvPr id="2" name="Title 1"/>
@@ -9760,21 +9714,24 @@
         </p:nvSpPr>
         <p:spPr>
           <a:xfrm>
-            <a:off x="1701800" y="374650"/>
-            <a:ext cx="9802495" cy="766445"/>
+            <a:off x="1630045" y="444500"/>
+            <a:ext cx="8828405" cy="514350"/>
           </a:xfrm>
         </p:spPr>
         <p:txBody>
-          <a:bodyPr/>
-          <a:p>
-            <a:r>
-              <a:rPr lang="en-GB" altLang="en-US" sz="3200" b="1">
-                <a:latin typeface="Times New Roman" panose="02020603050405020304" charset="0"/>
-                <a:cs typeface="Times New Roman" panose="02020603050405020304" charset="0"/>
-              </a:rPr>
-              <a:t>Combined ROC Curves-All Models</a:t>
-            </a:r>
-            <a:endParaRPr lang="en-GB" altLang="en-US" sz="3200" b="1">
+          <a:bodyPr>
+            <a:normAutofit fontScale="90000"/>
+          </a:bodyPr>
+          <a:lstStyle/>
+          <a:p>
+            <a:r>
+              <a:rPr lang="en-GB" altLang="en-US" sz="3200" b="1" dirty="0">
+                <a:latin typeface="Times New Roman" panose="02020603050405020304" charset="0"/>
+                <a:cs typeface="Times New Roman" panose="02020603050405020304" charset="0"/>
+              </a:rPr>
+              <a:t>Findings</a:t>
+            </a:r>
+            <a:endParaRPr lang="en-GB" altLang="en-US" sz="3200" b="1" dirty="0">
               <a:latin typeface="Times New Roman" panose="02020603050405020304" charset="0"/>
               <a:cs typeface="Times New Roman" panose="02020603050405020304" charset="0"/>
             </a:endParaRPr>
@@ -9783,123 +9740,317 @@
       </p:sp>
       <p:sp>
         <p:nvSpPr>
-          <p:cNvPr id="5" name="Text Box 4"/>
-          <p:cNvSpPr txBox="1"/>
-          <p:nvPr/>
+          <p:cNvPr id="3" name="Content Placeholder 2"/>
+          <p:cNvSpPr>
+            <a:spLocks noGrp="1"/>
+          </p:cNvSpPr>
+          <p:nvPr>
+            <p:ph idx="1"/>
+          </p:nvPr>
         </p:nvSpPr>
         <p:spPr>
           <a:xfrm>
-            <a:off x="8333740" y="1945640"/>
-            <a:ext cx="3816985" cy="1960245"/>
-          </a:xfrm>
-          <a:prstGeom prst="rect">
-            <a:avLst/>
-          </a:prstGeom>
-          <a:noFill/>
+            <a:off x="1630045" y="959485"/>
+            <a:ext cx="10333990" cy="5300345"/>
+          </a:xfrm>
         </p:spPr>
         <p:txBody>
-          <a:bodyPr wrap="square" rtlCol="0" anchor="t">
+          <a:bodyPr>
             <a:noAutofit/>
           </a:bodyPr>
-          <a:p>
-            <a:r>
-              <a:rPr lang="en-GB" altLang="en-US" sz="2000" b="1" u="sng">
-                <a:latin typeface="Times New Roman" panose="02020603050405020304" charset="0"/>
-                <a:cs typeface="Times New Roman" panose="02020603050405020304" charset="0"/>
-              </a:rPr>
-              <a:t>Best Performing Model</a:t>
-            </a:r>
-            <a:endParaRPr lang="en-GB" altLang="en-US" sz="2000" b="1" u="sng">
+          <a:lstStyle/>
+          <a:p>
+            <a:pPr marL="0" indent="0">
+              <a:lnSpc>
+                <a:spcPct val="150000"/>
+              </a:lnSpc>
+              <a:buNone/>
+            </a:pPr>
+            <a:r>
+              <a:rPr lang="en-GB" altLang="en-US" sz="1600" dirty="0">
+                <a:latin typeface="Times New Roman" panose="02020603050405020304" charset="0"/>
+                <a:cs typeface="Times New Roman" panose="02020603050405020304" charset="0"/>
+              </a:rPr>
+              <a:t>Upon developing and evaluating the models, I concluded the following:</a:t>
+            </a:r>
+            <a:endParaRPr lang="en-GB" altLang="en-US" sz="1600" dirty="0">
               <a:latin typeface="Times New Roman" panose="02020603050405020304" charset="0"/>
               <a:cs typeface="Times New Roman" panose="02020603050405020304" charset="0"/>
             </a:endParaRPr>
           </a:p>
           <a:p>
-            <a:endParaRPr lang="en-GB" altLang="en-US" sz="2000" b="1" u="sng">
+            <a:pPr marL="0" indent="0">
+              <a:lnSpc>
+                <a:spcPct val="150000"/>
+              </a:lnSpc>
+              <a:buNone/>
+            </a:pPr>
+            <a:r>
+              <a:rPr lang="en-GB" altLang="en-US" sz="1600" dirty="0">
+                <a:latin typeface="Times New Roman" panose="02020603050405020304" charset="0"/>
+                <a:cs typeface="Times New Roman" panose="02020603050405020304" charset="0"/>
+              </a:rPr>
+              <a:t>1</a:t>
+            </a:r>
+            <a:r>
+              <a:rPr lang="en-GB" altLang="en-US" sz="1600" b="1" dirty="0">
+                <a:latin typeface="Times New Roman" panose="02020603050405020304" charset="0"/>
+                <a:cs typeface="Times New Roman" panose="02020603050405020304" charset="0"/>
+              </a:rPr>
+              <a:t>. </a:t>
+            </a:r>
+            <a:r>
+              <a:rPr lang="en-GB" altLang="en-US" sz="1600" b="1" u="sng" dirty="0">
+                <a:latin typeface="Times New Roman" panose="02020603050405020304" charset="0"/>
+                <a:cs typeface="Times New Roman" panose="02020603050405020304" charset="0"/>
+              </a:rPr>
+              <a:t>T</a:t>
+            </a:r>
+            <a:r>
+              <a:rPr lang="en-US" altLang="en-GB" sz="1600" b="1" u="sng">
+                <a:latin typeface="Times New Roman" panose="02020603050405020304" charset="0"/>
+                <a:cs typeface="Times New Roman" panose="02020603050405020304" charset="0"/>
+              </a:rPr>
+              <a:t>uned Random Forest Model</a:t>
+            </a:r>
+            <a:endParaRPr lang="en-US" altLang="en-GB" sz="1600" u="sng">
               <a:latin typeface="Times New Roman" panose="02020603050405020304" charset="0"/>
               <a:cs typeface="Times New Roman" panose="02020603050405020304" charset="0"/>
             </a:endParaRPr>
           </a:p>
           <a:p>
-            <a:r>
-              <a:rPr lang="en-GB" altLang="en-US" sz="2000">
-                <a:latin typeface="Times New Roman" panose="02020603050405020304" charset="0"/>
-                <a:cs typeface="Times New Roman" panose="02020603050405020304" charset="0"/>
-                <a:sym typeface="+mn-ea"/>
-              </a:rPr>
-              <a:t>Tuned Random Forest Model with:</a:t>
-            </a:r>
-            <a:endParaRPr lang="en-GB" altLang="en-US" sz="2000">
+            <a:pPr marL="0" indent="0">
+              <a:lnSpc>
+                <a:spcPct val="150000"/>
+              </a:lnSpc>
+              <a:buNone/>
+            </a:pPr>
+            <a:r>
+              <a:rPr lang="en-US" altLang="en-GB" sz="1600">
+                <a:latin typeface="Times New Roman" panose="02020603050405020304" charset="0"/>
+                <a:cs typeface="Times New Roman" panose="02020603050405020304" charset="0"/>
+              </a:rPr>
+              <a:t> </a:t>
+            </a:r>
+            <a:r>
+              <a:rPr lang="en-GB" altLang="en-US" sz="1600">
+                <a:latin typeface="Times New Roman" panose="02020603050405020304" charset="0"/>
+                <a:cs typeface="Times New Roman" panose="02020603050405020304" charset="0"/>
+              </a:rPr>
+              <a:t>O</a:t>
+            </a:r>
+            <a:r>
+              <a:rPr lang="en-US" altLang="en-GB" sz="1600">
+                <a:latin typeface="Times New Roman" panose="02020603050405020304" charset="0"/>
+                <a:cs typeface="Times New Roman" panose="02020603050405020304" charset="0"/>
+              </a:rPr>
+              <a:t>utperforms all other models, with the highest Accuracy Score of 86% and the highest AUC of 0.92</a:t>
+            </a:r>
+            <a:r>
+              <a:rPr lang="en-GB" altLang="en-US" sz="1600">
+                <a:latin typeface="Times New Roman" panose="02020603050405020304" charset="0"/>
+                <a:cs typeface="Times New Roman" panose="02020603050405020304" charset="0"/>
+              </a:rPr>
+              <a:t>.</a:t>
+            </a:r>
+            <a:endParaRPr lang="en-US" altLang="en-GB" sz="1600">
               <a:latin typeface="Times New Roman" panose="02020603050405020304" charset="0"/>
               <a:cs typeface="Times New Roman" panose="02020603050405020304" charset="0"/>
-              <a:sym typeface="+mn-ea"/>
             </a:endParaRPr>
           </a:p>
           <a:p>
-            <a:r>
-              <a:rPr lang="en-GB" altLang="en-US" sz="2000">
-                <a:latin typeface="Times New Roman" panose="02020603050405020304" charset="0"/>
-                <a:cs typeface="Times New Roman" panose="02020603050405020304" charset="0"/>
-                <a:sym typeface="+mn-ea"/>
-              </a:rPr>
-              <a:t>1. Accuracy Score = 86%</a:t>
-            </a:r>
-            <a:endParaRPr lang="en-GB" altLang="en-US" sz="2000">
+            <a:pPr marL="0" indent="0">
+              <a:lnSpc>
+                <a:spcPct val="150000"/>
+              </a:lnSpc>
+              <a:buNone/>
+            </a:pPr>
+            <a:r>
+              <a:rPr lang="en-US" altLang="en-GB" sz="1600" b="1">
+                <a:latin typeface="Times New Roman" panose="02020603050405020304" charset="0"/>
+                <a:cs typeface="Times New Roman" panose="02020603050405020304" charset="0"/>
+              </a:rPr>
+              <a:t>2. </a:t>
+            </a:r>
+            <a:r>
+              <a:rPr lang="en-US" altLang="en-GB" sz="1600" b="1" u="sng">
+                <a:latin typeface="Times New Roman" panose="02020603050405020304" charset="0"/>
+                <a:cs typeface="Times New Roman" panose="02020603050405020304" charset="0"/>
+              </a:rPr>
+              <a:t>Untuned Random Forest Model</a:t>
+            </a:r>
+            <a:endParaRPr lang="en-GB" altLang="en-US" sz="1600" b="1">
               <a:latin typeface="Times New Roman" panose="02020603050405020304" charset="0"/>
               <a:cs typeface="Times New Roman" panose="02020603050405020304" charset="0"/>
-              <a:sym typeface="+mn-ea"/>
             </a:endParaRPr>
           </a:p>
           <a:p>
-            <a:endParaRPr lang="en-GB" altLang="en-US" sz="2000">
+            <a:pPr marL="0" indent="0">
+              <a:lnSpc>
+                <a:spcPct val="150000"/>
+              </a:lnSpc>
+              <a:buNone/>
+            </a:pPr>
+            <a:r>
+              <a:rPr lang="en-US" altLang="en-GB" sz="1600">
+                <a:latin typeface="Times New Roman" panose="02020603050405020304" charset="0"/>
+                <a:cs typeface="Times New Roman" panose="02020603050405020304" charset="0"/>
+              </a:rPr>
+              <a:t> </a:t>
+            </a:r>
+            <a:r>
+              <a:rPr lang="en-GB" altLang="en-US" sz="1600">
+                <a:latin typeface="Times New Roman" panose="02020603050405020304" charset="0"/>
+                <a:cs typeface="Times New Roman" panose="02020603050405020304" charset="0"/>
+              </a:rPr>
+              <a:t>A</a:t>
+            </a:r>
+            <a:r>
+              <a:rPr lang="en-US" altLang="en-GB" sz="1600">
+                <a:latin typeface="Times New Roman" panose="02020603050405020304" charset="0"/>
+                <a:cs typeface="Times New Roman" panose="02020603050405020304" charset="0"/>
+              </a:rPr>
+              <a:t>lso performed well, achieving an Accuracy Score of 85% and an AUC of 0.91</a:t>
+            </a:r>
+            <a:r>
+              <a:rPr lang="en-GB" altLang="en-US" sz="1600">
+                <a:latin typeface="Times New Roman" panose="02020603050405020304" charset="0"/>
+                <a:cs typeface="Times New Roman" panose="02020603050405020304" charset="0"/>
+              </a:rPr>
+              <a:t> even without tuning of parameters</a:t>
+            </a:r>
+            <a:endParaRPr lang="en-US" altLang="en-GB" sz="1600">
               <a:latin typeface="Times New Roman" panose="02020603050405020304" charset="0"/>
               <a:cs typeface="Times New Roman" panose="02020603050405020304" charset="0"/>
-              <a:sym typeface="+mn-ea"/>
             </a:endParaRPr>
           </a:p>
           <a:p>
-            <a:r>
-              <a:rPr lang="en-GB" altLang="en-US" sz="2000">
-                <a:latin typeface="Times New Roman" panose="02020603050405020304" charset="0"/>
-                <a:cs typeface="Times New Roman" panose="02020603050405020304" charset="0"/>
-                <a:sym typeface="+mn-ea"/>
-              </a:rPr>
-              <a:t>2. AUC  = 0.92</a:t>
-            </a:r>
-            <a:endParaRPr lang="en-GB" altLang="en-US" sz="2000">
+            <a:pPr marL="0" indent="0">
+              <a:lnSpc>
+                <a:spcPct val="150000"/>
+              </a:lnSpc>
+              <a:buNone/>
+            </a:pPr>
+            <a:r>
+              <a:rPr lang="en-US" altLang="en-GB" sz="1600" b="1">
+                <a:latin typeface="Times New Roman" panose="02020603050405020304" charset="0"/>
+                <a:cs typeface="Times New Roman" panose="02020603050405020304" charset="0"/>
+              </a:rPr>
+              <a:t>3.</a:t>
+            </a:r>
+            <a:r>
+              <a:rPr lang="en-US" altLang="en-GB" sz="1600" b="1" u="sng">
+                <a:latin typeface="Times New Roman" panose="02020603050405020304" charset="0"/>
+                <a:cs typeface="Times New Roman" panose="02020603050405020304" charset="0"/>
+              </a:rPr>
+              <a:t> </a:t>
+            </a:r>
+            <a:r>
+              <a:rPr lang="en-GB" altLang="en-US" sz="1600" b="1" u="sng">
+                <a:latin typeface="Times New Roman" panose="02020603050405020304" charset="0"/>
+                <a:cs typeface="Times New Roman" panose="02020603050405020304" charset="0"/>
+              </a:rPr>
+              <a:t>T</a:t>
+            </a:r>
+            <a:r>
+              <a:rPr lang="en-US" altLang="en-GB" sz="1600" b="1" u="sng">
+                <a:latin typeface="Times New Roman" panose="02020603050405020304" charset="0"/>
+                <a:cs typeface="Times New Roman" panose="02020603050405020304" charset="0"/>
+              </a:rPr>
+              <a:t>uned Decision Tree Model </a:t>
+            </a:r>
+            <a:endParaRPr lang="en-US" altLang="en-GB" sz="1600" b="1" u="sng">
               <a:latin typeface="Times New Roman" panose="02020603050405020304" charset="0"/>
               <a:cs typeface="Times New Roman" panose="02020603050405020304" charset="0"/>
-              <a:sym typeface="+mn-ea"/>
             </a:endParaRPr>
           </a:p>
-        </p:txBody>
-      </p:sp>
-      <p:pic>
-        <p:nvPicPr>
-          <p:cNvPr id="4" name="Content Placeholder 3" descr="All curves"/>
-          <p:cNvPicPr>
-            <a:picLocks noChangeAspect="1"/>
-          </p:cNvPicPr>
-          <p:nvPr>
-            <p:ph idx="1"/>
-          </p:nvPr>
-        </p:nvPicPr>
-        <p:blipFill>
-          <a:blip r:embed="rId1"/>
-          <a:stretch>
-            <a:fillRect/>
-          </a:stretch>
-        </p:blipFill>
-        <p:spPr>
-          <a:xfrm>
-            <a:off x="1522095" y="1238250"/>
-            <a:ext cx="6811010" cy="4881245"/>
-          </a:xfrm>
-          <a:prstGeom prst="rect">
-            <a:avLst/>
-          </a:prstGeom>
-        </p:spPr>
-      </p:pic>
+          <a:p>
+            <a:pPr marL="0" indent="0">
+              <a:lnSpc>
+                <a:spcPct val="150000"/>
+              </a:lnSpc>
+              <a:buNone/>
+            </a:pPr>
+            <a:r>
+              <a:rPr lang="en-GB" altLang="en-US" sz="1600">
+                <a:latin typeface="Times New Roman" panose="02020603050405020304" charset="0"/>
+                <a:cs typeface="Times New Roman" panose="02020603050405020304" charset="0"/>
+              </a:rPr>
+              <a:t>S</a:t>
+            </a:r>
+            <a:r>
+              <a:rPr lang="en-US" altLang="en-GB" sz="1600">
+                <a:latin typeface="Times New Roman" panose="02020603050405020304" charset="0"/>
+                <a:cs typeface="Times New Roman" panose="02020603050405020304" charset="0"/>
+              </a:rPr>
+              <a:t>howed a notable improvement over the baseline Logistic Regression Model, with an Accuracy Score of 84% and an AUC of</a:t>
+            </a:r>
+            <a:r>
+              <a:rPr lang="en-GB" altLang="en-US" sz="1600">
+                <a:latin typeface="Times New Roman" panose="02020603050405020304" charset="0"/>
+                <a:cs typeface="Times New Roman" panose="02020603050405020304" charset="0"/>
+              </a:rPr>
+              <a:t> </a:t>
+            </a:r>
+            <a:r>
+              <a:rPr lang="en-US" altLang="en-GB" sz="1600">
+                <a:latin typeface="Times New Roman" panose="02020603050405020304" charset="0"/>
+                <a:cs typeface="Times New Roman" panose="02020603050405020304" charset="0"/>
+              </a:rPr>
+              <a:t>0.89, suggesting that decision trees, when optimized, are a reliable choice, though slightly less effective than Random Forest.</a:t>
+            </a:r>
+            <a:endParaRPr lang="en-US" altLang="en-GB" sz="1600">
+              <a:latin typeface="Times New Roman" panose="02020603050405020304" charset="0"/>
+              <a:cs typeface="Times New Roman" panose="02020603050405020304" charset="0"/>
+            </a:endParaRPr>
+          </a:p>
+          <a:p>
+            <a:pPr marL="0" indent="0">
+              <a:lnSpc>
+                <a:spcPct val="150000"/>
+              </a:lnSpc>
+              <a:buNone/>
+            </a:pPr>
+            <a:r>
+              <a:rPr lang="en-US" altLang="en-GB" sz="1600" b="1" u="sng">
+                <a:latin typeface="Times New Roman" panose="02020603050405020304" charset="0"/>
+                <a:cs typeface="Times New Roman" panose="02020603050405020304" charset="0"/>
+              </a:rPr>
+              <a:t>4. Logistic Regression Model (Baseline)</a:t>
+            </a:r>
+            <a:endParaRPr lang="en-US" altLang="en-GB" sz="1600" b="1" u="sng">
+              <a:latin typeface="Times New Roman" panose="02020603050405020304" charset="0"/>
+              <a:cs typeface="Times New Roman" panose="02020603050405020304" charset="0"/>
+            </a:endParaRPr>
+          </a:p>
+          <a:p>
+            <a:pPr marL="0" indent="0">
+              <a:lnSpc>
+                <a:spcPct val="150000"/>
+              </a:lnSpc>
+              <a:buNone/>
+            </a:pPr>
+            <a:r>
+              <a:rPr lang="en-GB" altLang="en-US" sz="1600">
+                <a:latin typeface="Times New Roman" panose="02020603050405020304" charset="0"/>
+                <a:cs typeface="Times New Roman" panose="02020603050405020304" charset="0"/>
+              </a:rPr>
+              <a:t>W</a:t>
+            </a:r>
+            <a:r>
+              <a:rPr lang="en-US" altLang="en-GB" sz="1600">
+                <a:latin typeface="Times New Roman" panose="02020603050405020304" charset="0"/>
+                <a:cs typeface="Times New Roman" panose="02020603050405020304" charset="0"/>
+              </a:rPr>
+              <a:t>ith an Accuracy Score of 79% and an AUC of 0.86, serves as a solid starting point but demonstrates lower performance compared to more complex models like Random Forest.</a:t>
+            </a:r>
+            <a:endParaRPr lang="en-US" altLang="en-GB" sz="1600">
+              <a:latin typeface="Times New Roman" panose="02020603050405020304" charset="0"/>
+              <a:cs typeface="Times New Roman" panose="02020603050405020304" charset="0"/>
+            </a:endParaRPr>
+          </a:p>
+        </p:txBody>
+      </p:sp>
     </p:spTree>
   </p:cSld>
   <p:clrMapOvr>
@@ -9973,13 +10124,13 @@
         </p:nvSpPr>
         <p:spPr>
           <a:xfrm>
-            <a:off x="2411730" y="1004570"/>
-            <a:ext cx="9096375" cy="4952365"/>
+            <a:off x="2244725" y="851535"/>
+            <a:ext cx="9263380" cy="5105400"/>
           </a:xfrm>
         </p:spPr>
         <p:txBody>
           <a:bodyPr>
-            <a:normAutofit fontScale="70000"/>
+            <a:normAutofit fontScale="40000"/>
           </a:bodyPr>
           <a:lstStyle/>
           <a:p>
@@ -10008,7 +10159,7 @@
               <a:buChar char="•"/>
             </a:pPr>
             <a:r>
-              <a:rPr lang="en-US" sz="2400" b="0" i="0" dirty="0">
+              <a:rPr lang="en-US" sz="4000" b="0" i="0" dirty="0">
                 <a:solidFill>
                   <a:srgbClr val="2D3B45"/>
                 </a:solidFill>
@@ -10018,7 +10169,7 @@
               </a:rPr>
               <a:t>Business Problem Definition</a:t>
             </a:r>
-            <a:endParaRPr lang="en-US" sz="2400" b="0" i="0" dirty="0">
+            <a:endParaRPr lang="en-US" sz="4000" b="0" i="0" dirty="0">
               <a:solidFill>
                 <a:srgbClr val="2D3B45"/>
               </a:solidFill>
@@ -10036,7 +10187,7 @@
               <a:buChar char="•"/>
             </a:pPr>
             <a:r>
-              <a:rPr lang="en-US" sz="2400" b="0" i="0" dirty="0">
+              <a:rPr lang="en-US" sz="4000" b="0" i="0" dirty="0">
                 <a:solidFill>
                   <a:srgbClr val="2D3B45"/>
                 </a:solidFill>
@@ -10046,7 +10197,7 @@
               </a:rPr>
               <a:t>Business Understanding</a:t>
             </a:r>
-            <a:endParaRPr lang="en-US" sz="2400" b="0" i="0" dirty="0">
+            <a:endParaRPr lang="en-US" sz="4000" b="0" i="0" dirty="0">
               <a:solidFill>
                 <a:srgbClr val="2D3B45"/>
               </a:solidFill>
@@ -10064,7 +10215,7 @@
               <a:buChar char="•"/>
             </a:pPr>
             <a:r>
-              <a:rPr lang="en-GB" altLang="en-US" sz="2400" dirty="0">
+              <a:rPr lang="en-GB" altLang="en-US" sz="4000" dirty="0">
                 <a:solidFill>
                   <a:srgbClr val="2D3B45"/>
                 </a:solidFill>
@@ -10075,7 +10226,7 @@
               </a:rPr>
               <a:t>Data</a:t>
             </a:r>
-            <a:endParaRPr lang="en-US" sz="2400" b="0" i="0" dirty="0">
+            <a:endParaRPr lang="en-US" sz="4000" b="0" i="0" dirty="0">
               <a:solidFill>
                 <a:srgbClr val="2D3B45"/>
               </a:solidFill>
@@ -10093,7 +10244,7 @@
               <a:buChar char="•"/>
             </a:pPr>
             <a:r>
-              <a:rPr lang="en-GB" altLang="en-US" sz="2400" b="0" i="0" dirty="0">
+              <a:rPr lang="en-GB" altLang="en-US" sz="4000" b="0" i="0" dirty="0">
                 <a:solidFill>
                   <a:srgbClr val="2D3B45"/>
                 </a:solidFill>
@@ -10103,7 +10254,7 @@
               </a:rPr>
               <a:t>Modelling Tools used</a:t>
             </a:r>
-            <a:endParaRPr lang="en-GB" altLang="en-US" sz="2400" b="0" i="0" dirty="0">
+            <a:endParaRPr lang="en-GB" altLang="en-US" sz="4000" b="0" i="0" dirty="0">
               <a:solidFill>
                 <a:srgbClr val="2D3B45"/>
               </a:solidFill>
@@ -10121,7 +10272,7 @@
               <a:buChar char="•"/>
             </a:pPr>
             <a:r>
-              <a:rPr lang="en-US" sz="2400" b="0" i="0" dirty="0">
+              <a:rPr lang="en-US" sz="4000" b="0" i="0" dirty="0">
                 <a:solidFill>
                   <a:srgbClr val="2D3B45"/>
                 </a:solidFill>
@@ -10132,7 +10283,7 @@
               <a:t>Data Understan</a:t>
             </a:r>
             <a:r>
-              <a:rPr lang="en-GB" altLang="en-US" sz="2400" b="0" i="0" dirty="0">
+              <a:rPr lang="en-GB" altLang="en-US" sz="4000" b="0" i="0" dirty="0">
                 <a:solidFill>
                   <a:srgbClr val="2D3B45"/>
                 </a:solidFill>
@@ -10142,7 +10293,7 @@
               </a:rPr>
               <a:t>ding</a:t>
             </a:r>
-            <a:endParaRPr lang="en-GB" altLang="en-US" sz="2400" b="0" i="0" dirty="0">
+            <a:endParaRPr lang="en-GB" altLang="en-US" sz="4000" b="0" i="0" dirty="0">
               <a:solidFill>
                 <a:srgbClr val="2D3B45"/>
               </a:solidFill>
@@ -10160,7 +10311,7 @@
               <a:buChar char="•"/>
             </a:pPr>
             <a:r>
-              <a:rPr lang="en-GB" altLang="en-US" sz="2400" b="0" i="0" dirty="0">
+              <a:rPr lang="en-GB" altLang="en-US" sz="4000" b="0" i="0" dirty="0">
                 <a:solidFill>
                   <a:srgbClr val="2D3B45"/>
                 </a:solidFill>
@@ -10170,7 +10321,7 @@
               </a:rPr>
               <a:t>Data Preprocessing</a:t>
             </a:r>
-            <a:endParaRPr lang="en-GB" altLang="en-US" sz="2400" b="0" i="0" dirty="0">
+            <a:endParaRPr lang="en-GB" altLang="en-US" sz="4000" b="0" i="0" dirty="0">
               <a:solidFill>
                 <a:srgbClr val="2D3B45"/>
               </a:solidFill>
@@ -10188,7 +10339,7 @@
               <a:buChar char="•"/>
             </a:pPr>
             <a:r>
-              <a:rPr lang="en-GB" altLang="en-US" sz="2400" b="0" i="0" dirty="0">
+              <a:rPr lang="en-GB" altLang="en-US" sz="4000" b="0" i="0" dirty="0">
                 <a:solidFill>
                   <a:srgbClr val="2D3B45"/>
                 </a:solidFill>
@@ -10198,7 +10349,7 @@
               </a:rPr>
               <a:t>Modelling</a:t>
             </a:r>
-            <a:endParaRPr lang="en-GB" altLang="en-US" sz="2400" b="0" i="0" dirty="0">
+            <a:endParaRPr lang="en-GB" altLang="en-US" sz="4000" b="0" i="0" dirty="0">
               <a:solidFill>
                 <a:srgbClr val="2D3B45"/>
               </a:solidFill>
@@ -10216,7 +10367,7 @@
               <a:buChar char="•"/>
             </a:pPr>
             <a:r>
-              <a:rPr lang="en-GB" altLang="en-US" sz="2400" b="0" i="0" dirty="0">
+              <a:rPr lang="en-GB" altLang="en-US" sz="4000" b="0" i="0" dirty="0">
                 <a:solidFill>
                   <a:srgbClr val="2D3B45"/>
                 </a:solidFill>
@@ -10226,7 +10377,7 @@
               </a:rPr>
               <a:t>Visualizations</a:t>
             </a:r>
-            <a:endParaRPr lang="en-GB" altLang="en-US" sz="2400" b="0" i="0" dirty="0">
+            <a:endParaRPr lang="en-GB" altLang="en-US" sz="4000" b="0" i="0" dirty="0">
               <a:solidFill>
                 <a:srgbClr val="2D3B45"/>
               </a:solidFill>
@@ -10244,7 +10395,7 @@
               <a:buChar char="•"/>
             </a:pPr>
             <a:r>
-              <a:rPr lang="en-GB" altLang="en-US" sz="2400" b="0" i="0" dirty="0">
+              <a:rPr lang="en-GB" altLang="en-US" sz="4000" b="0" i="0" dirty="0">
                 <a:solidFill>
                   <a:srgbClr val="2D3B45"/>
                 </a:solidFill>
@@ -10254,7 +10405,7 @@
               </a:rPr>
               <a:t>Evaluation</a:t>
             </a:r>
-            <a:endParaRPr lang="en-GB" altLang="en-US" sz="2400" b="0" i="0" dirty="0">
+            <a:endParaRPr lang="en-GB" altLang="en-US" sz="4000" b="0" i="0" dirty="0">
               <a:solidFill>
                 <a:srgbClr val="2D3B45"/>
               </a:solidFill>
@@ -10272,7 +10423,7 @@
               <a:buChar char="•"/>
             </a:pPr>
             <a:r>
-              <a:rPr lang="en-GB" altLang="en-US" sz="2400" b="0" i="0" dirty="0">
+              <a:rPr lang="en-GB" altLang="en-US" sz="4000" b="0" i="0" dirty="0">
                 <a:solidFill>
                   <a:srgbClr val="2D3B45"/>
                 </a:solidFill>
@@ -10280,9 +10431,37 @@
                 <a:latin typeface="Times New Roman" panose="02020603050405020304" charset="0"/>
                 <a:cs typeface="Times New Roman" panose="02020603050405020304" charset="0"/>
               </a:rPr>
+              <a:t>Findings</a:t>
+            </a:r>
+            <a:endParaRPr lang="en-GB" altLang="en-US" sz="4000" b="0" i="0" dirty="0">
+              <a:solidFill>
+                <a:srgbClr val="2D3B45"/>
+              </a:solidFill>
+              <a:effectLst/>
+              <a:latin typeface="Times New Roman" panose="02020603050405020304" charset="0"/>
+              <a:cs typeface="Times New Roman" panose="02020603050405020304" charset="0"/>
+            </a:endParaRPr>
+          </a:p>
+          <a:p>
+            <a:pPr>
+              <a:spcAft>
+                <a:spcPts val="450"/>
+              </a:spcAft>
+              <a:buFont typeface="Arial" panose="020B0604020202020204" pitchFamily="34" charset="0"/>
+              <a:buChar char="•"/>
+            </a:pPr>
+            <a:r>
+              <a:rPr lang="en-GB" altLang="en-US" sz="4000" b="0" i="0" dirty="0">
+                <a:solidFill>
+                  <a:srgbClr val="2D3B45"/>
+                </a:solidFill>
+                <a:effectLst/>
+                <a:latin typeface="Times New Roman" panose="02020603050405020304" charset="0"/>
+                <a:cs typeface="Times New Roman" panose="02020603050405020304" charset="0"/>
+              </a:rPr>
               <a:t>Conclusion</a:t>
             </a:r>
-            <a:endParaRPr lang="en-GB" altLang="en-US" sz="2400" b="0" i="0" dirty="0">
+            <a:endParaRPr lang="en-GB" altLang="en-US" sz="4000" b="0" i="0" dirty="0">
               <a:solidFill>
                 <a:srgbClr val="2D3B45"/>
               </a:solidFill>
@@ -10353,114 +10532,83 @@
         </p:nvSpPr>
         <p:spPr>
           <a:xfrm>
-            <a:off x="2176051" y="434340"/>
-            <a:ext cx="8911687" cy="543875"/>
+            <a:off x="2106295" y="624205"/>
+            <a:ext cx="9398000" cy="669925"/>
           </a:xfrm>
         </p:spPr>
         <p:txBody>
+          <a:bodyPr/>
+          <a:lstStyle/>
+          <a:p>
+            <a:r>
+              <a:rPr lang="en-GB" altLang="en-US" sz="3200" b="1" dirty="0">
+                <a:latin typeface="Times New Roman" panose="02020603050405020304" charset="0"/>
+                <a:cs typeface="Times New Roman" panose="02020603050405020304" charset="0"/>
+              </a:rPr>
+              <a:t>Conclusion</a:t>
+            </a:r>
+            <a:endParaRPr lang="en-GB" altLang="en-US" sz="3200" b="1" dirty="0">
+              <a:latin typeface="Times New Roman" panose="02020603050405020304" charset="0"/>
+              <a:cs typeface="Times New Roman" panose="02020603050405020304" charset="0"/>
+            </a:endParaRPr>
+          </a:p>
+        </p:txBody>
+      </p:sp>
+      <p:sp>
+        <p:nvSpPr>
+          <p:cNvPr id="3" name="Content Placeholder 2"/>
+          <p:cNvSpPr>
+            <a:spLocks noGrp="1"/>
+          </p:cNvSpPr>
+          <p:nvPr>
+            <p:ph idx="1"/>
+          </p:nvPr>
+        </p:nvSpPr>
+        <p:spPr>
+          <a:xfrm>
+            <a:off x="1195070" y="1294130"/>
+            <a:ext cx="9613265" cy="3924935"/>
+          </a:xfrm>
+        </p:spPr>
+        <p:txBody>
           <a:bodyPr>
-            <a:noAutofit/>
+            <a:normAutofit/>
           </a:bodyPr>
           <a:lstStyle/>
           <a:p>
-            <a:r>
-              <a:rPr lang="en-US" sz="2800" b="1" dirty="0"/>
-              <a:t>Genre performance by revenue</a:t>
-            </a:r>
-            <a:endParaRPr lang="en-US" sz="2800" b="1" dirty="0"/>
-          </a:p>
-        </p:txBody>
-      </p:sp>
-      <p:sp>
-        <p:nvSpPr>
-          <p:cNvPr id="3" name="Content Placeholder 2"/>
-          <p:cNvSpPr>
-            <a:spLocks noGrp="1"/>
-          </p:cNvSpPr>
-          <p:nvPr>
-            <p:ph idx="1"/>
-          </p:nvPr>
-        </p:nvSpPr>
-        <p:spPr>
-          <a:xfrm>
-            <a:off x="1863090" y="5280660"/>
-            <a:ext cx="9818370" cy="1353280"/>
-          </a:xfrm>
-        </p:spPr>
-        <p:txBody>
-          <a:bodyPr>
-            <a:normAutofit lnSpcReduction="10000"/>
-          </a:bodyPr>
-          <a:lstStyle/>
-          <a:p>
             <a:pPr marL="0" indent="0">
-              <a:lnSpc>
-                <a:spcPct val="150000"/>
-              </a:lnSpc>
               <a:buNone/>
             </a:pPr>
             <a:r>
-              <a:rPr lang="en-US" sz="2000" dirty="0">
-                <a:latin typeface="Arial" panose="020B0604020202020204" pitchFamily="34" charset="0"/>
-                <a:cs typeface="Arial" panose="020B0604020202020204" pitchFamily="34" charset="0"/>
-              </a:rPr>
-              <a:t>Musical and Performing Arts consistently outperform other genres in domestic and worldwide gross revenue, while Horror, Science Fiction, and Fantasy show strong performance.</a:t>
-            </a:r>
-            <a:endParaRPr lang="en-US" sz="2000" dirty="0">
-              <a:latin typeface="Arial" panose="020B0604020202020204" pitchFamily="34" charset="0"/>
-              <a:cs typeface="Arial" panose="020B0604020202020204" pitchFamily="34" charset="0"/>
+              <a:rPr lang="en-GB" altLang="en-US" sz="2000" dirty="0">
+                <a:latin typeface="Times New Roman" panose="02020603050405020304" charset="0"/>
+                <a:cs typeface="Times New Roman" panose="02020603050405020304" charset="0"/>
+              </a:rPr>
+              <a:t>Based on the findings and inline with the objectives of this project, which was to create a predictive model to predict whether a customer will honor a hotel booking or not so as to optimize booking strategies, reduce cancellations and improve overall hotel operations, I conclude that the tuned Random Forest Model with an accuracy score of 86% and an AUC of 0.92 is the best model out of the four models developed. This is because it achieved higher scores for the metrics which are accuracy score and AUC(Area under the ROC Curve)</a:t>
+            </a:r>
+            <a:endParaRPr lang="en-GB" altLang="en-US" sz="2000" dirty="0">
+              <a:latin typeface="Times New Roman" panose="02020603050405020304" charset="0"/>
+              <a:cs typeface="Times New Roman" panose="02020603050405020304" charset="0"/>
             </a:endParaRPr>
           </a:p>
-        </p:txBody>
-      </p:sp>
-      <p:pic>
-        <p:nvPicPr>
-          <p:cNvPr id="5" name="Picture 4"/>
-          <p:cNvPicPr>
-            <a:picLocks noChangeAspect="1"/>
-          </p:cNvPicPr>
-          <p:nvPr/>
-        </p:nvPicPr>
-        <p:blipFill>
-          <a:blip r:embed="rId1"/>
-          <a:stretch>
-            <a:fillRect/>
-          </a:stretch>
-        </p:blipFill>
-        <p:spPr>
-          <a:xfrm>
-            <a:off x="1469683" y="1103945"/>
-            <a:ext cx="5162212" cy="4050985"/>
-          </a:xfrm>
-          <a:prstGeom prst="rect">
-            <a:avLst/>
-          </a:prstGeom>
-        </p:spPr>
-      </p:pic>
-      <p:pic>
-        <p:nvPicPr>
-          <p:cNvPr id="7" name="Picture 6"/>
-          <p:cNvPicPr>
-            <a:picLocks noChangeAspect="1"/>
-          </p:cNvPicPr>
-          <p:nvPr/>
-        </p:nvPicPr>
-        <p:blipFill>
-          <a:blip r:embed="rId2"/>
-          <a:stretch>
-            <a:fillRect/>
-          </a:stretch>
-        </p:blipFill>
-        <p:spPr>
-          <a:xfrm>
-            <a:off x="6772276" y="1103945"/>
-            <a:ext cx="5162212" cy="4050985"/>
-          </a:xfrm>
-          <a:prstGeom prst="rect">
-            <a:avLst/>
-          </a:prstGeom>
-        </p:spPr>
-      </p:pic>
+          <a:p>
+            <a:pPr marL="0" indent="0">
+              <a:buNone/>
+            </a:pPr>
+            <a:r>
+              <a:rPr lang="en-GB" altLang="en-US" sz="2000" dirty="0">
+                <a:latin typeface="Times New Roman" panose="02020603050405020304" charset="0"/>
+                <a:cs typeface="Times New Roman" panose="02020603050405020304" charset="0"/>
+              </a:rPr>
+              <a:t>The overall objective of this project has been met</a:t>
+            </a:r>
+            <a:endParaRPr lang="en-GB" altLang="en-US" sz="2000" dirty="0">
+              <a:latin typeface="Times New Roman" panose="02020603050405020304" charset="0"/>
+              <a:cs typeface="Times New Roman" panose="02020603050405020304" charset="0"/>
+            </a:endParaRPr>
+          </a:p>
+        </p:txBody>
+      </p:sp>
     </p:spTree>
   </p:cSld>
   <p:clrMapOvr>
@@ -10488,141 +10636,67 @@
       </p:grpSpPr>
       <p:sp>
         <p:nvSpPr>
-          <p:cNvPr id="2" name="Title 1"/>
-          <p:cNvSpPr>
-            <a:spLocks noGrp="1"/>
-          </p:cNvSpPr>
-          <p:nvPr>
-            <p:ph type="title"/>
-          </p:nvPr>
+          <p:cNvPr id="4" name="Rectangle 3"/>
+          <p:cNvSpPr/>
+          <p:nvPr/>
         </p:nvSpPr>
         <p:spPr>
           <a:xfrm>
-            <a:off x="2478625" y="182880"/>
-            <a:ext cx="8757065" cy="582930"/>
-          </a:xfrm>
-        </p:spPr>
-        <p:txBody>
-          <a:bodyPr>
-            <a:normAutofit fontScale="90000"/>
-          </a:bodyPr>
-          <a:lstStyle/>
-          <a:p>
-            <a:r>
-              <a:rPr lang="en-US" b="1" dirty="0"/>
-              <a:t>Statistical Analysis – Revenue</a:t>
-            </a:r>
-            <a:endParaRPr lang="en-US" b="1" dirty="0"/>
-          </a:p>
-        </p:txBody>
-      </p:sp>
-      <p:sp>
-        <p:nvSpPr>
-          <p:cNvPr id="3" name="Content Placeholder 2"/>
-          <p:cNvSpPr>
-            <a:spLocks noGrp="1"/>
-          </p:cNvSpPr>
-          <p:nvPr>
-            <p:ph idx="1"/>
-          </p:nvPr>
-        </p:nvSpPr>
-        <p:spPr>
-          <a:xfrm>
-            <a:off x="6926580" y="1177290"/>
-            <a:ext cx="5265420" cy="5497830"/>
-          </a:xfrm>
-        </p:spPr>
-        <p:txBody>
-          <a:bodyPr>
-            <a:normAutofit/>
-          </a:bodyPr>
-          <a:lstStyle/>
-          <a:p>
-            <a:r>
-              <a:rPr lang="en-US" sz="2200" dirty="0">
-                <a:latin typeface="Arial" panose="020B0604020202020204" pitchFamily="34" charset="0"/>
-                <a:cs typeface="Arial" panose="020B0604020202020204" pitchFamily="34" charset="0"/>
-              </a:rPr>
-              <a:t>Strong Relationship Between Domestic and Foreign Earnings</a:t>
-            </a:r>
-            <a:endParaRPr lang="en-US" sz="2200" dirty="0">
-              <a:latin typeface="Arial" panose="020B0604020202020204" pitchFamily="34" charset="0"/>
-              <a:cs typeface="Arial" panose="020B0604020202020204" pitchFamily="34" charset="0"/>
-            </a:endParaRPr>
-          </a:p>
-          <a:p>
-            <a:pPr lvl="1">
-              <a:buFont typeface="Arial" panose="020B0604020202020204" pitchFamily="34" charset="0"/>
-              <a:buChar char="•"/>
-            </a:pPr>
-            <a:r>
-              <a:rPr lang="en-US" sz="2000" dirty="0">
-                <a:latin typeface="Arial" panose="020B0604020202020204" pitchFamily="34" charset="0"/>
-                <a:cs typeface="Arial" panose="020B0604020202020204" pitchFamily="34" charset="0"/>
-              </a:rPr>
-              <a:t>Domestically successful movies generally may perform well internationally, but the year of release doesn't significantly impact their earnings.</a:t>
-            </a:r>
-            <a:endParaRPr lang="en-US" sz="2000" dirty="0">
-              <a:latin typeface="Arial" panose="020B0604020202020204" pitchFamily="34" charset="0"/>
-              <a:cs typeface="Arial" panose="020B0604020202020204" pitchFamily="34" charset="0"/>
-            </a:endParaRPr>
-          </a:p>
-          <a:p>
-            <a:r>
-              <a:rPr lang="en-US" sz="2200" dirty="0">
-                <a:latin typeface="Arial" panose="020B0604020202020204" pitchFamily="34" charset="0"/>
-                <a:cs typeface="Arial" panose="020B0604020202020204" pitchFamily="34" charset="0"/>
-              </a:rPr>
-              <a:t>Conclusion</a:t>
-            </a:r>
-            <a:endParaRPr lang="en-US" sz="2200" dirty="0">
-              <a:latin typeface="Arial" panose="020B0604020202020204" pitchFamily="34" charset="0"/>
-              <a:cs typeface="Arial" panose="020B0604020202020204" pitchFamily="34" charset="0"/>
-            </a:endParaRPr>
-          </a:p>
-          <a:p>
-            <a:pPr lvl="1">
-              <a:buFont typeface="Arial" panose="020B0604020202020204" pitchFamily="34" charset="0"/>
-              <a:buChar char="•"/>
-            </a:pPr>
-            <a:r>
-              <a:rPr lang="en-US" sz="2000" dirty="0">
-                <a:latin typeface="Arial" panose="020B0604020202020204" pitchFamily="34" charset="0"/>
-                <a:cs typeface="Arial" panose="020B0604020202020204" pitchFamily="34" charset="0"/>
-              </a:rPr>
-              <a:t>The strong correlation between domestic and international movie earnings is crucial for predicting its global success</a:t>
-            </a:r>
-            <a:endParaRPr lang="en-US" sz="2000" dirty="0">
-              <a:latin typeface="Arial" panose="020B0604020202020204" pitchFamily="34" charset="0"/>
-              <a:cs typeface="Arial" panose="020B0604020202020204" pitchFamily="34" charset="0"/>
-            </a:endParaRPr>
-          </a:p>
-        </p:txBody>
-      </p:sp>
-      <p:pic>
-        <p:nvPicPr>
-          <p:cNvPr id="9" name="Picture 8"/>
-          <p:cNvPicPr>
-            <a:picLocks noChangeAspect="1"/>
-          </p:cNvPicPr>
-          <p:nvPr/>
-        </p:nvPicPr>
-        <p:blipFill>
-          <a:blip r:embed="rId1"/>
-          <a:stretch>
-            <a:fillRect/>
-          </a:stretch>
-        </p:blipFill>
-        <p:spPr>
-          <a:xfrm>
-            <a:off x="1473802" y="1430654"/>
-            <a:ext cx="5265420" cy="4524376"/>
+            <a:off x="4017962" y="2967335"/>
+            <a:ext cx="4156075" cy="1014730"/>
           </a:xfrm>
           <a:prstGeom prst="rect">
             <a:avLst/>
           </a:prstGeom>
+          <a:noFill/>
         </p:spPr>
-      </p:pic>
+        <p:txBody>
+          <a:bodyPr wrap="none" lIns="91440" tIns="45720" rIns="91440" bIns="45720">
+            <a:spAutoFit/>
+            <a:scene3d>
+              <a:camera prst="orthographicFront"/>
+              <a:lightRig rig="soft" dir="t">
+                <a:rot lat="0" lon="0" rev="15600000"/>
+              </a:lightRig>
+            </a:scene3d>
+            <a:sp3d extrusionH="57150" prstMaterial="softEdge">
+              <a:bevelT w="25400" h="38100"/>
+            </a:sp3d>
+          </a:bodyPr>
+          <a:lstStyle/>
+          <a:p>
+            <a:pPr algn="ctr"/>
+            <a:r>
+              <a:rPr lang="en-US" sz="6000" b="1" i="0" cap="none" spc="0" dirty="0">
+                <a:solidFill>
+                  <a:schemeClr val="tx1"/>
+                </a:solidFill>
+                <a:effectLst/>
+                <a:latin typeface="Times New Roman" panose="02020603050405020304" charset="0"/>
+                <a:cs typeface="Times New Roman" panose="02020603050405020304" charset="0"/>
+              </a:rPr>
+              <a:t>Thank You</a:t>
+            </a:r>
+            <a:r>
+              <a:rPr lang="en-US" sz="5400" b="1" i="0" cap="none" spc="0" dirty="0">
+                <a:solidFill>
+                  <a:schemeClr val="accent4"/>
+                </a:solidFill>
+                <a:effectLst/>
+                <a:latin typeface="Arial" panose="020B0604020202020204" pitchFamily="34" charset="0"/>
+                <a:cs typeface="Arial" panose="020B0604020202020204" pitchFamily="34" charset="0"/>
+              </a:rPr>
+              <a:t>  </a:t>
+            </a:r>
+            <a:endParaRPr lang="en-US" sz="5400" b="1" cap="none" spc="0" dirty="0">
+              <a:solidFill>
+                <a:schemeClr val="accent4"/>
+              </a:solidFill>
+              <a:effectLst/>
+            </a:endParaRPr>
+          </a:p>
+        </p:txBody>
+      </p:sp>
     </p:spTree>
   </p:cSld>
   <p:clrMapOvr>
@@ -10650,1674 +10724,59 @@
       </p:grpSpPr>
       <p:sp>
         <p:nvSpPr>
-          <p:cNvPr id="2" name="Title 1"/>
-          <p:cNvSpPr>
-            <a:spLocks noGrp="1"/>
-          </p:cNvSpPr>
-          <p:nvPr>
-            <p:ph type="title"/>
-          </p:nvPr>
+          <p:cNvPr id="4" name="Rectangle 3"/>
+          <p:cNvSpPr/>
+          <p:nvPr/>
         </p:nvSpPr>
         <p:spPr>
           <a:xfrm>
-            <a:off x="2083557" y="492891"/>
-            <a:ext cx="8911687" cy="703668"/>
-          </a:xfrm>
-        </p:spPr>
-        <p:txBody>
-          <a:bodyPr>
-            <a:noAutofit/>
-          </a:bodyPr>
-          <a:lstStyle/>
-          <a:p>
-            <a:r>
-              <a:rPr lang="en-US" sz="2400" b="1" dirty="0"/>
-              <a:t>production budget vs domestic gross and worldwide gross</a:t>
-            </a:r>
-            <a:endParaRPr lang="en-US" sz="2400" b="1" dirty="0"/>
-          </a:p>
-        </p:txBody>
-      </p:sp>
-      <p:sp>
-        <p:nvSpPr>
-          <p:cNvPr id="3" name="Content Placeholder 2"/>
-          <p:cNvSpPr>
-            <a:spLocks noGrp="1"/>
-          </p:cNvSpPr>
-          <p:nvPr>
-            <p:ph idx="1"/>
-          </p:nvPr>
-        </p:nvSpPr>
-        <p:spPr>
-          <a:xfrm>
-            <a:off x="2083557" y="1204909"/>
-            <a:ext cx="9540753" cy="1896212"/>
-          </a:xfrm>
-        </p:spPr>
-        <p:txBody>
-          <a:bodyPr>
-            <a:normAutofit/>
-          </a:bodyPr>
-          <a:lstStyle/>
-          <a:p>
-            <a:pPr>
-              <a:lnSpc>
-                <a:spcPct val="150000"/>
-              </a:lnSpc>
-            </a:pPr>
-            <a:r>
-              <a:rPr lang="en-US" sz="2000" dirty="0">
-                <a:latin typeface="Arial" panose="020B0604020202020204" pitchFamily="34" charset="0"/>
-                <a:cs typeface="Arial" panose="020B0604020202020204" pitchFamily="34" charset="0"/>
-              </a:rPr>
-              <a:t>The relationship between the production budget with both domestic gross and worldwide gross indicates that a higher production budget is likely to boost both domestic and worldwide gross revenues for movies</a:t>
-            </a:r>
-            <a:endParaRPr lang="en-US" sz="2000" dirty="0">
-              <a:latin typeface="Arial" panose="020B0604020202020204" pitchFamily="34" charset="0"/>
-              <a:cs typeface="Arial" panose="020B0604020202020204" pitchFamily="34" charset="0"/>
-            </a:endParaRPr>
-          </a:p>
-        </p:txBody>
-      </p:sp>
-      <p:pic>
-        <p:nvPicPr>
-          <p:cNvPr id="5" name="Picture 4"/>
-          <p:cNvPicPr>
-            <a:picLocks noChangeAspect="1"/>
-          </p:cNvPicPr>
-          <p:nvPr/>
-        </p:nvPicPr>
-        <p:blipFill>
-          <a:blip r:embed="rId1"/>
-          <a:stretch>
-            <a:fillRect/>
-          </a:stretch>
-        </p:blipFill>
-        <p:spPr>
-          <a:xfrm>
-            <a:off x="3291841" y="2767111"/>
-            <a:ext cx="6526530" cy="3955115"/>
+            <a:off x="5028282" y="2967335"/>
+            <a:ext cx="2853845" cy="922020"/>
           </a:xfrm>
           <a:prstGeom prst="rect">
             <a:avLst/>
           </a:prstGeom>
+          <a:noFill/>
         </p:spPr>
-      </p:pic>
-    </p:spTree>
-  </p:cSld>
-  <p:clrMapOvr>
-    <a:masterClrMapping/>
-  </p:clrMapOvr>
-</p:sld>
-</file>
-
-<file path=ppt/slides/slide23.xml><?xml version="1.0" encoding="utf-8"?>
-<p:sld xmlns:a="http://schemas.openxmlformats.org/drawingml/2006/main" xmlns:r="http://schemas.openxmlformats.org/officeDocument/2006/relationships" xmlns:p="http://schemas.openxmlformats.org/presentationml/2006/main">
-  <p:cSld>
-    <p:spTree>
-      <p:nvGrpSpPr>
-        <p:cNvPr id="1" name=""/>
-        <p:cNvGrpSpPr/>
-        <p:nvPr/>
-      </p:nvGrpSpPr>
-      <p:grpSpPr>
-        <a:xfrm>
-          <a:off x="0" y="0"/>
-          <a:ext cx="0" cy="0"/>
-          <a:chOff x="0" y="0"/>
-          <a:chExt cx="0" cy="0"/>
-        </a:xfrm>
-      </p:grpSpPr>
-      <p:sp>
-        <p:nvSpPr>
-          <p:cNvPr id="2" name="Title 1"/>
-          <p:cNvSpPr>
-            <a:spLocks noGrp="1"/>
-          </p:cNvSpPr>
-          <p:nvPr>
-            <p:ph type="title"/>
-          </p:nvPr>
-        </p:nvSpPr>
-        <p:spPr>
-          <a:xfrm>
-            <a:off x="1838545" y="330156"/>
-            <a:ext cx="8911687" cy="527982"/>
-          </a:xfrm>
-        </p:spPr>
-        <p:txBody>
-          <a:bodyPr>
-            <a:normAutofit fontScale="90000"/>
+        <p:txBody>
+          <a:bodyPr wrap="square" lIns="91440" tIns="45720" rIns="91440" bIns="45720">
+            <a:spAutoFit/>
           </a:bodyPr>
           <a:lstStyle/>
           <a:p>
-            <a:r>
-              <a:rPr lang="en-US" b="1" dirty="0"/>
-              <a:t>Revenue trends per genre</a:t>
-            </a:r>
-            <a:endParaRPr lang="en-US" b="1" dirty="0"/>
-          </a:p>
-        </p:txBody>
-      </p:sp>
-      <p:sp>
-        <p:nvSpPr>
-          <p:cNvPr id="3" name="Content Placeholder 2"/>
-          <p:cNvSpPr>
-            <a:spLocks noGrp="1"/>
-          </p:cNvSpPr>
-          <p:nvPr>
-            <p:ph idx="1"/>
-          </p:nvPr>
-        </p:nvSpPr>
-        <p:spPr>
-          <a:xfrm>
-            <a:off x="1714500" y="5000429"/>
-            <a:ext cx="10367010" cy="1607067"/>
-          </a:xfrm>
-        </p:spPr>
-        <p:txBody>
-          <a:bodyPr>
-            <a:normAutofit/>
-          </a:bodyPr>
-          <a:lstStyle/>
-          <a:p>
-            <a:pPr marL="0" indent="0">
-              <a:lnSpc>
-                <a:spcPct val="120000"/>
-              </a:lnSpc>
-              <a:buNone/>
-            </a:pPr>
-            <a:r>
-              <a:rPr lang="en-US" b="1" dirty="0">
-                <a:latin typeface="Arial" panose="020B0604020202020204" pitchFamily="34" charset="0"/>
-                <a:cs typeface="Arial" panose="020B0604020202020204" pitchFamily="34" charset="0"/>
-              </a:rPr>
-              <a:t>Genre-Based Trends</a:t>
-            </a:r>
-            <a:r>
-              <a:rPr lang="en-US" dirty="0">
-                <a:latin typeface="Arial" panose="020B0604020202020204" pitchFamily="34" charset="0"/>
-                <a:cs typeface="Arial" panose="020B0604020202020204" pitchFamily="34" charset="0"/>
-              </a:rPr>
-              <a:t>: Certain genres, like Drama, Science Fiction, and Fantasy, often reach higher revenue and profit levels. In contrast, genres like Documentary and Special Interest usually perform on the lower end financially. Action, Adventure, Science Fiction, and Fantasy show high potential for greater profitability and revenue.</a:t>
-            </a:r>
-            <a:endParaRPr lang="en-US" dirty="0">
-              <a:latin typeface="Arial" panose="020B0604020202020204" pitchFamily="34" charset="0"/>
-              <a:cs typeface="Arial" panose="020B0604020202020204" pitchFamily="34" charset="0"/>
-            </a:endParaRPr>
-          </a:p>
-        </p:txBody>
-      </p:sp>
-      <p:sp>
-        <p:nvSpPr>
-          <p:cNvPr id="6" name="Content Placeholder 2"/>
-          <p:cNvSpPr txBox="1"/>
-          <p:nvPr/>
-        </p:nvSpPr>
-        <p:spPr>
-          <a:xfrm>
-            <a:off x="7543801" y="1857571"/>
-            <a:ext cx="4183379" cy="1738438"/>
-          </a:xfrm>
-          <a:prstGeom prst="rect">
-            <a:avLst/>
-          </a:prstGeom>
-        </p:spPr>
-        <p:txBody>
-          <a:bodyPr vert="horz" lIns="91440" tIns="45720" rIns="91440" bIns="45720" rtlCol="0">
-            <a:normAutofit/>
-          </a:bodyPr>
-          <a:lstStyle>
-            <a:lvl1pPr marL="342900" indent="-342900" algn="l" defTabSz="457200" rtl="0" eaLnBrk="1" latinLnBrk="0" hangingPunct="1">
-              <a:spcBef>
-                <a:spcPts val="1000"/>
-              </a:spcBef>
-              <a:spcAft>
-                <a:spcPts val="0"/>
-              </a:spcAft>
-              <a:buClr>
-                <a:schemeClr val="accent1"/>
-              </a:buClr>
-              <a:buFont typeface="Wingdings 3" charset="2"/>
-              <a:buChar char=""/>
-              <a:defRPr sz="1800" kern="1200">
+            <a:pPr algn="ctr"/>
+            <a:r>
+              <a:rPr lang="en-US" sz="5400" b="0" cap="none" spc="0" dirty="0">
+                <a:ln w="0"/>
                 <a:solidFill>
-                  <a:schemeClr val="tx1">
-                    <a:lumMod val="75000"/>
-                    <a:lumOff val="25000"/>
+                  <a:schemeClr val="tx1"/>
+                </a:solidFill>
+                <a:effectLst>
+                  <a:outerShdw blurRad="38100" dist="19050" dir="2700000" algn="tl" rotWithShape="0">
+                    <a:schemeClr val="dk1">
+                      <a:alpha val="40000"/>
+                    </a:schemeClr>
+                  </a:outerShdw>
+                </a:effectLst>
+                <a:latin typeface="Times New Roman" panose="02020603050405020304" charset="0"/>
+                <a:cs typeface="Times New Roman" panose="02020603050405020304" charset="0"/>
+              </a:rPr>
+              <a:t>Q&amp;A</a:t>
+            </a:r>
+            <a:endParaRPr lang="en-US" sz="5400" b="0" cap="none" spc="0" dirty="0">
+              <a:ln w="0"/>
+              <a:solidFill>
+                <a:schemeClr val="tx1"/>
+              </a:solidFill>
+              <a:effectLst>
+                <a:outerShdw blurRad="38100" dist="19050" dir="2700000" algn="tl" rotWithShape="0">
+                  <a:schemeClr val="dk1">
+                    <a:alpha val="40000"/>
                   </a:schemeClr>
-                </a:solidFill>
-                <a:latin typeface="+mn-lt"/>
-                <a:ea typeface="+mn-ea"/>
-                <a:cs typeface="+mn-cs"/>
-              </a:defRPr>
-            </a:lvl1pPr>
-            <a:lvl2pPr marL="742950" indent="-285750" algn="l" defTabSz="457200" rtl="0" eaLnBrk="1" latinLnBrk="0" hangingPunct="1">
-              <a:spcBef>
-                <a:spcPts val="1000"/>
-              </a:spcBef>
-              <a:spcAft>
-                <a:spcPts val="0"/>
-              </a:spcAft>
-              <a:buClr>
-                <a:schemeClr val="accent1"/>
-              </a:buClr>
-              <a:buFont typeface="Wingdings 3" charset="2"/>
-              <a:buChar char=""/>
-              <a:defRPr sz="1600" kern="1200">
-                <a:solidFill>
-                  <a:schemeClr val="tx1">
-                    <a:lumMod val="75000"/>
-                    <a:lumOff val="25000"/>
-                  </a:schemeClr>
-                </a:solidFill>
-                <a:latin typeface="+mn-lt"/>
-                <a:ea typeface="+mn-ea"/>
-                <a:cs typeface="+mn-cs"/>
-              </a:defRPr>
-            </a:lvl2pPr>
-            <a:lvl3pPr marL="1143000" indent="-228600" algn="l" defTabSz="457200" rtl="0" eaLnBrk="1" latinLnBrk="0" hangingPunct="1">
-              <a:spcBef>
-                <a:spcPts val="1000"/>
-              </a:spcBef>
-              <a:spcAft>
-                <a:spcPts val="0"/>
-              </a:spcAft>
-              <a:buClr>
-                <a:schemeClr val="accent1"/>
-              </a:buClr>
-              <a:buFont typeface="Wingdings 3" charset="2"/>
-              <a:buChar char=""/>
-              <a:defRPr sz="1400" kern="1200">
-                <a:solidFill>
-                  <a:schemeClr val="tx1">
-                    <a:lumMod val="75000"/>
-                    <a:lumOff val="25000"/>
-                  </a:schemeClr>
-                </a:solidFill>
-                <a:latin typeface="+mn-lt"/>
-                <a:ea typeface="+mn-ea"/>
-                <a:cs typeface="+mn-cs"/>
-              </a:defRPr>
-            </a:lvl3pPr>
-            <a:lvl4pPr marL="1600200" indent="-228600" algn="l" defTabSz="457200" rtl="0" eaLnBrk="1" latinLnBrk="0" hangingPunct="1">
-              <a:spcBef>
-                <a:spcPts val="1000"/>
-              </a:spcBef>
-              <a:spcAft>
-                <a:spcPts val="0"/>
-              </a:spcAft>
-              <a:buClr>
-                <a:schemeClr val="accent1"/>
-              </a:buClr>
-              <a:buFont typeface="Wingdings 3" charset="2"/>
-              <a:buChar char=""/>
-              <a:defRPr sz="1200" kern="1200">
-                <a:solidFill>
-                  <a:schemeClr val="tx1">
-                    <a:lumMod val="75000"/>
-                    <a:lumOff val="25000"/>
-                  </a:schemeClr>
-                </a:solidFill>
-                <a:latin typeface="+mn-lt"/>
-                <a:ea typeface="+mn-ea"/>
-                <a:cs typeface="+mn-cs"/>
-              </a:defRPr>
-            </a:lvl4pPr>
-            <a:lvl5pPr marL="2057400" indent="-228600" algn="l" defTabSz="457200" rtl="0" eaLnBrk="1" latinLnBrk="0" hangingPunct="1">
-              <a:spcBef>
-                <a:spcPts val="1000"/>
-              </a:spcBef>
-              <a:spcAft>
-                <a:spcPts val="0"/>
-              </a:spcAft>
-              <a:buClr>
-                <a:schemeClr val="accent1"/>
-              </a:buClr>
-              <a:buFont typeface="Wingdings 3" charset="2"/>
-              <a:buChar char=""/>
-              <a:defRPr sz="1200" kern="1200">
-                <a:solidFill>
-                  <a:schemeClr val="tx1">
-                    <a:lumMod val="75000"/>
-                    <a:lumOff val="25000"/>
-                  </a:schemeClr>
-                </a:solidFill>
-                <a:latin typeface="+mn-lt"/>
-                <a:ea typeface="+mn-ea"/>
-                <a:cs typeface="+mn-cs"/>
-              </a:defRPr>
-            </a:lvl5pPr>
-            <a:lvl6pPr marL="2514600" indent="-228600" algn="l" defTabSz="457200" rtl="0" eaLnBrk="1" latinLnBrk="0" hangingPunct="1">
-              <a:spcBef>
-                <a:spcPts val="1000"/>
-              </a:spcBef>
-              <a:spcAft>
-                <a:spcPts val="0"/>
-              </a:spcAft>
-              <a:buClr>
-                <a:schemeClr val="accent1"/>
-              </a:buClr>
-              <a:buFont typeface="Wingdings 3" charset="2"/>
-              <a:buChar char=""/>
-              <a:defRPr sz="1200" kern="1200">
-                <a:solidFill>
-                  <a:schemeClr val="tx1">
-                    <a:lumMod val="75000"/>
-                    <a:lumOff val="25000"/>
-                  </a:schemeClr>
-                </a:solidFill>
-                <a:latin typeface="+mn-lt"/>
-                <a:ea typeface="+mn-ea"/>
-                <a:cs typeface="+mn-cs"/>
-              </a:defRPr>
-            </a:lvl6pPr>
-            <a:lvl7pPr marL="2971800" indent="-228600" algn="l" defTabSz="457200" rtl="0" eaLnBrk="1" latinLnBrk="0" hangingPunct="1">
-              <a:spcBef>
-                <a:spcPts val="1000"/>
-              </a:spcBef>
-              <a:spcAft>
-                <a:spcPts val="0"/>
-              </a:spcAft>
-              <a:buClr>
-                <a:schemeClr val="accent1"/>
-              </a:buClr>
-              <a:buFont typeface="Wingdings 3" charset="2"/>
-              <a:buChar char=""/>
-              <a:defRPr sz="1200" kern="1200">
-                <a:solidFill>
-                  <a:schemeClr val="tx1">
-                    <a:lumMod val="75000"/>
-                    <a:lumOff val="25000"/>
-                  </a:schemeClr>
-                </a:solidFill>
-                <a:latin typeface="+mn-lt"/>
-                <a:ea typeface="+mn-ea"/>
-                <a:cs typeface="+mn-cs"/>
-              </a:defRPr>
-            </a:lvl7pPr>
-            <a:lvl8pPr marL="3429000" indent="-228600" algn="l" defTabSz="457200" rtl="0" eaLnBrk="1" latinLnBrk="0" hangingPunct="1">
-              <a:spcBef>
-                <a:spcPts val="1000"/>
-              </a:spcBef>
-              <a:spcAft>
-                <a:spcPts val="0"/>
-              </a:spcAft>
-              <a:buClr>
-                <a:schemeClr val="accent1"/>
-              </a:buClr>
-              <a:buFont typeface="Wingdings 3" charset="2"/>
-              <a:buChar char=""/>
-              <a:defRPr sz="1200" kern="1200">
-                <a:solidFill>
-                  <a:schemeClr val="tx1">
-                    <a:lumMod val="75000"/>
-                    <a:lumOff val="25000"/>
-                  </a:schemeClr>
-                </a:solidFill>
-                <a:latin typeface="+mn-lt"/>
-                <a:ea typeface="+mn-ea"/>
-                <a:cs typeface="+mn-cs"/>
-              </a:defRPr>
-            </a:lvl8pPr>
-            <a:lvl9pPr marL="3886200" indent="-228600" algn="l" defTabSz="457200" rtl="0" eaLnBrk="1" latinLnBrk="0" hangingPunct="1">
-              <a:spcBef>
-                <a:spcPts val="1000"/>
-              </a:spcBef>
-              <a:spcAft>
-                <a:spcPts val="0"/>
-              </a:spcAft>
-              <a:buClr>
-                <a:schemeClr val="accent1"/>
-              </a:buClr>
-              <a:buFont typeface="Wingdings 3" charset="2"/>
-              <a:buChar char=""/>
-              <a:defRPr sz="1200" kern="1200">
-                <a:solidFill>
-                  <a:schemeClr val="tx1">
-                    <a:lumMod val="75000"/>
-                    <a:lumOff val="25000"/>
-                  </a:schemeClr>
-                </a:solidFill>
-                <a:latin typeface="+mn-lt"/>
-                <a:ea typeface="+mn-ea"/>
-                <a:cs typeface="+mn-cs"/>
-              </a:defRPr>
-            </a:lvl9pPr>
-          </a:lstStyle>
-          <a:p>
-            <a:pPr>
-              <a:lnSpc>
-                <a:spcPct val="120000"/>
-              </a:lnSpc>
-            </a:pPr>
-            <a:r>
-              <a:rPr lang="en-US" b="1" dirty="0">
-                <a:latin typeface="Arial" panose="020B0604020202020204" pitchFamily="34" charset="0"/>
-                <a:cs typeface="Arial" panose="020B0604020202020204" pitchFamily="34" charset="0"/>
-              </a:rPr>
-              <a:t>Revenue and Profit Relationship</a:t>
-            </a:r>
-            <a:r>
-              <a:rPr lang="en-US" dirty="0">
-                <a:latin typeface="Arial" panose="020B0604020202020204" pitchFamily="34" charset="0"/>
-                <a:cs typeface="Arial" panose="020B0604020202020204" pitchFamily="34" charset="0"/>
-              </a:rPr>
-              <a:t>: As revenue increases, profit tends to rise proportionally</a:t>
-            </a:r>
-            <a:endParaRPr lang="en-US" dirty="0">
-              <a:latin typeface="Arial" panose="020B0604020202020204" pitchFamily="34" charset="0"/>
-              <a:cs typeface="Arial" panose="020B0604020202020204" pitchFamily="34" charset="0"/>
-            </a:endParaRPr>
-          </a:p>
-        </p:txBody>
-      </p:sp>
-      <p:pic>
-        <p:nvPicPr>
-          <p:cNvPr id="7" name="Picture 6"/>
-          <p:cNvPicPr>
-            <a:picLocks noChangeAspect="1"/>
-          </p:cNvPicPr>
-          <p:nvPr/>
-        </p:nvPicPr>
-        <p:blipFill>
-          <a:blip r:embed="rId1"/>
-          <a:stretch>
-            <a:fillRect/>
-          </a:stretch>
-        </p:blipFill>
-        <p:spPr>
-          <a:xfrm>
-            <a:off x="1714499" y="960120"/>
-            <a:ext cx="5829301" cy="3927423"/>
-          </a:xfrm>
-          <a:prstGeom prst="rect">
-            <a:avLst/>
-          </a:prstGeom>
-        </p:spPr>
-      </p:pic>
-    </p:spTree>
-  </p:cSld>
-  <p:clrMapOvr>
-    <a:masterClrMapping/>
-  </p:clrMapOvr>
-</p:sld>
-</file>
-
-<file path=ppt/slides/slide24.xml><?xml version="1.0" encoding="utf-8"?>
-<p:sld xmlns:a="http://schemas.openxmlformats.org/drawingml/2006/main" xmlns:r="http://schemas.openxmlformats.org/officeDocument/2006/relationships" xmlns:p="http://schemas.openxmlformats.org/presentationml/2006/main">
-  <p:cSld>
-    <p:spTree>
-      <p:nvGrpSpPr>
-        <p:cNvPr id="1" name=""/>
-        <p:cNvGrpSpPr/>
-        <p:nvPr/>
-      </p:nvGrpSpPr>
-      <p:grpSpPr>
-        <a:xfrm>
-          <a:off x="0" y="0"/>
-          <a:ext cx="0" cy="0"/>
-          <a:chOff x="0" y="0"/>
-          <a:chExt cx="0" cy="0"/>
-        </a:xfrm>
-      </p:grpSpPr>
-      <p:sp>
-        <p:nvSpPr>
-          <p:cNvPr id="2" name="Title 1"/>
-          <p:cNvSpPr>
-            <a:spLocks noGrp="1"/>
-          </p:cNvSpPr>
-          <p:nvPr>
-            <p:ph type="title"/>
-          </p:nvPr>
-        </p:nvSpPr>
-        <p:spPr>
-          <a:xfrm>
-            <a:off x="1905251" y="633628"/>
-            <a:ext cx="8911687" cy="633190"/>
-          </a:xfrm>
-        </p:spPr>
-        <p:txBody>
-          <a:bodyPr>
-            <a:normAutofit/>
-          </a:bodyPr>
-          <a:lstStyle/>
-          <a:p>
-            <a:r>
-              <a:rPr lang="en-US" sz="2400" b="1" dirty="0"/>
-              <a:t>Production Budget vs Total Revenue </a:t>
-            </a:r>
-            <a:endParaRPr lang="en-US" sz="2400" b="1" dirty="0"/>
-          </a:p>
-        </p:txBody>
-      </p:sp>
-      <p:sp>
-        <p:nvSpPr>
-          <p:cNvPr id="3" name="Content Placeholder 2"/>
-          <p:cNvSpPr>
-            <a:spLocks noGrp="1"/>
-          </p:cNvSpPr>
-          <p:nvPr>
-            <p:ph idx="1"/>
-          </p:nvPr>
-        </p:nvSpPr>
-        <p:spPr>
-          <a:xfrm>
-            <a:off x="6709410" y="1394460"/>
-            <a:ext cx="4795202" cy="5149952"/>
-          </a:xfrm>
-        </p:spPr>
-        <p:txBody>
-          <a:bodyPr>
-            <a:normAutofit/>
-          </a:bodyPr>
-          <a:lstStyle/>
-          <a:p>
-            <a:pPr>
-              <a:lnSpc>
-                <a:spcPct val="150000"/>
-              </a:lnSpc>
-            </a:pPr>
-            <a:r>
-              <a:rPr lang="en-US" sz="2000" dirty="0">
-                <a:latin typeface="Arial" panose="020B0604020202020204" pitchFamily="34" charset="0"/>
-                <a:cs typeface="Arial" panose="020B0604020202020204" pitchFamily="34" charset="0"/>
-              </a:rPr>
-              <a:t>Movies with higher production budgets tend to earn more revenue, although most films remain within a lower budget and revenue range</a:t>
-            </a:r>
-            <a:endParaRPr lang="en-US" sz="2000" dirty="0">
-              <a:latin typeface="Arial" panose="020B0604020202020204" pitchFamily="34" charset="0"/>
-              <a:cs typeface="Arial" panose="020B0604020202020204" pitchFamily="34" charset="0"/>
-            </a:endParaRPr>
-          </a:p>
-          <a:p>
-            <a:pPr>
-              <a:lnSpc>
-                <a:spcPct val="150000"/>
-              </a:lnSpc>
-            </a:pPr>
-            <a:r>
-              <a:rPr lang="en-US" sz="2000" dirty="0">
-                <a:latin typeface="Arial" panose="020B0604020202020204" pitchFamily="34" charset="0"/>
-                <a:cs typeface="Arial" panose="020B0604020202020204" pitchFamily="34" charset="0"/>
-              </a:rPr>
-              <a:t>Outliers with high budgets and revenue are exceptional cases, likely representing blockbuster films. </a:t>
-            </a:r>
-            <a:endParaRPr lang="en-US" sz="2000" dirty="0">
-              <a:latin typeface="Arial" panose="020B0604020202020204" pitchFamily="34" charset="0"/>
-              <a:cs typeface="Arial" panose="020B0604020202020204" pitchFamily="34" charset="0"/>
-            </a:endParaRPr>
-          </a:p>
-          <a:p>
-            <a:pPr>
-              <a:lnSpc>
-                <a:spcPct val="150000"/>
-              </a:lnSpc>
-            </a:pPr>
-            <a:r>
-              <a:rPr lang="en-US" sz="2000" dirty="0">
-                <a:latin typeface="Arial" panose="020B0604020202020204" pitchFamily="34" charset="0"/>
-                <a:cs typeface="Arial" panose="020B0604020202020204" pitchFamily="34" charset="0"/>
-              </a:rPr>
-              <a:t>The plot shows that ratings have little correlation with production budgets or revenue</a:t>
-            </a:r>
-            <a:endParaRPr lang="en-US" sz="2000" dirty="0">
-              <a:latin typeface="Arial" panose="020B0604020202020204" pitchFamily="34" charset="0"/>
-              <a:cs typeface="Arial" panose="020B0604020202020204" pitchFamily="34" charset="0"/>
-            </a:endParaRPr>
-          </a:p>
-        </p:txBody>
-      </p:sp>
-      <p:pic>
-        <p:nvPicPr>
-          <p:cNvPr id="5" name="Picture 4"/>
-          <p:cNvPicPr>
-            <a:picLocks noChangeAspect="1"/>
-          </p:cNvPicPr>
-          <p:nvPr/>
-        </p:nvPicPr>
-        <p:blipFill>
-          <a:blip r:embed="rId1"/>
-          <a:stretch>
-            <a:fillRect/>
-          </a:stretch>
-        </p:blipFill>
-        <p:spPr>
-          <a:xfrm>
-            <a:off x="1565894" y="1394460"/>
-            <a:ext cx="4795201" cy="4652010"/>
-          </a:xfrm>
-          <a:prstGeom prst="rect">
-            <a:avLst/>
-          </a:prstGeom>
-        </p:spPr>
-      </p:pic>
-    </p:spTree>
-  </p:cSld>
-  <p:clrMapOvr>
-    <a:masterClrMapping/>
-  </p:clrMapOvr>
-</p:sld>
-</file>
-
-<file path=ppt/slides/slide25.xml><?xml version="1.0" encoding="utf-8"?>
-<p:sld xmlns:a="http://schemas.openxmlformats.org/drawingml/2006/main" xmlns:r="http://schemas.openxmlformats.org/officeDocument/2006/relationships" xmlns:p="http://schemas.openxmlformats.org/presentationml/2006/main">
-  <p:cSld>
-    <p:spTree>
-      <p:nvGrpSpPr>
-        <p:cNvPr id="1" name=""/>
-        <p:cNvGrpSpPr/>
-        <p:nvPr/>
-      </p:nvGrpSpPr>
-      <p:grpSpPr>
-        <a:xfrm>
-          <a:off x="0" y="0"/>
-          <a:ext cx="0" cy="0"/>
-          <a:chOff x="0" y="0"/>
-          <a:chExt cx="0" cy="0"/>
-        </a:xfrm>
-      </p:grpSpPr>
-      <p:sp>
-        <p:nvSpPr>
-          <p:cNvPr id="2" name="Title 1"/>
-          <p:cNvSpPr>
-            <a:spLocks noGrp="1"/>
-          </p:cNvSpPr>
-          <p:nvPr>
-            <p:ph type="title"/>
-          </p:nvPr>
-        </p:nvSpPr>
-        <p:spPr>
-          <a:xfrm>
-            <a:off x="1884265" y="199288"/>
-            <a:ext cx="8911687" cy="747490"/>
-          </a:xfrm>
-        </p:spPr>
-        <p:txBody>
-          <a:bodyPr>
-            <a:normAutofit/>
-          </a:bodyPr>
-          <a:lstStyle/>
-          <a:p>
-            <a:r>
-              <a:rPr lang="en-US" sz="3600" b="1" dirty="0"/>
-              <a:t>Relationships for the budget data</a:t>
-            </a:r>
-            <a:endParaRPr lang="en-US" b="1" dirty="0"/>
-          </a:p>
-        </p:txBody>
-      </p:sp>
-      <p:sp>
-        <p:nvSpPr>
-          <p:cNvPr id="3" name="Content Placeholder 2"/>
-          <p:cNvSpPr>
-            <a:spLocks noGrp="1"/>
-          </p:cNvSpPr>
-          <p:nvPr>
-            <p:ph idx="1"/>
-          </p:nvPr>
-        </p:nvSpPr>
-        <p:spPr>
-          <a:xfrm>
-            <a:off x="8458200" y="1052623"/>
-            <a:ext cx="3469322" cy="5428186"/>
-          </a:xfrm>
-        </p:spPr>
-        <p:txBody>
-          <a:bodyPr>
-            <a:normAutofit/>
-          </a:bodyPr>
-          <a:lstStyle/>
-          <a:p>
-            <a:pPr>
-              <a:lnSpc>
-                <a:spcPct val="150000"/>
-              </a:lnSpc>
-            </a:pPr>
-            <a:r>
-              <a:rPr lang="en-US" sz="2000" dirty="0">
-                <a:latin typeface="Arial" panose="020B0604020202020204" pitchFamily="34" charset="0"/>
-                <a:cs typeface="Arial" panose="020B0604020202020204" pitchFamily="34" charset="0"/>
-              </a:rPr>
-              <a:t>There is a positive linear relationship between domestic gross and foreign gross.</a:t>
-            </a:r>
-            <a:endParaRPr lang="en-US" sz="2000" dirty="0">
-              <a:latin typeface="Arial" panose="020B0604020202020204" pitchFamily="34" charset="0"/>
-              <a:cs typeface="Arial" panose="020B0604020202020204" pitchFamily="34" charset="0"/>
-            </a:endParaRPr>
-          </a:p>
-          <a:p>
-            <a:pPr>
-              <a:lnSpc>
-                <a:spcPct val="150000"/>
-              </a:lnSpc>
-            </a:pPr>
-            <a:r>
-              <a:rPr lang="en-US" sz="2000" dirty="0">
-                <a:latin typeface="Arial" panose="020B0604020202020204" pitchFamily="34" charset="0"/>
-                <a:cs typeface="Arial" panose="020B0604020202020204" pitchFamily="34" charset="0"/>
-              </a:rPr>
-              <a:t>An increase in domestic gross may lead to a corresponding increase in foreign gross</a:t>
-            </a:r>
-            <a:endParaRPr lang="en-US" sz="2000" dirty="0">
-              <a:latin typeface="Arial" panose="020B0604020202020204" pitchFamily="34" charset="0"/>
-              <a:cs typeface="Arial" panose="020B0604020202020204" pitchFamily="34" charset="0"/>
-            </a:endParaRPr>
-          </a:p>
-          <a:p>
-            <a:pPr>
-              <a:lnSpc>
-                <a:spcPct val="150000"/>
-              </a:lnSpc>
-            </a:pPr>
-            <a:endParaRPr lang="en-US" sz="2000" dirty="0">
-              <a:latin typeface="Arial" panose="020B0604020202020204" pitchFamily="34" charset="0"/>
-              <a:cs typeface="Arial" panose="020B0604020202020204" pitchFamily="34" charset="0"/>
-            </a:endParaRPr>
-          </a:p>
-        </p:txBody>
-      </p:sp>
-      <p:pic>
-        <p:nvPicPr>
-          <p:cNvPr id="5" name="Picture 4"/>
-          <p:cNvPicPr>
-            <a:picLocks noChangeAspect="1"/>
-          </p:cNvPicPr>
-          <p:nvPr/>
-        </p:nvPicPr>
-        <p:blipFill>
-          <a:blip r:embed="rId1"/>
-          <a:stretch>
-            <a:fillRect/>
-          </a:stretch>
-        </p:blipFill>
-        <p:spPr>
-          <a:xfrm>
-            <a:off x="1707950" y="1052623"/>
-            <a:ext cx="6487360" cy="5452521"/>
-          </a:xfrm>
-          <a:prstGeom prst="rect">
-            <a:avLst/>
-          </a:prstGeom>
-        </p:spPr>
-      </p:pic>
-    </p:spTree>
-  </p:cSld>
-  <p:clrMapOvr>
-    <a:masterClrMapping/>
-  </p:clrMapOvr>
-</p:sld>
-</file>
-
-<file path=ppt/slides/slide26.xml><?xml version="1.0" encoding="utf-8"?>
-<p:sld xmlns:a="http://schemas.openxmlformats.org/drawingml/2006/main" xmlns:r="http://schemas.openxmlformats.org/officeDocument/2006/relationships" xmlns:p="http://schemas.openxmlformats.org/presentationml/2006/main">
-  <p:cSld>
-    <p:spTree>
-      <p:nvGrpSpPr>
-        <p:cNvPr id="1" name=""/>
-        <p:cNvGrpSpPr/>
-        <p:nvPr/>
-      </p:nvGrpSpPr>
-      <p:grpSpPr>
-        <a:xfrm>
-          <a:off x="0" y="0"/>
-          <a:ext cx="0" cy="0"/>
-          <a:chOff x="0" y="0"/>
-          <a:chExt cx="0" cy="0"/>
-        </a:xfrm>
-      </p:grpSpPr>
-      <p:sp>
-        <p:nvSpPr>
-          <p:cNvPr id="2" name="Title 1"/>
-          <p:cNvSpPr>
-            <a:spLocks noGrp="1"/>
-          </p:cNvSpPr>
-          <p:nvPr>
-            <p:ph type="title"/>
-          </p:nvPr>
-        </p:nvSpPr>
-        <p:spPr/>
-        <p:txBody>
-          <a:bodyPr>
-            <a:normAutofit/>
-          </a:bodyPr>
-          <a:lstStyle/>
-          <a:p>
-            <a:r>
-              <a:rPr lang="en-US" b="1" dirty="0"/>
-              <a:t>Data Modelling – Simple Linear Regression</a:t>
-            </a:r>
-            <a:endParaRPr lang="en-US" b="1" dirty="0"/>
-          </a:p>
-        </p:txBody>
-      </p:sp>
-      <p:sp>
-        <p:nvSpPr>
-          <p:cNvPr id="3" name="Content Placeholder 2"/>
-          <p:cNvSpPr>
-            <a:spLocks noGrp="1"/>
-          </p:cNvSpPr>
-          <p:nvPr>
-            <p:ph idx="1"/>
-          </p:nvPr>
-        </p:nvSpPr>
-        <p:spPr/>
-        <p:txBody>
-          <a:bodyPr>
-            <a:normAutofit/>
-          </a:bodyPr>
-          <a:lstStyle/>
-          <a:p>
-            <a:pPr>
-              <a:lnSpc>
-                <a:spcPct val="150000"/>
-              </a:lnSpc>
-            </a:pPr>
-            <a:r>
-              <a:rPr lang="en-US" sz="2400" dirty="0">
-                <a:latin typeface="Arial" panose="020B0604020202020204" pitchFamily="34" charset="0"/>
-                <a:cs typeface="Arial" panose="020B0604020202020204" pitchFamily="34" charset="0"/>
-              </a:rPr>
-              <a:t>The Ordinary Least Squares(OLS) model was used to determine the relationships between different variables: domestic gross, production budget and worldwide gross, foreign gross.</a:t>
-            </a:r>
-            <a:endParaRPr lang="en-US" sz="2400" dirty="0">
-              <a:latin typeface="Arial" panose="020B0604020202020204" pitchFamily="34" charset="0"/>
-              <a:cs typeface="Arial" panose="020B0604020202020204" pitchFamily="34" charset="0"/>
-            </a:endParaRPr>
-          </a:p>
-          <a:p>
-            <a:pPr>
-              <a:lnSpc>
-                <a:spcPct val="150000"/>
-              </a:lnSpc>
-            </a:pPr>
-            <a:r>
-              <a:rPr lang="en-US" sz="2400" dirty="0">
-                <a:latin typeface="Arial" panose="020B0604020202020204" pitchFamily="34" charset="0"/>
-                <a:cs typeface="Arial" panose="020B0604020202020204" pitchFamily="34" charset="0"/>
-              </a:rPr>
-              <a:t>The model was used to predict various variables on the data.</a:t>
-            </a:r>
-            <a:endParaRPr lang="en-US" sz="2400" dirty="0">
-              <a:latin typeface="Arial" panose="020B0604020202020204" pitchFamily="34" charset="0"/>
-              <a:cs typeface="Arial" panose="020B0604020202020204" pitchFamily="34" charset="0"/>
-            </a:endParaRPr>
-          </a:p>
-        </p:txBody>
-      </p:sp>
-    </p:spTree>
-  </p:cSld>
-  <p:clrMapOvr>
-    <a:masterClrMapping/>
-  </p:clrMapOvr>
-</p:sld>
-</file>
-
-<file path=ppt/slides/slide27.xml><?xml version="1.0" encoding="utf-8"?>
-<p:sld xmlns:a="http://schemas.openxmlformats.org/drawingml/2006/main" xmlns:r="http://schemas.openxmlformats.org/officeDocument/2006/relationships" xmlns:p="http://schemas.openxmlformats.org/presentationml/2006/main">
-  <p:cSld>
-    <p:spTree>
-      <p:nvGrpSpPr>
-        <p:cNvPr id="1" name=""/>
-        <p:cNvGrpSpPr/>
-        <p:nvPr/>
-      </p:nvGrpSpPr>
-      <p:grpSpPr>
-        <a:xfrm>
-          <a:off x="0" y="0"/>
-          <a:ext cx="0" cy="0"/>
-          <a:chOff x="0" y="0"/>
-          <a:chExt cx="0" cy="0"/>
-        </a:xfrm>
-      </p:grpSpPr>
-      <p:sp>
-        <p:nvSpPr>
-          <p:cNvPr id="2" name="Title 1"/>
-          <p:cNvSpPr>
-            <a:spLocks noGrp="1"/>
-          </p:cNvSpPr>
-          <p:nvPr>
-            <p:ph type="title"/>
-          </p:nvPr>
-        </p:nvSpPr>
-        <p:spPr>
-          <a:xfrm>
-            <a:off x="2080260" y="394700"/>
-            <a:ext cx="7600950" cy="778050"/>
-          </a:xfrm>
-        </p:spPr>
-        <p:txBody>
-          <a:bodyPr>
-            <a:noAutofit/>
-          </a:bodyPr>
-          <a:lstStyle/>
-          <a:p>
-            <a:pPr algn="ctr"/>
-            <a:r>
-              <a:rPr lang="en-US" sz="2400" b="1" dirty="0"/>
-              <a:t>Rainbow test – Domestic gross to predict worldwide gross</a:t>
-            </a:r>
-            <a:endParaRPr lang="en-US" sz="2400" b="1" dirty="0"/>
-          </a:p>
-        </p:txBody>
-      </p:sp>
-      <p:pic>
-        <p:nvPicPr>
-          <p:cNvPr id="5" name="Picture 4"/>
-          <p:cNvPicPr>
-            <a:picLocks noChangeAspect="1"/>
-          </p:cNvPicPr>
-          <p:nvPr/>
-        </p:nvPicPr>
-        <p:blipFill>
-          <a:blip r:embed="rId1"/>
-          <a:stretch>
-            <a:fillRect/>
-          </a:stretch>
-        </p:blipFill>
-        <p:spPr>
-          <a:xfrm>
-            <a:off x="1634490" y="2308860"/>
-            <a:ext cx="5124573" cy="4091858"/>
-          </a:xfrm>
-          <a:prstGeom prst="rect">
-            <a:avLst/>
-          </a:prstGeom>
-        </p:spPr>
-      </p:pic>
-      <p:sp>
-        <p:nvSpPr>
-          <p:cNvPr id="7" name="Content Placeholder 2"/>
-          <p:cNvSpPr txBox="1"/>
-          <p:nvPr/>
-        </p:nvSpPr>
-        <p:spPr>
-          <a:xfrm>
-            <a:off x="6880860" y="2308860"/>
-            <a:ext cx="4941049" cy="3376390"/>
-          </a:xfrm>
-          <a:prstGeom prst="rect">
-            <a:avLst/>
-          </a:prstGeom>
-        </p:spPr>
-        <p:txBody>
-          <a:bodyPr vert="horz" lIns="91440" tIns="45720" rIns="91440" bIns="45720" rtlCol="0">
-            <a:normAutofit fontScale="92500" lnSpcReduction="20000"/>
-          </a:bodyPr>
-          <a:lstStyle>
-            <a:lvl1pPr marL="342900" indent="-342900" algn="l" defTabSz="457200" rtl="0" eaLnBrk="1" latinLnBrk="0" hangingPunct="1">
-              <a:spcBef>
-                <a:spcPts val="1000"/>
-              </a:spcBef>
-              <a:spcAft>
-                <a:spcPts val="0"/>
-              </a:spcAft>
-              <a:buClr>
-                <a:schemeClr val="accent1"/>
-              </a:buClr>
-              <a:buFont typeface="Wingdings 3" charset="2"/>
-              <a:buChar char=""/>
-              <a:defRPr sz="1800" kern="1200">
-                <a:solidFill>
-                  <a:schemeClr val="tx1">
-                    <a:lumMod val="75000"/>
-                    <a:lumOff val="25000"/>
-                  </a:schemeClr>
-                </a:solidFill>
-                <a:latin typeface="+mn-lt"/>
-                <a:ea typeface="+mn-ea"/>
-                <a:cs typeface="+mn-cs"/>
-              </a:defRPr>
-            </a:lvl1pPr>
-            <a:lvl2pPr marL="742950" indent="-285750" algn="l" defTabSz="457200" rtl="0" eaLnBrk="1" latinLnBrk="0" hangingPunct="1">
-              <a:spcBef>
-                <a:spcPts val="1000"/>
-              </a:spcBef>
-              <a:spcAft>
-                <a:spcPts val="0"/>
-              </a:spcAft>
-              <a:buClr>
-                <a:schemeClr val="accent1"/>
-              </a:buClr>
-              <a:buFont typeface="Wingdings 3" charset="2"/>
-              <a:buChar char=""/>
-              <a:defRPr sz="1600" kern="1200">
-                <a:solidFill>
-                  <a:schemeClr val="tx1">
-                    <a:lumMod val="75000"/>
-                    <a:lumOff val="25000"/>
-                  </a:schemeClr>
-                </a:solidFill>
-                <a:latin typeface="+mn-lt"/>
-                <a:ea typeface="+mn-ea"/>
-                <a:cs typeface="+mn-cs"/>
-              </a:defRPr>
-            </a:lvl2pPr>
-            <a:lvl3pPr marL="1143000" indent="-228600" algn="l" defTabSz="457200" rtl="0" eaLnBrk="1" latinLnBrk="0" hangingPunct="1">
-              <a:spcBef>
-                <a:spcPts val="1000"/>
-              </a:spcBef>
-              <a:spcAft>
-                <a:spcPts val="0"/>
-              </a:spcAft>
-              <a:buClr>
-                <a:schemeClr val="accent1"/>
-              </a:buClr>
-              <a:buFont typeface="Wingdings 3" charset="2"/>
-              <a:buChar char=""/>
-              <a:defRPr sz="1400" kern="1200">
-                <a:solidFill>
-                  <a:schemeClr val="tx1">
-                    <a:lumMod val="75000"/>
-                    <a:lumOff val="25000"/>
-                  </a:schemeClr>
-                </a:solidFill>
-                <a:latin typeface="+mn-lt"/>
-                <a:ea typeface="+mn-ea"/>
-                <a:cs typeface="+mn-cs"/>
-              </a:defRPr>
-            </a:lvl3pPr>
-            <a:lvl4pPr marL="1600200" indent="-228600" algn="l" defTabSz="457200" rtl="0" eaLnBrk="1" latinLnBrk="0" hangingPunct="1">
-              <a:spcBef>
-                <a:spcPts val="1000"/>
-              </a:spcBef>
-              <a:spcAft>
-                <a:spcPts val="0"/>
-              </a:spcAft>
-              <a:buClr>
-                <a:schemeClr val="accent1"/>
-              </a:buClr>
-              <a:buFont typeface="Wingdings 3" charset="2"/>
-              <a:buChar char=""/>
-              <a:defRPr sz="1200" kern="1200">
-                <a:solidFill>
-                  <a:schemeClr val="tx1">
-                    <a:lumMod val="75000"/>
-                    <a:lumOff val="25000"/>
-                  </a:schemeClr>
-                </a:solidFill>
-                <a:latin typeface="+mn-lt"/>
-                <a:ea typeface="+mn-ea"/>
-                <a:cs typeface="+mn-cs"/>
-              </a:defRPr>
-            </a:lvl4pPr>
-            <a:lvl5pPr marL="2057400" indent="-228600" algn="l" defTabSz="457200" rtl="0" eaLnBrk="1" latinLnBrk="0" hangingPunct="1">
-              <a:spcBef>
-                <a:spcPts val="1000"/>
-              </a:spcBef>
-              <a:spcAft>
-                <a:spcPts val="0"/>
-              </a:spcAft>
-              <a:buClr>
-                <a:schemeClr val="accent1"/>
-              </a:buClr>
-              <a:buFont typeface="Wingdings 3" charset="2"/>
-              <a:buChar char=""/>
-              <a:defRPr sz="1200" kern="1200">
-                <a:solidFill>
-                  <a:schemeClr val="tx1">
-                    <a:lumMod val="75000"/>
-                    <a:lumOff val="25000"/>
-                  </a:schemeClr>
-                </a:solidFill>
-                <a:latin typeface="+mn-lt"/>
-                <a:ea typeface="+mn-ea"/>
-                <a:cs typeface="+mn-cs"/>
-              </a:defRPr>
-            </a:lvl5pPr>
-            <a:lvl6pPr marL="2514600" indent="-228600" algn="l" defTabSz="457200" rtl="0" eaLnBrk="1" latinLnBrk="0" hangingPunct="1">
-              <a:spcBef>
-                <a:spcPts val="1000"/>
-              </a:spcBef>
-              <a:spcAft>
-                <a:spcPts val="0"/>
-              </a:spcAft>
-              <a:buClr>
-                <a:schemeClr val="accent1"/>
-              </a:buClr>
-              <a:buFont typeface="Wingdings 3" charset="2"/>
-              <a:buChar char=""/>
-              <a:defRPr sz="1200" kern="1200">
-                <a:solidFill>
-                  <a:schemeClr val="tx1">
-                    <a:lumMod val="75000"/>
-                    <a:lumOff val="25000"/>
-                  </a:schemeClr>
-                </a:solidFill>
-                <a:latin typeface="+mn-lt"/>
-                <a:ea typeface="+mn-ea"/>
-                <a:cs typeface="+mn-cs"/>
-              </a:defRPr>
-            </a:lvl6pPr>
-            <a:lvl7pPr marL="2971800" indent="-228600" algn="l" defTabSz="457200" rtl="0" eaLnBrk="1" latinLnBrk="0" hangingPunct="1">
-              <a:spcBef>
-                <a:spcPts val="1000"/>
-              </a:spcBef>
-              <a:spcAft>
-                <a:spcPts val="0"/>
-              </a:spcAft>
-              <a:buClr>
-                <a:schemeClr val="accent1"/>
-              </a:buClr>
-              <a:buFont typeface="Wingdings 3" charset="2"/>
-              <a:buChar char=""/>
-              <a:defRPr sz="1200" kern="1200">
-                <a:solidFill>
-                  <a:schemeClr val="tx1">
-                    <a:lumMod val="75000"/>
-                    <a:lumOff val="25000"/>
-                  </a:schemeClr>
-                </a:solidFill>
-                <a:latin typeface="+mn-lt"/>
-                <a:ea typeface="+mn-ea"/>
-                <a:cs typeface="+mn-cs"/>
-              </a:defRPr>
-            </a:lvl7pPr>
-            <a:lvl8pPr marL="3429000" indent="-228600" algn="l" defTabSz="457200" rtl="0" eaLnBrk="1" latinLnBrk="0" hangingPunct="1">
-              <a:spcBef>
-                <a:spcPts val="1000"/>
-              </a:spcBef>
-              <a:spcAft>
-                <a:spcPts val="0"/>
-              </a:spcAft>
-              <a:buClr>
-                <a:schemeClr val="accent1"/>
-              </a:buClr>
-              <a:buFont typeface="Wingdings 3" charset="2"/>
-              <a:buChar char=""/>
-              <a:defRPr sz="1200" kern="1200">
-                <a:solidFill>
-                  <a:schemeClr val="tx1">
-                    <a:lumMod val="75000"/>
-                    <a:lumOff val="25000"/>
-                  </a:schemeClr>
-                </a:solidFill>
-                <a:latin typeface="+mn-lt"/>
-                <a:ea typeface="+mn-ea"/>
-                <a:cs typeface="+mn-cs"/>
-              </a:defRPr>
-            </a:lvl8pPr>
-            <a:lvl9pPr marL="3886200" indent="-228600" algn="l" defTabSz="457200" rtl="0" eaLnBrk="1" latinLnBrk="0" hangingPunct="1">
-              <a:spcBef>
-                <a:spcPts val="1000"/>
-              </a:spcBef>
-              <a:spcAft>
-                <a:spcPts val="0"/>
-              </a:spcAft>
-              <a:buClr>
-                <a:schemeClr val="accent1"/>
-              </a:buClr>
-              <a:buFont typeface="Wingdings 3" charset="2"/>
-              <a:buChar char=""/>
-              <a:defRPr sz="1200" kern="1200">
-                <a:solidFill>
-                  <a:schemeClr val="tx1">
-                    <a:lumMod val="75000"/>
-                    <a:lumOff val="25000"/>
-                  </a:schemeClr>
-                </a:solidFill>
-                <a:latin typeface="+mn-lt"/>
-                <a:ea typeface="+mn-ea"/>
-                <a:cs typeface="+mn-cs"/>
-              </a:defRPr>
-            </a:lvl9pPr>
-          </a:lstStyle>
-          <a:p>
-            <a:pPr marL="354330" lvl="1">
-              <a:lnSpc>
-                <a:spcPct val="150000"/>
-              </a:lnSpc>
-            </a:pPr>
-            <a:r>
-              <a:rPr lang="en-US" sz="2000" dirty="0">
-                <a:latin typeface="Arial" panose="020B0604020202020204" pitchFamily="34" charset="0"/>
-                <a:cs typeface="Arial" panose="020B0604020202020204" pitchFamily="34" charset="0"/>
-              </a:rPr>
-              <a:t>88.2% of the variability in worldwide gross revenue can be explained by domestic gross revenue.</a:t>
-            </a:r>
-            <a:endParaRPr lang="en-US" sz="2000" dirty="0">
-              <a:latin typeface="Arial" panose="020B0604020202020204" pitchFamily="34" charset="0"/>
-              <a:cs typeface="Arial" panose="020B0604020202020204" pitchFamily="34" charset="0"/>
-            </a:endParaRPr>
-          </a:p>
-          <a:p>
-            <a:pPr marL="354330" lvl="1">
-              <a:lnSpc>
-                <a:spcPct val="150000"/>
-              </a:lnSpc>
-            </a:pPr>
-            <a:r>
-              <a:rPr lang="en-US" sz="2000" dirty="0">
-                <a:latin typeface="Arial" panose="020B0604020202020204" pitchFamily="34" charset="0"/>
-                <a:cs typeface="Arial" panose="020B0604020202020204" pitchFamily="34" charset="0"/>
-              </a:rPr>
-              <a:t>According to the model, if the company wants to start earning worldwide gross revenue, it should aim to generate at least $3.5 million in domestic gross revenue.</a:t>
-            </a:r>
-            <a:endParaRPr lang="en-US" sz="2000" dirty="0">
-              <a:latin typeface="Arial" panose="020B0604020202020204" pitchFamily="34" charset="0"/>
-              <a:cs typeface="Arial" panose="020B0604020202020204" pitchFamily="34" charset="0"/>
-            </a:endParaRPr>
-          </a:p>
-          <a:p>
-            <a:pPr marL="354330" lvl="1">
-              <a:lnSpc>
-                <a:spcPct val="150000"/>
-              </a:lnSpc>
-            </a:pPr>
-            <a:endParaRPr lang="en-US" sz="2000" dirty="0">
-              <a:latin typeface="Arial" panose="020B0604020202020204" pitchFamily="34" charset="0"/>
-              <a:cs typeface="Arial" panose="020B0604020202020204" pitchFamily="34" charset="0"/>
-            </a:endParaRPr>
-          </a:p>
-        </p:txBody>
-      </p:sp>
-      <p:sp>
-        <p:nvSpPr>
-          <p:cNvPr id="9" name="Content Placeholder 8"/>
-          <p:cNvSpPr>
-            <a:spLocks noGrp="1"/>
-          </p:cNvSpPr>
-          <p:nvPr>
-            <p:ph idx="1"/>
-          </p:nvPr>
-        </p:nvSpPr>
-        <p:spPr>
-          <a:xfrm>
-            <a:off x="1634490" y="1172750"/>
-            <a:ext cx="10046970" cy="1136110"/>
-          </a:xfrm>
-        </p:spPr>
-        <p:txBody>
-          <a:bodyPr>
-            <a:normAutofit/>
-          </a:bodyPr>
-          <a:lstStyle/>
-          <a:p>
-            <a:pPr>
-              <a:lnSpc>
-                <a:spcPct val="160000"/>
-              </a:lnSpc>
-            </a:pPr>
-            <a:r>
-              <a:rPr lang="en-US" sz="2000" dirty="0">
-                <a:latin typeface="Arial" panose="020B0604020202020204" pitchFamily="34" charset="0"/>
-                <a:cs typeface="Arial" panose="020B0604020202020204" pitchFamily="34" charset="0"/>
-              </a:rPr>
-              <a:t>Using this model, an R-squared of 88.2% shows that domestic revenue is a very reliable indicator for predicting worldwide revenue.</a:t>
-            </a:r>
-            <a:endParaRPr lang="en-US" sz="2000" dirty="0">
-              <a:latin typeface="Arial" panose="020B0604020202020204" pitchFamily="34" charset="0"/>
-              <a:cs typeface="Arial" panose="020B0604020202020204" pitchFamily="34" charset="0"/>
-            </a:endParaRPr>
-          </a:p>
-        </p:txBody>
-      </p:sp>
-      <p:pic>
-        <p:nvPicPr>
-          <p:cNvPr id="8" name="Picture 7"/>
-          <p:cNvPicPr>
-            <a:picLocks noChangeAspect="1"/>
-          </p:cNvPicPr>
-          <p:nvPr/>
-        </p:nvPicPr>
-        <p:blipFill>
-          <a:blip r:embed="rId2"/>
-          <a:stretch>
-            <a:fillRect/>
-          </a:stretch>
-        </p:blipFill>
-        <p:spPr>
-          <a:xfrm>
-            <a:off x="6880860" y="5685250"/>
-            <a:ext cx="4457929" cy="778050"/>
-          </a:xfrm>
-          <a:prstGeom prst="rect">
-            <a:avLst/>
-          </a:prstGeom>
-        </p:spPr>
-      </p:pic>
-    </p:spTree>
-  </p:cSld>
-  <p:clrMapOvr>
-    <a:masterClrMapping/>
-  </p:clrMapOvr>
-</p:sld>
-</file>
-
-<file path=ppt/slides/slide28.xml><?xml version="1.0" encoding="utf-8"?>
-<p:sld xmlns:a="http://schemas.openxmlformats.org/drawingml/2006/main" xmlns:r="http://schemas.openxmlformats.org/officeDocument/2006/relationships" xmlns:p="http://schemas.openxmlformats.org/presentationml/2006/main">
-  <p:cSld>
-    <p:spTree>
-      <p:nvGrpSpPr>
-        <p:cNvPr id="1" name=""/>
-        <p:cNvGrpSpPr/>
-        <p:nvPr/>
-      </p:nvGrpSpPr>
-      <p:grpSpPr>
-        <a:xfrm>
-          <a:off x="0" y="0"/>
-          <a:ext cx="0" cy="0"/>
-          <a:chOff x="0" y="0"/>
-          <a:chExt cx="0" cy="0"/>
-        </a:xfrm>
-      </p:grpSpPr>
-      <p:sp>
-        <p:nvSpPr>
-          <p:cNvPr id="2" name="Title 1"/>
-          <p:cNvSpPr>
-            <a:spLocks noGrp="1"/>
-          </p:cNvSpPr>
-          <p:nvPr>
-            <p:ph type="title"/>
-          </p:nvPr>
-        </p:nvSpPr>
-        <p:spPr>
-          <a:xfrm>
-            <a:off x="1861405" y="498380"/>
-            <a:ext cx="8911687" cy="793210"/>
-          </a:xfrm>
-        </p:spPr>
-        <p:txBody>
-          <a:bodyPr>
-            <a:noAutofit/>
-          </a:bodyPr>
-          <a:lstStyle/>
-          <a:p>
-            <a:r>
-              <a:rPr lang="en-US" sz="2800" b="1" dirty="0"/>
-              <a:t>Using Multilinear regression - production cost</a:t>
-            </a:r>
-            <a:endParaRPr lang="en-US" sz="2800" b="1" dirty="0"/>
-          </a:p>
-        </p:txBody>
-      </p:sp>
-      <p:sp>
-        <p:nvSpPr>
-          <p:cNvPr id="3" name="Content Placeholder 2"/>
-          <p:cNvSpPr>
-            <a:spLocks noGrp="1"/>
-          </p:cNvSpPr>
-          <p:nvPr>
-            <p:ph idx="1"/>
-          </p:nvPr>
-        </p:nvSpPr>
-        <p:spPr>
-          <a:xfrm>
-            <a:off x="6619374" y="1177290"/>
-            <a:ext cx="5370696" cy="5360670"/>
-          </a:xfrm>
-        </p:spPr>
-        <p:txBody>
-          <a:bodyPr>
-            <a:noAutofit/>
-          </a:bodyPr>
-          <a:lstStyle/>
-          <a:p>
-            <a:pPr>
-              <a:lnSpc>
-                <a:spcPct val="150000"/>
-              </a:lnSpc>
-            </a:pPr>
-            <a:r>
-              <a:rPr lang="en-US" sz="2000" dirty="0">
-                <a:latin typeface="Arial" panose="020B0604020202020204" pitchFamily="34" charset="0"/>
-                <a:cs typeface="Arial" panose="020B0604020202020204" pitchFamily="34" charset="0"/>
-              </a:rPr>
-              <a:t>An R-squared of 0.551 means that 55.1% of the </a:t>
-            </a:r>
-            <a:r>
-              <a:rPr lang="en-US" sz="2000" b="1" dirty="0">
-                <a:latin typeface="Arial" panose="020B0604020202020204" pitchFamily="34" charset="0"/>
-                <a:cs typeface="Arial" panose="020B0604020202020204" pitchFamily="34" charset="0"/>
-              </a:rPr>
-              <a:t>production budget </a:t>
-            </a:r>
-            <a:r>
-              <a:rPr lang="en-US" sz="2000" dirty="0">
-                <a:latin typeface="Arial" panose="020B0604020202020204" pitchFamily="34" charset="0"/>
-                <a:cs typeface="Arial" panose="020B0604020202020204" pitchFamily="34" charset="0"/>
-              </a:rPr>
-              <a:t>differences can be predicted based on a movie’s revenue </a:t>
-            </a:r>
-            <a:r>
-              <a:rPr lang="en-US" sz="2000" b="1" dirty="0">
-                <a:latin typeface="Arial" panose="020B0604020202020204" pitchFamily="34" charset="0"/>
-                <a:cs typeface="Arial" panose="020B0604020202020204" pitchFamily="34" charset="0"/>
-              </a:rPr>
-              <a:t>domestically</a:t>
-            </a:r>
-            <a:r>
-              <a:rPr lang="en-US" sz="2000" dirty="0">
-                <a:latin typeface="Arial" panose="020B0604020202020204" pitchFamily="34" charset="0"/>
-                <a:cs typeface="Arial" panose="020B0604020202020204" pitchFamily="34" charset="0"/>
-              </a:rPr>
-              <a:t> and </a:t>
-            </a:r>
-            <a:r>
-              <a:rPr lang="en-US" sz="2000" b="1" dirty="0">
-                <a:latin typeface="Arial" panose="020B0604020202020204" pitchFamily="34" charset="0"/>
-                <a:cs typeface="Arial" panose="020B0604020202020204" pitchFamily="34" charset="0"/>
-              </a:rPr>
-              <a:t>worldwide</a:t>
-            </a:r>
-            <a:r>
-              <a:rPr lang="en-US" sz="2000" dirty="0">
-                <a:latin typeface="Arial" panose="020B0604020202020204" pitchFamily="34" charset="0"/>
-                <a:cs typeface="Arial" panose="020B0604020202020204" pitchFamily="34" charset="0"/>
-              </a:rPr>
-              <a:t>. 44.9% of the budget differences are influenced by other factors that weren’t included in this analysis. </a:t>
-            </a:r>
-            <a:endParaRPr lang="en-US" sz="2000" dirty="0">
-              <a:latin typeface="Arial" panose="020B0604020202020204" pitchFamily="34" charset="0"/>
-              <a:cs typeface="Arial" panose="020B0604020202020204" pitchFamily="34" charset="0"/>
-            </a:endParaRPr>
-          </a:p>
-          <a:p>
-            <a:pPr>
-              <a:lnSpc>
-                <a:spcPct val="150000"/>
-              </a:lnSpc>
-            </a:pPr>
-            <a:r>
-              <a:rPr lang="en-US" sz="2000" dirty="0">
-                <a:latin typeface="Arial" panose="020B0604020202020204" pitchFamily="34" charset="0"/>
-                <a:cs typeface="Arial" panose="020B0604020202020204" pitchFamily="34" charset="0"/>
-              </a:rPr>
-              <a:t>Revenue provides a preview into a movie's budget, but they don't reveal the full picture; other factors significantly influence production costs</a:t>
-            </a:r>
-            <a:endParaRPr lang="en-US" sz="2000" dirty="0">
-              <a:latin typeface="Arial" panose="020B0604020202020204" pitchFamily="34" charset="0"/>
-              <a:cs typeface="Arial" panose="020B0604020202020204" pitchFamily="34" charset="0"/>
-            </a:endParaRPr>
-          </a:p>
-          <a:p>
-            <a:pPr>
-              <a:lnSpc>
-                <a:spcPct val="150000"/>
-              </a:lnSpc>
-            </a:pPr>
-            <a:endParaRPr lang="en-US" sz="2000" dirty="0">
-              <a:latin typeface="Arial" panose="020B0604020202020204" pitchFamily="34" charset="0"/>
-              <a:cs typeface="Arial" panose="020B0604020202020204" pitchFamily="34" charset="0"/>
-            </a:endParaRPr>
-          </a:p>
-        </p:txBody>
-      </p:sp>
-      <p:pic>
-        <p:nvPicPr>
-          <p:cNvPr id="7" name="Picture 6"/>
-          <p:cNvPicPr>
-            <a:picLocks noChangeAspect="1"/>
-          </p:cNvPicPr>
-          <p:nvPr/>
-        </p:nvPicPr>
-        <p:blipFill>
-          <a:blip r:embed="rId1"/>
-          <a:stretch>
-            <a:fillRect/>
-          </a:stretch>
-        </p:blipFill>
-        <p:spPr>
-          <a:xfrm>
-            <a:off x="1412106" y="1417320"/>
-            <a:ext cx="5207268" cy="4370481"/>
-          </a:xfrm>
-          <a:prstGeom prst="rect">
-            <a:avLst/>
-          </a:prstGeom>
-        </p:spPr>
-      </p:pic>
-    </p:spTree>
-  </p:cSld>
-  <p:clrMapOvr>
-    <a:masterClrMapping/>
-  </p:clrMapOvr>
-</p:sld>
-</file>
-
-<file path=ppt/slides/slide29.xml><?xml version="1.0" encoding="utf-8"?>
-<p:sld xmlns:a="http://schemas.openxmlformats.org/drawingml/2006/main" xmlns:r="http://schemas.openxmlformats.org/officeDocument/2006/relationships" xmlns:p="http://schemas.openxmlformats.org/presentationml/2006/main">
-  <p:cSld>
-    <p:spTree>
-      <p:nvGrpSpPr>
-        <p:cNvPr id="1" name=""/>
-        <p:cNvGrpSpPr/>
-        <p:nvPr/>
-      </p:nvGrpSpPr>
-      <p:grpSpPr>
-        <a:xfrm>
-          <a:off x="0" y="0"/>
-          <a:ext cx="0" cy="0"/>
-          <a:chOff x="0" y="0"/>
-          <a:chExt cx="0" cy="0"/>
-        </a:xfrm>
-      </p:grpSpPr>
-      <p:sp>
-        <p:nvSpPr>
-          <p:cNvPr id="2" name="Title 1"/>
-          <p:cNvSpPr>
-            <a:spLocks noGrp="1"/>
-          </p:cNvSpPr>
-          <p:nvPr>
-            <p:ph type="title"/>
-          </p:nvPr>
-        </p:nvSpPr>
-        <p:spPr>
-          <a:xfrm>
-            <a:off x="2592925" y="406940"/>
-            <a:ext cx="8911687" cy="816070"/>
-          </a:xfrm>
-        </p:spPr>
-        <p:txBody>
-          <a:bodyPr>
-            <a:normAutofit/>
-          </a:bodyPr>
-          <a:lstStyle/>
-          <a:p>
-            <a:r>
-              <a:rPr lang="en-US" b="1" i="0" dirty="0">
-                <a:solidFill>
-                  <a:srgbClr val="2D3B45"/>
-                </a:solidFill>
-                <a:effectLst/>
-                <a:latin typeface="Lato Extended"/>
-              </a:rPr>
-              <a:t>Recommendations</a:t>
-            </a:r>
-            <a:endParaRPr lang="en-US" b="1" dirty="0"/>
-          </a:p>
-        </p:txBody>
-      </p:sp>
-      <p:sp>
-        <p:nvSpPr>
-          <p:cNvPr id="3" name="Content Placeholder 2"/>
-          <p:cNvSpPr>
-            <a:spLocks noGrp="1"/>
-          </p:cNvSpPr>
-          <p:nvPr>
-            <p:ph idx="1"/>
-          </p:nvPr>
-        </p:nvSpPr>
-        <p:spPr>
-          <a:xfrm>
-            <a:off x="1965960" y="1350335"/>
-            <a:ext cx="9381744" cy="4876730"/>
-          </a:xfrm>
-        </p:spPr>
-        <p:txBody>
-          <a:bodyPr>
-            <a:normAutofit/>
-          </a:bodyPr>
-          <a:lstStyle/>
-          <a:p>
-            <a:pPr>
-              <a:lnSpc>
-                <a:spcPct val="150000"/>
-              </a:lnSpc>
-            </a:pPr>
-            <a:r>
-              <a:rPr lang="en-US" sz="2000" dirty="0">
-                <a:latin typeface="Arial" panose="020B0604020202020204" pitchFamily="34" charset="0"/>
-                <a:cs typeface="Arial" panose="020B0604020202020204" pitchFamily="34" charset="0"/>
-              </a:rPr>
-              <a:t>To maximize revenue, the movie studio should focus on releasing their films in the months with the highest revenue, such as December, June, and July.</a:t>
-            </a:r>
-            <a:endParaRPr lang="en-US" sz="2000" dirty="0">
-              <a:latin typeface="Arial" panose="020B0604020202020204" pitchFamily="34" charset="0"/>
-              <a:cs typeface="Arial" panose="020B0604020202020204" pitchFamily="34" charset="0"/>
-            </a:endParaRPr>
-          </a:p>
-          <a:p>
-            <a:pPr>
-              <a:lnSpc>
-                <a:spcPct val="150000"/>
-              </a:lnSpc>
-            </a:pPr>
-            <a:r>
-              <a:rPr lang="en-US" sz="2000" dirty="0">
-                <a:latin typeface="Arial" panose="020B0604020202020204" pitchFamily="34" charset="0"/>
-                <a:cs typeface="Arial" panose="020B0604020202020204" pitchFamily="34" charset="0"/>
-              </a:rPr>
-              <a:t>They should prioritize releasing high-budget films with a high return on investment (ROI) to ensure their production budgets are not wasted. </a:t>
-            </a:r>
-            <a:endParaRPr lang="en-US" sz="2000" dirty="0">
-              <a:latin typeface="Arial" panose="020B0604020202020204" pitchFamily="34" charset="0"/>
-              <a:cs typeface="Arial" panose="020B0604020202020204" pitchFamily="34" charset="0"/>
-            </a:endParaRPr>
-          </a:p>
-          <a:p>
-            <a:pPr>
-              <a:lnSpc>
-                <a:spcPct val="150000"/>
-              </a:lnSpc>
-            </a:pPr>
-            <a:r>
-              <a:rPr lang="en-US" sz="2000" dirty="0">
-                <a:latin typeface="Arial" panose="020B0604020202020204" pitchFamily="34" charset="0"/>
-                <a:cs typeface="Arial" panose="020B0604020202020204" pitchFamily="34" charset="0"/>
-              </a:rPr>
-              <a:t>They should prioritize releasing their films in the top performing genres, such as Musical, Performing Arts, Horror, Science Fiction, and Fantasy. This will help maximize their box office revenue and attract more viewers.</a:t>
-            </a:r>
-            <a:endParaRPr lang="en-US" sz="2000" dirty="0">
-              <a:latin typeface="Arial" panose="020B0604020202020204" pitchFamily="34" charset="0"/>
-              <a:cs typeface="Arial" panose="020B0604020202020204" pitchFamily="34" charset="0"/>
-            </a:endParaRPr>
-          </a:p>
-          <a:p>
-            <a:pPr>
-              <a:lnSpc>
-                <a:spcPct val="150000"/>
-              </a:lnSpc>
-            </a:pPr>
-            <a:r>
-              <a:rPr lang="en-US" sz="2000" dirty="0">
-                <a:latin typeface="Arial" panose="020B0604020202020204" pitchFamily="34" charset="0"/>
-                <a:cs typeface="Arial" panose="020B0604020202020204" pitchFamily="34" charset="0"/>
-              </a:rPr>
-              <a:t>Months with Lower Revenue: utilize lower budget or experimental films in months like January and September.</a:t>
-            </a:r>
-            <a:endParaRPr lang="en-US" sz="2000" dirty="0">
-              <a:latin typeface="Arial" panose="020B0604020202020204" pitchFamily="34" charset="0"/>
-              <a:cs typeface="Arial" panose="020B0604020202020204" pitchFamily="34" charset="0"/>
+                </a:outerShdw>
+              </a:effectLst>
+              <a:latin typeface="Times New Roman" panose="02020603050405020304" charset="0"/>
+              <a:cs typeface="Times New Roman" panose="02020603050405020304" charset="0"/>
             </a:endParaRPr>
           </a:p>
         </p:txBody>
@@ -12426,803 +10885,6 @@
             <a:endParaRPr lang="en-US" altLang="en-GB" sz="2000">
               <a:latin typeface="Times New Roman" panose="02020603050405020304" charset="0"/>
               <a:cs typeface="Times New Roman" panose="02020603050405020304" charset="0"/>
-            </a:endParaRPr>
-          </a:p>
-        </p:txBody>
-      </p:sp>
-    </p:spTree>
-  </p:cSld>
-  <p:clrMapOvr>
-    <a:masterClrMapping/>
-  </p:clrMapOvr>
-</p:sld>
-</file>
-
-<file path=ppt/slides/slide30.xml><?xml version="1.0" encoding="utf-8"?>
-<p:sld xmlns:a="http://schemas.openxmlformats.org/drawingml/2006/main" xmlns:r="http://schemas.openxmlformats.org/officeDocument/2006/relationships" xmlns:p="http://schemas.openxmlformats.org/presentationml/2006/main">
-  <p:cSld>
-    <p:spTree>
-      <p:nvGrpSpPr>
-        <p:cNvPr id="1" name=""/>
-        <p:cNvGrpSpPr/>
-        <p:nvPr/>
-      </p:nvGrpSpPr>
-      <p:grpSpPr>
-        <a:xfrm>
-          <a:off x="0" y="0"/>
-          <a:ext cx="0" cy="0"/>
-          <a:chOff x="0" y="0"/>
-          <a:chExt cx="0" cy="0"/>
-        </a:xfrm>
-      </p:grpSpPr>
-      <p:sp>
-        <p:nvSpPr>
-          <p:cNvPr id="2" name="Title 1"/>
-          <p:cNvSpPr>
-            <a:spLocks noGrp="1"/>
-          </p:cNvSpPr>
-          <p:nvPr>
-            <p:ph type="title"/>
-          </p:nvPr>
-        </p:nvSpPr>
-        <p:spPr>
-          <a:xfrm>
-            <a:off x="2352895" y="228600"/>
-            <a:ext cx="8911687" cy="811530"/>
-          </a:xfrm>
-        </p:spPr>
-        <p:txBody>
-          <a:bodyPr/>
-          <a:lstStyle/>
-          <a:p>
-            <a:r>
-              <a:rPr lang="en-US" b="1" i="0" dirty="0">
-                <a:solidFill>
-                  <a:srgbClr val="2D3B45"/>
-                </a:solidFill>
-                <a:effectLst/>
-                <a:latin typeface="Lato Extended"/>
-              </a:rPr>
-              <a:t>Recommendations cont.</a:t>
-            </a:r>
-            <a:endParaRPr lang="en-US" dirty="0"/>
-          </a:p>
-        </p:txBody>
-      </p:sp>
-      <p:sp>
-        <p:nvSpPr>
-          <p:cNvPr id="3" name="Content Placeholder 2"/>
-          <p:cNvSpPr>
-            <a:spLocks noGrp="1"/>
-          </p:cNvSpPr>
-          <p:nvPr>
-            <p:ph idx="1"/>
-          </p:nvPr>
-        </p:nvSpPr>
-        <p:spPr>
-          <a:xfrm>
-            <a:off x="2349182" y="1276350"/>
-            <a:ext cx="8915400" cy="4694682"/>
-          </a:xfrm>
-        </p:spPr>
-        <p:txBody>
-          <a:bodyPr>
-            <a:normAutofit/>
-          </a:bodyPr>
-          <a:lstStyle/>
-          <a:p>
-            <a:pPr>
-              <a:lnSpc>
-                <a:spcPct val="160000"/>
-              </a:lnSpc>
-            </a:pPr>
-            <a:r>
-              <a:rPr lang="en-US" sz="2000" dirty="0">
-                <a:latin typeface="Arial" panose="020B0604020202020204" pitchFamily="34" charset="0"/>
-                <a:cs typeface="Arial" panose="020B0604020202020204" pitchFamily="34" charset="0"/>
-              </a:rPr>
-              <a:t>Increase marketing efforts leading up to and during January and September to maximize on overall revenue.</a:t>
-            </a:r>
-            <a:endParaRPr lang="en-US" sz="2000" dirty="0">
-              <a:latin typeface="Arial" panose="020B0604020202020204" pitchFamily="34" charset="0"/>
-              <a:cs typeface="Arial" panose="020B0604020202020204" pitchFamily="34" charset="0"/>
-            </a:endParaRPr>
-          </a:p>
-          <a:p>
-            <a:pPr>
-              <a:lnSpc>
-                <a:spcPct val="160000"/>
-              </a:lnSpc>
-            </a:pPr>
-            <a:r>
-              <a:rPr lang="en-US" sz="2000" b="0" i="0" dirty="0">
-                <a:solidFill>
-                  <a:srgbClr val="1F2328"/>
-                </a:solidFill>
-                <a:effectLst/>
-                <a:latin typeface="Arial" panose="020B0604020202020204" pitchFamily="34" charset="0"/>
-                <a:cs typeface="Arial" panose="020B0604020202020204" pitchFamily="34" charset="0"/>
-              </a:rPr>
-              <a:t>Release High-Potential Films in June, July, and December as it shows strong performance in revenue. </a:t>
-            </a:r>
-            <a:endParaRPr lang="en-US" sz="2000" b="0" i="0" dirty="0">
-              <a:solidFill>
-                <a:srgbClr val="1F2328"/>
-              </a:solidFill>
-              <a:effectLst/>
-              <a:latin typeface="Arial" panose="020B0604020202020204" pitchFamily="34" charset="0"/>
-              <a:cs typeface="Arial" panose="020B0604020202020204" pitchFamily="34" charset="0"/>
-            </a:endParaRPr>
-          </a:p>
-          <a:p>
-            <a:pPr>
-              <a:lnSpc>
-                <a:spcPct val="160000"/>
-              </a:lnSpc>
-            </a:pPr>
-            <a:r>
-              <a:rPr lang="en-US" sz="2000" b="0" i="0" dirty="0">
-                <a:solidFill>
-                  <a:srgbClr val="1F2328"/>
-                </a:solidFill>
-                <a:effectLst/>
-                <a:latin typeface="Arial" panose="020B0604020202020204" pitchFamily="34" charset="0"/>
-                <a:cs typeface="Arial" panose="020B0604020202020204" pitchFamily="34" charset="0"/>
-              </a:rPr>
-              <a:t>Diversify the film portfolio by including more investments in lower-budget projects to enhance overall profitability and mitigate financial risk.</a:t>
-            </a:r>
-            <a:endParaRPr lang="en-US" sz="2000" b="0" i="0" dirty="0">
-              <a:solidFill>
-                <a:srgbClr val="1F2328"/>
-              </a:solidFill>
-              <a:effectLst/>
-              <a:latin typeface="Arial" panose="020B0604020202020204" pitchFamily="34" charset="0"/>
-              <a:cs typeface="Arial" panose="020B0604020202020204" pitchFamily="34" charset="0"/>
-            </a:endParaRPr>
-          </a:p>
-          <a:p>
-            <a:pPr lvl="1">
-              <a:lnSpc>
-                <a:spcPct val="160000"/>
-              </a:lnSpc>
-            </a:pPr>
-            <a:endParaRPr lang="en-US" sz="1800" dirty="0">
-              <a:latin typeface="Arial" panose="020B0604020202020204" pitchFamily="34" charset="0"/>
-              <a:cs typeface="Arial" panose="020B0604020202020204" pitchFamily="34" charset="0"/>
-            </a:endParaRPr>
-          </a:p>
-        </p:txBody>
-      </p:sp>
-    </p:spTree>
-  </p:cSld>
-  <p:clrMapOvr>
-    <a:masterClrMapping/>
-  </p:clrMapOvr>
-</p:sld>
-</file>
-
-<file path=ppt/slides/slide31.xml><?xml version="1.0" encoding="utf-8"?>
-<p:sld xmlns:a="http://schemas.openxmlformats.org/drawingml/2006/main" xmlns:r="http://schemas.openxmlformats.org/officeDocument/2006/relationships" xmlns:p="http://schemas.openxmlformats.org/presentationml/2006/main">
-  <p:cSld>
-    <p:spTree>
-      <p:nvGrpSpPr>
-        <p:cNvPr id="1" name=""/>
-        <p:cNvGrpSpPr/>
-        <p:nvPr/>
-      </p:nvGrpSpPr>
-      <p:grpSpPr>
-        <a:xfrm>
-          <a:off x="0" y="0"/>
-          <a:ext cx="0" cy="0"/>
-          <a:chOff x="0" y="0"/>
-          <a:chExt cx="0" cy="0"/>
-        </a:xfrm>
-      </p:grpSpPr>
-      <p:sp>
-        <p:nvSpPr>
-          <p:cNvPr id="2" name="Title 1"/>
-          <p:cNvSpPr>
-            <a:spLocks noGrp="1"/>
-          </p:cNvSpPr>
-          <p:nvPr>
-            <p:ph type="title"/>
-          </p:nvPr>
-        </p:nvSpPr>
-        <p:spPr>
-          <a:xfrm>
-            <a:off x="2592925" y="624110"/>
-            <a:ext cx="8911687" cy="811498"/>
-          </a:xfrm>
-        </p:spPr>
-        <p:txBody>
-          <a:bodyPr/>
-          <a:lstStyle/>
-          <a:p>
-            <a:r>
-              <a:rPr lang="en-US" b="1" i="0" dirty="0">
-                <a:solidFill>
-                  <a:srgbClr val="2D3B45"/>
-                </a:solidFill>
-                <a:effectLst/>
-                <a:latin typeface="Lato Extended"/>
-              </a:rPr>
-              <a:t>Recommendations cont.</a:t>
-            </a:r>
-            <a:endParaRPr lang="en-US" dirty="0"/>
-          </a:p>
-        </p:txBody>
-      </p:sp>
-      <p:sp>
-        <p:nvSpPr>
-          <p:cNvPr id="3" name="Content Placeholder 2"/>
-          <p:cNvSpPr>
-            <a:spLocks noGrp="1"/>
-          </p:cNvSpPr>
-          <p:nvPr>
-            <p:ph idx="1"/>
-          </p:nvPr>
-        </p:nvSpPr>
-        <p:spPr>
-          <a:xfrm>
-            <a:off x="2585499" y="1612392"/>
-            <a:ext cx="8915400" cy="4203192"/>
-          </a:xfrm>
-        </p:spPr>
-        <p:txBody>
-          <a:bodyPr>
-            <a:normAutofit/>
-          </a:bodyPr>
-          <a:lstStyle/>
-          <a:p>
-            <a:pPr>
-              <a:lnSpc>
-                <a:spcPct val="160000"/>
-              </a:lnSpc>
-            </a:pPr>
-            <a:r>
-              <a:rPr lang="en-US" sz="2000" b="0" i="0" dirty="0">
-                <a:solidFill>
-                  <a:srgbClr val="1F2328"/>
-                </a:solidFill>
-                <a:effectLst/>
-                <a:latin typeface="Arial" panose="020B0604020202020204" pitchFamily="34" charset="0"/>
-                <a:cs typeface="Arial" panose="020B0604020202020204" pitchFamily="34" charset="0"/>
-              </a:rPr>
-              <a:t>Develop tailored marketing campaigns for lower-budget films, utilizing cost-effective promotional strategies to enhance revenue potential</a:t>
-            </a:r>
-            <a:endParaRPr lang="en-US" sz="2000" b="0" i="0" dirty="0">
-              <a:solidFill>
-                <a:srgbClr val="1F2328"/>
-              </a:solidFill>
-              <a:effectLst/>
-              <a:latin typeface="Arial" panose="020B0604020202020204" pitchFamily="34" charset="0"/>
-              <a:cs typeface="Arial" panose="020B0604020202020204" pitchFamily="34" charset="0"/>
-            </a:endParaRPr>
-          </a:p>
-          <a:p>
-            <a:pPr>
-              <a:lnSpc>
-                <a:spcPct val="160000"/>
-              </a:lnSpc>
-            </a:pPr>
-            <a:r>
-              <a:rPr lang="en-US" sz="2000" b="0" i="0" dirty="0">
-                <a:solidFill>
-                  <a:srgbClr val="1F2328"/>
-                </a:solidFill>
-                <a:effectLst/>
-                <a:latin typeface="Arial" panose="020B0604020202020204" pitchFamily="34" charset="0"/>
-                <a:cs typeface="Arial" panose="020B0604020202020204" pitchFamily="34" charset="0"/>
-              </a:rPr>
-              <a:t>Consider producing shorter films for wider audience appeal while also investing in select, high-quality longer films that can captivate audiences and drive engagement.</a:t>
-            </a:r>
-            <a:endParaRPr lang="en-US" sz="2000" b="0" i="0" dirty="0">
-              <a:solidFill>
-                <a:srgbClr val="1F2328"/>
-              </a:solidFill>
-              <a:effectLst/>
-              <a:latin typeface="Arial" panose="020B0604020202020204" pitchFamily="34" charset="0"/>
-              <a:cs typeface="Arial" panose="020B0604020202020204" pitchFamily="34" charset="0"/>
-            </a:endParaRPr>
-          </a:p>
-          <a:p>
-            <a:pPr>
-              <a:lnSpc>
-                <a:spcPct val="160000"/>
-              </a:lnSpc>
-            </a:pPr>
-            <a:r>
-              <a:rPr lang="en-US" sz="2000" b="0" i="0" dirty="0">
-                <a:solidFill>
-                  <a:srgbClr val="1F2328"/>
-                </a:solidFill>
-                <a:effectLst/>
-                <a:latin typeface="Arial" panose="020B0604020202020204" pitchFamily="34" charset="0"/>
-                <a:cs typeface="Arial" panose="020B0604020202020204" pitchFamily="34" charset="0"/>
-              </a:rPr>
-              <a:t>Allocation of more resources to produce a mix of shorter, high-rating-friendly films and select longer, high-quality projects that will meet the expectations of more targeted audiences</a:t>
-            </a:r>
-            <a:endParaRPr lang="en-US" sz="2000" b="0" i="0" dirty="0">
-              <a:solidFill>
-                <a:srgbClr val="1F2328"/>
-              </a:solidFill>
-              <a:effectLst/>
-              <a:latin typeface="Arial" panose="020B0604020202020204" pitchFamily="34" charset="0"/>
-              <a:cs typeface="Arial" panose="020B0604020202020204" pitchFamily="34" charset="0"/>
-            </a:endParaRPr>
-          </a:p>
-        </p:txBody>
-      </p:sp>
-    </p:spTree>
-  </p:cSld>
-  <p:clrMapOvr>
-    <a:masterClrMapping/>
-  </p:clrMapOvr>
-</p:sld>
-</file>
-
-<file path=ppt/slides/slide32.xml><?xml version="1.0" encoding="utf-8"?>
-<p:sld xmlns:a="http://schemas.openxmlformats.org/drawingml/2006/main" xmlns:r="http://schemas.openxmlformats.org/officeDocument/2006/relationships" xmlns:p="http://schemas.openxmlformats.org/presentationml/2006/main">
-  <p:cSld>
-    <p:spTree>
-      <p:nvGrpSpPr>
-        <p:cNvPr id="1" name=""/>
-        <p:cNvGrpSpPr/>
-        <p:nvPr/>
-      </p:nvGrpSpPr>
-      <p:grpSpPr>
-        <a:xfrm>
-          <a:off x="0" y="0"/>
-          <a:ext cx="0" cy="0"/>
-          <a:chOff x="0" y="0"/>
-          <a:chExt cx="0" cy="0"/>
-        </a:xfrm>
-      </p:grpSpPr>
-      <p:sp>
-        <p:nvSpPr>
-          <p:cNvPr id="2" name="Title 1"/>
-          <p:cNvSpPr>
-            <a:spLocks noGrp="1"/>
-          </p:cNvSpPr>
-          <p:nvPr>
-            <p:ph type="title"/>
-          </p:nvPr>
-        </p:nvSpPr>
-        <p:spPr/>
-        <p:txBody>
-          <a:bodyPr/>
-          <a:lstStyle/>
-          <a:p>
-            <a:r>
-              <a:rPr lang="en-US" b="0" i="0" dirty="0">
-                <a:solidFill>
-                  <a:srgbClr val="2D3B45"/>
-                </a:solidFill>
-                <a:effectLst/>
-                <a:latin typeface="Lato Extended"/>
-              </a:rPr>
-              <a:t>Next Steps</a:t>
-            </a:r>
-            <a:endParaRPr lang="en-US" dirty="0"/>
-          </a:p>
-        </p:txBody>
-      </p:sp>
-      <p:sp>
-        <p:nvSpPr>
-          <p:cNvPr id="3" name="Content Placeholder 2"/>
-          <p:cNvSpPr>
-            <a:spLocks noGrp="1"/>
-          </p:cNvSpPr>
-          <p:nvPr>
-            <p:ph idx="1"/>
-          </p:nvPr>
-        </p:nvSpPr>
-        <p:spPr>
-          <a:xfrm>
-            <a:off x="2589212" y="1499616"/>
-            <a:ext cx="8915400" cy="4411606"/>
-          </a:xfrm>
-        </p:spPr>
-        <p:txBody>
-          <a:bodyPr>
-            <a:normAutofit/>
-          </a:bodyPr>
-          <a:lstStyle/>
-          <a:p>
-            <a:pPr>
-              <a:lnSpc>
-                <a:spcPct val="150000"/>
-              </a:lnSpc>
-            </a:pPr>
-            <a:r>
-              <a:rPr lang="en-US" sz="2000" dirty="0">
-                <a:latin typeface="Arial" panose="020B0604020202020204" pitchFamily="34" charset="0"/>
-                <a:cs typeface="Arial" panose="020B0604020202020204" pitchFamily="34" charset="0"/>
-              </a:rPr>
-              <a:t>Further research to find other factors that will influence the production costs. This will help in prediction on production cost.</a:t>
-            </a:r>
-            <a:endParaRPr lang="en-US" sz="2000" dirty="0">
-              <a:latin typeface="Arial" panose="020B0604020202020204" pitchFamily="34" charset="0"/>
-              <a:cs typeface="Arial" panose="020B0604020202020204" pitchFamily="34" charset="0"/>
-            </a:endParaRPr>
-          </a:p>
-          <a:p>
-            <a:pPr>
-              <a:lnSpc>
-                <a:spcPct val="150000"/>
-              </a:lnSpc>
-            </a:pPr>
-            <a:r>
-              <a:rPr lang="en-US" sz="2000" dirty="0">
-                <a:latin typeface="Arial" panose="020B0604020202020204" pitchFamily="34" charset="0"/>
-                <a:cs typeface="Arial" panose="020B0604020202020204" pitchFamily="34" charset="0"/>
-              </a:rPr>
-              <a:t>Research to be done on an event may have happened in the year 2020 as there was a plunge on gross revenue</a:t>
-            </a:r>
-            <a:endParaRPr lang="en-US" sz="2000" dirty="0">
-              <a:latin typeface="Arial" panose="020B0604020202020204" pitchFamily="34" charset="0"/>
-              <a:cs typeface="Arial" panose="020B0604020202020204" pitchFamily="34" charset="0"/>
-            </a:endParaRPr>
-          </a:p>
-          <a:p>
-            <a:pPr>
-              <a:lnSpc>
-                <a:spcPct val="150000"/>
-              </a:lnSpc>
-            </a:pPr>
-            <a:r>
-              <a:rPr lang="en-US" sz="2000" dirty="0">
-                <a:latin typeface="Arial" panose="020B0604020202020204" pitchFamily="34" charset="0"/>
-                <a:cs typeface="Arial" panose="020B0604020202020204" pitchFamily="34" charset="0"/>
-              </a:rPr>
-              <a:t>Given the higher production budget indicated more gross revenue, the company needs to diversify its funding to sustain the production budget </a:t>
-            </a:r>
-            <a:endParaRPr lang="en-US" sz="2000" dirty="0">
-              <a:latin typeface="Arial" panose="020B0604020202020204" pitchFamily="34" charset="0"/>
-              <a:cs typeface="Arial" panose="020B0604020202020204" pitchFamily="34" charset="0"/>
-            </a:endParaRPr>
-          </a:p>
-          <a:p>
-            <a:pPr marL="0" indent="0">
-              <a:lnSpc>
-                <a:spcPct val="150000"/>
-              </a:lnSpc>
-              <a:buNone/>
-            </a:pPr>
-            <a:endParaRPr lang="en-US" sz="2000" dirty="0">
-              <a:latin typeface="Arial" panose="020B0604020202020204" pitchFamily="34" charset="0"/>
-              <a:cs typeface="Arial" panose="020B0604020202020204" pitchFamily="34" charset="0"/>
-            </a:endParaRPr>
-          </a:p>
-        </p:txBody>
-      </p:sp>
-    </p:spTree>
-  </p:cSld>
-  <p:clrMapOvr>
-    <a:masterClrMapping/>
-  </p:clrMapOvr>
-</p:sld>
-</file>
-
-<file path=ppt/slides/slide33.xml><?xml version="1.0" encoding="utf-8"?>
-<p:sld xmlns:a="http://schemas.openxmlformats.org/drawingml/2006/main" xmlns:r="http://schemas.openxmlformats.org/officeDocument/2006/relationships" xmlns:p="http://schemas.openxmlformats.org/presentationml/2006/main">
-  <p:cSld>
-    <p:spTree>
-      <p:nvGrpSpPr>
-        <p:cNvPr id="1" name=""/>
-        <p:cNvGrpSpPr/>
-        <p:nvPr/>
-      </p:nvGrpSpPr>
-      <p:grpSpPr>
-        <a:xfrm>
-          <a:off x="0" y="0"/>
-          <a:ext cx="0" cy="0"/>
-          <a:chOff x="0" y="0"/>
-          <a:chExt cx="0" cy="0"/>
-        </a:xfrm>
-      </p:grpSpPr>
-      <p:sp>
-        <p:nvSpPr>
-          <p:cNvPr id="4" name="Rectangle 3"/>
-          <p:cNvSpPr/>
-          <p:nvPr/>
-        </p:nvSpPr>
-        <p:spPr>
-          <a:xfrm>
-            <a:off x="5028282" y="2967335"/>
-            <a:ext cx="2853845" cy="923330"/>
-          </a:xfrm>
-          <a:prstGeom prst="rect">
-            <a:avLst/>
-          </a:prstGeom>
-          <a:noFill/>
-        </p:spPr>
-        <p:txBody>
-          <a:bodyPr wrap="square" lIns="91440" tIns="45720" rIns="91440" bIns="45720">
-            <a:spAutoFit/>
-          </a:bodyPr>
-          <a:lstStyle/>
-          <a:p>
-            <a:pPr algn="ctr"/>
-            <a:r>
-              <a:rPr lang="en-US" sz="5400" b="0" cap="none" spc="0" dirty="0">
-                <a:ln w="0"/>
-                <a:solidFill>
-                  <a:schemeClr val="tx1"/>
-                </a:solidFill>
-                <a:effectLst>
-                  <a:outerShdw blurRad="38100" dist="19050" dir="2700000" algn="tl" rotWithShape="0">
-                    <a:schemeClr val="dk1">
-                      <a:alpha val="40000"/>
-                    </a:schemeClr>
-                  </a:outerShdw>
-                </a:effectLst>
-              </a:rPr>
-              <a:t>Q&amp;A</a:t>
-            </a:r>
-            <a:endParaRPr lang="en-US" sz="5400" b="0" cap="none" spc="0" dirty="0">
-              <a:ln w="0"/>
-              <a:solidFill>
-                <a:schemeClr val="tx1"/>
-              </a:solidFill>
-              <a:effectLst>
-                <a:outerShdw blurRad="38100" dist="19050" dir="2700000" algn="tl" rotWithShape="0">
-                  <a:schemeClr val="dk1">
-                    <a:alpha val="40000"/>
-                  </a:schemeClr>
-                </a:outerShdw>
-              </a:effectLst>
-            </a:endParaRPr>
-          </a:p>
-        </p:txBody>
-      </p:sp>
-    </p:spTree>
-  </p:cSld>
-  <p:clrMapOvr>
-    <a:masterClrMapping/>
-  </p:clrMapOvr>
-</p:sld>
-</file>
-
-<file path=ppt/slides/slide34.xml><?xml version="1.0" encoding="utf-8"?>
-<p:sld xmlns:a="http://schemas.openxmlformats.org/drawingml/2006/main" xmlns:r="http://schemas.openxmlformats.org/officeDocument/2006/relationships" xmlns:p="http://schemas.openxmlformats.org/presentationml/2006/main">
-  <p:cSld>
-    <p:spTree>
-      <p:nvGrpSpPr>
-        <p:cNvPr id="1" name=""/>
-        <p:cNvGrpSpPr/>
-        <p:nvPr/>
-      </p:nvGrpSpPr>
-      <p:grpSpPr>
-        <a:xfrm>
-          <a:off x="0" y="0"/>
-          <a:ext cx="0" cy="0"/>
-          <a:chOff x="0" y="0"/>
-          <a:chExt cx="0" cy="0"/>
-        </a:xfrm>
-      </p:grpSpPr>
-      <p:sp>
-        <p:nvSpPr>
-          <p:cNvPr id="2" name="Title 1"/>
-          <p:cNvSpPr>
-            <a:spLocks noGrp="1"/>
-          </p:cNvSpPr>
-          <p:nvPr>
-            <p:ph type="title"/>
-          </p:nvPr>
-        </p:nvSpPr>
-        <p:spPr>
-          <a:xfrm>
-            <a:off x="2592925" y="624110"/>
-            <a:ext cx="8911687" cy="1003522"/>
-          </a:xfrm>
-        </p:spPr>
-        <p:txBody>
-          <a:bodyPr/>
-          <a:lstStyle/>
-          <a:p>
-            <a:r>
-              <a:rPr lang="en-US" dirty="0"/>
-              <a:t>Contact Info</a:t>
-            </a:r>
-            <a:endParaRPr lang="en-US" dirty="0"/>
-          </a:p>
-        </p:txBody>
-      </p:sp>
-      <p:sp>
-        <p:nvSpPr>
-          <p:cNvPr id="3" name="Content Placeholder 2"/>
-          <p:cNvSpPr>
-            <a:spLocks noGrp="1"/>
-          </p:cNvSpPr>
-          <p:nvPr>
-            <p:ph idx="1"/>
-          </p:nvPr>
-        </p:nvSpPr>
-        <p:spPr>
-          <a:xfrm>
-            <a:off x="2585499" y="2051304"/>
-            <a:ext cx="8222709" cy="2959608"/>
-          </a:xfrm>
-        </p:spPr>
-        <p:txBody>
-          <a:bodyPr>
-            <a:normAutofit fontScale="92500" lnSpcReduction="10000"/>
-          </a:bodyPr>
-          <a:lstStyle/>
-          <a:p>
-            <a:r>
-              <a:rPr lang="en-US" dirty="0">
-                <a:hlinkClick r:id="rId1"/>
-              </a:rPr>
-              <a:t>https://www.linkedin.com/in/gilbert-kipkirui-cheruiyot-82387425</a:t>
-            </a:r>
-            <a:endParaRPr lang="en-US" dirty="0"/>
-          </a:p>
-          <a:p>
-            <a:r>
-              <a:rPr lang="en-US" dirty="0">
-                <a:hlinkClick r:id="rId2"/>
-              </a:rPr>
-              <a:t>https://www.linkedin.com/in/daniel-muigai-358707292/</a:t>
-            </a:r>
-            <a:endParaRPr lang="en-US" dirty="0"/>
-          </a:p>
-          <a:p>
-            <a:r>
-              <a:rPr lang="en-US" dirty="0">
-                <a:hlinkClick r:id="rId3"/>
-              </a:rPr>
-              <a:t>https://www.linkedin.com/in/millicent-cheptoi-068235221/</a:t>
-            </a:r>
-            <a:endParaRPr lang="en-US" dirty="0"/>
-          </a:p>
-          <a:p>
-            <a:r>
-              <a:rPr lang="en-US" dirty="0">
-                <a:hlinkClick r:id="rId4"/>
-              </a:rPr>
-              <a:t>https://www.linkedin.com/in/angela-mwanzia-2b993b309</a:t>
-            </a:r>
-            <a:endParaRPr lang="en-US" dirty="0"/>
-          </a:p>
-          <a:p>
-            <a:r>
-              <a:rPr lang="en-US" dirty="0">
-                <a:hlinkClick r:id="rId5"/>
-              </a:rPr>
-              <a:t>https://www.linkedin.com/in/edwin-george-181b33171/</a:t>
-            </a:r>
-            <a:endParaRPr lang="en-US" dirty="0"/>
-          </a:p>
-          <a:p>
-            <a:r>
-              <a:rPr lang="en-US" dirty="0">
-                <a:hlinkClick r:id="rId6"/>
-              </a:rPr>
-              <a:t>http://www.linkedin.com/in/reagan-adajo-5a1803103</a:t>
-            </a:r>
-            <a:endParaRPr lang="en-US" dirty="0"/>
-          </a:p>
-          <a:p>
-            <a:r>
-              <a:rPr lang="en-US" dirty="0">
-                <a:hlinkClick r:id="rId7"/>
-              </a:rPr>
-              <a:t>https://www.linkedin.com/in/james-wachira-a7771644/</a:t>
-            </a:r>
-            <a:endParaRPr lang="en-US" dirty="0"/>
-          </a:p>
-          <a:p>
-            <a:r>
-              <a:rPr lang="en-US" dirty="0">
-                <a:hlinkClick r:id="rId8"/>
-              </a:rPr>
-              <a:t>https://www.linkedin.com/in/mercy-ayub-774a877b/</a:t>
-            </a:r>
-            <a:endParaRPr lang="en-US" dirty="0"/>
-          </a:p>
-          <a:p>
-            <a:endParaRPr lang="en-US" dirty="0"/>
-          </a:p>
-        </p:txBody>
-      </p:sp>
-    </p:spTree>
-  </p:cSld>
-  <p:clrMapOvr>
-    <a:masterClrMapping/>
-  </p:clrMapOvr>
-</p:sld>
-</file>
-
-<file path=ppt/slides/slide35.xml><?xml version="1.0" encoding="utf-8"?>
-<p:sld xmlns:a="http://schemas.openxmlformats.org/drawingml/2006/main" xmlns:r="http://schemas.openxmlformats.org/officeDocument/2006/relationships" xmlns:p="http://schemas.openxmlformats.org/presentationml/2006/main">
-  <p:cSld>
-    <p:spTree>
-      <p:nvGrpSpPr>
-        <p:cNvPr id="1" name=""/>
-        <p:cNvGrpSpPr/>
-        <p:nvPr/>
-      </p:nvGrpSpPr>
-      <p:grpSpPr>
-        <a:xfrm>
-          <a:off x="0" y="0"/>
-          <a:ext cx="0" cy="0"/>
-          <a:chOff x="0" y="0"/>
-          <a:chExt cx="0" cy="0"/>
-        </a:xfrm>
-      </p:grpSpPr>
-      <p:sp>
-        <p:nvSpPr>
-          <p:cNvPr id="4" name="Rectangle 3"/>
-          <p:cNvSpPr/>
-          <p:nvPr/>
-        </p:nvSpPr>
-        <p:spPr>
-          <a:xfrm>
-            <a:off x="3781007" y="2967335"/>
-            <a:ext cx="4629985" cy="923330"/>
-          </a:xfrm>
-          <a:prstGeom prst="rect">
-            <a:avLst/>
-          </a:prstGeom>
-          <a:noFill/>
-        </p:spPr>
-        <p:txBody>
-          <a:bodyPr wrap="none" lIns="91440" tIns="45720" rIns="91440" bIns="45720">
-            <a:spAutoFit/>
-            <a:scene3d>
-              <a:camera prst="orthographicFront"/>
-              <a:lightRig rig="soft" dir="t">
-                <a:rot lat="0" lon="0" rev="15600000"/>
-              </a:lightRig>
-            </a:scene3d>
-            <a:sp3d extrusionH="57150" prstMaterial="softEdge">
-              <a:bevelT w="25400" h="38100"/>
-            </a:sp3d>
-          </a:bodyPr>
-          <a:lstStyle/>
-          <a:p>
-            <a:pPr algn="ctr"/>
-            <a:r>
-              <a:rPr lang="en-US" sz="5400" b="1" i="0" cap="none" spc="0" dirty="0">
-                <a:solidFill>
-                  <a:schemeClr val="accent4"/>
-                </a:solidFill>
-                <a:effectLst/>
-                <a:latin typeface="Arial" panose="020B0604020202020204" pitchFamily="34" charset="0"/>
-                <a:cs typeface="Arial" panose="020B0604020202020204" pitchFamily="34" charset="0"/>
-              </a:rPr>
-              <a:t>Thank You </a:t>
-            </a:r>
-            <a:r>
-              <a:rPr lang="en-US" sz="5400" b="1" i="0" cap="none" spc="0" dirty="0">
-                <a:solidFill>
-                  <a:schemeClr val="accent4"/>
-                </a:solidFill>
-                <a:effectLst/>
-                <a:latin typeface="Arial" panose="020B0604020202020204" pitchFamily="34" charset="0"/>
-                <a:cs typeface="Arial" panose="020B0604020202020204" pitchFamily="34" charset="0"/>
-                <a:sym typeface="Wingdings" panose="05000000000000000000" pitchFamily="2" charset="2"/>
-              </a:rPr>
-              <a:t></a:t>
-            </a:r>
-            <a:r>
-              <a:rPr lang="en-US" sz="5400" b="1" i="0" cap="none" spc="0" dirty="0">
-                <a:solidFill>
-                  <a:schemeClr val="accent4"/>
-                </a:solidFill>
-                <a:effectLst/>
-                <a:latin typeface="Arial" panose="020B0604020202020204" pitchFamily="34" charset="0"/>
-                <a:cs typeface="Arial" panose="020B0604020202020204" pitchFamily="34" charset="0"/>
-              </a:rPr>
-              <a:t> </a:t>
-            </a:r>
-            <a:endParaRPr lang="en-US" sz="5400" b="1" cap="none" spc="0" dirty="0">
-              <a:solidFill>
-                <a:schemeClr val="accent4"/>
-              </a:solidFill>
-              <a:effectLst/>
             </a:endParaRPr>
           </a:p>
         </p:txBody>

--- a/Presentation.pptx
+++ b/Presentation.pptx
@@ -5,7 +5,7 @@
     <p:sldMasterId id="2147483648" r:id="rId1"/>
   </p:sldMasterIdLst>
   <p:notesMasterIdLst>
-    <p:notesMasterId r:id="rId26"/>
+    <p:notesMasterId r:id="rId27"/>
   </p:notesMasterIdLst>
   <p:sldIdLst>
     <p:sldId id="330" r:id="rId3"/>
@@ -29,8 +29,9 @@
     <p:sldId id="327" r:id="rId21"/>
     <p:sldId id="263" r:id="rId22"/>
     <p:sldId id="298" r:id="rId23"/>
-    <p:sldId id="264" r:id="rId24"/>
-    <p:sldId id="297" r:id="rId25"/>
+    <p:sldId id="331" r:id="rId24"/>
+    <p:sldId id="264" r:id="rId25"/>
+    <p:sldId id="297" r:id="rId26"/>
   </p:sldIdLst>
   <p:sldSz cx="12192000" cy="6858000"/>
   <p:notesSz cx="6858000" cy="9144000"/>
@@ -6159,7 +6160,7 @@
                 <a:latin typeface="Times New Roman" panose="02020603050405020304" charset="0"/>
                 <a:cs typeface="Times New Roman" panose="02020603050405020304" charset="0"/>
               </a:rPr>
-              <a:t>Findings</a:t>
+              <a:t>Insights</a:t>
             </a:r>
             <a:endParaRPr lang="en-GB" altLang="en-US" sz="3200" b="1" dirty="0">
               <a:latin typeface="Times New Roman" panose="02020603050405020304" charset="0"/>
@@ -6526,12 +6527,13 @@
           <a:bodyPr/>
           <a:lstStyle/>
           <a:p>
+            <a:pPr algn="l"/>
             <a:r>
               <a:rPr lang="en-GB" altLang="en-US" sz="3200" b="1" dirty="0">
                 <a:latin typeface="Times New Roman" panose="02020603050405020304" charset="0"/>
                 <a:cs typeface="Times New Roman" panose="02020603050405020304" charset="0"/>
               </a:rPr>
-              <a:t>Conclusion</a:t>
+              <a:t>    Conclusion</a:t>
             </a:r>
             <a:endParaRPr lang="en-GB" altLang="en-US" sz="3200" b="1" dirty="0">
               <a:latin typeface="Times New Roman" panose="02020603050405020304" charset="0"/>
@@ -6565,12 +6567,21 @@
             <a:pPr marL="0" indent="0">
               <a:buNone/>
             </a:pPr>
+            <a:endParaRPr lang="en-GB" altLang="en-US" sz="2000" dirty="0">
+              <a:latin typeface="Times New Roman" panose="02020603050405020304" charset="0"/>
+              <a:cs typeface="Times New Roman" panose="02020603050405020304" charset="0"/>
+            </a:endParaRPr>
+          </a:p>
+          <a:p>
+            <a:pPr marL="0" indent="0">
+              <a:buNone/>
+            </a:pPr>
             <a:r>
               <a:rPr lang="en-GB" altLang="en-US" sz="2000" dirty="0">
                 <a:latin typeface="Times New Roman" panose="02020603050405020304" charset="0"/>
                 <a:cs typeface="Times New Roman" panose="02020603050405020304" charset="0"/>
               </a:rPr>
-              <a:t>Based on the findings and inline with the objectives of this project, which was to create a predictive model to predict whether a customer will honor a hotel booking or not so as to optimize booking strategies, reduce cancellations and improve overall hotel operations, I conclude that the tuned tuned </a:t>
+              <a:t>I concluded that the tuned  </a:t>
             </a:r>
             <a:r>
               <a:rPr lang="en-GB" altLang="en-US" sz="2000" b="1" dirty="0">
@@ -6630,13 +6641,6 @@
             <a:pPr marL="0" indent="0">
               <a:buNone/>
             </a:pPr>
-            <a:r>
-              <a:rPr lang="en-GB" altLang="en-US" sz="2000" dirty="0">
-                <a:latin typeface="Times New Roman" panose="02020603050405020304" charset="0"/>
-                <a:cs typeface="Times New Roman" panose="02020603050405020304" charset="0"/>
-              </a:rPr>
-              <a:t>This is because it achieved higher scores for the metrics which are accuracy score and AUC(Area under the ROC Curve)</a:t>
-            </a:r>
             <a:endParaRPr lang="en-GB" altLang="en-US" sz="2000" dirty="0">
               <a:latin typeface="Times New Roman" panose="02020603050405020304" charset="0"/>
               <a:cs typeface="Times New Roman" panose="02020603050405020304" charset="0"/>
@@ -6677,73 +6681,137 @@
         <p:cNvGrpSpPr/>
         <p:nvPr/>
       </p:nvGrpSpPr>
-      <p:grpSpPr>
-        <a:xfrm>
-          <a:off x="0" y="0"/>
-          <a:ext cx="0" cy="0"/>
-          <a:chOff x="0" y="0"/>
-          <a:chExt cx="0" cy="0"/>
-        </a:xfrm>
-      </p:grpSpPr>
-      <p:sp>
-        <p:nvSpPr>
-          <p:cNvPr id="4" name="Rectangle 3"/>
-          <p:cNvSpPr/>
-          <p:nvPr/>
+      <p:grpSpPr/>
+      <p:sp>
+        <p:nvSpPr>
+          <p:cNvPr id="2" name="Title 1"/>
+          <p:cNvSpPr>
+            <a:spLocks noGrp="1"/>
+          </p:cNvSpPr>
+          <p:nvPr>
+            <p:ph type="title"/>
+          </p:nvPr>
         </p:nvSpPr>
         <p:spPr>
           <a:xfrm>
-            <a:off x="4017962" y="2967335"/>
-            <a:ext cx="4156075" cy="1014730"/>
+            <a:off x="609600" y="274955"/>
+            <a:ext cx="10972800" cy="1087755"/>
           </a:xfrm>
-          <a:prstGeom prst="rect">
-            <a:avLst/>
-          </a:prstGeom>
-          <a:noFill/>
         </p:spPr>
         <p:txBody>
-          <a:bodyPr wrap="none" lIns="91440" tIns="45720" rIns="91440" bIns="45720">
-            <a:spAutoFit/>
-            <a:scene3d>
-              <a:camera prst="orthographicFront"/>
-              <a:lightRig rig="soft" dir="t">
-                <a:rot lat="0" lon="0" rev="15600000"/>
-              </a:lightRig>
-            </a:scene3d>
-            <a:sp3d extrusionH="57150" prstMaterial="softEdge">
-              <a:bevelT w="25400" h="38100"/>
-            </a:sp3d>
-          </a:bodyPr>
-          <a:lstStyle/>
-          <a:p>
-            <a:pPr algn="ctr"/>
-            <a:r>
-              <a:rPr lang="en-US" sz="6000" b="1" i="0" cap="none" spc="0" dirty="0">
-                <a:solidFill>
-                  <a:schemeClr val="tx1"/>
-                </a:solidFill>
-                <a:effectLst/>
-                <a:latin typeface="Times New Roman" panose="02020603050405020304" charset="0"/>
-                <a:cs typeface="Times New Roman" panose="02020603050405020304" charset="0"/>
-              </a:rPr>
-              <a:t>Thank You</a:t>
-            </a:r>
-            <a:r>
-              <a:rPr lang="en-US" sz="5400" b="1" i="0" cap="none" spc="0" dirty="0">
-                <a:solidFill>
-                  <a:schemeClr val="accent4"/>
-                </a:solidFill>
-                <a:effectLst/>
-                <a:latin typeface="Arial" panose="020B0604020202020204" pitchFamily="34" charset="0"/>
-                <a:cs typeface="Arial" panose="020B0604020202020204" pitchFamily="34" charset="0"/>
-              </a:rPr>
-              <a:t>  </a:t>
-            </a:r>
-            <a:endParaRPr lang="en-US" sz="5400" b="1" cap="none" spc="0" dirty="0">
-              <a:solidFill>
-                <a:schemeClr val="accent4"/>
-              </a:solidFill>
-              <a:effectLst/>
+          <a:bodyPr/>
+          <a:p>
+            <a:r>
+              <a:rPr lang="en-GB" altLang="en-US" sz="3200"/>
+              <a:t>Future Improvement Strategies</a:t>
+            </a:r>
+            <a:endParaRPr lang="en-GB" altLang="en-US" sz="3200"/>
+          </a:p>
+        </p:txBody>
+      </p:sp>
+      <p:sp>
+        <p:nvSpPr>
+          <p:cNvPr id="3" name="Content Placeholder 2"/>
+          <p:cNvSpPr>
+            <a:spLocks noGrp="1"/>
+          </p:cNvSpPr>
+          <p:nvPr>
+            <p:ph idx="1"/>
+          </p:nvPr>
+        </p:nvSpPr>
+        <p:spPr/>
+        <p:txBody>
+          <a:bodyPr/>
+          <a:p>
+            <a:r>
+              <a:rPr lang="en-US" altLang="en-GB" sz="2000" b="1">
+                <a:latin typeface="Times New Roman" panose="02020603050405020304" charset="0"/>
+                <a:cs typeface="Times New Roman" panose="02020603050405020304" charset="0"/>
+              </a:rPr>
+              <a:t>Feature Engineering</a:t>
+            </a:r>
+            <a:r>
+              <a:rPr lang="en-US" altLang="en-GB" sz="2000">
+                <a:latin typeface="Times New Roman" panose="02020603050405020304" charset="0"/>
+                <a:cs typeface="Times New Roman" panose="02020603050405020304" charset="0"/>
+              </a:rPr>
+              <a:t>: incorporating additional features such as customer demographics, booking patterns</a:t>
+            </a:r>
+            <a:r>
+              <a:rPr lang="en-GB" altLang="en-US" sz="2000">
+                <a:latin typeface="Times New Roman" panose="02020603050405020304" charset="0"/>
+                <a:cs typeface="Times New Roman" panose="02020603050405020304" charset="0"/>
+              </a:rPr>
+              <a:t> could improve model’s performance.</a:t>
+            </a:r>
+            <a:endParaRPr lang="en-GB" altLang="en-US" sz="2000">
+              <a:latin typeface="Times New Roman" panose="02020603050405020304" charset="0"/>
+              <a:cs typeface="Times New Roman" panose="02020603050405020304" charset="0"/>
+            </a:endParaRPr>
+          </a:p>
+          <a:p>
+            <a:pPr marL="0" indent="0">
+              <a:buNone/>
+            </a:pPr>
+            <a:endParaRPr lang="en-US" altLang="en-GB" sz="2000">
+              <a:latin typeface="Times New Roman" panose="02020603050405020304" charset="0"/>
+              <a:cs typeface="Times New Roman" panose="02020603050405020304" charset="0"/>
+            </a:endParaRPr>
+          </a:p>
+          <a:p>
+            <a:r>
+              <a:rPr lang="en-US" altLang="en-GB" sz="2000" b="1">
+                <a:latin typeface="Times New Roman" panose="02020603050405020304" charset="0"/>
+                <a:cs typeface="Times New Roman" panose="02020603050405020304" charset="0"/>
+              </a:rPr>
+              <a:t>Model Ensemble:</a:t>
+            </a:r>
+            <a:r>
+              <a:rPr lang="en-US" altLang="en-GB" sz="2000">
+                <a:latin typeface="Times New Roman" panose="02020603050405020304" charset="0"/>
+                <a:cs typeface="Times New Roman" panose="02020603050405020304" charset="0"/>
+              </a:rPr>
+              <a:t> Combining the strengths of multiple models through techniques like stacking or boosting could improve performance. </a:t>
+            </a:r>
+            <a:endParaRPr lang="en-US" altLang="en-GB" sz="2000">
+              <a:latin typeface="Times New Roman" panose="02020603050405020304" charset="0"/>
+              <a:cs typeface="Times New Roman" panose="02020603050405020304" charset="0"/>
+            </a:endParaRPr>
+          </a:p>
+          <a:p>
+            <a:pPr marL="0" indent="0">
+              <a:buNone/>
+            </a:pPr>
+            <a:endParaRPr lang="en-US" altLang="en-GB" sz="2000">
+              <a:latin typeface="Times New Roman" panose="02020603050405020304" charset="0"/>
+              <a:cs typeface="Times New Roman" panose="02020603050405020304" charset="0"/>
+            </a:endParaRPr>
+          </a:p>
+          <a:p>
+            <a:r>
+              <a:rPr lang="en-US" altLang="en-GB" sz="2000" b="1">
+                <a:latin typeface="Times New Roman" panose="02020603050405020304" charset="0"/>
+                <a:cs typeface="Times New Roman" panose="02020603050405020304" charset="0"/>
+              </a:rPr>
+              <a:t>Real-Time Predictions</a:t>
+            </a:r>
+            <a:r>
+              <a:rPr lang="en-US" altLang="en-GB" sz="2000">
+                <a:latin typeface="Times New Roman" panose="02020603050405020304" charset="0"/>
+                <a:cs typeface="Times New Roman" panose="02020603050405020304" charset="0"/>
+              </a:rPr>
+              <a:t>: Implementing this model into a real-time system for predictive booking management could help hotels take proactive measures to minimize cancellations</a:t>
+            </a:r>
+            <a:r>
+              <a:rPr lang="en-GB" altLang="en-US" sz="2000">
+                <a:latin typeface="Times New Roman" panose="02020603050405020304" charset="0"/>
+                <a:cs typeface="Times New Roman" panose="02020603050405020304" charset="0"/>
+              </a:rPr>
+              <a:t>.</a:t>
+            </a:r>
+            <a:endParaRPr lang="en-GB" altLang="en-US" sz="2000">
+              <a:latin typeface="Times New Roman" panose="02020603050405020304" charset="0"/>
+              <a:cs typeface="Times New Roman" panose="02020603050405020304" charset="0"/>
             </a:endParaRPr>
           </a:p>
         </p:txBody>
@@ -6781,6 +6849,94 @@
         </p:nvSpPr>
         <p:spPr>
           <a:xfrm>
+            <a:off x="4017962" y="2967335"/>
+            <a:ext cx="4156075" cy="1014730"/>
+          </a:xfrm>
+          <a:prstGeom prst="rect">
+            <a:avLst/>
+          </a:prstGeom>
+          <a:noFill/>
+        </p:spPr>
+        <p:txBody>
+          <a:bodyPr wrap="none" lIns="91440" tIns="45720" rIns="91440" bIns="45720">
+            <a:spAutoFit/>
+            <a:scene3d>
+              <a:camera prst="orthographicFront"/>
+              <a:lightRig rig="soft" dir="t">
+                <a:rot lat="0" lon="0" rev="15600000"/>
+              </a:lightRig>
+            </a:scene3d>
+            <a:sp3d extrusionH="57150" prstMaterial="softEdge">
+              <a:bevelT w="25400" h="38100"/>
+            </a:sp3d>
+          </a:bodyPr>
+          <a:lstStyle/>
+          <a:p>
+            <a:pPr algn="ctr"/>
+            <a:r>
+              <a:rPr lang="en-US" sz="6000" b="1" i="0" cap="none" spc="0" dirty="0">
+                <a:solidFill>
+                  <a:schemeClr val="tx1"/>
+                </a:solidFill>
+                <a:effectLst/>
+                <a:latin typeface="Times New Roman" panose="02020603050405020304" charset="0"/>
+                <a:cs typeface="Times New Roman" panose="02020603050405020304" charset="0"/>
+              </a:rPr>
+              <a:t>Thank You</a:t>
+            </a:r>
+            <a:r>
+              <a:rPr lang="en-US" sz="5400" b="1" i="0" cap="none" spc="0" dirty="0">
+                <a:solidFill>
+                  <a:schemeClr val="accent4"/>
+                </a:solidFill>
+                <a:effectLst/>
+                <a:latin typeface="Arial" panose="020B0604020202020204" pitchFamily="34" charset="0"/>
+                <a:cs typeface="Arial" panose="020B0604020202020204" pitchFamily="34" charset="0"/>
+              </a:rPr>
+              <a:t>  </a:t>
+            </a:r>
+            <a:endParaRPr lang="en-US" sz="5400" b="1" cap="none" spc="0" dirty="0">
+              <a:solidFill>
+                <a:schemeClr val="accent4"/>
+              </a:solidFill>
+              <a:effectLst/>
+            </a:endParaRPr>
+          </a:p>
+        </p:txBody>
+      </p:sp>
+    </p:spTree>
+  </p:cSld>
+  <p:clrMapOvr>
+    <a:masterClrMapping/>
+  </p:clrMapOvr>
+</p:sld>
+</file>
+
+<file path=ppt/slides/slide24.xml><?xml version="1.0" encoding="utf-8"?>
+<p:sld xmlns:a="http://schemas.openxmlformats.org/drawingml/2006/main" xmlns:r="http://schemas.openxmlformats.org/officeDocument/2006/relationships" xmlns:p="http://schemas.openxmlformats.org/presentationml/2006/main">
+  <p:cSld>
+    <p:spTree>
+      <p:nvGrpSpPr>
+        <p:cNvPr id="1" name=""/>
+        <p:cNvGrpSpPr/>
+        <p:nvPr/>
+      </p:nvGrpSpPr>
+      <p:grpSpPr>
+        <a:xfrm>
+          <a:off x="0" y="0"/>
+          <a:ext cx="0" cy="0"/>
+          <a:chOff x="0" y="0"/>
+          <a:chExt cx="0" cy="0"/>
+        </a:xfrm>
+      </p:grpSpPr>
+      <p:sp>
+        <p:nvSpPr>
+          <p:cNvPr id="4" name="Rectangle 3"/>
+          <p:cNvSpPr/>
+          <p:nvPr/>
+        </p:nvSpPr>
+        <p:spPr>
+          <a:xfrm>
             <a:off x="5028282" y="2967335"/>
             <a:ext cx="2853845" cy="922020"/>
           </a:xfrm>
@@ -6869,7 +7025,7 @@
         </p:nvSpPr>
         <p:spPr>
           <a:xfrm>
-            <a:off x="-1134745" y="568960"/>
+            <a:off x="-494665" y="485140"/>
             <a:ext cx="9092565" cy="687070"/>
           </a:xfrm>
         </p:spPr>
@@ -6884,7 +7040,7 @@
                 <a:latin typeface="Times New Roman" panose="02020603050405020304" charset="0"/>
                 <a:cs typeface="Times New Roman" panose="02020603050405020304" charset="0"/>
               </a:rPr>
-              <a:t>Content</a:t>
+              <a:t>Table of Contents</a:t>
             </a:r>
             <a:endParaRPr lang="en-GB" altLang="en-US" sz="3200" b="1" dirty="0">
               <a:latin typeface="Times New Roman" panose="02020603050405020304" charset="0"/>
@@ -6932,14 +7088,419 @@
             </a:endParaRPr>
           </a:p>
           <a:p>
-            <a:pPr>
+            <a:pPr marL="0" indent="0">
               <a:spcAft>
                 <a:spcPts val="450"/>
               </a:spcAft>
-              <a:buFont typeface="Arial" panose="020B0604020202020204" pitchFamily="34" charset="0"/>
-              <a:buChar char="•"/>
+              <a:buFont typeface="+mj-lt"/>
+              <a:buNone/>
             </a:pPr>
-            <a:endParaRPr lang="en-US" sz="7000" b="0" i="0" dirty="0">
+            <a:r>
+              <a:rPr lang="en-GB" altLang="en-US" sz="7200" b="0" i="0" dirty="0">
+                <a:solidFill>
+                  <a:srgbClr val="2D3B45"/>
+                </a:solidFill>
+                <a:effectLst/>
+                <a:latin typeface="Times New Roman" panose="02020603050405020304" charset="0"/>
+                <a:cs typeface="Times New Roman" panose="02020603050405020304" charset="0"/>
+              </a:rPr>
+              <a:t>1.</a:t>
+            </a:r>
+            <a:r>
+              <a:rPr lang="en-US" sz="7200" b="0" i="0" dirty="0">
+                <a:solidFill>
+                  <a:srgbClr val="2D3B45"/>
+                </a:solidFill>
+                <a:effectLst/>
+                <a:latin typeface="Times New Roman" panose="02020603050405020304" charset="0"/>
+                <a:cs typeface="Times New Roman" panose="02020603050405020304" charset="0"/>
+              </a:rPr>
+              <a:t>Business Problem Definition</a:t>
+            </a:r>
+            <a:endParaRPr lang="en-US" sz="7200" b="0" i="0" dirty="0">
+              <a:solidFill>
+                <a:srgbClr val="2D3B45"/>
+              </a:solidFill>
+              <a:effectLst/>
+              <a:latin typeface="Times New Roman" panose="02020603050405020304" charset="0"/>
+              <a:cs typeface="Times New Roman" panose="02020603050405020304" charset="0"/>
+            </a:endParaRPr>
+          </a:p>
+          <a:p>
+            <a:pPr marL="0" indent="0">
+              <a:spcAft>
+                <a:spcPts val="450"/>
+              </a:spcAft>
+              <a:buFont typeface="+mj-lt"/>
+              <a:buNone/>
+            </a:pPr>
+            <a:r>
+              <a:rPr lang="en-GB" altLang="en-US" sz="7200" b="0" i="0" dirty="0">
+                <a:solidFill>
+                  <a:srgbClr val="2D3B45"/>
+                </a:solidFill>
+                <a:effectLst/>
+                <a:latin typeface="Times New Roman" panose="02020603050405020304" charset="0"/>
+                <a:cs typeface="Times New Roman" panose="02020603050405020304" charset="0"/>
+              </a:rPr>
+              <a:t>2. </a:t>
+            </a:r>
+            <a:r>
+              <a:rPr lang="en-US" sz="7200" b="0" i="0" dirty="0">
+                <a:solidFill>
+                  <a:srgbClr val="2D3B45"/>
+                </a:solidFill>
+                <a:effectLst/>
+                <a:latin typeface="Times New Roman" panose="02020603050405020304" charset="0"/>
+                <a:cs typeface="Times New Roman" panose="02020603050405020304" charset="0"/>
+              </a:rPr>
+              <a:t>Business Understanding</a:t>
+            </a:r>
+            <a:endParaRPr lang="en-US" sz="7200" b="0" i="0" dirty="0">
+              <a:solidFill>
+                <a:srgbClr val="2D3B45"/>
+              </a:solidFill>
+              <a:effectLst/>
+              <a:latin typeface="Times New Roman" panose="02020603050405020304" charset="0"/>
+              <a:cs typeface="Times New Roman" panose="02020603050405020304" charset="0"/>
+            </a:endParaRPr>
+          </a:p>
+          <a:p>
+            <a:pPr marL="0" indent="0">
+              <a:spcAft>
+                <a:spcPts val="450"/>
+              </a:spcAft>
+              <a:buFont typeface="+mj-lt"/>
+              <a:buNone/>
+            </a:pPr>
+            <a:r>
+              <a:rPr lang="en-GB" altLang="en-US" sz="7200" b="0" i="0" dirty="0">
+                <a:solidFill>
+                  <a:srgbClr val="2D3B45"/>
+                </a:solidFill>
+                <a:effectLst/>
+                <a:latin typeface="Times New Roman" panose="02020603050405020304" charset="0"/>
+                <a:cs typeface="Times New Roman" panose="02020603050405020304" charset="0"/>
+              </a:rPr>
+              <a:t>3. </a:t>
+            </a:r>
+            <a:r>
+              <a:rPr lang="en-GB" altLang="en-US" sz="7200" dirty="0">
+                <a:solidFill>
+                  <a:srgbClr val="2D3B45"/>
+                </a:solidFill>
+                <a:effectLst/>
+                <a:latin typeface="Times New Roman" panose="02020603050405020304" charset="0"/>
+                <a:cs typeface="Times New Roman" panose="02020603050405020304" charset="0"/>
+                <a:sym typeface="+mn-ea"/>
+              </a:rPr>
+              <a:t>Data</a:t>
+            </a:r>
+            <a:endParaRPr lang="en-GB" altLang="en-US" sz="7200" dirty="0">
+              <a:solidFill>
+                <a:srgbClr val="2D3B45"/>
+              </a:solidFill>
+              <a:effectLst/>
+              <a:latin typeface="Times New Roman" panose="02020603050405020304" charset="0"/>
+              <a:cs typeface="Times New Roman" panose="02020603050405020304" charset="0"/>
+              <a:sym typeface="+mn-ea"/>
+            </a:endParaRPr>
+          </a:p>
+          <a:p>
+            <a:pPr marL="0" indent="0">
+              <a:spcAft>
+                <a:spcPts val="450"/>
+              </a:spcAft>
+              <a:buFont typeface="+mj-lt"/>
+              <a:buNone/>
+            </a:pPr>
+            <a:r>
+              <a:rPr lang="en-GB" altLang="en-US" sz="7200" dirty="0">
+                <a:solidFill>
+                  <a:srgbClr val="2D3B45"/>
+                </a:solidFill>
+                <a:effectLst/>
+                <a:latin typeface="Times New Roman" panose="02020603050405020304" charset="0"/>
+                <a:cs typeface="Times New Roman" panose="02020603050405020304" charset="0"/>
+                <a:sym typeface="+mn-ea"/>
+              </a:rPr>
+              <a:t>4. </a:t>
+            </a:r>
+            <a:r>
+              <a:rPr lang="en-GB" altLang="en-US" sz="7200" b="0" i="0" dirty="0">
+                <a:solidFill>
+                  <a:srgbClr val="2D3B45"/>
+                </a:solidFill>
+                <a:effectLst/>
+                <a:latin typeface="Times New Roman" panose="02020603050405020304" charset="0"/>
+                <a:cs typeface="Times New Roman" panose="02020603050405020304" charset="0"/>
+              </a:rPr>
+              <a:t>Modelling Tools used</a:t>
+            </a:r>
+            <a:endParaRPr lang="en-GB" altLang="en-US" sz="7200" b="0" i="0" dirty="0">
+              <a:solidFill>
+                <a:srgbClr val="2D3B45"/>
+              </a:solidFill>
+              <a:effectLst/>
+              <a:latin typeface="Times New Roman" panose="02020603050405020304" charset="0"/>
+              <a:cs typeface="Times New Roman" panose="02020603050405020304" charset="0"/>
+            </a:endParaRPr>
+          </a:p>
+          <a:p>
+            <a:pPr marL="0" indent="0">
+              <a:spcAft>
+                <a:spcPts val="450"/>
+              </a:spcAft>
+              <a:buFont typeface="+mj-lt"/>
+              <a:buNone/>
+            </a:pPr>
+            <a:r>
+              <a:rPr lang="en-GB" altLang="en-US" sz="7200" b="0" i="0" dirty="0">
+                <a:solidFill>
+                  <a:srgbClr val="2D3B45"/>
+                </a:solidFill>
+                <a:effectLst/>
+                <a:latin typeface="Times New Roman" panose="02020603050405020304" charset="0"/>
+                <a:cs typeface="Times New Roman" panose="02020603050405020304" charset="0"/>
+              </a:rPr>
+              <a:t>5. </a:t>
+            </a:r>
+            <a:r>
+              <a:rPr lang="en-US" sz="7200" b="0" i="0" dirty="0">
+                <a:solidFill>
+                  <a:srgbClr val="2D3B45"/>
+                </a:solidFill>
+                <a:effectLst/>
+                <a:latin typeface="Times New Roman" panose="02020603050405020304" charset="0"/>
+                <a:cs typeface="Times New Roman" panose="02020603050405020304" charset="0"/>
+              </a:rPr>
+              <a:t>Data Understan</a:t>
+            </a:r>
+            <a:r>
+              <a:rPr lang="en-GB" altLang="en-US" sz="7200" b="0" i="0" dirty="0">
+                <a:solidFill>
+                  <a:srgbClr val="2D3B45"/>
+                </a:solidFill>
+                <a:effectLst/>
+                <a:latin typeface="Times New Roman" panose="02020603050405020304" charset="0"/>
+                <a:cs typeface="Times New Roman" panose="02020603050405020304" charset="0"/>
+              </a:rPr>
+              <a:t>ding</a:t>
+            </a:r>
+            <a:endParaRPr lang="en-GB" altLang="en-US" sz="7200" b="0" i="0" dirty="0">
+              <a:solidFill>
+                <a:srgbClr val="2D3B45"/>
+              </a:solidFill>
+              <a:effectLst/>
+              <a:latin typeface="Times New Roman" panose="02020603050405020304" charset="0"/>
+              <a:cs typeface="Times New Roman" panose="02020603050405020304" charset="0"/>
+            </a:endParaRPr>
+          </a:p>
+          <a:p>
+            <a:pPr marL="0" indent="0">
+              <a:spcAft>
+                <a:spcPts val="450"/>
+              </a:spcAft>
+              <a:buFont typeface="+mj-lt"/>
+              <a:buNone/>
+            </a:pPr>
+            <a:r>
+              <a:rPr lang="en-GB" altLang="en-US" sz="7200" b="0" i="0" dirty="0">
+                <a:solidFill>
+                  <a:srgbClr val="2D3B45"/>
+                </a:solidFill>
+                <a:effectLst/>
+                <a:latin typeface="Times New Roman" panose="02020603050405020304" charset="0"/>
+                <a:cs typeface="Times New Roman" panose="02020603050405020304" charset="0"/>
+              </a:rPr>
+              <a:t>6. Data Preprocessing</a:t>
+            </a:r>
+            <a:endParaRPr lang="en-GB" altLang="en-US" sz="7200" b="0" i="0" dirty="0">
+              <a:solidFill>
+                <a:srgbClr val="2D3B45"/>
+              </a:solidFill>
+              <a:effectLst/>
+              <a:latin typeface="Times New Roman" panose="02020603050405020304" charset="0"/>
+              <a:cs typeface="Times New Roman" panose="02020603050405020304" charset="0"/>
+            </a:endParaRPr>
+          </a:p>
+          <a:p>
+            <a:pPr marL="0" indent="0">
+              <a:spcAft>
+                <a:spcPts val="450"/>
+              </a:spcAft>
+              <a:buFont typeface="+mj-lt"/>
+              <a:buNone/>
+            </a:pPr>
+            <a:r>
+              <a:rPr lang="en-GB" altLang="en-US" sz="7200" b="0" i="0" dirty="0">
+                <a:solidFill>
+                  <a:srgbClr val="2D3B45"/>
+                </a:solidFill>
+                <a:effectLst/>
+                <a:latin typeface="Times New Roman" panose="02020603050405020304" charset="0"/>
+                <a:cs typeface="Times New Roman" panose="02020603050405020304" charset="0"/>
+              </a:rPr>
+              <a:t>7. Modelling</a:t>
+            </a:r>
+            <a:endParaRPr lang="en-GB" altLang="en-US" sz="7200" b="0" i="0" dirty="0">
+              <a:solidFill>
+                <a:srgbClr val="2D3B45"/>
+              </a:solidFill>
+              <a:effectLst/>
+              <a:latin typeface="Times New Roman" panose="02020603050405020304" charset="0"/>
+              <a:cs typeface="Times New Roman" panose="02020603050405020304" charset="0"/>
+            </a:endParaRPr>
+          </a:p>
+          <a:p>
+            <a:pPr marL="0" indent="0">
+              <a:spcAft>
+                <a:spcPts val="450"/>
+              </a:spcAft>
+              <a:buFont typeface="+mj-lt"/>
+              <a:buNone/>
+            </a:pPr>
+            <a:r>
+              <a:rPr lang="en-GB" altLang="en-US" sz="7200" b="0" i="0" dirty="0">
+                <a:solidFill>
+                  <a:srgbClr val="2D3B45"/>
+                </a:solidFill>
+                <a:effectLst/>
+                <a:latin typeface="Times New Roman" panose="02020603050405020304" charset="0"/>
+                <a:cs typeface="Times New Roman" panose="02020603050405020304" charset="0"/>
+              </a:rPr>
+              <a:t>8. Visualizations</a:t>
+            </a:r>
+            <a:endParaRPr lang="en-GB" altLang="en-US" sz="7200" b="0" i="0" dirty="0">
+              <a:solidFill>
+                <a:srgbClr val="2D3B45"/>
+              </a:solidFill>
+              <a:effectLst/>
+              <a:latin typeface="Times New Roman" panose="02020603050405020304" charset="0"/>
+              <a:cs typeface="Times New Roman" panose="02020603050405020304" charset="0"/>
+            </a:endParaRPr>
+          </a:p>
+          <a:p>
+            <a:pPr marL="0" indent="0">
+              <a:spcAft>
+                <a:spcPts val="450"/>
+              </a:spcAft>
+              <a:buFont typeface="+mj-lt"/>
+              <a:buNone/>
+            </a:pPr>
+            <a:r>
+              <a:rPr lang="en-GB" altLang="en-US" sz="7200" b="0" i="0" dirty="0">
+                <a:solidFill>
+                  <a:srgbClr val="2D3B45"/>
+                </a:solidFill>
+                <a:effectLst/>
+                <a:latin typeface="Times New Roman" panose="02020603050405020304" charset="0"/>
+                <a:cs typeface="Times New Roman" panose="02020603050405020304" charset="0"/>
+              </a:rPr>
+              <a:t>9. Model Evaluation</a:t>
+            </a:r>
+            <a:endParaRPr lang="en-GB" altLang="en-US" sz="7200" b="0" i="0" dirty="0">
+              <a:solidFill>
+                <a:srgbClr val="2D3B45"/>
+              </a:solidFill>
+              <a:effectLst/>
+              <a:latin typeface="Times New Roman" panose="02020603050405020304" charset="0"/>
+              <a:cs typeface="Times New Roman" panose="02020603050405020304" charset="0"/>
+            </a:endParaRPr>
+          </a:p>
+          <a:p>
+            <a:pPr marL="0" indent="0">
+              <a:spcAft>
+                <a:spcPts val="450"/>
+              </a:spcAft>
+              <a:buFont typeface="+mj-lt"/>
+              <a:buNone/>
+            </a:pPr>
+            <a:r>
+              <a:rPr lang="en-GB" altLang="en-US" sz="7200" b="0" i="0" dirty="0">
+                <a:solidFill>
+                  <a:srgbClr val="2D3B45"/>
+                </a:solidFill>
+                <a:effectLst/>
+                <a:latin typeface="Times New Roman" panose="02020603050405020304" charset="0"/>
+                <a:cs typeface="Times New Roman" panose="02020603050405020304" charset="0"/>
+              </a:rPr>
+              <a:t>10. Insights</a:t>
+            </a:r>
+            <a:endParaRPr lang="en-GB" altLang="en-US" sz="7200" b="0" i="0" dirty="0">
+              <a:solidFill>
+                <a:srgbClr val="2D3B45"/>
+              </a:solidFill>
+              <a:effectLst/>
+              <a:latin typeface="Times New Roman" panose="02020603050405020304" charset="0"/>
+              <a:cs typeface="Times New Roman" panose="02020603050405020304" charset="0"/>
+            </a:endParaRPr>
+          </a:p>
+          <a:p>
+            <a:pPr marL="0" indent="0">
+              <a:spcAft>
+                <a:spcPts val="450"/>
+              </a:spcAft>
+              <a:buFont typeface="+mj-lt"/>
+              <a:buNone/>
+            </a:pPr>
+            <a:r>
+              <a:rPr lang="en-GB" altLang="en-US" sz="7200" b="0" i="0" dirty="0">
+                <a:solidFill>
+                  <a:srgbClr val="2D3B45"/>
+                </a:solidFill>
+                <a:effectLst/>
+                <a:latin typeface="Times New Roman" panose="02020603050405020304" charset="0"/>
+                <a:cs typeface="Times New Roman" panose="02020603050405020304" charset="0"/>
+              </a:rPr>
+              <a:t>11. Conclusion</a:t>
+            </a:r>
+            <a:endParaRPr lang="en-GB" altLang="en-US" sz="7200" b="0" i="0" dirty="0">
+              <a:solidFill>
+                <a:srgbClr val="2D3B45"/>
+              </a:solidFill>
+              <a:effectLst/>
+              <a:latin typeface="Times New Roman" panose="02020603050405020304" charset="0"/>
+              <a:cs typeface="Times New Roman" panose="02020603050405020304" charset="0"/>
+            </a:endParaRPr>
+          </a:p>
+          <a:p>
+            <a:pPr marL="0" indent="0">
+              <a:spcAft>
+                <a:spcPts val="450"/>
+              </a:spcAft>
+              <a:buFont typeface="+mj-lt"/>
+              <a:buNone/>
+            </a:pPr>
+            <a:r>
+              <a:rPr lang="en-GB" altLang="en-US" sz="7200" b="0" i="0" dirty="0">
+                <a:solidFill>
+                  <a:srgbClr val="2D3B45"/>
+                </a:solidFill>
+                <a:effectLst/>
+                <a:latin typeface="Times New Roman" panose="02020603050405020304" charset="0"/>
+                <a:cs typeface="Times New Roman" panose="02020603050405020304" charset="0"/>
+              </a:rPr>
+              <a:t>12. Future Improvement Strategies</a:t>
+            </a:r>
+            <a:endParaRPr lang="en-GB" altLang="en-US" sz="7200" b="0" i="0" dirty="0">
+              <a:solidFill>
+                <a:srgbClr val="2D3B45"/>
+              </a:solidFill>
+              <a:effectLst/>
+              <a:latin typeface="Times New Roman" panose="02020603050405020304" charset="0"/>
+              <a:cs typeface="Times New Roman" panose="02020603050405020304" charset="0"/>
+            </a:endParaRPr>
+          </a:p>
+          <a:p>
+            <a:pPr marL="0" indent="0">
+              <a:spcAft>
+                <a:spcPts val="450"/>
+              </a:spcAft>
+              <a:buFont typeface="+mj-lt"/>
+              <a:buNone/>
+            </a:pPr>
+            <a:endParaRPr lang="en-GB" altLang="en-US" sz="7200" b="0" i="0" dirty="0">
               <a:solidFill>
                 <a:srgbClr val="2D3B45"/>
               </a:solidFill>
@@ -6956,310 +7517,6 @@
               <a:buFont typeface="+mj-lt"/>
               <a:buAutoNum type="arabicPeriod"/>
             </a:pPr>
-            <a:r>
-              <a:rPr lang="en-US" sz="7200" b="0" i="0" dirty="0">
-                <a:solidFill>
-                  <a:srgbClr val="2D3B45"/>
-                </a:solidFill>
-                <a:effectLst/>
-                <a:latin typeface="Times New Roman" panose="02020603050405020304" charset="0"/>
-                <a:cs typeface="Times New Roman" panose="02020603050405020304" charset="0"/>
-              </a:rPr>
-              <a:t>Business Problem Definition</a:t>
-            </a:r>
-            <a:endParaRPr lang="en-US" sz="7200" b="0" i="0" dirty="0">
-              <a:solidFill>
-                <a:srgbClr val="2D3B45"/>
-              </a:solidFill>
-              <a:effectLst/>
-              <a:latin typeface="Times New Roman" panose="02020603050405020304" charset="0"/>
-              <a:cs typeface="Times New Roman" panose="02020603050405020304" charset="0"/>
-            </a:endParaRPr>
-          </a:p>
-          <a:p>
-            <a:pPr>
-              <a:spcAft>
-                <a:spcPts val="450"/>
-              </a:spcAft>
-              <a:buFont typeface="+mj-lt"/>
-              <a:buAutoNum type="arabicPeriod"/>
-            </a:pPr>
-            <a:r>
-              <a:rPr lang="en-US" sz="7200" b="0" i="0" dirty="0">
-                <a:solidFill>
-                  <a:srgbClr val="2D3B45"/>
-                </a:solidFill>
-                <a:effectLst/>
-                <a:latin typeface="Times New Roman" panose="02020603050405020304" charset="0"/>
-                <a:cs typeface="Times New Roman" panose="02020603050405020304" charset="0"/>
-              </a:rPr>
-              <a:t>Business Understanding</a:t>
-            </a:r>
-            <a:endParaRPr lang="en-US" sz="7200" b="0" i="0" dirty="0">
-              <a:solidFill>
-                <a:srgbClr val="2D3B45"/>
-              </a:solidFill>
-              <a:effectLst/>
-              <a:latin typeface="Times New Roman" panose="02020603050405020304" charset="0"/>
-              <a:cs typeface="Times New Roman" panose="02020603050405020304" charset="0"/>
-            </a:endParaRPr>
-          </a:p>
-          <a:p>
-            <a:pPr>
-              <a:spcAft>
-                <a:spcPts val="450"/>
-              </a:spcAft>
-              <a:buFont typeface="+mj-lt"/>
-              <a:buAutoNum type="arabicPeriod"/>
-            </a:pPr>
-            <a:r>
-              <a:rPr lang="en-GB" altLang="en-US" sz="7200" dirty="0">
-                <a:solidFill>
-                  <a:srgbClr val="2D3B45"/>
-                </a:solidFill>
-                <a:effectLst/>
-                <a:latin typeface="Times New Roman" panose="02020603050405020304" charset="0"/>
-                <a:cs typeface="Times New Roman" panose="02020603050405020304" charset="0"/>
-                <a:sym typeface="+mn-ea"/>
-              </a:rPr>
-              <a:t>Data</a:t>
-            </a:r>
-            <a:endParaRPr lang="en-GB" altLang="en-US" sz="7200" dirty="0">
-              <a:solidFill>
-                <a:srgbClr val="2D3B45"/>
-              </a:solidFill>
-              <a:effectLst/>
-              <a:latin typeface="Times New Roman" panose="02020603050405020304" charset="0"/>
-              <a:cs typeface="Times New Roman" panose="02020603050405020304" charset="0"/>
-              <a:sym typeface="+mn-ea"/>
-            </a:endParaRPr>
-          </a:p>
-          <a:p>
-            <a:pPr>
-              <a:spcAft>
-                <a:spcPts val="450"/>
-              </a:spcAft>
-              <a:buFont typeface="+mj-lt"/>
-              <a:buAutoNum type="arabicPeriod"/>
-            </a:pPr>
-            <a:r>
-              <a:rPr lang="en-GB" altLang="en-US" sz="7200" b="0" i="0" dirty="0">
-                <a:solidFill>
-                  <a:srgbClr val="2D3B45"/>
-                </a:solidFill>
-                <a:effectLst/>
-                <a:latin typeface="Times New Roman" panose="02020603050405020304" charset="0"/>
-                <a:cs typeface="Times New Roman" panose="02020603050405020304" charset="0"/>
-              </a:rPr>
-              <a:t>Modelling Tools used</a:t>
-            </a:r>
-            <a:endParaRPr lang="en-GB" altLang="en-US" sz="7200" b="0" i="0" dirty="0">
-              <a:solidFill>
-                <a:srgbClr val="2D3B45"/>
-              </a:solidFill>
-              <a:effectLst/>
-              <a:latin typeface="Times New Roman" panose="02020603050405020304" charset="0"/>
-              <a:cs typeface="Times New Roman" panose="02020603050405020304" charset="0"/>
-            </a:endParaRPr>
-          </a:p>
-          <a:p>
-            <a:pPr>
-              <a:spcAft>
-                <a:spcPts val="450"/>
-              </a:spcAft>
-              <a:buFont typeface="+mj-lt"/>
-              <a:buAutoNum type="arabicPeriod"/>
-            </a:pPr>
-            <a:r>
-              <a:rPr lang="en-US" sz="7200" b="0" i="0" dirty="0">
-                <a:solidFill>
-                  <a:srgbClr val="2D3B45"/>
-                </a:solidFill>
-                <a:effectLst/>
-                <a:latin typeface="Times New Roman" panose="02020603050405020304" charset="0"/>
-                <a:cs typeface="Times New Roman" panose="02020603050405020304" charset="0"/>
-              </a:rPr>
-              <a:t>Data Understan</a:t>
-            </a:r>
-            <a:r>
-              <a:rPr lang="en-GB" altLang="en-US" sz="7200" b="0" i="0" dirty="0">
-                <a:solidFill>
-                  <a:srgbClr val="2D3B45"/>
-                </a:solidFill>
-                <a:effectLst/>
-                <a:latin typeface="Times New Roman" panose="02020603050405020304" charset="0"/>
-                <a:cs typeface="Times New Roman" panose="02020603050405020304" charset="0"/>
-              </a:rPr>
-              <a:t>ding</a:t>
-            </a:r>
-            <a:endParaRPr lang="en-GB" altLang="en-US" sz="7200" b="0" i="0" dirty="0">
-              <a:solidFill>
-                <a:srgbClr val="2D3B45"/>
-              </a:solidFill>
-              <a:effectLst/>
-              <a:latin typeface="Times New Roman" panose="02020603050405020304" charset="0"/>
-              <a:cs typeface="Times New Roman" panose="02020603050405020304" charset="0"/>
-            </a:endParaRPr>
-          </a:p>
-          <a:p>
-            <a:pPr>
-              <a:spcAft>
-                <a:spcPts val="450"/>
-              </a:spcAft>
-              <a:buFont typeface="+mj-lt"/>
-              <a:buAutoNum type="arabicPeriod"/>
-            </a:pPr>
-            <a:r>
-              <a:rPr lang="en-GB" altLang="en-US" sz="7200" b="0" i="0" dirty="0">
-                <a:solidFill>
-                  <a:srgbClr val="2D3B45"/>
-                </a:solidFill>
-                <a:effectLst/>
-                <a:latin typeface="Times New Roman" panose="02020603050405020304" charset="0"/>
-                <a:cs typeface="Times New Roman" panose="02020603050405020304" charset="0"/>
-              </a:rPr>
-              <a:t>Data Preprocessing</a:t>
-            </a:r>
-            <a:endParaRPr lang="en-GB" altLang="en-US" sz="7200" b="0" i="0" dirty="0">
-              <a:solidFill>
-                <a:srgbClr val="2D3B45"/>
-              </a:solidFill>
-              <a:effectLst/>
-              <a:latin typeface="Times New Roman" panose="02020603050405020304" charset="0"/>
-              <a:cs typeface="Times New Roman" panose="02020603050405020304" charset="0"/>
-            </a:endParaRPr>
-          </a:p>
-          <a:p>
-            <a:pPr>
-              <a:spcAft>
-                <a:spcPts val="450"/>
-              </a:spcAft>
-              <a:buFont typeface="+mj-lt"/>
-              <a:buAutoNum type="arabicPeriod"/>
-            </a:pPr>
-            <a:r>
-              <a:rPr lang="en-GB" altLang="en-US" sz="7200" b="0" i="0" dirty="0">
-                <a:solidFill>
-                  <a:srgbClr val="2D3B45"/>
-                </a:solidFill>
-                <a:effectLst/>
-                <a:latin typeface="Times New Roman" panose="02020603050405020304" charset="0"/>
-                <a:cs typeface="Times New Roman" panose="02020603050405020304" charset="0"/>
-              </a:rPr>
-              <a:t>Modelling</a:t>
-            </a:r>
-            <a:endParaRPr lang="en-GB" altLang="en-US" sz="7200" b="0" i="0" dirty="0">
-              <a:solidFill>
-                <a:srgbClr val="2D3B45"/>
-              </a:solidFill>
-              <a:effectLst/>
-              <a:latin typeface="Times New Roman" panose="02020603050405020304" charset="0"/>
-              <a:cs typeface="Times New Roman" panose="02020603050405020304" charset="0"/>
-            </a:endParaRPr>
-          </a:p>
-          <a:p>
-            <a:pPr>
-              <a:spcAft>
-                <a:spcPts val="450"/>
-              </a:spcAft>
-              <a:buFont typeface="+mj-lt"/>
-              <a:buAutoNum type="arabicPeriod"/>
-            </a:pPr>
-            <a:r>
-              <a:rPr lang="en-GB" altLang="en-US" sz="7200" b="0" i="0" dirty="0">
-                <a:solidFill>
-                  <a:srgbClr val="2D3B45"/>
-                </a:solidFill>
-                <a:effectLst/>
-                <a:latin typeface="Times New Roman" panose="02020603050405020304" charset="0"/>
-                <a:cs typeface="Times New Roman" panose="02020603050405020304" charset="0"/>
-              </a:rPr>
-              <a:t>Visualizations</a:t>
-            </a:r>
-            <a:endParaRPr lang="en-GB" altLang="en-US" sz="7200" b="0" i="0" dirty="0">
-              <a:solidFill>
-                <a:srgbClr val="2D3B45"/>
-              </a:solidFill>
-              <a:effectLst/>
-              <a:latin typeface="Times New Roman" panose="02020603050405020304" charset="0"/>
-              <a:cs typeface="Times New Roman" panose="02020603050405020304" charset="0"/>
-            </a:endParaRPr>
-          </a:p>
-          <a:p>
-            <a:pPr>
-              <a:spcAft>
-                <a:spcPts val="450"/>
-              </a:spcAft>
-              <a:buFont typeface="+mj-lt"/>
-              <a:buAutoNum type="arabicPeriod"/>
-            </a:pPr>
-            <a:r>
-              <a:rPr lang="en-GB" altLang="en-US" sz="7200" b="0" i="0" dirty="0">
-                <a:solidFill>
-                  <a:srgbClr val="2D3B45"/>
-                </a:solidFill>
-                <a:effectLst/>
-                <a:latin typeface="Times New Roman" panose="02020603050405020304" charset="0"/>
-                <a:cs typeface="Times New Roman" panose="02020603050405020304" charset="0"/>
-              </a:rPr>
-              <a:t>Evaluation</a:t>
-            </a:r>
-            <a:endParaRPr lang="en-GB" altLang="en-US" sz="7200" b="0" i="0" dirty="0">
-              <a:solidFill>
-                <a:srgbClr val="2D3B45"/>
-              </a:solidFill>
-              <a:effectLst/>
-              <a:latin typeface="Times New Roman" panose="02020603050405020304" charset="0"/>
-              <a:cs typeface="Times New Roman" panose="02020603050405020304" charset="0"/>
-            </a:endParaRPr>
-          </a:p>
-          <a:p>
-            <a:pPr>
-              <a:spcAft>
-                <a:spcPts val="450"/>
-              </a:spcAft>
-              <a:buFont typeface="+mj-lt"/>
-              <a:buAutoNum type="arabicPeriod"/>
-            </a:pPr>
-            <a:r>
-              <a:rPr lang="en-GB" altLang="en-US" sz="7200" b="0" i="0" dirty="0">
-                <a:solidFill>
-                  <a:srgbClr val="2D3B45"/>
-                </a:solidFill>
-                <a:effectLst/>
-                <a:latin typeface="Times New Roman" panose="02020603050405020304" charset="0"/>
-                <a:cs typeface="Times New Roman" panose="02020603050405020304" charset="0"/>
-              </a:rPr>
-              <a:t>Findings</a:t>
-            </a:r>
-            <a:endParaRPr lang="en-GB" altLang="en-US" sz="7200" b="0" i="0" dirty="0">
-              <a:solidFill>
-                <a:srgbClr val="2D3B45"/>
-              </a:solidFill>
-              <a:effectLst/>
-              <a:latin typeface="Times New Roman" panose="02020603050405020304" charset="0"/>
-              <a:cs typeface="Times New Roman" panose="02020603050405020304" charset="0"/>
-            </a:endParaRPr>
-          </a:p>
-          <a:p>
-            <a:pPr>
-              <a:spcAft>
-                <a:spcPts val="450"/>
-              </a:spcAft>
-              <a:buFont typeface="+mj-lt"/>
-              <a:buAutoNum type="arabicPeriod"/>
-            </a:pPr>
-            <a:r>
-              <a:rPr lang="en-GB" altLang="en-US" sz="7200" b="0" i="0" dirty="0">
-                <a:solidFill>
-                  <a:srgbClr val="2D3B45"/>
-                </a:solidFill>
-                <a:effectLst/>
-                <a:latin typeface="Times New Roman" panose="02020603050405020304" charset="0"/>
-                <a:cs typeface="Times New Roman" panose="02020603050405020304" charset="0"/>
-              </a:rPr>
-              <a:t>Conclusion</a:t>
-            </a:r>
             <a:endParaRPr lang="en-GB" altLang="en-US" sz="7200" b="0" i="0" dirty="0">
               <a:solidFill>
                 <a:srgbClr val="2D3B45"/>
